--- a/presentation/SOC.pptx
+++ b/presentation/SOC.pptx
@@ -4,6 +4,9 @@
   <p:sldMasterIdLst>
     <p:sldMasterId id="2147483648" r:id="rId1"/>
   </p:sldMasterIdLst>
+  <p:notesMasterIdLst>
+    <p:notesMasterId r:id="rId31"/>
+  </p:notesMasterIdLst>
   <p:sldIdLst>
     <p:sldId id="256" r:id="rId2"/>
     <p:sldId id="257" r:id="rId3"/>
@@ -19,12 +22,21 @@
     <p:sldId id="263" r:id="rId13"/>
     <p:sldId id="276" r:id="rId14"/>
     <p:sldId id="264" r:id="rId15"/>
-    <p:sldId id="265" r:id="rId16"/>
-    <p:sldId id="266" r:id="rId17"/>
-    <p:sldId id="267" r:id="rId18"/>
-    <p:sldId id="268" r:id="rId19"/>
-    <p:sldId id="269" r:id="rId20"/>
-    <p:sldId id="270" r:id="rId21"/>
+    <p:sldId id="285" r:id="rId16"/>
+    <p:sldId id="265" r:id="rId17"/>
+    <p:sldId id="282" r:id="rId18"/>
+    <p:sldId id="283" r:id="rId19"/>
+    <p:sldId id="266" r:id="rId20"/>
+    <p:sldId id="284" r:id="rId21"/>
+    <p:sldId id="267" r:id="rId22"/>
+    <p:sldId id="268" r:id="rId23"/>
+    <p:sldId id="269" r:id="rId24"/>
+    <p:sldId id="278" r:id="rId25"/>
+    <p:sldId id="277" r:id="rId26"/>
+    <p:sldId id="280" r:id="rId27"/>
+    <p:sldId id="279" r:id="rId28"/>
+    <p:sldId id="281" r:id="rId29"/>
+    <p:sldId id="270" r:id="rId30"/>
   </p:sldIdLst>
   <p:sldSz cx="9144000" cy="6858000" type="screen4x3"/>
   <p:notesSz cx="6858000" cy="9144000"/>
@@ -126,6 +138,2016 @@
 </p:presentation>
 </file>
 
+<file path=ppt/notesMasters/notesMaster1.xml><?xml version="1.0" encoding="utf-8"?>
+<p:notesMaster xmlns:a="http://schemas.openxmlformats.org/drawingml/2006/main" xmlns:r="http://schemas.openxmlformats.org/officeDocument/2006/relationships" xmlns:p="http://schemas.openxmlformats.org/presentationml/2006/main">
+  <p:cSld>
+    <p:bg>
+      <p:bgRef idx="1001">
+        <a:schemeClr val="bg1"/>
+      </p:bgRef>
+    </p:bg>
+    <p:spTree>
+      <p:nvGrpSpPr>
+        <p:cNvPr id="1" name=""/>
+        <p:cNvGrpSpPr/>
+        <p:nvPr/>
+      </p:nvGrpSpPr>
+      <p:grpSpPr>
+        <a:xfrm>
+          <a:off x="0" y="0"/>
+          <a:ext cx="0" cy="0"/>
+          <a:chOff x="0" y="0"/>
+          <a:chExt cx="0" cy="0"/>
+        </a:xfrm>
+      </p:grpSpPr>
+      <p:sp>
+        <p:nvSpPr>
+          <p:cNvPr id="2" name="Header Placeholder 1"/>
+          <p:cNvSpPr>
+            <a:spLocks noGrp="1"/>
+          </p:cNvSpPr>
+          <p:nvPr>
+            <p:ph type="hdr" sz="quarter"/>
+          </p:nvPr>
+        </p:nvSpPr>
+        <p:spPr>
+          <a:xfrm>
+            <a:off x="0" y="0"/>
+            <a:ext cx="2971800" cy="457200"/>
+          </a:xfrm>
+          <a:prstGeom prst="rect">
+            <a:avLst/>
+          </a:prstGeom>
+        </p:spPr>
+        <p:txBody>
+          <a:bodyPr vert="horz" lIns="91440" tIns="45720" rIns="91440" bIns="45720" rtlCol="0"/>
+          <a:lstStyle>
+            <a:lvl1pPr algn="l">
+              <a:defRPr sz="1200"/>
+            </a:lvl1pPr>
+          </a:lstStyle>
+          <a:p>
+            <a:endParaRPr lang="de-CH"/>
+          </a:p>
+        </p:txBody>
+      </p:sp>
+      <p:sp>
+        <p:nvSpPr>
+          <p:cNvPr id="3" name="Date Placeholder 2"/>
+          <p:cNvSpPr>
+            <a:spLocks noGrp="1"/>
+          </p:cNvSpPr>
+          <p:nvPr>
+            <p:ph type="dt" idx="1"/>
+          </p:nvPr>
+        </p:nvSpPr>
+        <p:spPr>
+          <a:xfrm>
+            <a:off x="3884613" y="0"/>
+            <a:ext cx="2971800" cy="457200"/>
+          </a:xfrm>
+          <a:prstGeom prst="rect">
+            <a:avLst/>
+          </a:prstGeom>
+        </p:spPr>
+        <p:txBody>
+          <a:bodyPr vert="horz" lIns="91440" tIns="45720" rIns="91440" bIns="45720" rtlCol="0"/>
+          <a:lstStyle>
+            <a:lvl1pPr algn="r">
+              <a:defRPr sz="1200"/>
+            </a:lvl1pPr>
+          </a:lstStyle>
+          <a:p>
+            <a:fld id="{E6AFD673-4C51-4D85-AC20-CD132BD182D8}" type="datetimeFigureOut">
+              <a:rPr lang="de-CH" smtClean="0"/>
+              <a:pPr/>
+              <a:t>18.12.2012</a:t>
+            </a:fld>
+            <a:endParaRPr lang="de-CH"/>
+          </a:p>
+        </p:txBody>
+      </p:sp>
+      <p:sp>
+        <p:nvSpPr>
+          <p:cNvPr id="4" name="Slide Image Placeholder 3"/>
+          <p:cNvSpPr>
+            <a:spLocks noGrp="1" noRot="1" noChangeAspect="1"/>
+          </p:cNvSpPr>
+          <p:nvPr>
+            <p:ph type="sldImg" idx="2"/>
+          </p:nvPr>
+        </p:nvSpPr>
+        <p:spPr>
+          <a:xfrm>
+            <a:off x="1143000" y="685800"/>
+            <a:ext cx="4572000" cy="3429000"/>
+          </a:xfrm>
+          <a:prstGeom prst="rect">
+            <a:avLst/>
+          </a:prstGeom>
+          <a:noFill/>
+          <a:ln w="12700">
+            <a:solidFill>
+              <a:prstClr val="black"/>
+            </a:solidFill>
+          </a:ln>
+        </p:spPr>
+        <p:txBody>
+          <a:bodyPr vert="horz" lIns="91440" tIns="45720" rIns="91440" bIns="45720" rtlCol="0" anchor="ctr"/>
+          <a:lstStyle/>
+          <a:p>
+            <a:endParaRPr lang="de-CH"/>
+          </a:p>
+        </p:txBody>
+      </p:sp>
+      <p:sp>
+        <p:nvSpPr>
+          <p:cNvPr id="5" name="Notes Placeholder 4"/>
+          <p:cNvSpPr>
+            <a:spLocks noGrp="1"/>
+          </p:cNvSpPr>
+          <p:nvPr>
+            <p:ph type="body" sz="quarter" idx="3"/>
+          </p:nvPr>
+        </p:nvSpPr>
+        <p:spPr>
+          <a:xfrm>
+            <a:off x="685800" y="4343400"/>
+            <a:ext cx="5486400" cy="4114800"/>
+          </a:xfrm>
+          <a:prstGeom prst="rect">
+            <a:avLst/>
+          </a:prstGeom>
+        </p:spPr>
+        <p:txBody>
+          <a:bodyPr vert="horz" lIns="91440" tIns="45720" rIns="91440" bIns="45720" rtlCol="0"/>
+          <a:lstStyle/>
+          <a:p>
+            <a:pPr lvl="0"/>
+            <a:r>
+              <a:rPr lang="en-US" smtClean="0"/>
+              <a:t>Click to edit Master text styles</a:t>
+            </a:r>
+          </a:p>
+          <a:p>
+            <a:pPr lvl="1"/>
+            <a:r>
+              <a:rPr lang="en-US" smtClean="0"/>
+              <a:t>Second level</a:t>
+            </a:r>
+          </a:p>
+          <a:p>
+            <a:pPr lvl="2"/>
+            <a:r>
+              <a:rPr lang="en-US" smtClean="0"/>
+              <a:t>Third level</a:t>
+            </a:r>
+          </a:p>
+          <a:p>
+            <a:pPr lvl="3"/>
+            <a:r>
+              <a:rPr lang="en-US" smtClean="0"/>
+              <a:t>Fourth level</a:t>
+            </a:r>
+          </a:p>
+          <a:p>
+            <a:pPr lvl="4"/>
+            <a:r>
+              <a:rPr lang="en-US" smtClean="0"/>
+              <a:t>Fifth level</a:t>
+            </a:r>
+            <a:endParaRPr lang="de-CH"/>
+          </a:p>
+        </p:txBody>
+      </p:sp>
+      <p:sp>
+        <p:nvSpPr>
+          <p:cNvPr id="6" name="Footer Placeholder 5"/>
+          <p:cNvSpPr>
+            <a:spLocks noGrp="1"/>
+          </p:cNvSpPr>
+          <p:nvPr>
+            <p:ph type="ftr" sz="quarter" idx="4"/>
+          </p:nvPr>
+        </p:nvSpPr>
+        <p:spPr>
+          <a:xfrm>
+            <a:off x="0" y="8685213"/>
+            <a:ext cx="2971800" cy="457200"/>
+          </a:xfrm>
+          <a:prstGeom prst="rect">
+            <a:avLst/>
+          </a:prstGeom>
+        </p:spPr>
+        <p:txBody>
+          <a:bodyPr vert="horz" lIns="91440" tIns="45720" rIns="91440" bIns="45720" rtlCol="0" anchor="b"/>
+          <a:lstStyle>
+            <a:lvl1pPr algn="l">
+              <a:defRPr sz="1200"/>
+            </a:lvl1pPr>
+          </a:lstStyle>
+          <a:p>
+            <a:endParaRPr lang="de-CH"/>
+          </a:p>
+        </p:txBody>
+      </p:sp>
+      <p:sp>
+        <p:nvSpPr>
+          <p:cNvPr id="7" name="Slide Number Placeholder 6"/>
+          <p:cNvSpPr>
+            <a:spLocks noGrp="1"/>
+          </p:cNvSpPr>
+          <p:nvPr>
+            <p:ph type="sldNum" sz="quarter" idx="5"/>
+          </p:nvPr>
+        </p:nvSpPr>
+        <p:spPr>
+          <a:xfrm>
+            <a:off x="3884613" y="8685213"/>
+            <a:ext cx="2971800" cy="457200"/>
+          </a:xfrm>
+          <a:prstGeom prst="rect">
+            <a:avLst/>
+          </a:prstGeom>
+        </p:spPr>
+        <p:txBody>
+          <a:bodyPr vert="horz" lIns="91440" tIns="45720" rIns="91440" bIns="45720" rtlCol="0" anchor="b"/>
+          <a:lstStyle>
+            <a:lvl1pPr algn="r">
+              <a:defRPr sz="1200"/>
+            </a:lvl1pPr>
+          </a:lstStyle>
+          <a:p>
+            <a:fld id="{878DF776-9CA7-4382-93BE-39D879C0F4FF}" type="slidenum">
+              <a:rPr lang="de-CH" smtClean="0"/>
+              <a:pPr/>
+              <a:t>‹#›</a:t>
+            </a:fld>
+            <a:endParaRPr lang="de-CH"/>
+          </a:p>
+        </p:txBody>
+      </p:sp>
+    </p:spTree>
+    <p:extLst>
+      <p:ext uri="{BB962C8B-B14F-4D97-AF65-F5344CB8AC3E}">
+        <p14:creationId xmlns:p14="http://schemas.microsoft.com/office/powerpoint/2010/main" xmlns="" val="3407685633"/>
+      </p:ext>
+    </p:extLst>
+  </p:cSld>
+  <p:clrMap bg1="lt1" tx1="dk1" bg2="lt2" tx2="dk2" accent1="accent1" accent2="accent2" accent3="accent3" accent4="accent4" accent5="accent5" accent6="accent6" hlink="hlink" folHlink="folHlink"/>
+  <p:notesStyle>
+    <a:lvl1pPr marL="0" algn="l" defTabSz="914400" rtl="0" eaLnBrk="1" latinLnBrk="0" hangingPunct="1">
+      <a:defRPr sz="1200" kern="1200">
+        <a:solidFill>
+          <a:schemeClr val="tx1"/>
+        </a:solidFill>
+        <a:latin typeface="+mn-lt"/>
+        <a:ea typeface="+mn-ea"/>
+        <a:cs typeface="+mn-cs"/>
+      </a:defRPr>
+    </a:lvl1pPr>
+    <a:lvl2pPr marL="457200" algn="l" defTabSz="914400" rtl="0" eaLnBrk="1" latinLnBrk="0" hangingPunct="1">
+      <a:defRPr sz="1200" kern="1200">
+        <a:solidFill>
+          <a:schemeClr val="tx1"/>
+        </a:solidFill>
+        <a:latin typeface="+mn-lt"/>
+        <a:ea typeface="+mn-ea"/>
+        <a:cs typeface="+mn-cs"/>
+      </a:defRPr>
+    </a:lvl2pPr>
+    <a:lvl3pPr marL="914400" algn="l" defTabSz="914400" rtl="0" eaLnBrk="1" latinLnBrk="0" hangingPunct="1">
+      <a:defRPr sz="1200" kern="1200">
+        <a:solidFill>
+          <a:schemeClr val="tx1"/>
+        </a:solidFill>
+        <a:latin typeface="+mn-lt"/>
+        <a:ea typeface="+mn-ea"/>
+        <a:cs typeface="+mn-cs"/>
+      </a:defRPr>
+    </a:lvl3pPr>
+    <a:lvl4pPr marL="1371600" algn="l" defTabSz="914400" rtl="0" eaLnBrk="1" latinLnBrk="0" hangingPunct="1">
+      <a:defRPr sz="1200" kern="1200">
+        <a:solidFill>
+          <a:schemeClr val="tx1"/>
+        </a:solidFill>
+        <a:latin typeface="+mn-lt"/>
+        <a:ea typeface="+mn-ea"/>
+        <a:cs typeface="+mn-cs"/>
+      </a:defRPr>
+    </a:lvl4pPr>
+    <a:lvl5pPr marL="1828800" algn="l" defTabSz="914400" rtl="0" eaLnBrk="1" latinLnBrk="0" hangingPunct="1">
+      <a:defRPr sz="1200" kern="1200">
+        <a:solidFill>
+          <a:schemeClr val="tx1"/>
+        </a:solidFill>
+        <a:latin typeface="+mn-lt"/>
+        <a:ea typeface="+mn-ea"/>
+        <a:cs typeface="+mn-cs"/>
+      </a:defRPr>
+    </a:lvl5pPr>
+    <a:lvl6pPr marL="2286000" algn="l" defTabSz="914400" rtl="0" eaLnBrk="1" latinLnBrk="0" hangingPunct="1">
+      <a:defRPr sz="1200" kern="1200">
+        <a:solidFill>
+          <a:schemeClr val="tx1"/>
+        </a:solidFill>
+        <a:latin typeface="+mn-lt"/>
+        <a:ea typeface="+mn-ea"/>
+        <a:cs typeface="+mn-cs"/>
+      </a:defRPr>
+    </a:lvl6pPr>
+    <a:lvl7pPr marL="2743200" algn="l" defTabSz="914400" rtl="0" eaLnBrk="1" latinLnBrk="0" hangingPunct="1">
+      <a:defRPr sz="1200" kern="1200">
+        <a:solidFill>
+          <a:schemeClr val="tx1"/>
+        </a:solidFill>
+        <a:latin typeface="+mn-lt"/>
+        <a:ea typeface="+mn-ea"/>
+        <a:cs typeface="+mn-cs"/>
+      </a:defRPr>
+    </a:lvl7pPr>
+    <a:lvl8pPr marL="3200400" algn="l" defTabSz="914400" rtl="0" eaLnBrk="1" latinLnBrk="0" hangingPunct="1">
+      <a:defRPr sz="1200" kern="1200">
+        <a:solidFill>
+          <a:schemeClr val="tx1"/>
+        </a:solidFill>
+        <a:latin typeface="+mn-lt"/>
+        <a:ea typeface="+mn-ea"/>
+        <a:cs typeface="+mn-cs"/>
+      </a:defRPr>
+    </a:lvl8pPr>
+    <a:lvl9pPr marL="3657600" algn="l" defTabSz="914400" rtl="0" eaLnBrk="1" latinLnBrk="0" hangingPunct="1">
+      <a:defRPr sz="1200" kern="1200">
+        <a:solidFill>
+          <a:schemeClr val="tx1"/>
+        </a:solidFill>
+        <a:latin typeface="+mn-lt"/>
+        <a:ea typeface="+mn-ea"/>
+        <a:cs typeface="+mn-cs"/>
+      </a:defRPr>
+    </a:lvl9pPr>
+  </p:notesStyle>
+</p:notesMaster>
+</file>
+
+<file path=ppt/notesSlides/notesSlide1.xml><?xml version="1.0" encoding="utf-8"?>
+<p:notes xmlns:a="http://schemas.openxmlformats.org/drawingml/2006/main" xmlns:r="http://schemas.openxmlformats.org/officeDocument/2006/relationships" xmlns:p="http://schemas.openxmlformats.org/presentationml/2006/main">
+  <p:cSld>
+    <p:spTree>
+      <p:nvGrpSpPr>
+        <p:cNvPr id="1" name=""/>
+        <p:cNvGrpSpPr/>
+        <p:nvPr/>
+      </p:nvGrpSpPr>
+      <p:grpSpPr>
+        <a:xfrm>
+          <a:off x="0" y="0"/>
+          <a:ext cx="0" cy="0"/>
+          <a:chOff x="0" y="0"/>
+          <a:chExt cx="0" cy="0"/>
+        </a:xfrm>
+      </p:grpSpPr>
+      <p:sp>
+        <p:nvSpPr>
+          <p:cNvPr id="2" name="Slide Image Placeholder 1"/>
+          <p:cNvSpPr>
+            <a:spLocks noGrp="1" noRot="1" noChangeAspect="1"/>
+          </p:cNvSpPr>
+          <p:nvPr>
+            <p:ph type="sldImg"/>
+          </p:nvPr>
+        </p:nvSpPr>
+        <p:spPr/>
+      </p:sp>
+      <p:sp>
+        <p:nvSpPr>
+          <p:cNvPr id="3" name="Notes Placeholder 2"/>
+          <p:cNvSpPr>
+            <a:spLocks noGrp="1"/>
+          </p:cNvSpPr>
+          <p:nvPr>
+            <p:ph type="body" idx="1"/>
+          </p:nvPr>
+        </p:nvSpPr>
+        <p:spPr/>
+        <p:txBody>
+          <a:bodyPr/>
+          <a:lstStyle/>
+          <a:p>
+            <a:r>
+              <a:rPr lang="de-CH" dirty="0" smtClean="0"/>
+              <a:t>Find a </a:t>
+            </a:r>
+            <a:r>
+              <a:rPr lang="de-CH" dirty="0" err="1" smtClean="0"/>
+              <a:t>cartoon</a:t>
+            </a:r>
+            <a:r>
+              <a:rPr lang="de-CH" dirty="0" smtClean="0"/>
+              <a:t> </a:t>
+            </a:r>
+            <a:r>
+              <a:rPr lang="de-CH" dirty="0" err="1" smtClean="0"/>
+              <a:t>fire</a:t>
+            </a:r>
+            <a:r>
+              <a:rPr lang="de-CH" dirty="0" smtClean="0"/>
+              <a:t> </a:t>
+            </a:r>
+            <a:r>
+              <a:rPr lang="de-CH" dirty="0" err="1" smtClean="0"/>
+              <a:t>to</a:t>
+            </a:r>
+            <a:r>
+              <a:rPr lang="de-CH" dirty="0" smtClean="0"/>
+              <a:t> </a:t>
+            </a:r>
+            <a:r>
+              <a:rPr lang="de-CH" dirty="0" err="1" smtClean="0"/>
+              <a:t>add</a:t>
+            </a:r>
+            <a:r>
+              <a:rPr lang="de-CH" dirty="0" smtClean="0"/>
+              <a:t> her</a:t>
+            </a:r>
+            <a:endParaRPr lang="de-CH" dirty="0"/>
+          </a:p>
+        </p:txBody>
+      </p:sp>
+      <p:sp>
+        <p:nvSpPr>
+          <p:cNvPr id="4" name="Slide Number Placeholder 3"/>
+          <p:cNvSpPr>
+            <a:spLocks noGrp="1"/>
+          </p:cNvSpPr>
+          <p:nvPr>
+            <p:ph type="sldNum" sz="quarter" idx="10"/>
+          </p:nvPr>
+        </p:nvSpPr>
+        <p:spPr/>
+        <p:txBody>
+          <a:bodyPr/>
+          <a:lstStyle/>
+          <a:p>
+            <a:fld id="{878DF776-9CA7-4382-93BE-39D879C0F4FF}" type="slidenum">
+              <a:rPr lang="de-CH" smtClean="0"/>
+              <a:pPr/>
+              <a:t>2</a:t>
+            </a:fld>
+            <a:endParaRPr lang="de-CH"/>
+          </a:p>
+        </p:txBody>
+      </p:sp>
+    </p:spTree>
+    <p:extLst>
+      <p:ext uri="{BB962C8B-B14F-4D97-AF65-F5344CB8AC3E}">
+        <p14:creationId xmlns:p14="http://schemas.microsoft.com/office/powerpoint/2010/main" xmlns="" val="739351720"/>
+      </p:ext>
+    </p:extLst>
+  </p:cSld>
+  <p:clrMapOvr>
+    <a:masterClrMapping/>
+  </p:clrMapOvr>
+</p:notes>
+</file>
+
+<file path=ppt/notesSlides/notesSlide10.xml><?xml version="1.0" encoding="utf-8"?>
+<p:notes xmlns:a="http://schemas.openxmlformats.org/drawingml/2006/main" xmlns:r="http://schemas.openxmlformats.org/officeDocument/2006/relationships" xmlns:p="http://schemas.openxmlformats.org/presentationml/2006/main">
+  <p:cSld>
+    <p:spTree>
+      <p:nvGrpSpPr>
+        <p:cNvPr id="1" name=""/>
+        <p:cNvGrpSpPr/>
+        <p:nvPr/>
+      </p:nvGrpSpPr>
+      <p:grpSpPr>
+        <a:xfrm>
+          <a:off x="0" y="0"/>
+          <a:ext cx="0" cy="0"/>
+          <a:chOff x="0" y="0"/>
+          <a:chExt cx="0" cy="0"/>
+        </a:xfrm>
+      </p:grpSpPr>
+      <p:sp>
+        <p:nvSpPr>
+          <p:cNvPr id="2" name="Slide Image Placeholder 1"/>
+          <p:cNvSpPr>
+            <a:spLocks noGrp="1" noRot="1" noChangeAspect="1"/>
+          </p:cNvSpPr>
+          <p:nvPr>
+            <p:ph type="sldImg"/>
+          </p:nvPr>
+        </p:nvSpPr>
+        <p:spPr/>
+      </p:sp>
+      <p:sp>
+        <p:nvSpPr>
+          <p:cNvPr id="3" name="Notes Placeholder 2"/>
+          <p:cNvSpPr>
+            <a:spLocks noGrp="1"/>
+          </p:cNvSpPr>
+          <p:nvPr>
+            <p:ph type="body" idx="1"/>
+          </p:nvPr>
+        </p:nvSpPr>
+        <p:spPr/>
+        <p:txBody>
+          <a:bodyPr/>
+          <a:lstStyle/>
+          <a:p>
+            <a:r>
+              <a:rPr lang="de-CH" dirty="0" smtClean="0"/>
+              <a:t>Michael</a:t>
+            </a:r>
+            <a:endParaRPr lang="de-CH" dirty="0"/>
+          </a:p>
+        </p:txBody>
+      </p:sp>
+      <p:sp>
+        <p:nvSpPr>
+          <p:cNvPr id="4" name="Slide Number Placeholder 3"/>
+          <p:cNvSpPr>
+            <a:spLocks noGrp="1"/>
+          </p:cNvSpPr>
+          <p:nvPr>
+            <p:ph type="sldNum" sz="quarter" idx="10"/>
+          </p:nvPr>
+        </p:nvSpPr>
+        <p:spPr/>
+        <p:txBody>
+          <a:bodyPr/>
+          <a:lstStyle/>
+          <a:p>
+            <a:fld id="{878DF776-9CA7-4382-93BE-39D879C0F4FF}" type="slidenum">
+              <a:rPr lang="de-CH" smtClean="0"/>
+              <a:pPr/>
+              <a:t>12</a:t>
+            </a:fld>
+            <a:endParaRPr lang="de-CH"/>
+          </a:p>
+        </p:txBody>
+      </p:sp>
+    </p:spTree>
+    <p:extLst>
+      <p:ext uri="{BB962C8B-B14F-4D97-AF65-F5344CB8AC3E}">
+        <p14:creationId xmlns:p14="http://schemas.microsoft.com/office/powerpoint/2010/main" xmlns="" val="5197774"/>
+      </p:ext>
+    </p:extLst>
+  </p:cSld>
+  <p:clrMapOvr>
+    <a:masterClrMapping/>
+  </p:clrMapOvr>
+</p:notes>
+</file>
+
+<file path=ppt/notesSlides/notesSlide11.xml><?xml version="1.0" encoding="utf-8"?>
+<p:notes xmlns:a="http://schemas.openxmlformats.org/drawingml/2006/main" xmlns:r="http://schemas.openxmlformats.org/officeDocument/2006/relationships" xmlns:p="http://schemas.openxmlformats.org/presentationml/2006/main">
+  <p:cSld>
+    <p:spTree>
+      <p:nvGrpSpPr>
+        <p:cNvPr id="1" name=""/>
+        <p:cNvGrpSpPr/>
+        <p:nvPr/>
+      </p:nvGrpSpPr>
+      <p:grpSpPr>
+        <a:xfrm>
+          <a:off x="0" y="0"/>
+          <a:ext cx="0" cy="0"/>
+          <a:chOff x="0" y="0"/>
+          <a:chExt cx="0" cy="0"/>
+        </a:xfrm>
+      </p:grpSpPr>
+      <p:sp>
+        <p:nvSpPr>
+          <p:cNvPr id="2" name="Slide Image Placeholder 1"/>
+          <p:cNvSpPr>
+            <a:spLocks noGrp="1" noRot="1" noChangeAspect="1"/>
+          </p:cNvSpPr>
+          <p:nvPr>
+            <p:ph type="sldImg"/>
+          </p:nvPr>
+        </p:nvSpPr>
+        <p:spPr/>
+      </p:sp>
+      <p:sp>
+        <p:nvSpPr>
+          <p:cNvPr id="3" name="Notes Placeholder 2"/>
+          <p:cNvSpPr>
+            <a:spLocks noGrp="1"/>
+          </p:cNvSpPr>
+          <p:nvPr>
+            <p:ph type="body" idx="1"/>
+          </p:nvPr>
+        </p:nvSpPr>
+        <p:spPr/>
+        <p:txBody>
+          <a:bodyPr/>
+          <a:lstStyle/>
+          <a:p>
+            <a:r>
+              <a:rPr lang="de-CH" dirty="0" err="1" smtClean="0"/>
+              <a:t>Nishant</a:t>
+            </a:r>
+            <a:endParaRPr lang="de-CH" dirty="0"/>
+          </a:p>
+        </p:txBody>
+      </p:sp>
+      <p:sp>
+        <p:nvSpPr>
+          <p:cNvPr id="4" name="Slide Number Placeholder 3"/>
+          <p:cNvSpPr>
+            <a:spLocks noGrp="1"/>
+          </p:cNvSpPr>
+          <p:nvPr>
+            <p:ph type="sldNum" sz="quarter" idx="10"/>
+          </p:nvPr>
+        </p:nvSpPr>
+        <p:spPr/>
+        <p:txBody>
+          <a:bodyPr/>
+          <a:lstStyle/>
+          <a:p>
+            <a:fld id="{878DF776-9CA7-4382-93BE-39D879C0F4FF}" type="slidenum">
+              <a:rPr lang="de-CH" smtClean="0"/>
+              <a:pPr/>
+              <a:t>14</a:t>
+            </a:fld>
+            <a:endParaRPr lang="de-CH"/>
+          </a:p>
+        </p:txBody>
+      </p:sp>
+    </p:spTree>
+    <p:extLst>
+      <p:ext uri="{BB962C8B-B14F-4D97-AF65-F5344CB8AC3E}">
+        <p14:creationId xmlns:p14="http://schemas.microsoft.com/office/powerpoint/2010/main" xmlns="" val="1328257457"/>
+      </p:ext>
+    </p:extLst>
+  </p:cSld>
+  <p:clrMapOvr>
+    <a:masterClrMapping/>
+  </p:clrMapOvr>
+</p:notes>
+</file>
+
+<file path=ppt/notesSlides/notesSlide12.xml><?xml version="1.0" encoding="utf-8"?>
+<p:notes xmlns:a="http://schemas.openxmlformats.org/drawingml/2006/main" xmlns:r="http://schemas.openxmlformats.org/officeDocument/2006/relationships" xmlns:p="http://schemas.openxmlformats.org/presentationml/2006/main">
+  <p:cSld>
+    <p:spTree>
+      <p:nvGrpSpPr>
+        <p:cNvPr id="1" name=""/>
+        <p:cNvGrpSpPr/>
+        <p:nvPr/>
+      </p:nvGrpSpPr>
+      <p:grpSpPr>
+        <a:xfrm>
+          <a:off x="0" y="0"/>
+          <a:ext cx="0" cy="0"/>
+          <a:chOff x="0" y="0"/>
+          <a:chExt cx="0" cy="0"/>
+        </a:xfrm>
+      </p:grpSpPr>
+      <p:sp>
+        <p:nvSpPr>
+          <p:cNvPr id="2" name="Slide Image Placeholder 1"/>
+          <p:cNvSpPr>
+            <a:spLocks noGrp="1" noRot="1" noChangeAspect="1"/>
+          </p:cNvSpPr>
+          <p:nvPr>
+            <p:ph type="sldImg"/>
+          </p:nvPr>
+        </p:nvSpPr>
+        <p:spPr/>
+      </p:sp>
+      <p:sp>
+        <p:nvSpPr>
+          <p:cNvPr id="3" name="Notes Placeholder 2"/>
+          <p:cNvSpPr>
+            <a:spLocks noGrp="1"/>
+          </p:cNvSpPr>
+          <p:nvPr>
+            <p:ph type="body" idx="1"/>
+          </p:nvPr>
+        </p:nvSpPr>
+        <p:spPr/>
+        <p:txBody>
+          <a:bodyPr/>
+          <a:lstStyle/>
+          <a:p>
+            <a:r>
+              <a:rPr lang="de-CH" dirty="0" smtClean="0"/>
+              <a:t>…</a:t>
+            </a:r>
+            <a:endParaRPr lang="de-CH" dirty="0"/>
+          </a:p>
+        </p:txBody>
+      </p:sp>
+      <p:sp>
+        <p:nvSpPr>
+          <p:cNvPr id="4" name="Slide Number Placeholder 3"/>
+          <p:cNvSpPr>
+            <a:spLocks noGrp="1"/>
+          </p:cNvSpPr>
+          <p:nvPr>
+            <p:ph type="sldNum" sz="quarter" idx="10"/>
+          </p:nvPr>
+        </p:nvSpPr>
+        <p:spPr/>
+        <p:txBody>
+          <a:bodyPr/>
+          <a:lstStyle/>
+          <a:p>
+            <a:fld id="{878DF776-9CA7-4382-93BE-39D879C0F4FF}" type="slidenum">
+              <a:rPr lang="de-CH" smtClean="0"/>
+              <a:pPr/>
+              <a:t>16</a:t>
+            </a:fld>
+            <a:endParaRPr lang="de-CH"/>
+          </a:p>
+        </p:txBody>
+      </p:sp>
+    </p:spTree>
+    <p:extLst>
+      <p:ext uri="{BB962C8B-B14F-4D97-AF65-F5344CB8AC3E}">
+        <p14:creationId xmlns:p14="http://schemas.microsoft.com/office/powerpoint/2010/main" xmlns="" val="3603489507"/>
+      </p:ext>
+    </p:extLst>
+  </p:cSld>
+  <p:clrMapOvr>
+    <a:masterClrMapping/>
+  </p:clrMapOvr>
+</p:notes>
+</file>
+
+<file path=ppt/notesSlides/notesSlide13.xml><?xml version="1.0" encoding="utf-8"?>
+<p:notes xmlns:a="http://schemas.openxmlformats.org/drawingml/2006/main" xmlns:r="http://schemas.openxmlformats.org/officeDocument/2006/relationships" xmlns:p="http://schemas.openxmlformats.org/presentationml/2006/main">
+  <p:cSld>
+    <p:spTree>
+      <p:nvGrpSpPr>
+        <p:cNvPr id="1" name=""/>
+        <p:cNvGrpSpPr/>
+        <p:nvPr/>
+      </p:nvGrpSpPr>
+      <p:grpSpPr>
+        <a:xfrm>
+          <a:off x="0" y="0"/>
+          <a:ext cx="0" cy="0"/>
+          <a:chOff x="0" y="0"/>
+          <a:chExt cx="0" cy="0"/>
+        </a:xfrm>
+      </p:grpSpPr>
+      <p:sp>
+        <p:nvSpPr>
+          <p:cNvPr id="2" name="Slide Image Placeholder 1"/>
+          <p:cNvSpPr>
+            <a:spLocks noGrp="1" noRot="1" noChangeAspect="1"/>
+          </p:cNvSpPr>
+          <p:nvPr>
+            <p:ph type="sldImg"/>
+          </p:nvPr>
+        </p:nvSpPr>
+        <p:spPr/>
+      </p:sp>
+      <p:sp>
+        <p:nvSpPr>
+          <p:cNvPr id="3" name="Notes Placeholder 2"/>
+          <p:cNvSpPr>
+            <a:spLocks noGrp="1"/>
+          </p:cNvSpPr>
+          <p:nvPr>
+            <p:ph type="body" idx="1"/>
+          </p:nvPr>
+        </p:nvSpPr>
+        <p:spPr/>
+        <p:txBody>
+          <a:bodyPr/>
+          <a:lstStyle/>
+          <a:p>
+            <a:r>
+              <a:rPr lang="de-CH" dirty="0" smtClean="0"/>
+              <a:t>…</a:t>
+            </a:r>
+            <a:endParaRPr lang="de-CH" dirty="0"/>
+          </a:p>
+        </p:txBody>
+      </p:sp>
+      <p:sp>
+        <p:nvSpPr>
+          <p:cNvPr id="4" name="Slide Number Placeholder 3"/>
+          <p:cNvSpPr>
+            <a:spLocks noGrp="1"/>
+          </p:cNvSpPr>
+          <p:nvPr>
+            <p:ph type="sldNum" sz="quarter" idx="10"/>
+          </p:nvPr>
+        </p:nvSpPr>
+        <p:spPr/>
+        <p:txBody>
+          <a:bodyPr/>
+          <a:lstStyle/>
+          <a:p>
+            <a:fld id="{878DF776-9CA7-4382-93BE-39D879C0F4FF}" type="slidenum">
+              <a:rPr lang="de-CH" smtClean="0"/>
+              <a:pPr/>
+              <a:t>19</a:t>
+            </a:fld>
+            <a:endParaRPr lang="de-CH"/>
+          </a:p>
+        </p:txBody>
+      </p:sp>
+    </p:spTree>
+    <p:extLst>
+      <p:ext uri="{BB962C8B-B14F-4D97-AF65-F5344CB8AC3E}">
+        <p14:creationId xmlns:p14="http://schemas.microsoft.com/office/powerpoint/2010/main" xmlns="" val="224299408"/>
+      </p:ext>
+    </p:extLst>
+  </p:cSld>
+  <p:clrMapOvr>
+    <a:masterClrMapping/>
+  </p:clrMapOvr>
+</p:notes>
+</file>
+
+<file path=ppt/notesSlides/notesSlide14.xml><?xml version="1.0" encoding="utf-8"?>
+<p:notes xmlns:a="http://schemas.openxmlformats.org/drawingml/2006/main" xmlns:r="http://schemas.openxmlformats.org/officeDocument/2006/relationships" xmlns:p="http://schemas.openxmlformats.org/presentationml/2006/main">
+  <p:cSld>
+    <p:spTree>
+      <p:nvGrpSpPr>
+        <p:cNvPr id="1" name=""/>
+        <p:cNvGrpSpPr/>
+        <p:nvPr/>
+      </p:nvGrpSpPr>
+      <p:grpSpPr>
+        <a:xfrm>
+          <a:off x="0" y="0"/>
+          <a:ext cx="0" cy="0"/>
+          <a:chOff x="0" y="0"/>
+          <a:chExt cx="0" cy="0"/>
+        </a:xfrm>
+      </p:grpSpPr>
+      <p:sp>
+        <p:nvSpPr>
+          <p:cNvPr id="2" name="Slide Image Placeholder 1"/>
+          <p:cNvSpPr>
+            <a:spLocks noGrp="1" noRot="1" noChangeAspect="1"/>
+          </p:cNvSpPr>
+          <p:nvPr>
+            <p:ph type="sldImg"/>
+          </p:nvPr>
+        </p:nvSpPr>
+        <p:spPr/>
+      </p:sp>
+      <p:sp>
+        <p:nvSpPr>
+          <p:cNvPr id="3" name="Notes Placeholder 2"/>
+          <p:cNvSpPr>
+            <a:spLocks noGrp="1"/>
+          </p:cNvSpPr>
+          <p:nvPr>
+            <p:ph type="body" idx="1"/>
+          </p:nvPr>
+        </p:nvSpPr>
+        <p:spPr/>
+        <p:txBody>
+          <a:bodyPr/>
+          <a:lstStyle/>
+          <a:p>
+            <a:r>
+              <a:rPr lang="de-CH" dirty="0" smtClean="0"/>
+              <a:t>Michael</a:t>
+            </a:r>
+            <a:endParaRPr lang="de-CH" dirty="0"/>
+          </a:p>
+        </p:txBody>
+      </p:sp>
+      <p:sp>
+        <p:nvSpPr>
+          <p:cNvPr id="4" name="Slide Number Placeholder 3"/>
+          <p:cNvSpPr>
+            <a:spLocks noGrp="1"/>
+          </p:cNvSpPr>
+          <p:nvPr>
+            <p:ph type="sldNum" sz="quarter" idx="10"/>
+          </p:nvPr>
+        </p:nvSpPr>
+        <p:spPr/>
+        <p:txBody>
+          <a:bodyPr/>
+          <a:lstStyle/>
+          <a:p>
+            <a:fld id="{878DF776-9CA7-4382-93BE-39D879C0F4FF}" type="slidenum">
+              <a:rPr lang="de-CH" smtClean="0"/>
+              <a:pPr/>
+              <a:t>21</a:t>
+            </a:fld>
+            <a:endParaRPr lang="de-CH"/>
+          </a:p>
+        </p:txBody>
+      </p:sp>
+    </p:spTree>
+    <p:extLst>
+      <p:ext uri="{BB962C8B-B14F-4D97-AF65-F5344CB8AC3E}">
+        <p14:creationId xmlns:p14="http://schemas.microsoft.com/office/powerpoint/2010/main" xmlns="" val="4146485545"/>
+      </p:ext>
+    </p:extLst>
+  </p:cSld>
+  <p:clrMapOvr>
+    <a:masterClrMapping/>
+  </p:clrMapOvr>
+</p:notes>
+</file>
+
+<file path=ppt/notesSlides/notesSlide15.xml><?xml version="1.0" encoding="utf-8"?>
+<p:notes xmlns:a="http://schemas.openxmlformats.org/drawingml/2006/main" xmlns:r="http://schemas.openxmlformats.org/officeDocument/2006/relationships" xmlns:p="http://schemas.openxmlformats.org/presentationml/2006/main">
+  <p:cSld>
+    <p:spTree>
+      <p:nvGrpSpPr>
+        <p:cNvPr id="1" name=""/>
+        <p:cNvGrpSpPr/>
+        <p:nvPr/>
+      </p:nvGrpSpPr>
+      <p:grpSpPr>
+        <a:xfrm>
+          <a:off x="0" y="0"/>
+          <a:ext cx="0" cy="0"/>
+          <a:chOff x="0" y="0"/>
+          <a:chExt cx="0" cy="0"/>
+        </a:xfrm>
+      </p:grpSpPr>
+      <p:sp>
+        <p:nvSpPr>
+          <p:cNvPr id="2" name="Slide Image Placeholder 1"/>
+          <p:cNvSpPr>
+            <a:spLocks noGrp="1" noRot="1" noChangeAspect="1"/>
+          </p:cNvSpPr>
+          <p:nvPr>
+            <p:ph type="sldImg"/>
+          </p:nvPr>
+        </p:nvSpPr>
+        <p:spPr/>
+      </p:sp>
+      <p:sp>
+        <p:nvSpPr>
+          <p:cNvPr id="3" name="Notes Placeholder 2"/>
+          <p:cNvSpPr>
+            <a:spLocks noGrp="1"/>
+          </p:cNvSpPr>
+          <p:nvPr>
+            <p:ph type="body" idx="1"/>
+          </p:nvPr>
+        </p:nvSpPr>
+        <p:spPr/>
+        <p:txBody>
+          <a:bodyPr/>
+          <a:lstStyle/>
+          <a:p>
+            <a:r>
+              <a:rPr lang="de-CH" dirty="0" smtClean="0"/>
+              <a:t>…</a:t>
+            </a:r>
+            <a:endParaRPr lang="de-CH" dirty="0"/>
+          </a:p>
+        </p:txBody>
+      </p:sp>
+      <p:sp>
+        <p:nvSpPr>
+          <p:cNvPr id="4" name="Slide Number Placeholder 3"/>
+          <p:cNvSpPr>
+            <a:spLocks noGrp="1"/>
+          </p:cNvSpPr>
+          <p:nvPr>
+            <p:ph type="sldNum" sz="quarter" idx="10"/>
+          </p:nvPr>
+        </p:nvSpPr>
+        <p:spPr/>
+        <p:txBody>
+          <a:bodyPr/>
+          <a:lstStyle/>
+          <a:p>
+            <a:fld id="{878DF776-9CA7-4382-93BE-39D879C0F4FF}" type="slidenum">
+              <a:rPr lang="de-CH" smtClean="0"/>
+              <a:pPr/>
+              <a:t>22</a:t>
+            </a:fld>
+            <a:endParaRPr lang="de-CH"/>
+          </a:p>
+        </p:txBody>
+      </p:sp>
+    </p:spTree>
+    <p:extLst>
+      <p:ext uri="{BB962C8B-B14F-4D97-AF65-F5344CB8AC3E}">
+        <p14:creationId xmlns:p14="http://schemas.microsoft.com/office/powerpoint/2010/main" xmlns="" val="1853204546"/>
+      </p:ext>
+    </p:extLst>
+  </p:cSld>
+  <p:clrMapOvr>
+    <a:masterClrMapping/>
+  </p:clrMapOvr>
+</p:notes>
+</file>
+
+<file path=ppt/notesSlides/notesSlide16.xml><?xml version="1.0" encoding="utf-8"?>
+<p:notes xmlns:a="http://schemas.openxmlformats.org/drawingml/2006/main" xmlns:r="http://schemas.openxmlformats.org/officeDocument/2006/relationships" xmlns:p="http://schemas.openxmlformats.org/presentationml/2006/main">
+  <p:cSld>
+    <p:spTree>
+      <p:nvGrpSpPr>
+        <p:cNvPr id="1" name=""/>
+        <p:cNvGrpSpPr/>
+        <p:nvPr/>
+      </p:nvGrpSpPr>
+      <p:grpSpPr>
+        <a:xfrm>
+          <a:off x="0" y="0"/>
+          <a:ext cx="0" cy="0"/>
+          <a:chOff x="0" y="0"/>
+          <a:chExt cx="0" cy="0"/>
+        </a:xfrm>
+      </p:grpSpPr>
+      <p:sp>
+        <p:nvSpPr>
+          <p:cNvPr id="2" name="Slide Image Placeholder 1"/>
+          <p:cNvSpPr>
+            <a:spLocks noGrp="1" noRot="1" noChangeAspect="1"/>
+          </p:cNvSpPr>
+          <p:nvPr>
+            <p:ph type="sldImg"/>
+          </p:nvPr>
+        </p:nvSpPr>
+        <p:spPr/>
+      </p:sp>
+      <p:sp>
+        <p:nvSpPr>
+          <p:cNvPr id="3" name="Notes Placeholder 2"/>
+          <p:cNvSpPr>
+            <a:spLocks noGrp="1"/>
+          </p:cNvSpPr>
+          <p:nvPr>
+            <p:ph type="body" idx="1"/>
+          </p:nvPr>
+        </p:nvSpPr>
+        <p:spPr/>
+        <p:txBody>
+          <a:bodyPr/>
+          <a:lstStyle/>
+          <a:p>
+            <a:r>
+              <a:rPr lang="de-CH" dirty="0" smtClean="0"/>
+              <a:t>…</a:t>
+            </a:r>
+            <a:endParaRPr lang="de-CH" dirty="0"/>
+          </a:p>
+        </p:txBody>
+      </p:sp>
+      <p:sp>
+        <p:nvSpPr>
+          <p:cNvPr id="4" name="Slide Number Placeholder 3"/>
+          <p:cNvSpPr>
+            <a:spLocks noGrp="1"/>
+          </p:cNvSpPr>
+          <p:nvPr>
+            <p:ph type="sldNum" sz="quarter" idx="10"/>
+          </p:nvPr>
+        </p:nvSpPr>
+        <p:spPr/>
+        <p:txBody>
+          <a:bodyPr/>
+          <a:lstStyle/>
+          <a:p>
+            <a:fld id="{878DF776-9CA7-4382-93BE-39D879C0F4FF}" type="slidenum">
+              <a:rPr lang="de-CH" smtClean="0"/>
+              <a:pPr/>
+              <a:t>27</a:t>
+            </a:fld>
+            <a:endParaRPr lang="de-CH"/>
+          </a:p>
+        </p:txBody>
+      </p:sp>
+    </p:spTree>
+    <p:extLst>
+      <p:ext uri="{BB962C8B-B14F-4D97-AF65-F5344CB8AC3E}">
+        <p14:creationId xmlns:p14="http://schemas.microsoft.com/office/powerpoint/2010/main" xmlns="" val="2914506253"/>
+      </p:ext>
+    </p:extLst>
+  </p:cSld>
+  <p:clrMapOvr>
+    <a:masterClrMapping/>
+  </p:clrMapOvr>
+</p:notes>
+</file>
+
+<file path=ppt/notesSlides/notesSlide17.xml><?xml version="1.0" encoding="utf-8"?>
+<p:notes xmlns:a="http://schemas.openxmlformats.org/drawingml/2006/main" xmlns:r="http://schemas.openxmlformats.org/officeDocument/2006/relationships" xmlns:p="http://schemas.openxmlformats.org/presentationml/2006/main">
+  <p:cSld>
+    <p:spTree>
+      <p:nvGrpSpPr>
+        <p:cNvPr id="1" name=""/>
+        <p:cNvGrpSpPr/>
+        <p:nvPr/>
+      </p:nvGrpSpPr>
+      <p:grpSpPr>
+        <a:xfrm>
+          <a:off x="0" y="0"/>
+          <a:ext cx="0" cy="0"/>
+          <a:chOff x="0" y="0"/>
+          <a:chExt cx="0" cy="0"/>
+        </a:xfrm>
+      </p:grpSpPr>
+      <p:sp>
+        <p:nvSpPr>
+          <p:cNvPr id="2" name="Slide Image Placeholder 1"/>
+          <p:cNvSpPr>
+            <a:spLocks noGrp="1" noRot="1" noChangeAspect="1"/>
+          </p:cNvSpPr>
+          <p:nvPr>
+            <p:ph type="sldImg"/>
+          </p:nvPr>
+        </p:nvSpPr>
+        <p:spPr/>
+      </p:sp>
+      <p:sp>
+        <p:nvSpPr>
+          <p:cNvPr id="3" name="Notes Placeholder 2"/>
+          <p:cNvSpPr>
+            <a:spLocks noGrp="1"/>
+          </p:cNvSpPr>
+          <p:nvPr>
+            <p:ph type="body" idx="1"/>
+          </p:nvPr>
+        </p:nvSpPr>
+        <p:spPr/>
+        <p:txBody>
+          <a:bodyPr/>
+          <a:lstStyle/>
+          <a:p>
+            <a:r>
+              <a:rPr lang="de-CH" dirty="0" smtClean="0"/>
+              <a:t>Michael</a:t>
+            </a:r>
+            <a:endParaRPr lang="de-CH" dirty="0"/>
+          </a:p>
+        </p:txBody>
+      </p:sp>
+      <p:sp>
+        <p:nvSpPr>
+          <p:cNvPr id="4" name="Slide Number Placeholder 3"/>
+          <p:cNvSpPr>
+            <a:spLocks noGrp="1"/>
+          </p:cNvSpPr>
+          <p:nvPr>
+            <p:ph type="sldNum" sz="quarter" idx="10"/>
+          </p:nvPr>
+        </p:nvSpPr>
+        <p:spPr/>
+        <p:txBody>
+          <a:bodyPr/>
+          <a:lstStyle/>
+          <a:p>
+            <a:fld id="{878DF776-9CA7-4382-93BE-39D879C0F4FF}" type="slidenum">
+              <a:rPr lang="de-CH" smtClean="0"/>
+              <a:pPr/>
+              <a:t>28</a:t>
+            </a:fld>
+            <a:endParaRPr lang="de-CH"/>
+          </a:p>
+        </p:txBody>
+      </p:sp>
+    </p:spTree>
+    <p:extLst>
+      <p:ext uri="{BB962C8B-B14F-4D97-AF65-F5344CB8AC3E}">
+        <p14:creationId xmlns:p14="http://schemas.microsoft.com/office/powerpoint/2010/main" xmlns="" val="1775831589"/>
+      </p:ext>
+    </p:extLst>
+  </p:cSld>
+  <p:clrMapOvr>
+    <a:masterClrMapping/>
+  </p:clrMapOvr>
+</p:notes>
+</file>
+
+<file path=ppt/notesSlides/notesSlide18.xml><?xml version="1.0" encoding="utf-8"?>
+<p:notes xmlns:a="http://schemas.openxmlformats.org/drawingml/2006/main" xmlns:r="http://schemas.openxmlformats.org/officeDocument/2006/relationships" xmlns:p="http://schemas.openxmlformats.org/presentationml/2006/main">
+  <p:cSld>
+    <p:spTree>
+      <p:nvGrpSpPr>
+        <p:cNvPr id="1" name=""/>
+        <p:cNvGrpSpPr/>
+        <p:nvPr/>
+      </p:nvGrpSpPr>
+      <p:grpSpPr>
+        <a:xfrm>
+          <a:off x="0" y="0"/>
+          <a:ext cx="0" cy="0"/>
+          <a:chOff x="0" y="0"/>
+          <a:chExt cx="0" cy="0"/>
+        </a:xfrm>
+      </p:grpSpPr>
+      <p:sp>
+        <p:nvSpPr>
+          <p:cNvPr id="2" name="Slide Image Placeholder 1"/>
+          <p:cNvSpPr>
+            <a:spLocks noGrp="1" noRot="1" noChangeAspect="1"/>
+          </p:cNvSpPr>
+          <p:nvPr>
+            <p:ph type="sldImg"/>
+          </p:nvPr>
+        </p:nvSpPr>
+        <p:spPr/>
+      </p:sp>
+      <p:sp>
+        <p:nvSpPr>
+          <p:cNvPr id="3" name="Notes Placeholder 2"/>
+          <p:cNvSpPr>
+            <a:spLocks noGrp="1"/>
+          </p:cNvSpPr>
+          <p:nvPr>
+            <p:ph type="body" idx="1"/>
+          </p:nvPr>
+        </p:nvSpPr>
+        <p:spPr/>
+        <p:txBody>
+          <a:bodyPr/>
+          <a:lstStyle/>
+          <a:p>
+            <a:r>
+              <a:rPr lang="de-CH" dirty="0" err="1" smtClean="0"/>
+              <a:t>Nishant</a:t>
+            </a:r>
+            <a:endParaRPr lang="de-CH" dirty="0"/>
+          </a:p>
+        </p:txBody>
+      </p:sp>
+      <p:sp>
+        <p:nvSpPr>
+          <p:cNvPr id="4" name="Slide Number Placeholder 3"/>
+          <p:cNvSpPr>
+            <a:spLocks noGrp="1"/>
+          </p:cNvSpPr>
+          <p:nvPr>
+            <p:ph type="sldNum" sz="quarter" idx="10"/>
+          </p:nvPr>
+        </p:nvSpPr>
+        <p:spPr/>
+        <p:txBody>
+          <a:bodyPr/>
+          <a:lstStyle/>
+          <a:p>
+            <a:fld id="{878DF776-9CA7-4382-93BE-39D879C0F4FF}" type="slidenum">
+              <a:rPr lang="de-CH" smtClean="0"/>
+              <a:pPr/>
+              <a:t>29</a:t>
+            </a:fld>
+            <a:endParaRPr lang="de-CH"/>
+          </a:p>
+        </p:txBody>
+      </p:sp>
+    </p:spTree>
+    <p:extLst>
+      <p:ext uri="{BB962C8B-B14F-4D97-AF65-F5344CB8AC3E}">
+        <p14:creationId xmlns:p14="http://schemas.microsoft.com/office/powerpoint/2010/main" xmlns="" val="1384911969"/>
+      </p:ext>
+    </p:extLst>
+  </p:cSld>
+  <p:clrMapOvr>
+    <a:masterClrMapping/>
+  </p:clrMapOvr>
+</p:notes>
+</file>
+
+<file path=ppt/notesSlides/notesSlide2.xml><?xml version="1.0" encoding="utf-8"?>
+<p:notes xmlns:a="http://schemas.openxmlformats.org/drawingml/2006/main" xmlns:r="http://schemas.openxmlformats.org/officeDocument/2006/relationships" xmlns:p="http://schemas.openxmlformats.org/presentationml/2006/main">
+  <p:cSld>
+    <p:spTree>
+      <p:nvGrpSpPr>
+        <p:cNvPr id="1" name=""/>
+        <p:cNvGrpSpPr/>
+        <p:nvPr/>
+      </p:nvGrpSpPr>
+      <p:grpSpPr>
+        <a:xfrm>
+          <a:off x="0" y="0"/>
+          <a:ext cx="0" cy="0"/>
+          <a:chOff x="0" y="0"/>
+          <a:chExt cx="0" cy="0"/>
+        </a:xfrm>
+      </p:grpSpPr>
+      <p:sp>
+        <p:nvSpPr>
+          <p:cNvPr id="2" name="Slide Image Placeholder 1"/>
+          <p:cNvSpPr>
+            <a:spLocks noGrp="1" noRot="1" noChangeAspect="1"/>
+          </p:cNvSpPr>
+          <p:nvPr>
+            <p:ph type="sldImg"/>
+          </p:nvPr>
+        </p:nvSpPr>
+        <p:spPr/>
+      </p:sp>
+      <p:sp>
+        <p:nvSpPr>
+          <p:cNvPr id="3" name="Notes Placeholder 2"/>
+          <p:cNvSpPr>
+            <a:spLocks noGrp="1"/>
+          </p:cNvSpPr>
+          <p:nvPr>
+            <p:ph type="body" idx="1"/>
+          </p:nvPr>
+        </p:nvSpPr>
+        <p:spPr/>
+        <p:txBody>
+          <a:bodyPr/>
+          <a:lstStyle/>
+          <a:p>
+            <a:endParaRPr lang="de-CH" dirty="0"/>
+          </a:p>
+        </p:txBody>
+      </p:sp>
+      <p:sp>
+        <p:nvSpPr>
+          <p:cNvPr id="4" name="Slide Number Placeholder 3"/>
+          <p:cNvSpPr>
+            <a:spLocks noGrp="1"/>
+          </p:cNvSpPr>
+          <p:nvPr>
+            <p:ph type="sldNum" sz="quarter" idx="10"/>
+          </p:nvPr>
+        </p:nvSpPr>
+        <p:spPr/>
+        <p:txBody>
+          <a:bodyPr/>
+          <a:lstStyle/>
+          <a:p>
+            <a:fld id="{878DF776-9CA7-4382-93BE-39D879C0F4FF}" type="slidenum">
+              <a:rPr lang="de-CH" smtClean="0"/>
+              <a:pPr/>
+              <a:t>3</a:t>
+            </a:fld>
+            <a:endParaRPr lang="de-CH"/>
+          </a:p>
+        </p:txBody>
+      </p:sp>
+    </p:spTree>
+    <p:extLst>
+      <p:ext uri="{BB962C8B-B14F-4D97-AF65-F5344CB8AC3E}">
+        <p14:creationId xmlns:p14="http://schemas.microsoft.com/office/powerpoint/2010/main" xmlns="" val="3413690974"/>
+      </p:ext>
+    </p:extLst>
+  </p:cSld>
+  <p:clrMapOvr>
+    <a:masterClrMapping/>
+  </p:clrMapOvr>
+</p:notes>
+</file>
+
+<file path=ppt/notesSlides/notesSlide3.xml><?xml version="1.0" encoding="utf-8"?>
+<p:notes xmlns:a="http://schemas.openxmlformats.org/drawingml/2006/main" xmlns:r="http://schemas.openxmlformats.org/officeDocument/2006/relationships" xmlns:p="http://schemas.openxmlformats.org/presentationml/2006/main">
+  <p:cSld>
+    <p:spTree>
+      <p:nvGrpSpPr>
+        <p:cNvPr id="1" name=""/>
+        <p:cNvGrpSpPr/>
+        <p:nvPr/>
+      </p:nvGrpSpPr>
+      <p:grpSpPr>
+        <a:xfrm>
+          <a:off x="0" y="0"/>
+          <a:ext cx="0" cy="0"/>
+          <a:chOff x="0" y="0"/>
+          <a:chExt cx="0" cy="0"/>
+        </a:xfrm>
+      </p:grpSpPr>
+      <p:sp>
+        <p:nvSpPr>
+          <p:cNvPr id="2" name="Slide Image Placeholder 1"/>
+          <p:cNvSpPr>
+            <a:spLocks noGrp="1" noRot="1" noChangeAspect="1"/>
+          </p:cNvSpPr>
+          <p:nvPr>
+            <p:ph type="sldImg"/>
+          </p:nvPr>
+        </p:nvSpPr>
+        <p:spPr/>
+      </p:sp>
+      <p:sp>
+        <p:nvSpPr>
+          <p:cNvPr id="3" name="Notes Placeholder 2"/>
+          <p:cNvSpPr>
+            <a:spLocks noGrp="1"/>
+          </p:cNvSpPr>
+          <p:nvPr>
+            <p:ph type="body" idx="1"/>
+          </p:nvPr>
+        </p:nvSpPr>
+        <p:spPr/>
+        <p:txBody>
+          <a:bodyPr/>
+          <a:lstStyle/>
+          <a:p>
+            <a:r>
+              <a:rPr lang="de-CH" dirty="0" err="1" smtClean="0"/>
+              <a:t>Whoever</a:t>
+            </a:r>
+            <a:r>
+              <a:rPr lang="de-CH" dirty="0" smtClean="0"/>
+              <a:t> </a:t>
+            </a:r>
+            <a:r>
+              <a:rPr lang="de-CH" dirty="0" err="1" smtClean="0"/>
+              <a:t>finds</a:t>
+            </a:r>
+            <a:r>
+              <a:rPr lang="de-CH" dirty="0" smtClean="0"/>
+              <a:t> </a:t>
+            </a:r>
+            <a:r>
+              <a:rPr lang="de-CH" dirty="0" err="1" smtClean="0"/>
+              <a:t>the</a:t>
+            </a:r>
+            <a:r>
+              <a:rPr lang="de-CH" dirty="0" smtClean="0"/>
+              <a:t> </a:t>
+            </a:r>
+            <a:r>
+              <a:rPr lang="de-CH" dirty="0" err="1" smtClean="0"/>
+              <a:t>cartoon</a:t>
+            </a:r>
+            <a:r>
+              <a:rPr lang="de-CH" dirty="0" smtClean="0"/>
+              <a:t> </a:t>
+            </a:r>
+            <a:endParaRPr lang="de-CH" dirty="0"/>
+          </a:p>
+        </p:txBody>
+      </p:sp>
+      <p:sp>
+        <p:nvSpPr>
+          <p:cNvPr id="4" name="Slide Number Placeholder 3"/>
+          <p:cNvSpPr>
+            <a:spLocks noGrp="1"/>
+          </p:cNvSpPr>
+          <p:nvPr>
+            <p:ph type="sldNum" sz="quarter" idx="10"/>
+          </p:nvPr>
+        </p:nvSpPr>
+        <p:spPr/>
+        <p:txBody>
+          <a:bodyPr/>
+          <a:lstStyle/>
+          <a:p>
+            <a:fld id="{878DF776-9CA7-4382-93BE-39D879C0F4FF}" type="slidenum">
+              <a:rPr lang="de-CH" smtClean="0"/>
+              <a:pPr/>
+              <a:t>4</a:t>
+            </a:fld>
+            <a:endParaRPr lang="de-CH"/>
+          </a:p>
+        </p:txBody>
+      </p:sp>
+    </p:spTree>
+    <p:extLst>
+      <p:ext uri="{BB962C8B-B14F-4D97-AF65-F5344CB8AC3E}">
+        <p14:creationId xmlns:p14="http://schemas.microsoft.com/office/powerpoint/2010/main" xmlns="" val="4071412990"/>
+      </p:ext>
+    </p:extLst>
+  </p:cSld>
+  <p:clrMapOvr>
+    <a:masterClrMapping/>
+  </p:clrMapOvr>
+</p:notes>
+</file>
+
+<file path=ppt/notesSlides/notesSlide4.xml><?xml version="1.0" encoding="utf-8"?>
+<p:notes xmlns:a="http://schemas.openxmlformats.org/drawingml/2006/main" xmlns:r="http://schemas.openxmlformats.org/officeDocument/2006/relationships" xmlns:p="http://schemas.openxmlformats.org/presentationml/2006/main">
+  <p:cSld>
+    <p:spTree>
+      <p:nvGrpSpPr>
+        <p:cNvPr id="1" name=""/>
+        <p:cNvGrpSpPr/>
+        <p:nvPr/>
+      </p:nvGrpSpPr>
+      <p:grpSpPr>
+        <a:xfrm>
+          <a:off x="0" y="0"/>
+          <a:ext cx="0" cy="0"/>
+          <a:chOff x="0" y="0"/>
+          <a:chExt cx="0" cy="0"/>
+        </a:xfrm>
+      </p:grpSpPr>
+      <p:sp>
+        <p:nvSpPr>
+          <p:cNvPr id="2" name="Slide Image Placeholder 1"/>
+          <p:cNvSpPr>
+            <a:spLocks noGrp="1" noRot="1" noChangeAspect="1"/>
+          </p:cNvSpPr>
+          <p:nvPr>
+            <p:ph type="sldImg"/>
+          </p:nvPr>
+        </p:nvSpPr>
+        <p:spPr/>
+      </p:sp>
+      <p:sp>
+        <p:nvSpPr>
+          <p:cNvPr id="3" name="Notes Placeholder 2"/>
+          <p:cNvSpPr>
+            <a:spLocks noGrp="1"/>
+          </p:cNvSpPr>
+          <p:nvPr>
+            <p:ph type="body" idx="1"/>
+          </p:nvPr>
+        </p:nvSpPr>
+        <p:spPr/>
+        <p:txBody>
+          <a:bodyPr/>
+          <a:lstStyle/>
+          <a:p>
+            <a:r>
+              <a:rPr lang="de-CH" dirty="0" smtClean="0"/>
+              <a:t>Point</a:t>
+            </a:r>
+            <a:r>
+              <a:rPr lang="de-CH" baseline="0" dirty="0" smtClean="0"/>
+              <a:t> 1 &amp; 2 : Nishant, Point 3: Michael, Flocking of startlings</a:t>
+            </a:r>
+            <a:endParaRPr lang="de-CH" dirty="0"/>
+          </a:p>
+        </p:txBody>
+      </p:sp>
+      <p:sp>
+        <p:nvSpPr>
+          <p:cNvPr id="4" name="Slide Number Placeholder 3"/>
+          <p:cNvSpPr>
+            <a:spLocks noGrp="1"/>
+          </p:cNvSpPr>
+          <p:nvPr>
+            <p:ph type="sldNum" sz="quarter" idx="10"/>
+          </p:nvPr>
+        </p:nvSpPr>
+        <p:spPr/>
+        <p:txBody>
+          <a:bodyPr/>
+          <a:lstStyle/>
+          <a:p>
+            <a:fld id="{878DF776-9CA7-4382-93BE-39D879C0F4FF}" type="slidenum">
+              <a:rPr lang="de-CH" smtClean="0"/>
+              <a:pPr/>
+              <a:t>5</a:t>
+            </a:fld>
+            <a:endParaRPr lang="de-CH"/>
+          </a:p>
+        </p:txBody>
+      </p:sp>
+    </p:spTree>
+    <p:extLst>
+      <p:ext uri="{BB962C8B-B14F-4D97-AF65-F5344CB8AC3E}">
+        <p14:creationId xmlns:p14="http://schemas.microsoft.com/office/powerpoint/2010/main" xmlns="" val="1447994529"/>
+      </p:ext>
+    </p:extLst>
+  </p:cSld>
+  <p:clrMapOvr>
+    <a:masterClrMapping/>
+  </p:clrMapOvr>
+</p:notes>
+</file>
+
+<file path=ppt/notesSlides/notesSlide5.xml><?xml version="1.0" encoding="utf-8"?>
+<p:notes xmlns:a="http://schemas.openxmlformats.org/drawingml/2006/main" xmlns:r="http://schemas.openxmlformats.org/officeDocument/2006/relationships" xmlns:p="http://schemas.openxmlformats.org/presentationml/2006/main">
+  <p:cSld>
+    <p:spTree>
+      <p:nvGrpSpPr>
+        <p:cNvPr id="1" name=""/>
+        <p:cNvGrpSpPr/>
+        <p:nvPr/>
+      </p:nvGrpSpPr>
+      <p:grpSpPr>
+        <a:xfrm>
+          <a:off x="0" y="0"/>
+          <a:ext cx="0" cy="0"/>
+          <a:chOff x="0" y="0"/>
+          <a:chExt cx="0" cy="0"/>
+        </a:xfrm>
+      </p:grpSpPr>
+      <p:sp>
+        <p:nvSpPr>
+          <p:cNvPr id="2" name="Slide Image Placeholder 1"/>
+          <p:cNvSpPr>
+            <a:spLocks noGrp="1" noRot="1" noChangeAspect="1"/>
+          </p:cNvSpPr>
+          <p:nvPr>
+            <p:ph type="sldImg"/>
+          </p:nvPr>
+        </p:nvSpPr>
+        <p:spPr/>
+      </p:sp>
+      <p:sp>
+        <p:nvSpPr>
+          <p:cNvPr id="3" name="Notes Placeholder 2"/>
+          <p:cNvSpPr>
+            <a:spLocks noGrp="1"/>
+          </p:cNvSpPr>
+          <p:nvPr>
+            <p:ph type="body" idx="1"/>
+          </p:nvPr>
+        </p:nvSpPr>
+        <p:spPr/>
+        <p:txBody>
+          <a:bodyPr/>
+          <a:lstStyle/>
+          <a:p>
+            <a:r>
+              <a:rPr lang="de-CH" dirty="0" smtClean="0"/>
+              <a:t>Michael</a:t>
+            </a:r>
+            <a:endParaRPr lang="de-CH" dirty="0"/>
+          </a:p>
+        </p:txBody>
+      </p:sp>
+      <p:sp>
+        <p:nvSpPr>
+          <p:cNvPr id="4" name="Slide Number Placeholder 3"/>
+          <p:cNvSpPr>
+            <a:spLocks noGrp="1"/>
+          </p:cNvSpPr>
+          <p:nvPr>
+            <p:ph type="sldNum" sz="quarter" idx="10"/>
+          </p:nvPr>
+        </p:nvSpPr>
+        <p:spPr/>
+        <p:txBody>
+          <a:bodyPr/>
+          <a:lstStyle/>
+          <a:p>
+            <a:fld id="{878DF776-9CA7-4382-93BE-39D879C0F4FF}" type="slidenum">
+              <a:rPr lang="de-CH" smtClean="0"/>
+              <a:pPr/>
+              <a:t>6</a:t>
+            </a:fld>
+            <a:endParaRPr lang="de-CH"/>
+          </a:p>
+        </p:txBody>
+      </p:sp>
+    </p:spTree>
+    <p:extLst>
+      <p:ext uri="{BB962C8B-B14F-4D97-AF65-F5344CB8AC3E}">
+        <p14:creationId xmlns:p14="http://schemas.microsoft.com/office/powerpoint/2010/main" xmlns="" val="1129282839"/>
+      </p:ext>
+    </p:extLst>
+  </p:cSld>
+  <p:clrMapOvr>
+    <a:masterClrMapping/>
+  </p:clrMapOvr>
+</p:notes>
+</file>
+
+<file path=ppt/notesSlides/notesSlide6.xml><?xml version="1.0" encoding="utf-8"?>
+<p:notes xmlns:a="http://schemas.openxmlformats.org/drawingml/2006/main" xmlns:r="http://schemas.openxmlformats.org/officeDocument/2006/relationships" xmlns:p="http://schemas.openxmlformats.org/presentationml/2006/main">
+  <p:cSld>
+    <p:spTree>
+      <p:nvGrpSpPr>
+        <p:cNvPr id="1" name=""/>
+        <p:cNvGrpSpPr/>
+        <p:nvPr/>
+      </p:nvGrpSpPr>
+      <p:grpSpPr>
+        <a:xfrm>
+          <a:off x="0" y="0"/>
+          <a:ext cx="0" cy="0"/>
+          <a:chOff x="0" y="0"/>
+          <a:chExt cx="0" cy="0"/>
+        </a:xfrm>
+      </p:grpSpPr>
+      <p:sp>
+        <p:nvSpPr>
+          <p:cNvPr id="2" name="Slide Image Placeholder 1"/>
+          <p:cNvSpPr>
+            <a:spLocks noGrp="1" noRot="1" noChangeAspect="1"/>
+          </p:cNvSpPr>
+          <p:nvPr>
+            <p:ph type="sldImg"/>
+          </p:nvPr>
+        </p:nvSpPr>
+        <p:spPr/>
+      </p:sp>
+      <p:sp>
+        <p:nvSpPr>
+          <p:cNvPr id="3" name="Notes Placeholder 2"/>
+          <p:cNvSpPr>
+            <a:spLocks noGrp="1"/>
+          </p:cNvSpPr>
+          <p:nvPr>
+            <p:ph type="body" idx="1"/>
+          </p:nvPr>
+        </p:nvSpPr>
+        <p:spPr/>
+        <p:txBody>
+          <a:bodyPr/>
+          <a:lstStyle/>
+          <a:p>
+            <a:r>
+              <a:rPr lang="de-CH" dirty="0" smtClean="0"/>
+              <a:t>Michael</a:t>
+            </a:r>
+            <a:endParaRPr lang="de-CH" dirty="0"/>
+          </a:p>
+        </p:txBody>
+      </p:sp>
+      <p:sp>
+        <p:nvSpPr>
+          <p:cNvPr id="4" name="Slide Number Placeholder 3"/>
+          <p:cNvSpPr>
+            <a:spLocks noGrp="1"/>
+          </p:cNvSpPr>
+          <p:nvPr>
+            <p:ph type="sldNum" sz="quarter" idx="10"/>
+          </p:nvPr>
+        </p:nvSpPr>
+        <p:spPr/>
+        <p:txBody>
+          <a:bodyPr/>
+          <a:lstStyle/>
+          <a:p>
+            <a:fld id="{878DF776-9CA7-4382-93BE-39D879C0F4FF}" type="slidenum">
+              <a:rPr lang="de-CH" smtClean="0"/>
+              <a:pPr/>
+              <a:t>8</a:t>
+            </a:fld>
+            <a:endParaRPr lang="de-CH"/>
+          </a:p>
+        </p:txBody>
+      </p:sp>
+    </p:spTree>
+    <p:extLst>
+      <p:ext uri="{BB962C8B-B14F-4D97-AF65-F5344CB8AC3E}">
+        <p14:creationId xmlns:p14="http://schemas.microsoft.com/office/powerpoint/2010/main" xmlns="" val="1417082369"/>
+      </p:ext>
+    </p:extLst>
+  </p:cSld>
+  <p:clrMapOvr>
+    <a:masterClrMapping/>
+  </p:clrMapOvr>
+</p:notes>
+</file>
+
+<file path=ppt/notesSlides/notesSlide7.xml><?xml version="1.0" encoding="utf-8"?>
+<p:notes xmlns:a="http://schemas.openxmlformats.org/drawingml/2006/main" xmlns:r="http://schemas.openxmlformats.org/officeDocument/2006/relationships" xmlns:p="http://schemas.openxmlformats.org/presentationml/2006/main">
+  <p:cSld>
+    <p:spTree>
+      <p:nvGrpSpPr>
+        <p:cNvPr id="1" name=""/>
+        <p:cNvGrpSpPr/>
+        <p:nvPr/>
+      </p:nvGrpSpPr>
+      <p:grpSpPr>
+        <a:xfrm>
+          <a:off x="0" y="0"/>
+          <a:ext cx="0" cy="0"/>
+          <a:chOff x="0" y="0"/>
+          <a:chExt cx="0" cy="0"/>
+        </a:xfrm>
+      </p:grpSpPr>
+      <p:sp>
+        <p:nvSpPr>
+          <p:cNvPr id="2" name="Slide Image Placeholder 1"/>
+          <p:cNvSpPr>
+            <a:spLocks noGrp="1" noRot="1" noChangeAspect="1"/>
+          </p:cNvSpPr>
+          <p:nvPr>
+            <p:ph type="sldImg"/>
+          </p:nvPr>
+        </p:nvSpPr>
+        <p:spPr/>
+      </p:sp>
+      <p:sp>
+        <p:nvSpPr>
+          <p:cNvPr id="3" name="Notes Placeholder 2"/>
+          <p:cNvSpPr>
+            <a:spLocks noGrp="1"/>
+          </p:cNvSpPr>
+          <p:nvPr>
+            <p:ph type="body" idx="1"/>
+          </p:nvPr>
+        </p:nvSpPr>
+        <p:spPr/>
+        <p:txBody>
+          <a:bodyPr/>
+          <a:lstStyle/>
+          <a:p>
+            <a:r>
+              <a:rPr lang="de-CH" dirty="0" smtClean="0"/>
+              <a:t>Nishant (Point 1: inequality T_burn), Add an image from the video to explain all the key parameters</a:t>
+            </a:r>
+            <a:endParaRPr lang="de-CH" dirty="0"/>
+          </a:p>
+        </p:txBody>
+      </p:sp>
+      <p:sp>
+        <p:nvSpPr>
+          <p:cNvPr id="4" name="Slide Number Placeholder 3"/>
+          <p:cNvSpPr>
+            <a:spLocks noGrp="1"/>
+          </p:cNvSpPr>
+          <p:nvPr>
+            <p:ph type="sldNum" sz="quarter" idx="10"/>
+          </p:nvPr>
+        </p:nvSpPr>
+        <p:spPr/>
+        <p:txBody>
+          <a:bodyPr/>
+          <a:lstStyle/>
+          <a:p>
+            <a:fld id="{878DF776-9CA7-4382-93BE-39D879C0F4FF}" type="slidenum">
+              <a:rPr lang="de-CH" smtClean="0"/>
+              <a:pPr/>
+              <a:t>9</a:t>
+            </a:fld>
+            <a:endParaRPr lang="de-CH"/>
+          </a:p>
+        </p:txBody>
+      </p:sp>
+    </p:spTree>
+    <p:extLst>
+      <p:ext uri="{BB962C8B-B14F-4D97-AF65-F5344CB8AC3E}">
+        <p14:creationId xmlns:p14="http://schemas.microsoft.com/office/powerpoint/2010/main" xmlns="" val="2373759573"/>
+      </p:ext>
+    </p:extLst>
+  </p:cSld>
+  <p:clrMapOvr>
+    <a:masterClrMapping/>
+  </p:clrMapOvr>
+</p:notes>
+</file>
+
+<file path=ppt/notesSlides/notesSlide8.xml><?xml version="1.0" encoding="utf-8"?>
+<p:notes xmlns:a="http://schemas.openxmlformats.org/drawingml/2006/main" xmlns:r="http://schemas.openxmlformats.org/officeDocument/2006/relationships" xmlns:p="http://schemas.openxmlformats.org/presentationml/2006/main">
+  <p:cSld>
+    <p:spTree>
+      <p:nvGrpSpPr>
+        <p:cNvPr id="1" name=""/>
+        <p:cNvGrpSpPr/>
+        <p:nvPr/>
+      </p:nvGrpSpPr>
+      <p:grpSpPr>
+        <a:xfrm>
+          <a:off x="0" y="0"/>
+          <a:ext cx="0" cy="0"/>
+          <a:chOff x="0" y="0"/>
+          <a:chExt cx="0" cy="0"/>
+        </a:xfrm>
+      </p:grpSpPr>
+      <p:sp>
+        <p:nvSpPr>
+          <p:cNvPr id="2" name="Slide Image Placeholder 1"/>
+          <p:cNvSpPr>
+            <a:spLocks noGrp="1" noRot="1" noChangeAspect="1"/>
+          </p:cNvSpPr>
+          <p:nvPr>
+            <p:ph type="sldImg"/>
+          </p:nvPr>
+        </p:nvSpPr>
+        <p:spPr/>
+      </p:sp>
+      <p:sp>
+        <p:nvSpPr>
+          <p:cNvPr id="3" name="Notes Placeholder 2"/>
+          <p:cNvSpPr>
+            <a:spLocks noGrp="1"/>
+          </p:cNvSpPr>
+          <p:nvPr>
+            <p:ph type="body" idx="1"/>
+          </p:nvPr>
+        </p:nvSpPr>
+        <p:spPr/>
+        <p:txBody>
+          <a:bodyPr/>
+          <a:lstStyle/>
+          <a:p>
+            <a:endParaRPr lang="de-CH" dirty="0"/>
+          </a:p>
+        </p:txBody>
+      </p:sp>
+      <p:sp>
+        <p:nvSpPr>
+          <p:cNvPr id="4" name="Slide Number Placeholder 3"/>
+          <p:cNvSpPr>
+            <a:spLocks noGrp="1"/>
+          </p:cNvSpPr>
+          <p:nvPr>
+            <p:ph type="sldNum" sz="quarter" idx="10"/>
+          </p:nvPr>
+        </p:nvSpPr>
+        <p:spPr/>
+        <p:txBody>
+          <a:bodyPr/>
+          <a:lstStyle/>
+          <a:p>
+            <a:fld id="{878DF776-9CA7-4382-93BE-39D879C0F4FF}" type="slidenum">
+              <a:rPr lang="de-CH" smtClean="0"/>
+              <a:pPr/>
+              <a:t>10</a:t>
+            </a:fld>
+            <a:endParaRPr lang="de-CH"/>
+          </a:p>
+        </p:txBody>
+      </p:sp>
+    </p:spTree>
+    <p:extLst>
+      <p:ext uri="{BB962C8B-B14F-4D97-AF65-F5344CB8AC3E}">
+        <p14:creationId xmlns:p14="http://schemas.microsoft.com/office/powerpoint/2010/main" xmlns="" val="2019378383"/>
+      </p:ext>
+    </p:extLst>
+  </p:cSld>
+  <p:clrMapOvr>
+    <a:masterClrMapping/>
+  </p:clrMapOvr>
+</p:notes>
+</file>
+
+<file path=ppt/notesSlides/notesSlide9.xml><?xml version="1.0" encoding="utf-8"?>
+<p:notes xmlns:a="http://schemas.openxmlformats.org/drawingml/2006/main" xmlns:r="http://schemas.openxmlformats.org/officeDocument/2006/relationships" xmlns:p="http://schemas.openxmlformats.org/presentationml/2006/main">
+  <p:cSld>
+    <p:spTree>
+      <p:nvGrpSpPr>
+        <p:cNvPr id="1" name=""/>
+        <p:cNvGrpSpPr/>
+        <p:nvPr/>
+      </p:nvGrpSpPr>
+      <p:grpSpPr>
+        <a:xfrm>
+          <a:off x="0" y="0"/>
+          <a:ext cx="0" cy="0"/>
+          <a:chOff x="0" y="0"/>
+          <a:chExt cx="0" cy="0"/>
+        </a:xfrm>
+      </p:grpSpPr>
+      <p:sp>
+        <p:nvSpPr>
+          <p:cNvPr id="2" name="Slide Image Placeholder 1"/>
+          <p:cNvSpPr>
+            <a:spLocks noGrp="1" noRot="1" noChangeAspect="1"/>
+          </p:cNvSpPr>
+          <p:nvPr>
+            <p:ph type="sldImg"/>
+          </p:nvPr>
+        </p:nvSpPr>
+        <p:spPr/>
+      </p:sp>
+      <p:sp>
+        <p:nvSpPr>
+          <p:cNvPr id="3" name="Notes Placeholder 2"/>
+          <p:cNvSpPr>
+            <a:spLocks noGrp="1"/>
+          </p:cNvSpPr>
+          <p:nvPr>
+            <p:ph type="body" idx="1"/>
+          </p:nvPr>
+        </p:nvSpPr>
+        <p:spPr/>
+        <p:txBody>
+          <a:bodyPr/>
+          <a:lstStyle/>
+          <a:p>
+            <a:r>
+              <a:rPr lang="de-CH" dirty="0" err="1" smtClean="0"/>
+              <a:t>Nishant</a:t>
+            </a:r>
+            <a:endParaRPr lang="de-CH" dirty="0"/>
+          </a:p>
+        </p:txBody>
+      </p:sp>
+      <p:sp>
+        <p:nvSpPr>
+          <p:cNvPr id="4" name="Slide Number Placeholder 3"/>
+          <p:cNvSpPr>
+            <a:spLocks noGrp="1"/>
+          </p:cNvSpPr>
+          <p:nvPr>
+            <p:ph type="sldNum" sz="quarter" idx="10"/>
+          </p:nvPr>
+        </p:nvSpPr>
+        <p:spPr/>
+        <p:txBody>
+          <a:bodyPr/>
+          <a:lstStyle/>
+          <a:p>
+            <a:fld id="{878DF776-9CA7-4382-93BE-39D879C0F4FF}" type="slidenum">
+              <a:rPr lang="de-CH" smtClean="0"/>
+              <a:pPr/>
+              <a:t>11</a:t>
+            </a:fld>
+            <a:endParaRPr lang="de-CH"/>
+          </a:p>
+        </p:txBody>
+      </p:sp>
+    </p:spTree>
+    <p:extLst>
+      <p:ext uri="{BB962C8B-B14F-4D97-AF65-F5344CB8AC3E}">
+        <p14:creationId xmlns:p14="http://schemas.microsoft.com/office/powerpoint/2010/main" xmlns="" val="3048912391"/>
+      </p:ext>
+    </p:extLst>
+  </p:cSld>
+  <p:clrMapOvr>
+    <a:masterClrMapping/>
+  </p:clrMapOvr>
+</p:notes>
+</file>
+
 <file path=ppt/slideLayouts/slideLayout1.xml><?xml version="1.0" encoding="utf-8"?>
 <p:sldLayout xmlns:a="http://schemas.openxmlformats.org/drawingml/2006/main" xmlns:r="http://schemas.openxmlformats.org/officeDocument/2006/relationships" xmlns:p="http://schemas.openxmlformats.org/presentationml/2006/main" type="title" preserve="1">
   <p:cSld name="Title Slide">
@@ -307,7 +2329,8 @@
           <a:p>
             <a:fld id="{0AEC1D3B-3138-46E5-B3F5-92E85F0C4DB9}" type="datetimeFigureOut">
               <a:rPr lang="en-IN" smtClean="0"/>
-              <a:t>16-12-2012</a:t>
+              <a:pPr/>
+              <a:t>18-12-2012</a:t>
             </a:fld>
             <a:endParaRPr lang="en-IN"/>
           </a:p>
@@ -349,6 +2372,7 @@
           <a:p>
             <a:fld id="{2FA38C38-BD19-4E1D-A8D6-F0097F624E14}" type="slidenum">
               <a:rPr lang="en-IN" smtClean="0"/>
+              <a:pPr/>
               <a:t>‹#›</a:t>
             </a:fld>
             <a:endParaRPr lang="en-IN"/>
@@ -472,7 +2496,8 @@
           <a:p>
             <a:fld id="{0AEC1D3B-3138-46E5-B3F5-92E85F0C4DB9}" type="datetimeFigureOut">
               <a:rPr lang="en-IN" smtClean="0"/>
-              <a:t>16-12-2012</a:t>
+              <a:pPr/>
+              <a:t>18-12-2012</a:t>
             </a:fld>
             <a:endParaRPr lang="en-IN"/>
           </a:p>
@@ -514,6 +2539,7 @@
           <a:p>
             <a:fld id="{2FA38C38-BD19-4E1D-A8D6-F0097F624E14}" type="slidenum">
               <a:rPr lang="en-IN" smtClean="0"/>
+              <a:pPr/>
               <a:t>‹#›</a:t>
             </a:fld>
             <a:endParaRPr lang="en-IN"/>
@@ -647,7 +2673,8 @@
           <a:p>
             <a:fld id="{0AEC1D3B-3138-46E5-B3F5-92E85F0C4DB9}" type="datetimeFigureOut">
               <a:rPr lang="en-IN" smtClean="0"/>
-              <a:t>16-12-2012</a:t>
+              <a:pPr/>
+              <a:t>18-12-2012</a:t>
             </a:fld>
             <a:endParaRPr lang="en-IN"/>
           </a:p>
@@ -689,6 +2716,7 @@
           <a:p>
             <a:fld id="{2FA38C38-BD19-4E1D-A8D6-F0097F624E14}" type="slidenum">
               <a:rPr lang="en-IN" smtClean="0"/>
+              <a:pPr/>
               <a:t>‹#›</a:t>
             </a:fld>
             <a:endParaRPr lang="en-IN"/>
@@ -812,7 +2840,8 @@
           <a:p>
             <a:fld id="{0AEC1D3B-3138-46E5-B3F5-92E85F0C4DB9}" type="datetimeFigureOut">
               <a:rPr lang="en-IN" smtClean="0"/>
-              <a:t>16-12-2012</a:t>
+              <a:pPr/>
+              <a:t>18-12-2012</a:t>
             </a:fld>
             <a:endParaRPr lang="en-IN"/>
           </a:p>
@@ -854,6 +2883,7 @@
           <a:p>
             <a:fld id="{2FA38C38-BD19-4E1D-A8D6-F0097F624E14}" type="slidenum">
               <a:rPr lang="en-IN" smtClean="0"/>
+              <a:pPr/>
               <a:t>‹#›</a:t>
             </a:fld>
             <a:endParaRPr lang="en-IN"/>
@@ -1053,7 +3083,8 @@
           <a:p>
             <a:fld id="{0AEC1D3B-3138-46E5-B3F5-92E85F0C4DB9}" type="datetimeFigureOut">
               <a:rPr lang="en-IN" smtClean="0"/>
-              <a:t>16-12-2012</a:t>
+              <a:pPr/>
+              <a:t>18-12-2012</a:t>
             </a:fld>
             <a:endParaRPr lang="en-IN"/>
           </a:p>
@@ -1095,6 +3126,7 @@
           <a:p>
             <a:fld id="{2FA38C38-BD19-4E1D-A8D6-F0097F624E14}" type="slidenum">
               <a:rPr lang="en-IN" smtClean="0"/>
+              <a:pPr/>
               <a:t>‹#›</a:t>
             </a:fld>
             <a:endParaRPr lang="en-IN"/>
@@ -1336,7 +3368,8 @@
           <a:p>
             <a:fld id="{0AEC1D3B-3138-46E5-B3F5-92E85F0C4DB9}" type="datetimeFigureOut">
               <a:rPr lang="en-IN" smtClean="0"/>
-              <a:t>16-12-2012</a:t>
+              <a:pPr/>
+              <a:t>18-12-2012</a:t>
             </a:fld>
             <a:endParaRPr lang="en-IN"/>
           </a:p>
@@ -1378,6 +3411,7 @@
           <a:p>
             <a:fld id="{2FA38C38-BD19-4E1D-A8D6-F0097F624E14}" type="slidenum">
               <a:rPr lang="en-IN" smtClean="0"/>
+              <a:pPr/>
               <a:t>‹#›</a:t>
             </a:fld>
             <a:endParaRPr lang="en-IN"/>
@@ -1753,7 +3787,8 @@
           <a:p>
             <a:fld id="{0AEC1D3B-3138-46E5-B3F5-92E85F0C4DB9}" type="datetimeFigureOut">
               <a:rPr lang="en-IN" smtClean="0"/>
-              <a:t>16-12-2012</a:t>
+              <a:pPr/>
+              <a:t>18-12-2012</a:t>
             </a:fld>
             <a:endParaRPr lang="en-IN"/>
           </a:p>
@@ -1795,6 +3830,7 @@
           <a:p>
             <a:fld id="{2FA38C38-BD19-4E1D-A8D6-F0097F624E14}" type="slidenum">
               <a:rPr lang="en-IN" smtClean="0"/>
+              <a:pPr/>
               <a:t>‹#›</a:t>
             </a:fld>
             <a:endParaRPr lang="en-IN"/>
@@ -1866,7 +3902,8 @@
           <a:p>
             <a:fld id="{0AEC1D3B-3138-46E5-B3F5-92E85F0C4DB9}" type="datetimeFigureOut">
               <a:rPr lang="en-IN" smtClean="0"/>
-              <a:t>16-12-2012</a:t>
+              <a:pPr/>
+              <a:t>18-12-2012</a:t>
             </a:fld>
             <a:endParaRPr lang="en-IN"/>
           </a:p>
@@ -1908,6 +3945,7 @@
           <a:p>
             <a:fld id="{2FA38C38-BD19-4E1D-A8D6-F0097F624E14}" type="slidenum">
               <a:rPr lang="en-IN" smtClean="0"/>
+              <a:pPr/>
               <a:t>‹#›</a:t>
             </a:fld>
             <a:endParaRPr lang="en-IN"/>
@@ -1956,7 +3994,8 @@
           <a:p>
             <a:fld id="{0AEC1D3B-3138-46E5-B3F5-92E85F0C4DB9}" type="datetimeFigureOut">
               <a:rPr lang="en-IN" smtClean="0"/>
-              <a:t>16-12-2012</a:t>
+              <a:pPr/>
+              <a:t>18-12-2012</a:t>
             </a:fld>
             <a:endParaRPr lang="en-IN"/>
           </a:p>
@@ -1998,6 +4037,7 @@
           <a:p>
             <a:fld id="{2FA38C38-BD19-4E1D-A8D6-F0097F624E14}" type="slidenum">
               <a:rPr lang="en-IN" smtClean="0"/>
+              <a:pPr/>
               <a:t>‹#›</a:t>
             </a:fld>
             <a:endParaRPr lang="en-IN"/>
@@ -2228,7 +4268,8 @@
           <a:p>
             <a:fld id="{0AEC1D3B-3138-46E5-B3F5-92E85F0C4DB9}" type="datetimeFigureOut">
               <a:rPr lang="en-IN" smtClean="0"/>
-              <a:t>16-12-2012</a:t>
+              <a:pPr/>
+              <a:t>18-12-2012</a:t>
             </a:fld>
             <a:endParaRPr lang="en-IN"/>
           </a:p>
@@ -2270,6 +4311,7 @@
           <a:p>
             <a:fld id="{2FA38C38-BD19-4E1D-A8D6-F0097F624E14}" type="slidenum">
               <a:rPr lang="en-IN" smtClean="0"/>
+              <a:pPr/>
               <a:t>‹#›</a:t>
             </a:fld>
             <a:endParaRPr lang="en-IN"/>
@@ -2476,7 +4518,8 @@
           <a:p>
             <a:fld id="{0AEC1D3B-3138-46E5-B3F5-92E85F0C4DB9}" type="datetimeFigureOut">
               <a:rPr lang="en-IN" smtClean="0"/>
-              <a:t>16-12-2012</a:t>
+              <a:pPr/>
+              <a:t>18-12-2012</a:t>
             </a:fld>
             <a:endParaRPr lang="en-IN"/>
           </a:p>
@@ -2518,6 +4561,7 @@
           <a:p>
             <a:fld id="{2FA38C38-BD19-4E1D-A8D6-F0097F624E14}" type="slidenum">
               <a:rPr lang="en-IN" smtClean="0"/>
+              <a:pPr/>
               <a:t>‹#›</a:t>
             </a:fld>
             <a:endParaRPr lang="en-IN"/>
@@ -2684,7 +4728,8 @@
           <a:p>
             <a:fld id="{0AEC1D3B-3138-46E5-B3F5-92E85F0C4DB9}" type="datetimeFigureOut">
               <a:rPr lang="en-IN" smtClean="0"/>
-              <a:t>16-12-2012</a:t>
+              <a:pPr/>
+              <a:t>18-12-2012</a:t>
             </a:fld>
             <a:endParaRPr lang="en-IN"/>
           </a:p>
@@ -2762,6 +4807,7 @@
           <a:p>
             <a:fld id="{2FA38C38-BD19-4E1D-A8D6-F0097F624E14}" type="slidenum">
               <a:rPr lang="en-IN" smtClean="0"/>
+              <a:pPr/>
               <a:t>‹#›</a:t>
             </a:fld>
             <a:endParaRPr lang="en-IN"/>
@@ -3295,6 +5341,13 @@
   <p:clrMapOvr>
     <a:masterClrMapping/>
   </p:clrMapOvr>
+  <p:timing>
+    <p:tnLst>
+      <p:par>
+        <p:cTn id="1" dur="indefinite" restart="never" nodeType="tmRoot"/>
+      </p:par>
+    </p:tnLst>
+  </p:timing>
 </p:sld>
 </file>
 
@@ -3431,6 +5484,13 @@
   <p:clrMapOvr>
     <a:masterClrMapping/>
   </p:clrMapOvr>
+  <p:timing>
+    <p:tnLst>
+      <p:par>
+        <p:cTn id="1" dur="indefinite" restart="never" nodeType="tmRoot"/>
+      </p:par>
+    </p:tnLst>
+  </p:timing>
 </p:sld>
 </file>
 
@@ -3522,7 +5582,7 @@
           <p:nvPr/>
         </p:nvPicPr>
         <p:blipFill>
-          <a:blip r:embed="rId2" cstate="print"/>
+          <a:blip r:embed="rId3" cstate="print"/>
           <a:srcRect/>
           <a:stretch>
             <a:fillRect/>
@@ -3554,7 +5614,7 @@
           <p:nvPr/>
         </p:nvPicPr>
         <p:blipFill>
-          <a:blip r:embed="rId3" cstate="print"/>
+          <a:blip r:embed="rId4" cstate="print"/>
           <a:srcRect/>
           <a:stretch>
             <a:fillRect/>
@@ -3642,6 +5702,13 @@
   <p:clrMapOvr>
     <a:masterClrMapping/>
   </p:clrMapOvr>
+  <p:timing>
+    <p:tnLst>
+      <p:par>
+        <p:cTn id="1" dur="indefinite" restart="never" nodeType="tmRoot"/>
+      </p:par>
+    </p:tnLst>
+  </p:timing>
 </p:sld>
 </file>
 
@@ -3704,7 +5771,133 @@
           </a:bodyPr>
           <a:lstStyle/>
           <a:p>
+            <a:endParaRPr lang="en-IN" sz="1800" dirty="0" smtClean="0"/>
+          </a:p>
+          <a:p>
+            <a:endParaRPr lang="en-IN" sz="1800" dirty="0" smtClean="0"/>
+          </a:p>
+          <a:p>
+            <a:endParaRPr lang="en-IN" sz="1800" dirty="0" smtClean="0"/>
+          </a:p>
+          <a:p>
+            <a:endParaRPr lang="en-IN" sz="1800" dirty="0" smtClean="0"/>
+          </a:p>
+          <a:p>
+            <a:endParaRPr lang="en-IN" sz="1800" dirty="0" smtClean="0"/>
+          </a:p>
+          <a:p>
+            <a:endParaRPr lang="en-IN" sz="1800" dirty="0" smtClean="0"/>
+          </a:p>
+          <a:p>
+            <a:endParaRPr lang="en-IN" sz="1800" dirty="0" smtClean="0"/>
+          </a:p>
+          <a:p>
+            <a:r>
+              <a:rPr lang="en-IN" sz="1800" dirty="0" smtClean="0"/>
+              <a:t>Every </a:t>
+            </a:r>
+            <a:r>
+              <a:rPr lang="en-IN" sz="1800" dirty="0" err="1" smtClean="0"/>
+              <a:t>timestep</a:t>
+            </a:r>
+            <a:r>
+              <a:rPr lang="en-IN" sz="1800" dirty="0" smtClean="0"/>
+              <a:t>, a random cell is picked</a:t>
+            </a:r>
+          </a:p>
+          <a:p>
+            <a:r>
+              <a:rPr lang="en-IN" sz="1800" dirty="0" smtClean="0"/>
+              <a:t>If the cell is empty, grow a tree with probability p</a:t>
+            </a:r>
+          </a:p>
+          <a:p>
+            <a:r>
+              <a:rPr lang="en-IN" sz="1800" dirty="0" smtClean="0"/>
+              <a:t>If the cell is alive, burn it and the connected cluster with probability f</a:t>
+            </a:r>
+          </a:p>
+          <a:p>
+            <a:r>
+              <a:rPr lang="en-IN" sz="1800" dirty="0" smtClean="0"/>
+              <a:t>Initialization does not matter since there is no dynamic memory</a:t>
+            </a:r>
+          </a:p>
+          <a:p>
+            <a:r>
+              <a:rPr lang="en-IN" sz="1800" dirty="0" smtClean="0"/>
+              <a:t>Easy extraction of relevant data due to cluster indexing</a:t>
+            </a:r>
             <a:endParaRPr lang="en-IN" sz="1800" dirty="0"/>
+          </a:p>
+        </p:txBody>
+      </p:sp>
+      <p:pic>
+        <p:nvPicPr>
+          <p:cNvPr id="23554" name="Picture 2" descr="https://encrypted-tbn0.gstatic.com/images?q=tbn:ANd9GcRPThsiLwwTqUU5SJ3lN6f4SucNwuYQnbFIWDEpAXJgEfz7NB4G"/>
+          <p:cNvPicPr>
+            <a:picLocks noChangeAspect="1" noChangeArrowheads="1"/>
+          </p:cNvPicPr>
+          <p:nvPr/>
+        </p:nvPicPr>
+        <p:blipFill>
+          <a:blip r:embed="rId3" cstate="print"/>
+          <a:srcRect/>
+          <a:stretch>
+            <a:fillRect/>
+          </a:stretch>
+        </p:blipFill>
+        <p:spPr bwMode="auto">
+          <a:xfrm>
+            <a:off x="2627784" y="1556792"/>
+            <a:ext cx="3528392" cy="2318295"/>
+          </a:xfrm>
+          <a:prstGeom prst="rect">
+            <a:avLst/>
+          </a:prstGeom>
+          <a:noFill/>
+        </p:spPr>
+      </p:pic>
+      <p:sp>
+        <p:nvSpPr>
+          <p:cNvPr id="5" name="TextBox 4"/>
+          <p:cNvSpPr txBox="1"/>
+          <p:nvPr/>
+        </p:nvSpPr>
+        <p:spPr>
+          <a:xfrm>
+            <a:off x="1043608" y="6525344"/>
+            <a:ext cx="5688632" cy="523220"/>
+          </a:xfrm>
+          <a:prstGeom prst="rect">
+            <a:avLst/>
+          </a:prstGeom>
+          <a:noFill/>
+        </p:spPr>
+        <p:txBody>
+          <a:bodyPr wrap="square" rtlCol="0">
+            <a:spAutoFit/>
+          </a:bodyPr>
+          <a:lstStyle/>
+          <a:p>
+            <a:r>
+              <a:rPr lang="en-US" sz="1400" dirty="0" smtClean="0"/>
+              <a:t>The image is taken from: </a:t>
+            </a:r>
+            <a:r>
+              <a:rPr lang="en-US" sz="1400" dirty="0" smtClean="0"/>
+              <a:t> </a:t>
+            </a:r>
+            <a:r>
+              <a:rPr lang="en-US" sz="1400" dirty="0" smtClean="0">
+                <a:hlinkClick r:id="rId4"/>
+              </a:rPr>
+              <a:t>www.motorcycles-top.blogspot.ch</a:t>
+            </a:r>
+            <a:endParaRPr lang="en-US" sz="1400" dirty="0" smtClean="0"/>
+          </a:p>
+          <a:p>
+            <a:endParaRPr lang="en-IN" sz="1400" dirty="0"/>
           </a:p>
         </p:txBody>
       </p:sp>
@@ -3713,6 +5906,284 @@
   <p:clrMapOvr>
     <a:masterClrMapping/>
   </p:clrMapOvr>
+  <p:timing>
+    <p:tnLst>
+      <p:par>
+        <p:cTn id="1" dur="indefinite" restart="never" nodeType="tmRoot">
+          <p:childTnLst>
+            <p:seq concurrent="1" nextAc="seek">
+              <p:cTn id="2" dur="indefinite" nodeType="mainSeq">
+                <p:childTnLst>
+                  <p:par>
+                    <p:cTn id="3" fill="hold">
+                      <p:stCondLst>
+                        <p:cond delay="indefinite"/>
+                      </p:stCondLst>
+                      <p:childTnLst>
+                        <p:par>
+                          <p:cTn id="4" fill="hold">
+                            <p:stCondLst>
+                              <p:cond delay="0"/>
+                            </p:stCondLst>
+                            <p:childTnLst>
+                              <p:par>
+                                <p:cTn id="5" presetID="1" presetClass="entr" presetSubtype="0" fill="hold" grpId="0" nodeType="clickEffect">
+                                  <p:stCondLst>
+                                    <p:cond delay="0"/>
+                                  </p:stCondLst>
+                                  <p:childTnLst>
+                                    <p:set>
+                                      <p:cBhvr>
+                                        <p:cTn id="6" dur="1" fill="hold">
+                                          <p:stCondLst>
+                                            <p:cond delay="0"/>
+                                          </p:stCondLst>
+                                        </p:cTn>
+                                        <p:tgtEl>
+                                          <p:spTgt spid="3">
+                                            <p:txEl>
+                                              <p:pRg st="7" end="7"/>
+                                            </p:txEl>
+                                          </p:spTgt>
+                                        </p:tgtEl>
+                                        <p:attrNameLst>
+                                          <p:attrName>style.visibility</p:attrName>
+                                        </p:attrNameLst>
+                                      </p:cBhvr>
+                                      <p:to>
+                                        <p:strVal val="visible"/>
+                                      </p:to>
+                                    </p:set>
+                                  </p:childTnLst>
+                                </p:cTn>
+                              </p:par>
+                            </p:childTnLst>
+                          </p:cTn>
+                        </p:par>
+                      </p:childTnLst>
+                    </p:cTn>
+                  </p:par>
+                  <p:par>
+                    <p:cTn id="7" fill="hold">
+                      <p:stCondLst>
+                        <p:cond delay="indefinite"/>
+                      </p:stCondLst>
+                      <p:childTnLst>
+                        <p:par>
+                          <p:cTn id="8" fill="hold">
+                            <p:stCondLst>
+                              <p:cond delay="0"/>
+                            </p:stCondLst>
+                            <p:childTnLst>
+                              <p:par>
+                                <p:cTn id="9" presetID="1" presetClass="entr" presetSubtype="0" fill="hold" grpId="0" nodeType="clickEffect">
+                                  <p:stCondLst>
+                                    <p:cond delay="0"/>
+                                  </p:stCondLst>
+                                  <p:childTnLst>
+                                    <p:set>
+                                      <p:cBhvr>
+                                        <p:cTn id="10" dur="1" fill="hold">
+                                          <p:stCondLst>
+                                            <p:cond delay="0"/>
+                                          </p:stCondLst>
+                                        </p:cTn>
+                                        <p:tgtEl>
+                                          <p:spTgt spid="3">
+                                            <p:txEl>
+                                              <p:pRg st="8" end="8"/>
+                                            </p:txEl>
+                                          </p:spTgt>
+                                        </p:tgtEl>
+                                        <p:attrNameLst>
+                                          <p:attrName>style.visibility</p:attrName>
+                                        </p:attrNameLst>
+                                      </p:cBhvr>
+                                      <p:to>
+                                        <p:strVal val="visible"/>
+                                      </p:to>
+                                    </p:set>
+                                  </p:childTnLst>
+                                </p:cTn>
+                              </p:par>
+                            </p:childTnLst>
+                          </p:cTn>
+                        </p:par>
+                      </p:childTnLst>
+                    </p:cTn>
+                  </p:par>
+                  <p:par>
+                    <p:cTn id="11" fill="hold">
+                      <p:stCondLst>
+                        <p:cond delay="indefinite"/>
+                      </p:stCondLst>
+                      <p:childTnLst>
+                        <p:par>
+                          <p:cTn id="12" fill="hold">
+                            <p:stCondLst>
+                              <p:cond delay="0"/>
+                            </p:stCondLst>
+                            <p:childTnLst>
+                              <p:par>
+                                <p:cTn id="13" presetID="1" presetClass="entr" presetSubtype="0" fill="hold" grpId="0" nodeType="clickEffect">
+                                  <p:stCondLst>
+                                    <p:cond delay="0"/>
+                                  </p:stCondLst>
+                                  <p:childTnLst>
+                                    <p:set>
+                                      <p:cBhvr>
+                                        <p:cTn id="14" dur="1" fill="hold">
+                                          <p:stCondLst>
+                                            <p:cond delay="0"/>
+                                          </p:stCondLst>
+                                        </p:cTn>
+                                        <p:tgtEl>
+                                          <p:spTgt spid="3">
+                                            <p:txEl>
+                                              <p:pRg st="9" end="9"/>
+                                            </p:txEl>
+                                          </p:spTgt>
+                                        </p:tgtEl>
+                                        <p:attrNameLst>
+                                          <p:attrName>style.visibility</p:attrName>
+                                        </p:attrNameLst>
+                                      </p:cBhvr>
+                                      <p:to>
+                                        <p:strVal val="visible"/>
+                                      </p:to>
+                                    </p:set>
+                                  </p:childTnLst>
+                                </p:cTn>
+                              </p:par>
+                            </p:childTnLst>
+                          </p:cTn>
+                        </p:par>
+                      </p:childTnLst>
+                    </p:cTn>
+                  </p:par>
+                  <p:par>
+                    <p:cTn id="15" fill="hold">
+                      <p:stCondLst>
+                        <p:cond delay="indefinite"/>
+                      </p:stCondLst>
+                      <p:childTnLst>
+                        <p:par>
+                          <p:cTn id="16" fill="hold">
+                            <p:stCondLst>
+                              <p:cond delay="0"/>
+                            </p:stCondLst>
+                            <p:childTnLst>
+                              <p:par>
+                                <p:cTn id="17" presetID="1" presetClass="entr" presetSubtype="0" fill="hold" grpId="0" nodeType="clickEffect">
+                                  <p:stCondLst>
+                                    <p:cond delay="0"/>
+                                  </p:stCondLst>
+                                  <p:childTnLst>
+                                    <p:set>
+                                      <p:cBhvr>
+                                        <p:cTn id="18" dur="1" fill="hold">
+                                          <p:stCondLst>
+                                            <p:cond delay="0"/>
+                                          </p:stCondLst>
+                                        </p:cTn>
+                                        <p:tgtEl>
+                                          <p:spTgt spid="3">
+                                            <p:txEl>
+                                              <p:pRg st="10" end="10"/>
+                                            </p:txEl>
+                                          </p:spTgt>
+                                        </p:tgtEl>
+                                        <p:attrNameLst>
+                                          <p:attrName>style.visibility</p:attrName>
+                                        </p:attrNameLst>
+                                      </p:cBhvr>
+                                      <p:to>
+                                        <p:strVal val="visible"/>
+                                      </p:to>
+                                    </p:set>
+                                  </p:childTnLst>
+                                </p:cTn>
+                              </p:par>
+                            </p:childTnLst>
+                          </p:cTn>
+                        </p:par>
+                      </p:childTnLst>
+                    </p:cTn>
+                  </p:par>
+                  <p:par>
+                    <p:cTn id="19" fill="hold">
+                      <p:stCondLst>
+                        <p:cond delay="indefinite"/>
+                      </p:stCondLst>
+                      <p:childTnLst>
+                        <p:par>
+                          <p:cTn id="20" fill="hold">
+                            <p:stCondLst>
+                              <p:cond delay="0"/>
+                            </p:stCondLst>
+                            <p:childTnLst>
+                              <p:par>
+                                <p:cTn id="21" presetID="1" presetClass="entr" presetSubtype="0" fill="hold" grpId="0" nodeType="clickEffect">
+                                  <p:stCondLst>
+                                    <p:cond delay="0"/>
+                                  </p:stCondLst>
+                                  <p:childTnLst>
+                                    <p:set>
+                                      <p:cBhvr>
+                                        <p:cTn id="22" dur="1" fill="hold">
+                                          <p:stCondLst>
+                                            <p:cond delay="0"/>
+                                          </p:stCondLst>
+                                        </p:cTn>
+                                        <p:tgtEl>
+                                          <p:spTgt spid="3">
+                                            <p:txEl>
+                                              <p:pRg st="11" end="11"/>
+                                            </p:txEl>
+                                          </p:spTgt>
+                                        </p:tgtEl>
+                                        <p:attrNameLst>
+                                          <p:attrName>style.visibility</p:attrName>
+                                        </p:attrNameLst>
+                                      </p:cBhvr>
+                                      <p:to>
+                                        <p:strVal val="visible"/>
+                                      </p:to>
+                                    </p:set>
+                                  </p:childTnLst>
+                                </p:cTn>
+                              </p:par>
+                            </p:childTnLst>
+                          </p:cTn>
+                        </p:par>
+                      </p:childTnLst>
+                    </p:cTn>
+                  </p:par>
+                </p:childTnLst>
+              </p:cTn>
+              <p:prevCondLst>
+                <p:cond evt="onPrev" delay="0">
+                  <p:tgtEl>
+                    <p:sldTgt/>
+                  </p:tgtEl>
+                </p:cond>
+              </p:prevCondLst>
+              <p:nextCondLst>
+                <p:cond evt="onNext" delay="0">
+                  <p:tgtEl>
+                    <p:sldTgt/>
+                  </p:tgtEl>
+                </p:cond>
+              </p:nextCondLst>
+            </p:seq>
+          </p:childTnLst>
+        </p:cTn>
+      </p:par>
+    </p:tnLst>
+    <p:bldLst>
+      <p:bldP spid="3" grpId="0" build="p"/>
+    </p:bldLst>
+  </p:timing>
 </p:sld>
 </file>
 
@@ -3849,6 +6320,13 @@
   <p:clrMapOvr>
     <a:masterClrMapping/>
   </p:clrMapOvr>
+  <p:timing>
+    <p:tnLst>
+      <p:par>
+        <p:cTn id="1" dur="indefinite" restart="never" nodeType="tmRoot"/>
+      </p:par>
+    </p:tnLst>
+  </p:timing>
 </p:sld>
 </file>
 
@@ -3869,163 +6347,6 @@
           <a:chExt cx="0" cy="0"/>
         </a:xfrm>
       </p:grpSpPr>
-      <p:sp>
-        <p:nvSpPr>
-          <p:cNvPr id="2" name="Title 1"/>
-          <p:cNvSpPr>
-            <a:spLocks noGrp="1"/>
-          </p:cNvSpPr>
-          <p:nvPr>
-            <p:ph type="title"/>
-          </p:nvPr>
-        </p:nvSpPr>
-        <p:spPr/>
-        <p:txBody>
-          <a:bodyPr>
-            <a:normAutofit/>
-          </a:bodyPr>
-          <a:lstStyle/>
-          <a:p>
-            <a:r>
-              <a:rPr lang="en-US" sz="2400" dirty="0" smtClean="0"/>
-              <a:t>Insights from the Traditional Implementation</a:t>
-            </a:r>
-            <a:endParaRPr lang="en-IN" sz="2400" dirty="0"/>
-          </a:p>
-        </p:txBody>
-      </p:sp>
-      <p:sp>
-        <p:nvSpPr>
-          <p:cNvPr id="3" name="Content Placeholder 2"/>
-          <p:cNvSpPr>
-            <a:spLocks noGrp="1"/>
-          </p:cNvSpPr>
-          <p:nvPr>
-            <p:ph idx="1"/>
-          </p:nvPr>
-        </p:nvSpPr>
-        <p:spPr/>
-        <p:txBody>
-          <a:bodyPr>
-            <a:normAutofit/>
-          </a:bodyPr>
-          <a:lstStyle/>
-          <a:p>
-            <a:r>
-              <a:rPr lang="en-US" sz="1800" dirty="0" smtClean="0"/>
-              <a:t>4 cases:</a:t>
-            </a:r>
-          </a:p>
-          <a:p>
-            <a:pPr lvl="1"/>
-            <a:r>
-              <a:rPr lang="en-IN" sz="1600" dirty="0"/>
-              <a:t>small p (&lt; </a:t>
-            </a:r>
-            <a:r>
-              <a:rPr lang="en-IN" sz="1600" dirty="0" smtClean="0"/>
-              <a:t>0.001</a:t>
-            </a:r>
-            <a:r>
-              <a:rPr lang="en-IN" sz="1600" dirty="0"/>
-              <a:t>) and small </a:t>
-            </a:r>
-            <a:r>
-              <a:rPr lang="en-IN" sz="1600" dirty="0" smtClean="0"/>
-              <a:t>p/f (~1)</a:t>
-            </a:r>
-          </a:p>
-          <a:p>
-            <a:pPr lvl="1"/>
-            <a:r>
-              <a:rPr lang="en-IN" sz="1600" dirty="0" smtClean="0"/>
-              <a:t>large</a:t>
-            </a:r>
-            <a:r>
-              <a:rPr lang="en-IN" sz="1600" dirty="0" smtClean="0"/>
-              <a:t> p (~ 0.1) and large p/f (~10000)</a:t>
-            </a:r>
-          </a:p>
-          <a:p>
-            <a:pPr lvl="1"/>
-            <a:r>
-              <a:rPr lang="en-IN" sz="1600" dirty="0" smtClean="0"/>
-              <a:t>large</a:t>
-            </a:r>
-            <a:r>
-              <a:rPr lang="en-IN" sz="1600" dirty="0" smtClean="0"/>
-              <a:t> p (~ 0.1) and small p/f (~1)</a:t>
-            </a:r>
-          </a:p>
-          <a:p>
-            <a:pPr lvl="1"/>
-            <a:r>
-              <a:rPr lang="en-IN" sz="1600" dirty="0" smtClean="0"/>
-              <a:t>small p (&lt; 0.001) and large p/f (~10000)</a:t>
-            </a:r>
-          </a:p>
-        </p:txBody>
-      </p:sp>
-      <p:sp>
-        <p:nvSpPr>
-          <p:cNvPr id="6" name="TextBox 5"/>
-          <p:cNvSpPr txBox="1"/>
-          <p:nvPr/>
-        </p:nvSpPr>
-        <p:spPr>
-          <a:xfrm>
-            <a:off x="2123728" y="6525344"/>
-            <a:ext cx="2016224" cy="369332"/>
-          </a:xfrm>
-          <a:prstGeom prst="rect">
-            <a:avLst/>
-          </a:prstGeom>
-          <a:noFill/>
-        </p:spPr>
-        <p:txBody>
-          <a:bodyPr wrap="square" rtlCol="0">
-            <a:spAutoFit/>
-          </a:bodyPr>
-          <a:lstStyle/>
-          <a:p>
-            <a:r>
-              <a:rPr lang="en-US" dirty="0" smtClean="0"/>
-              <a:t>Case 1</a:t>
-            </a:r>
-            <a:endParaRPr lang="en-IN" dirty="0"/>
-          </a:p>
-        </p:txBody>
-      </p:sp>
-      <p:sp>
-        <p:nvSpPr>
-          <p:cNvPr id="7" name="TextBox 6"/>
-          <p:cNvSpPr txBox="1"/>
-          <p:nvPr/>
-        </p:nvSpPr>
-        <p:spPr>
-          <a:xfrm>
-            <a:off x="6372200" y="6516052"/>
-            <a:ext cx="2016224" cy="369332"/>
-          </a:xfrm>
-          <a:prstGeom prst="rect">
-            <a:avLst/>
-          </a:prstGeom>
-          <a:noFill/>
-        </p:spPr>
-        <p:txBody>
-          <a:bodyPr wrap="square" rtlCol="0">
-            <a:spAutoFit/>
-          </a:bodyPr>
-          <a:lstStyle/>
-          <a:p>
-            <a:r>
-              <a:rPr lang="en-US" dirty="0" smtClean="0"/>
-              <a:t>Case 2</a:t>
-            </a:r>
-            <a:endParaRPr lang="en-IN" dirty="0"/>
-          </a:p>
-        </p:txBody>
-      </p:sp>
       <p:pic>
         <p:nvPicPr>
           <p:cNvPr id="2052" name="Picture 4"/>
@@ -4035,7 +6356,7 @@
           <p:nvPr/>
         </p:nvPicPr>
         <p:blipFill>
-          <a:blip r:embed="rId2" cstate="print"/>
+          <a:blip r:embed="rId3" cstate="print"/>
           <a:srcRect/>
           <a:stretch>
             <a:fillRect/>
@@ -4043,7 +6364,7 @@
         </p:blipFill>
         <p:spPr bwMode="auto">
           <a:xfrm>
-            <a:off x="395536" y="3429000"/>
+            <a:off x="395536" y="2996952"/>
             <a:ext cx="4104456" cy="3088983"/>
           </a:xfrm>
           <a:prstGeom prst="rect">
@@ -4058,6 +6379,190 @@
           </a:ln>
         </p:spPr>
       </p:pic>
+      <p:sp>
+        <p:nvSpPr>
+          <p:cNvPr id="2" name="Title 1"/>
+          <p:cNvSpPr>
+            <a:spLocks noGrp="1"/>
+          </p:cNvSpPr>
+          <p:nvPr>
+            <p:ph type="title"/>
+          </p:nvPr>
+        </p:nvSpPr>
+        <p:spPr/>
+        <p:txBody>
+          <a:bodyPr>
+            <a:normAutofit/>
+          </a:bodyPr>
+          <a:lstStyle/>
+          <a:p>
+            <a:r>
+              <a:rPr lang="en-US" sz="2400" dirty="0" smtClean="0"/>
+              <a:t>Insights from the Traditional Implementation</a:t>
+            </a:r>
+            <a:endParaRPr lang="en-IN" sz="2400" dirty="0"/>
+          </a:p>
+        </p:txBody>
+      </p:sp>
+      <p:sp>
+        <p:nvSpPr>
+          <p:cNvPr id="3" name="Content Placeholder 2"/>
+          <p:cNvSpPr>
+            <a:spLocks noGrp="1"/>
+          </p:cNvSpPr>
+          <p:nvPr>
+            <p:ph idx="1"/>
+          </p:nvPr>
+        </p:nvSpPr>
+        <p:spPr/>
+        <p:txBody>
+          <a:bodyPr>
+            <a:normAutofit/>
+          </a:bodyPr>
+          <a:lstStyle/>
+          <a:p>
+            <a:r>
+              <a:rPr lang="en-US" sz="1800" dirty="0" smtClean="0"/>
+              <a:t>4 cases:</a:t>
+            </a:r>
+          </a:p>
+          <a:p>
+            <a:pPr lvl="1"/>
+            <a:r>
+              <a:rPr lang="en-IN" sz="1600" dirty="0"/>
+              <a:t>small p (&lt; </a:t>
+            </a:r>
+            <a:r>
+              <a:rPr lang="en-IN" sz="1600" dirty="0" smtClean="0"/>
+              <a:t>0.001</a:t>
+            </a:r>
+            <a:r>
+              <a:rPr lang="en-IN" sz="1600" dirty="0"/>
+              <a:t>) and small </a:t>
+            </a:r>
+            <a:r>
+              <a:rPr lang="en-IN" sz="1600" dirty="0" smtClean="0"/>
+              <a:t>p/f (~1)</a:t>
+            </a:r>
+          </a:p>
+          <a:p>
+            <a:pPr lvl="1"/>
+            <a:r>
+              <a:rPr lang="en-IN" sz="1600" dirty="0" smtClean="0"/>
+              <a:t>large p (~ 0.1) and large p/f (~10000)</a:t>
+            </a:r>
+          </a:p>
+          <a:p>
+            <a:pPr lvl="1"/>
+            <a:r>
+              <a:rPr lang="en-IN" sz="1600" dirty="0" smtClean="0"/>
+              <a:t>large p (~ 0.1) and small p/f (~1)</a:t>
+            </a:r>
+          </a:p>
+          <a:p>
+            <a:pPr lvl="1"/>
+            <a:r>
+              <a:rPr lang="en-IN" sz="1600" dirty="0" smtClean="0"/>
+              <a:t>small p (&lt; 0.001) and large p/f (~10000)</a:t>
+            </a:r>
+          </a:p>
+        </p:txBody>
+      </p:sp>
+      <p:sp>
+        <p:nvSpPr>
+          <p:cNvPr id="6" name="TextBox 5"/>
+          <p:cNvSpPr txBox="1"/>
+          <p:nvPr/>
+        </p:nvSpPr>
+        <p:spPr>
+          <a:xfrm>
+            <a:off x="899592" y="6093296"/>
+            <a:ext cx="3816424" cy="646331"/>
+          </a:xfrm>
+          <a:prstGeom prst="rect">
+            <a:avLst/>
+          </a:prstGeom>
+          <a:noFill/>
+        </p:spPr>
+        <p:txBody>
+          <a:bodyPr wrap="square" rtlCol="0">
+            <a:spAutoFit/>
+          </a:bodyPr>
+          <a:lstStyle/>
+          <a:p>
+            <a:r>
+              <a:rPr lang="en-US" dirty="0" smtClean="0"/>
+              <a:t>Case </a:t>
+            </a:r>
+            <a:r>
+              <a:rPr lang="en-US" dirty="0" smtClean="0"/>
+              <a:t>1: N=500, </a:t>
+            </a:r>
+            <a:r>
+              <a:rPr lang="en-US" dirty="0" smtClean="0"/>
+              <a:t>p=0.001</a:t>
+            </a:r>
+            <a:r>
+              <a:rPr lang="en-US" dirty="0" smtClean="0"/>
+              <a:t>, </a:t>
+            </a:r>
+            <a:r>
+              <a:rPr lang="en-US" dirty="0" smtClean="0"/>
+              <a:t>p/f=10</a:t>
+            </a:r>
+            <a:endParaRPr lang="en-IN" dirty="0" smtClean="0"/>
+          </a:p>
+          <a:p>
+            <a:endParaRPr lang="en-IN" dirty="0"/>
+          </a:p>
+        </p:txBody>
+      </p:sp>
+      <p:sp>
+        <p:nvSpPr>
+          <p:cNvPr id="7" name="TextBox 6"/>
+          <p:cNvSpPr txBox="1"/>
+          <p:nvPr/>
+        </p:nvSpPr>
+        <p:spPr>
+          <a:xfrm>
+            <a:off x="5364088" y="6156012"/>
+            <a:ext cx="3384376" cy="369332"/>
+          </a:xfrm>
+          <a:prstGeom prst="rect">
+            <a:avLst/>
+          </a:prstGeom>
+          <a:noFill/>
+        </p:spPr>
+        <p:txBody>
+          <a:bodyPr wrap="square" rtlCol="0">
+            <a:spAutoFit/>
+          </a:bodyPr>
+          <a:lstStyle/>
+          <a:p>
+            <a:r>
+              <a:rPr lang="en-US" dirty="0" smtClean="0"/>
+              <a:t>Case </a:t>
+            </a:r>
+            <a:r>
+              <a:rPr lang="en-US" dirty="0" smtClean="0"/>
+              <a:t>2: N=500, </a:t>
+            </a:r>
+            <a:r>
+              <a:rPr lang="en-US" dirty="0" smtClean="0"/>
+              <a:t>p=0.1</a:t>
+            </a:r>
+            <a:r>
+              <a:rPr lang="en-US" dirty="0" smtClean="0"/>
+              <a:t>, </a:t>
+            </a:r>
+            <a:r>
+              <a:rPr lang="en-US" dirty="0" smtClean="0"/>
+              <a:t>p/f=1000</a:t>
+            </a:r>
+            <a:endParaRPr lang="en-IN" dirty="0" smtClean="0"/>
+          </a:p>
+        </p:txBody>
+      </p:sp>
       <p:pic>
         <p:nvPicPr>
           <p:cNvPr id="2053" name="Picture 5"/>
@@ -4067,7 +6572,7 @@
           <p:nvPr/>
         </p:nvPicPr>
         <p:blipFill>
-          <a:blip r:embed="rId3" cstate="print"/>
+          <a:blip r:embed="rId4" cstate="print"/>
           <a:srcRect/>
           <a:stretch>
             <a:fillRect/>
@@ -4075,8 +6580,8 @@
         </p:blipFill>
         <p:spPr bwMode="auto">
           <a:xfrm>
-            <a:off x="4860032" y="3474065"/>
-            <a:ext cx="3746366" cy="3045472"/>
+            <a:off x="4860032" y="2924944"/>
+            <a:ext cx="3897526" cy="3168352"/>
           </a:xfrm>
           <a:prstGeom prst="rect">
             <a:avLst/>
@@ -4095,6 +6600,13 @@
   <p:clrMapOvr>
     <a:masterClrMapping/>
   </p:clrMapOvr>
+  <p:timing>
+    <p:tnLst>
+      <p:par>
+        <p:cTn id="1" dur="indefinite" restart="never" nodeType="tmRoot"/>
+      </p:par>
+    </p:tnLst>
+  </p:timing>
 </p:sld>
 </file>
 
@@ -4133,80 +6645,22 @@
           <a:lstStyle/>
           <a:p>
             <a:r>
-              <a:rPr lang="en-US" sz="2400" dirty="0" smtClean="0"/>
+              <a:rPr lang="en-US" sz="3000" dirty="0" smtClean="0"/>
               <a:t>Insights from the Traditional Implementation</a:t>
             </a:r>
-            <a:endParaRPr lang="en-IN" sz="2400" dirty="0"/>
-          </a:p>
-        </p:txBody>
-      </p:sp>
-      <p:sp>
-        <p:nvSpPr>
-          <p:cNvPr id="6" name="TextBox 5"/>
-          <p:cNvSpPr txBox="1"/>
-          <p:nvPr/>
-        </p:nvSpPr>
-        <p:spPr>
-          <a:xfrm>
-            <a:off x="2195736" y="4797152"/>
-            <a:ext cx="2016224" cy="369332"/>
-          </a:xfrm>
-          <a:prstGeom prst="rect">
-            <a:avLst/>
-          </a:prstGeom>
-          <a:noFill/>
-        </p:spPr>
-        <p:txBody>
-          <a:bodyPr wrap="square" rtlCol="0">
-            <a:spAutoFit/>
-          </a:bodyPr>
-          <a:lstStyle/>
-          <a:p>
-            <a:r>
-              <a:rPr lang="en-US" dirty="0" smtClean="0"/>
-              <a:t>Case 3</a:t>
-            </a:r>
-            <a:endParaRPr lang="en-IN" dirty="0"/>
-          </a:p>
-        </p:txBody>
-      </p:sp>
-      <p:sp>
-        <p:nvSpPr>
-          <p:cNvPr id="7" name="TextBox 6"/>
-          <p:cNvSpPr txBox="1"/>
-          <p:nvPr/>
-        </p:nvSpPr>
-        <p:spPr>
-          <a:xfrm>
-            <a:off x="6228184" y="4797152"/>
-            <a:ext cx="2016224" cy="369332"/>
-          </a:xfrm>
-          <a:prstGeom prst="rect">
-            <a:avLst/>
-          </a:prstGeom>
-          <a:noFill/>
-        </p:spPr>
-        <p:txBody>
-          <a:bodyPr wrap="square" rtlCol="0">
-            <a:spAutoFit/>
-          </a:bodyPr>
-          <a:lstStyle/>
-          <a:p>
-            <a:r>
-              <a:rPr lang="en-US" dirty="0" smtClean="0"/>
-              <a:t>Case 4</a:t>
-            </a:r>
-            <a:endParaRPr lang="en-IN" dirty="0"/>
+            <a:endParaRPr lang="en-IN" sz="3000" dirty="0"/>
           </a:p>
         </p:txBody>
       </p:sp>
       <p:pic>
         <p:nvPicPr>
-          <p:cNvPr id="3076" name="Picture 4"/>
+          <p:cNvPr id="1026" name="Picture 2"/>
           <p:cNvPicPr>
-            <a:picLocks noChangeAspect="1" noChangeArrowheads="1"/>
+            <a:picLocks noGrp="1" noChangeAspect="1" noChangeArrowheads="1"/>
           </p:cNvPicPr>
-          <p:nvPr/>
+          <p:nvPr>
+            <p:ph idx="1"/>
+          </p:nvPr>
         </p:nvPicPr>
         <p:blipFill>
           <a:blip r:embed="rId2" cstate="print"/>
@@ -4217,8 +6671,8 @@
         </p:blipFill>
         <p:spPr bwMode="auto">
           <a:xfrm>
-            <a:off x="683568" y="1632728"/>
-            <a:ext cx="3961433" cy="3025094"/>
+            <a:off x="1690687" y="1662906"/>
+            <a:ext cx="5762625" cy="4400550"/>
           </a:xfrm>
           <a:prstGeom prst="rect">
             <a:avLst/>
@@ -4234,55 +6688,50 @@
       </p:pic>
       <p:sp>
         <p:nvSpPr>
-          <p:cNvPr id="9" name="Content Placeholder 8"/>
-          <p:cNvSpPr>
-            <a:spLocks noGrp="1"/>
-          </p:cNvSpPr>
-          <p:nvPr>
-            <p:ph idx="1"/>
-          </p:nvPr>
-        </p:nvSpPr>
-        <p:spPr/>
-        <p:txBody>
-          <a:bodyPr/>
-          <a:lstStyle/>
-          <a:p>
-            <a:endParaRPr lang="en-IN"/>
-          </a:p>
-        </p:txBody>
-      </p:sp>
-      <p:pic>
-        <p:nvPicPr>
-          <p:cNvPr id="3077" name="Picture 5"/>
-          <p:cNvPicPr>
-            <a:picLocks noChangeAspect="1" noChangeArrowheads="1"/>
-          </p:cNvPicPr>
+          <p:cNvPr id="5" name="TextBox 4"/>
+          <p:cNvSpPr txBox="1"/>
           <p:nvPr/>
-        </p:nvPicPr>
-        <p:blipFill>
-          <a:blip r:embed="rId3" cstate="print"/>
-          <a:srcRect/>
-          <a:stretch>
-            <a:fillRect/>
-          </a:stretch>
-        </p:blipFill>
-        <p:spPr bwMode="auto">
+        </p:nvSpPr>
+        <p:spPr>
           <a:xfrm>
-            <a:off x="4618404" y="1556792"/>
-            <a:ext cx="3986044" cy="3200242"/>
+            <a:off x="3275856" y="6237312"/>
+            <a:ext cx="4896544" cy="369332"/>
           </a:xfrm>
           <a:prstGeom prst="rect">
             <a:avLst/>
           </a:prstGeom>
           <a:noFill/>
-          <a:ln w="9525">
-            <a:noFill/>
-            <a:miter lim="800000"/>
-            <a:headEnd/>
-            <a:tailEnd/>
-          </a:ln>
         </p:spPr>
-      </p:pic>
+        <p:txBody>
+          <a:bodyPr wrap="square" rtlCol="0">
+            <a:spAutoFit/>
+          </a:bodyPr>
+          <a:lstStyle/>
+          <a:p>
+            <a:r>
+              <a:rPr lang="en-US" dirty="0" smtClean="0"/>
+              <a:t>Case 3: </a:t>
+            </a:r>
+            <a:r>
+              <a:rPr lang="en-US" dirty="0" smtClean="0"/>
+              <a:t>N=500, </a:t>
+            </a:r>
+            <a:r>
+              <a:rPr lang="en-US" dirty="0" smtClean="0"/>
+              <a:t>p=0.1</a:t>
+            </a:r>
+            <a:r>
+              <a:rPr lang="en-US" dirty="0" smtClean="0"/>
+              <a:t>, </a:t>
+            </a:r>
+            <a:r>
+              <a:rPr lang="en-US" dirty="0" smtClean="0"/>
+              <a:t>p/f=10 </a:t>
+            </a:r>
+            <a:endParaRPr lang="en-IN" dirty="0"/>
+          </a:p>
+        </p:txBody>
+      </p:sp>
     </p:spTree>
   </p:cSld>
   <p:clrMapOvr>
@@ -4308,38 +6757,6 @@
           <a:chExt cx="0" cy="0"/>
         </a:xfrm>
       </p:grpSpPr>
-      <p:pic>
-        <p:nvPicPr>
-          <p:cNvPr id="4099" name="Picture 3"/>
-          <p:cNvPicPr>
-            <a:picLocks noChangeAspect="1" noChangeArrowheads="1"/>
-          </p:cNvPicPr>
-          <p:nvPr/>
-        </p:nvPicPr>
-        <p:blipFill>
-          <a:blip r:embed="rId2" cstate="print"/>
-          <a:srcRect/>
-          <a:stretch>
-            <a:fillRect/>
-          </a:stretch>
-        </p:blipFill>
-        <p:spPr bwMode="auto">
-          <a:xfrm>
-            <a:off x="4499992" y="2060848"/>
-            <a:ext cx="4663673" cy="3564168"/>
-          </a:xfrm>
-          <a:prstGeom prst="rect">
-            <a:avLst/>
-          </a:prstGeom>
-          <a:noFill/>
-          <a:ln w="9525">
-            <a:noFill/>
-            <a:miter lim="800000"/>
-            <a:headEnd/>
-            <a:tailEnd/>
-          </a:ln>
-        </p:spPr>
-      </p:pic>
       <p:sp>
         <p:nvSpPr>
           <p:cNvPr id="2" name="Title 1"/>
@@ -4359,36 +6776,15 @@
           <a:p>
             <a:r>
               <a:rPr lang="en-US" sz="2400" dirty="0" smtClean="0"/>
-              <a:t>Limitation of the Traditional Implementation</a:t>
+              <a:t>Insights from the Traditional Implementation</a:t>
             </a:r>
             <a:endParaRPr lang="en-IN" sz="2400" dirty="0"/>
-          </a:p>
-        </p:txBody>
-      </p:sp>
-      <p:sp>
-        <p:nvSpPr>
-          <p:cNvPr id="3" name="Content Placeholder 2"/>
-          <p:cNvSpPr>
-            <a:spLocks noGrp="1"/>
-          </p:cNvSpPr>
-          <p:nvPr>
-            <p:ph idx="1"/>
-          </p:nvPr>
-        </p:nvSpPr>
-        <p:spPr/>
-        <p:txBody>
-          <a:bodyPr>
-            <a:normAutofit/>
-          </a:bodyPr>
-          <a:lstStyle/>
-          <a:p>
-            <a:endParaRPr lang="en-IN" sz="1800" dirty="0"/>
           </a:p>
         </p:txBody>
       </p:sp>
       <p:pic>
         <p:nvPicPr>
-          <p:cNvPr id="4100" name="Picture 4"/>
+          <p:cNvPr id="3077" name="Picture 5"/>
           <p:cNvPicPr>
             <a:picLocks noChangeAspect="1" noChangeArrowheads="1"/>
           </p:cNvPicPr>
@@ -4403,8 +6799,8 @@
         </p:blipFill>
         <p:spPr bwMode="auto">
           <a:xfrm>
-            <a:off x="395536" y="2132856"/>
-            <a:ext cx="4458782" cy="3456384"/>
+            <a:off x="2051720" y="1556792"/>
+            <a:ext cx="5022594" cy="4032448"/>
           </a:xfrm>
           <a:prstGeom prst="rect">
             <a:avLst/>
@@ -4418,6 +6814,52 @@
           </a:ln>
         </p:spPr>
       </p:pic>
+      <p:sp>
+        <p:nvSpPr>
+          <p:cNvPr id="8" name="TextBox 7"/>
+          <p:cNvSpPr txBox="1"/>
+          <p:nvPr/>
+        </p:nvSpPr>
+        <p:spPr>
+          <a:xfrm>
+            <a:off x="2843808" y="5589240"/>
+            <a:ext cx="5472608" cy="369332"/>
+          </a:xfrm>
+          <a:prstGeom prst="rect">
+            <a:avLst/>
+          </a:prstGeom>
+          <a:noFill/>
+        </p:spPr>
+        <p:txBody>
+          <a:bodyPr wrap="square" rtlCol="0">
+            <a:spAutoFit/>
+          </a:bodyPr>
+          <a:lstStyle/>
+          <a:p>
+            <a:r>
+              <a:rPr lang="en-US" dirty="0" smtClean="0"/>
+              <a:t>Case 4</a:t>
+            </a:r>
+            <a:r>
+              <a:rPr lang="en-IN" dirty="0" smtClean="0"/>
+              <a:t>: </a:t>
+            </a:r>
+            <a:r>
+              <a:rPr lang="en-US" dirty="0" smtClean="0"/>
+              <a:t>N=500, </a:t>
+            </a:r>
+            <a:r>
+              <a:rPr lang="en-US" dirty="0" smtClean="0"/>
+              <a:t>p=0.001</a:t>
+            </a:r>
+            <a:r>
+              <a:rPr lang="en-US" dirty="0" smtClean="0"/>
+              <a:t>, p/f=1000</a:t>
+            </a:r>
+            <a:endParaRPr lang="en-IN" dirty="0"/>
+          </a:p>
+        </p:txBody>
+      </p:sp>
     </p:spTree>
   </p:cSld>
   <p:clrMapOvr>
@@ -4467,28 +6909,75 @@
           </a:bodyPr>
           <a:lstStyle/>
           <a:p>
-            <a:endParaRPr lang="en-IN" sz="2400" dirty="0"/>
-          </a:p>
-        </p:txBody>
-      </p:sp>
-      <p:sp>
-        <p:nvSpPr>
-          <p:cNvPr id="3" name="Content Placeholder 2"/>
-          <p:cNvSpPr>
-            <a:spLocks noGrp="1"/>
-          </p:cNvSpPr>
+            <a:r>
+              <a:rPr lang="en-US" sz="3000" dirty="0" smtClean="0"/>
+              <a:t>Insights from the Traditional Implementation- Critical but not SOC state</a:t>
+            </a:r>
+            <a:endParaRPr lang="en-IN" sz="3000" dirty="0"/>
+          </a:p>
+        </p:txBody>
+      </p:sp>
+      <p:pic>
+        <p:nvPicPr>
+          <p:cNvPr id="58370" name="Picture 2"/>
+          <p:cNvPicPr>
+            <a:picLocks noGrp="1" noChangeAspect="1" noChangeArrowheads="1"/>
+          </p:cNvPicPr>
           <p:nvPr>
             <p:ph idx="1"/>
           </p:nvPr>
-        </p:nvSpPr>
-        <p:spPr/>
-        <p:txBody>
-          <a:bodyPr>
-            <a:normAutofit/>
+        </p:nvPicPr>
+        <p:blipFill>
+          <a:blip r:embed="rId2" cstate="print"/>
+          <a:srcRect/>
+          <a:stretch>
+            <a:fillRect/>
+          </a:stretch>
+        </p:blipFill>
+        <p:spPr bwMode="auto">
+          <a:xfrm>
+            <a:off x="1900237" y="1862931"/>
+            <a:ext cx="5343525" cy="4000500"/>
+          </a:xfrm>
+          <a:prstGeom prst="rect">
+            <a:avLst/>
+          </a:prstGeom>
+          <a:noFill/>
+          <a:ln w="9525">
+            <a:noFill/>
+            <a:miter lim="800000"/>
+            <a:headEnd/>
+            <a:tailEnd/>
+          </a:ln>
+        </p:spPr>
+      </p:pic>
+      <p:sp>
+        <p:nvSpPr>
+          <p:cNvPr id="5" name="TextBox 4"/>
+          <p:cNvSpPr txBox="1"/>
+          <p:nvPr/>
+        </p:nvSpPr>
+        <p:spPr>
+          <a:xfrm>
+            <a:off x="1835696" y="6021288"/>
+            <a:ext cx="5472608" cy="369332"/>
+          </a:xfrm>
+          <a:prstGeom prst="rect">
+            <a:avLst/>
+          </a:prstGeom>
+          <a:noFill/>
+        </p:spPr>
+        <p:txBody>
+          <a:bodyPr wrap="square" rtlCol="0">
+            <a:spAutoFit/>
           </a:bodyPr>
           <a:lstStyle/>
           <a:p>
-            <a:endParaRPr lang="en-IN" sz="1800" dirty="0"/>
+            <a:r>
+              <a:rPr lang="en-US" dirty="0" smtClean="0"/>
+              <a:t>		N=500, p=0.01, p/f=1000</a:t>
+            </a:r>
+            <a:endParaRPr lang="en-IN" dirty="0"/>
           </a:p>
         </p:txBody>
       </p:sp>
@@ -4541,28 +7030,75 @@
           </a:bodyPr>
           <a:lstStyle/>
           <a:p>
-            <a:endParaRPr lang="en-IN" sz="2400" dirty="0"/>
-          </a:p>
-        </p:txBody>
-      </p:sp>
-      <p:sp>
-        <p:nvSpPr>
-          <p:cNvPr id="3" name="Content Placeholder 2"/>
-          <p:cNvSpPr>
-            <a:spLocks noGrp="1"/>
-          </p:cNvSpPr>
+            <a:r>
+              <a:rPr lang="en-US" sz="3000" dirty="0" smtClean="0"/>
+              <a:t>Insights from the Traditional Implementation- Effect of the grid size</a:t>
+            </a:r>
+            <a:endParaRPr lang="en-IN" sz="3000" dirty="0"/>
+          </a:p>
+        </p:txBody>
+      </p:sp>
+      <p:pic>
+        <p:nvPicPr>
+          <p:cNvPr id="59394" name="Picture 2"/>
+          <p:cNvPicPr>
+            <a:picLocks noGrp="1" noChangeAspect="1" noChangeArrowheads="1"/>
+          </p:cNvPicPr>
           <p:nvPr>
             <p:ph idx="1"/>
           </p:nvPr>
-        </p:nvSpPr>
-        <p:spPr/>
-        <p:txBody>
-          <a:bodyPr>
-            <a:normAutofit/>
+        </p:nvPicPr>
+        <p:blipFill>
+          <a:blip r:embed="rId2" cstate="print"/>
+          <a:srcRect/>
+          <a:stretch>
+            <a:fillRect/>
+          </a:stretch>
+        </p:blipFill>
+        <p:spPr bwMode="auto">
+          <a:xfrm>
+            <a:off x="1863457" y="1600200"/>
+            <a:ext cx="5417085" cy="4525963"/>
+          </a:xfrm>
+          <a:prstGeom prst="rect">
+            <a:avLst/>
+          </a:prstGeom>
+          <a:noFill/>
+          <a:ln w="9525">
+            <a:noFill/>
+            <a:miter lim="800000"/>
+            <a:headEnd/>
+            <a:tailEnd/>
+          </a:ln>
+        </p:spPr>
+      </p:pic>
+      <p:sp>
+        <p:nvSpPr>
+          <p:cNvPr id="5" name="TextBox 4"/>
+          <p:cNvSpPr txBox="1"/>
+          <p:nvPr/>
+        </p:nvSpPr>
+        <p:spPr>
+          <a:xfrm>
+            <a:off x="1835696" y="6021288"/>
+            <a:ext cx="5472608" cy="369332"/>
+          </a:xfrm>
+          <a:prstGeom prst="rect">
+            <a:avLst/>
+          </a:prstGeom>
+          <a:noFill/>
+        </p:spPr>
+        <p:txBody>
+          <a:bodyPr wrap="square" rtlCol="0">
+            <a:spAutoFit/>
           </a:bodyPr>
           <a:lstStyle/>
           <a:p>
-            <a:endParaRPr lang="en-IN" sz="1800" dirty="0"/>
+            <a:r>
+              <a:rPr lang="en-US" dirty="0" smtClean="0"/>
+              <a:t>		N=50, p=0.001, p/f=1000</a:t>
+            </a:r>
+            <a:endParaRPr lang="en-IN" dirty="0"/>
           </a:p>
         </p:txBody>
       </p:sp>
@@ -4571,6 +7107,13 @@
   <p:clrMapOvr>
     <a:masterClrMapping/>
   </p:clrMapOvr>
+  <p:timing>
+    <p:tnLst>
+      <p:par>
+        <p:cTn id="1" dur="indefinite" restart="never" nodeType="tmRoot"/>
+      </p:par>
+    </p:tnLst>
+  </p:timing>
 </p:sld>
 </file>
 
@@ -4608,36 +7151,58 @@
           </a:bodyPr>
           <a:lstStyle/>
           <a:p>
+            <a:r>
+              <a:rPr lang="en-US" sz="2400" dirty="0" smtClean="0"/>
+              <a:t>Limitation of the Traditional Implementation- No specific exponent of Frequency distribution</a:t>
+            </a:r>
             <a:endParaRPr lang="en-IN" sz="2400" dirty="0"/>
           </a:p>
         </p:txBody>
       </p:sp>
-      <p:sp>
-        <p:nvSpPr>
-          <p:cNvPr id="3" name="Content Placeholder 2"/>
-          <p:cNvSpPr>
-            <a:spLocks noGrp="1"/>
-          </p:cNvSpPr>
-          <p:nvPr>
-            <p:ph idx="1"/>
-          </p:nvPr>
-        </p:nvSpPr>
-        <p:spPr/>
-        <p:txBody>
-          <a:bodyPr>
-            <a:normAutofit/>
-          </a:bodyPr>
-          <a:lstStyle/>
-          <a:p>
-            <a:endParaRPr lang="en-IN" sz="1800" dirty="0"/>
-          </a:p>
-        </p:txBody>
-      </p:sp>
+      <p:pic>
+        <p:nvPicPr>
+          <p:cNvPr id="4100" name="Picture 4"/>
+          <p:cNvPicPr>
+            <a:picLocks noChangeAspect="1" noChangeArrowheads="1"/>
+          </p:cNvPicPr>
+          <p:nvPr/>
+        </p:nvPicPr>
+        <p:blipFill>
+          <a:blip r:embed="rId3" cstate="print"/>
+          <a:srcRect/>
+          <a:stretch>
+            <a:fillRect/>
+          </a:stretch>
+        </p:blipFill>
+        <p:spPr bwMode="auto">
+          <a:xfrm>
+            <a:off x="1755710" y="1700808"/>
+            <a:ext cx="5480586" cy="4248472"/>
+          </a:xfrm>
+          <a:prstGeom prst="rect">
+            <a:avLst/>
+          </a:prstGeom>
+          <a:noFill/>
+          <a:ln w="9525">
+            <a:noFill/>
+            <a:miter lim="800000"/>
+            <a:headEnd/>
+            <a:tailEnd/>
+          </a:ln>
+        </p:spPr>
+      </p:pic>
     </p:spTree>
   </p:cSld>
   <p:clrMapOvr>
     <a:masterClrMapping/>
   </p:clrMapOvr>
+  <p:timing>
+    <p:tnLst>
+      <p:par>
+        <p:cTn id="1" dur="indefinite" restart="never" nodeType="tmRoot"/>
+      </p:par>
+    </p:tnLst>
+  </p:timing>
 </p:sld>
 </file>
 
@@ -4660,28 +7225,7 @@
       </p:grpSpPr>
       <p:sp>
         <p:nvSpPr>
-          <p:cNvPr id="2" name="Title 1"/>
-          <p:cNvSpPr>
-            <a:spLocks noGrp="1"/>
-          </p:cNvSpPr>
-          <p:nvPr>
-            <p:ph type="title"/>
-          </p:nvPr>
-        </p:nvSpPr>
-        <p:spPr/>
-        <p:txBody>
-          <a:bodyPr>
-            <a:normAutofit/>
-          </a:bodyPr>
-          <a:lstStyle/>
-          <a:p>
-            <a:endParaRPr lang="en-IN" sz="2400" dirty="0"/>
-          </a:p>
-        </p:txBody>
-      </p:sp>
-      <p:sp>
-        <p:nvSpPr>
-          <p:cNvPr id="3" name="Content Placeholder 2"/>
+          <p:cNvPr id="8" name="Content Placeholder 7"/>
           <p:cNvSpPr>
             <a:spLocks noGrp="1"/>
           </p:cNvSpPr>
@@ -4691,20 +7235,57 @@
         </p:nvSpPr>
         <p:spPr/>
         <p:txBody>
-          <a:bodyPr>
-            <a:normAutofit/>
-          </a:bodyPr>
-          <a:lstStyle/>
-          <a:p>
-            <a:endParaRPr lang="en-IN" sz="1800" dirty="0"/>
-          </a:p>
-        </p:txBody>
-      </p:sp>
+          <a:bodyPr/>
+          <a:lstStyle/>
+          <a:p>
+            <a:endParaRPr lang="en-IN"/>
+          </a:p>
+        </p:txBody>
+      </p:sp>
+      <p:pic>
+        <p:nvPicPr>
+          <p:cNvPr id="2053" name="Picture 5"/>
+          <p:cNvPicPr>
+            <a:picLocks noChangeAspect="1" noChangeArrowheads="1"/>
+          </p:cNvPicPr>
+          <p:nvPr/>
+        </p:nvPicPr>
+        <p:blipFill>
+          <a:blip r:embed="rId3" cstate="print"/>
+          <a:srcRect/>
+          <a:stretch>
+            <a:fillRect/>
+          </a:stretch>
+        </p:blipFill>
+        <p:spPr bwMode="auto">
+          <a:xfrm>
+            <a:off x="0" y="-59058"/>
+            <a:ext cx="9144000" cy="6944442"/>
+          </a:xfrm>
+          <a:prstGeom prst="rect">
+            <a:avLst/>
+          </a:prstGeom>
+          <a:noFill/>
+          <a:ln w="9525">
+            <a:noFill/>
+            <a:miter lim="800000"/>
+            <a:headEnd/>
+            <a:tailEnd/>
+          </a:ln>
+        </p:spPr>
+      </p:pic>
     </p:spTree>
   </p:cSld>
   <p:clrMapOvr>
     <a:masterClrMapping/>
   </p:clrMapOvr>
+  <p:timing>
+    <p:tnLst>
+      <p:par>
+        <p:cTn id="1" dur="indefinite" restart="never" nodeType="tmRoot"/>
+      </p:par>
+    </p:tnLst>
+  </p:timing>
 </p:sld>
 </file>
 
@@ -4743,376 +7324,2537 @@
           <a:lstStyle/>
           <a:p>
             <a:r>
-              <a:rPr lang="en-US" sz="2400" dirty="0" smtClean="0"/>
-              <a:t>References</a:t>
-            </a:r>
-            <a:endParaRPr lang="en-IN" sz="2400" dirty="0"/>
-          </a:p>
-        </p:txBody>
-      </p:sp>
-      <p:sp>
-        <p:nvSpPr>
-          <p:cNvPr id="3" name="Content Placeholder 2"/>
-          <p:cNvSpPr>
-            <a:spLocks noGrp="1"/>
-          </p:cNvSpPr>
+              <a:rPr lang="en-US" sz="3000" dirty="0" smtClean="0"/>
+              <a:t>Limitation of the Traditional Implementation- No specific exponent of radius distribution</a:t>
+            </a:r>
+            <a:endParaRPr lang="en-IN" sz="3000" dirty="0"/>
+          </a:p>
+        </p:txBody>
+      </p:sp>
+      <p:pic>
+        <p:nvPicPr>
+          <p:cNvPr id="4" name="Content Placeholder 3"/>
+          <p:cNvPicPr>
+            <a:picLocks noGrp="1" noChangeAspect="1" noChangeArrowheads="1"/>
+          </p:cNvPicPr>
           <p:nvPr>
             <p:ph idx="1"/>
           </p:nvPr>
-        </p:nvSpPr>
-        <p:spPr/>
-        <p:txBody>
-          <a:bodyPr>
-            <a:normAutofit lnSpcReduction="10000"/>
-          </a:bodyPr>
-          <a:lstStyle/>
-          <a:p>
-            <a:r>
-              <a:rPr lang="en-IN" sz="1800" dirty="0" smtClean="0"/>
-              <a:t>Per </a:t>
-            </a:r>
-            <a:r>
-              <a:rPr lang="en-IN" sz="1800" dirty="0" err="1"/>
-              <a:t>Bak</a:t>
-            </a:r>
-            <a:r>
-              <a:rPr lang="en-IN" sz="1800" dirty="0"/>
-              <a:t>, Chao Tang, and Kurt </a:t>
-            </a:r>
-            <a:r>
-              <a:rPr lang="en-IN" sz="1800" dirty="0" err="1"/>
-              <a:t>Wiesenfeld</a:t>
-            </a:r>
-            <a:r>
-              <a:rPr lang="en-IN" sz="1800" dirty="0"/>
-              <a:t>. Self-organized criticality. Phys. </a:t>
-            </a:r>
-            <a:r>
-              <a:rPr lang="en-IN" sz="1800" dirty="0" smtClean="0"/>
-              <a:t>Rev. A</a:t>
-            </a:r>
-            <a:r>
-              <a:rPr lang="en-IN" sz="1800" dirty="0"/>
-              <a:t>, </a:t>
-            </a:r>
-            <a:r>
-              <a:rPr lang="en-IN" sz="1800" dirty="0" smtClean="0"/>
-              <a:t>38:364-374</a:t>
-            </a:r>
-            <a:r>
-              <a:rPr lang="en-IN" sz="1800" dirty="0"/>
-              <a:t>, Jul </a:t>
-            </a:r>
-            <a:r>
-              <a:rPr lang="en-IN" sz="1800" dirty="0" smtClean="0"/>
-              <a:t>1988.</a:t>
-            </a:r>
-            <a:endParaRPr lang="en-IN" sz="1800" dirty="0"/>
-          </a:p>
-          <a:p>
-            <a:r>
-              <a:rPr lang="en-IN" sz="1800" dirty="0"/>
-              <a:t>Per </a:t>
-            </a:r>
-            <a:r>
-              <a:rPr lang="en-IN" sz="1800" dirty="0" err="1"/>
-              <a:t>Bak</a:t>
-            </a:r>
-            <a:r>
-              <a:rPr lang="en-IN" sz="1800" dirty="0"/>
-              <a:t>, Kan Chen, and Chao Tang. A forest-re model and some thoughts </a:t>
-            </a:r>
-            <a:r>
-              <a:rPr lang="en-IN" sz="1800" dirty="0" smtClean="0"/>
-              <a:t>on </a:t>
-            </a:r>
-            <a:r>
-              <a:rPr lang="fr-FR" sz="1800" dirty="0" smtClean="0"/>
-              <a:t>turbulence</a:t>
-            </a:r>
-            <a:r>
-              <a:rPr lang="fr-FR" sz="1800" dirty="0"/>
-              <a:t>. </a:t>
-            </a:r>
-            <a:r>
-              <a:rPr lang="fr-FR" sz="1800" dirty="0" err="1"/>
-              <a:t>Physics</a:t>
-            </a:r>
-            <a:r>
-              <a:rPr lang="fr-FR" sz="1800" dirty="0"/>
-              <a:t> </a:t>
-            </a:r>
-            <a:r>
-              <a:rPr lang="fr-FR" sz="1800" dirty="0" err="1"/>
-              <a:t>Letters</a:t>
-            </a:r>
-            <a:r>
-              <a:rPr lang="fr-FR" sz="1800" dirty="0"/>
-              <a:t> A, 147(56):297 -</a:t>
-            </a:r>
-            <a:r>
-              <a:rPr lang="fr-FR" sz="1800" dirty="0" smtClean="0"/>
-              <a:t>300</a:t>
-            </a:r>
-            <a:r>
-              <a:rPr lang="fr-FR" sz="1800" dirty="0"/>
-              <a:t>, 1990.</a:t>
-            </a:r>
-            <a:endParaRPr lang="en-IN" sz="1800" dirty="0" smtClean="0"/>
-          </a:p>
-          <a:p>
-            <a:r>
-              <a:rPr lang="en-IN" sz="1800" dirty="0" smtClean="0"/>
-              <a:t>Peter </a:t>
-            </a:r>
-            <a:r>
-              <a:rPr lang="en-IN" sz="1800" dirty="0" err="1"/>
-              <a:t>Grassberger</a:t>
-            </a:r>
-            <a:r>
-              <a:rPr lang="en-IN" sz="1800" dirty="0"/>
-              <a:t> and </a:t>
-            </a:r>
-            <a:r>
-              <a:rPr lang="en-IN" sz="1800" dirty="0" err="1"/>
-              <a:t>Holger</a:t>
-            </a:r>
-            <a:r>
-              <a:rPr lang="en-IN" sz="1800" dirty="0"/>
-              <a:t> </a:t>
-            </a:r>
-            <a:r>
-              <a:rPr lang="en-IN" sz="1800" dirty="0" err="1"/>
-              <a:t>Kantz</a:t>
-            </a:r>
-            <a:r>
-              <a:rPr lang="en-IN" sz="1800" dirty="0"/>
-              <a:t>. On a forest re model with supposed </a:t>
-            </a:r>
-            <a:r>
-              <a:rPr lang="en-IN" sz="1800" dirty="0" smtClean="0"/>
-              <a:t>self-organized </a:t>
-            </a:r>
-            <a:r>
-              <a:rPr lang="en-IN" sz="1800" dirty="0"/>
-              <a:t>criticality. Journal of Statistical Physics, </a:t>
-            </a:r>
-            <a:r>
-              <a:rPr lang="en-IN" sz="1800" dirty="0" smtClean="0"/>
-              <a:t>63:685-700</a:t>
-            </a:r>
-            <a:r>
-              <a:rPr lang="en-IN" sz="1800" dirty="0"/>
-              <a:t>, 1991.</a:t>
-            </a:r>
-          </a:p>
-          <a:p>
-            <a:r>
-              <a:rPr lang="en-IN" sz="1800" dirty="0" smtClean="0"/>
-              <a:t>W.K</a:t>
-            </a:r>
-            <a:r>
-              <a:rPr lang="en-IN" sz="1800" dirty="0"/>
-              <a:t>. </a:t>
-            </a:r>
-            <a:r>
-              <a:rPr lang="en-IN" sz="1800" dirty="0" err="1"/>
-              <a:t>Moner</a:t>
-            </a:r>
-            <a:r>
-              <a:rPr lang="en-IN" sz="1800" dirty="0"/>
-              <a:t>, B. </a:t>
-            </a:r>
-            <a:r>
-              <a:rPr lang="en-IN" sz="1800" dirty="0" err="1"/>
-              <a:t>Drossel</a:t>
-            </a:r>
-            <a:r>
-              <a:rPr lang="en-IN" sz="1800" dirty="0"/>
-              <a:t>, and F. </a:t>
-            </a:r>
-            <a:r>
-              <a:rPr lang="en-IN" sz="1800" dirty="0" err="1"/>
-              <a:t>Schwabl</a:t>
-            </a:r>
-            <a:r>
-              <a:rPr lang="en-IN" sz="1800" dirty="0"/>
-              <a:t>. Computer simulations of the </a:t>
-            </a:r>
-            <a:r>
-              <a:rPr lang="en-IN" sz="1800" dirty="0" smtClean="0"/>
-              <a:t>forest-remodel</a:t>
-            </a:r>
-            <a:r>
-              <a:rPr lang="en-IN" sz="1800" dirty="0"/>
-              <a:t>. </a:t>
-            </a:r>
-            <a:r>
-              <a:rPr lang="en-IN" sz="1800" dirty="0" err="1"/>
-              <a:t>Physica</a:t>
-            </a:r>
-            <a:r>
-              <a:rPr lang="en-IN" sz="1800" dirty="0"/>
-              <a:t> A: Statistical Mechanics and its Applications, 190(34):205 </a:t>
-            </a:r>
-            <a:r>
-              <a:rPr lang="en-IN" sz="1800" dirty="0" smtClean="0"/>
-              <a:t>- 217,1992</a:t>
-            </a:r>
-            <a:r>
-              <a:rPr lang="en-IN" sz="1800" dirty="0"/>
-              <a:t>.</a:t>
-            </a:r>
-          </a:p>
-          <a:p>
-            <a:r>
-              <a:rPr lang="en-IN" sz="1800" dirty="0" smtClean="0"/>
-              <a:t>B</a:t>
-            </a:r>
-            <a:r>
-              <a:rPr lang="en-IN" sz="1800" dirty="0"/>
-              <a:t>. </a:t>
-            </a:r>
-            <a:r>
-              <a:rPr lang="en-IN" sz="1800" dirty="0" err="1"/>
-              <a:t>Drossel</a:t>
-            </a:r>
-            <a:r>
-              <a:rPr lang="en-IN" sz="1800" dirty="0"/>
-              <a:t> and F. </a:t>
-            </a:r>
-            <a:r>
-              <a:rPr lang="en-IN" sz="1800" dirty="0" err="1"/>
-              <a:t>Schwabl</a:t>
-            </a:r>
-            <a:r>
-              <a:rPr lang="en-IN" sz="1800" dirty="0"/>
-              <a:t>. Self-organized critical forest-re model. Phys. </a:t>
-            </a:r>
-            <a:r>
-              <a:rPr lang="en-IN" sz="1800" dirty="0" smtClean="0"/>
-              <a:t>Rev. </a:t>
-            </a:r>
-            <a:r>
-              <a:rPr lang="en-IN" sz="1800" dirty="0" err="1" smtClean="0"/>
-              <a:t>Lett</a:t>
-            </a:r>
-            <a:r>
-              <a:rPr lang="en-IN" sz="1800" dirty="0"/>
-              <a:t>., </a:t>
-            </a:r>
-            <a:r>
-              <a:rPr lang="en-IN" sz="1800" dirty="0" smtClean="0"/>
-              <a:t>69:1629-1632</a:t>
-            </a:r>
-            <a:r>
-              <a:rPr lang="en-IN" sz="1800" dirty="0"/>
-              <a:t>, Sep 1992.</a:t>
-            </a:r>
-          </a:p>
-          <a:p>
-            <a:r>
-              <a:rPr lang="en-IN" sz="1800" dirty="0" smtClean="0"/>
-              <a:t>S</a:t>
-            </a:r>
-            <a:r>
-              <a:rPr lang="en-IN" sz="1800" dirty="0"/>
-              <a:t>. </a:t>
-            </a:r>
-            <a:r>
-              <a:rPr lang="en-IN" sz="1800" dirty="0" err="1"/>
-              <a:t>Clar</a:t>
-            </a:r>
-            <a:r>
-              <a:rPr lang="en-IN" sz="1800" dirty="0"/>
-              <a:t>, B. </a:t>
-            </a:r>
-            <a:r>
-              <a:rPr lang="en-IN" sz="1800" dirty="0" err="1"/>
-              <a:t>Drossel</a:t>
-            </a:r>
-            <a:r>
-              <a:rPr lang="en-IN" sz="1800" dirty="0"/>
-              <a:t>, and F. </a:t>
-            </a:r>
-            <a:r>
-              <a:rPr lang="en-IN" sz="1800" dirty="0" err="1"/>
-              <a:t>Schwabl</a:t>
-            </a:r>
-            <a:r>
-              <a:rPr lang="en-IN" sz="1800" dirty="0"/>
-              <a:t>. Scaling laws and simulation results for </a:t>
-            </a:r>
-            <a:r>
-              <a:rPr lang="en-IN" sz="1800" dirty="0" smtClean="0"/>
-              <a:t>the self-organized </a:t>
-            </a:r>
-            <a:r>
-              <a:rPr lang="en-IN" sz="1800" dirty="0"/>
-              <a:t>critical forest-re model. Phys. Rev. E, </a:t>
-            </a:r>
-            <a:r>
-              <a:rPr lang="en-IN" sz="1800" dirty="0" smtClean="0"/>
-              <a:t>50:1009-1018</a:t>
-            </a:r>
-            <a:r>
-              <a:rPr lang="en-IN" sz="1800" dirty="0"/>
-              <a:t>, Aug 1994.</a:t>
-            </a:r>
-          </a:p>
-          <a:p>
-            <a:r>
-              <a:rPr lang="en-IN" sz="1800" dirty="0" smtClean="0"/>
-              <a:t>Siegfried </a:t>
-            </a:r>
-            <a:r>
-              <a:rPr lang="en-IN" sz="1800" dirty="0" err="1"/>
-              <a:t>Clar</a:t>
-            </a:r>
-            <a:r>
-              <a:rPr lang="en-IN" sz="1800" dirty="0"/>
-              <a:t>, Barbara </a:t>
-            </a:r>
-            <a:r>
-              <a:rPr lang="en-IN" sz="1800" dirty="0" err="1"/>
-              <a:t>Drossel</a:t>
-            </a:r>
-            <a:r>
-              <a:rPr lang="en-IN" sz="1800" dirty="0"/>
-              <a:t>, and Franz </a:t>
-            </a:r>
-            <a:r>
-              <a:rPr lang="en-IN" sz="1800" dirty="0" err="1"/>
-              <a:t>Schwabl</a:t>
-            </a:r>
-            <a:r>
-              <a:rPr lang="en-IN" sz="1800" dirty="0"/>
-              <a:t>. Forest res and </a:t>
-            </a:r>
-            <a:r>
-              <a:rPr lang="en-IN" sz="1800" dirty="0" smtClean="0"/>
-              <a:t>other examples </a:t>
-            </a:r>
-            <a:r>
-              <a:rPr lang="en-IN" sz="1800" dirty="0"/>
-              <a:t>of self-organized criticality. Journal of Physics: Condensed </a:t>
-            </a:r>
-            <a:r>
-              <a:rPr lang="en-IN" sz="1800" dirty="0" smtClean="0"/>
-              <a:t>Matter, 8(37</a:t>
-            </a:r>
-            <a:r>
-              <a:rPr lang="en-IN" sz="1800" dirty="0"/>
-              <a:t>):6803, 1996.</a:t>
-            </a:r>
-          </a:p>
-        </p:txBody>
-      </p:sp>
+        </p:nvPicPr>
+        <p:blipFill>
+          <a:blip r:embed="rId2" cstate="print"/>
+          <a:srcRect/>
+          <a:stretch>
+            <a:fillRect/>
+          </a:stretch>
+        </p:blipFill>
+        <p:spPr bwMode="auto">
+          <a:xfrm>
+            <a:off x="1610914" y="1600200"/>
+            <a:ext cx="5922171" cy="4525963"/>
+          </a:xfrm>
+          <a:prstGeom prst="rect">
+            <a:avLst/>
+          </a:prstGeom>
+          <a:noFill/>
+          <a:ln w="9525">
+            <a:noFill/>
+            <a:miter lim="800000"/>
+            <a:headEnd/>
+            <a:tailEnd/>
+          </a:ln>
+        </p:spPr>
+      </p:pic>
     </p:spTree>
   </p:cSld>
   <p:clrMapOvr>
     <a:masterClrMapping/>
   </p:clrMapOvr>
+  <p:timing>
+    <p:tnLst>
+      <p:par>
+        <p:cTn id="1" dur="indefinite" restart="never" nodeType="tmRoot"/>
+      </p:par>
+    </p:tnLst>
+  </p:timing>
+</p:sld>
+</file>
+
+<file path=ppt/slides/slide21.xml><?xml version="1.0" encoding="utf-8"?>
+<p:sld xmlns:a="http://schemas.openxmlformats.org/drawingml/2006/main" xmlns:r="http://schemas.openxmlformats.org/officeDocument/2006/relationships" xmlns:p="http://schemas.openxmlformats.org/presentationml/2006/main">
+  <p:cSld>
+    <p:spTree>
+      <p:nvGrpSpPr>
+        <p:cNvPr id="1" name=""/>
+        <p:cNvGrpSpPr/>
+        <p:nvPr/>
+      </p:nvGrpSpPr>
+      <p:grpSpPr>
+        <a:xfrm>
+          <a:off x="0" y="0"/>
+          <a:ext cx="0" cy="0"/>
+          <a:chOff x="0" y="0"/>
+          <a:chExt cx="0" cy="0"/>
+        </a:xfrm>
+      </p:grpSpPr>
+      <p:sp>
+        <p:nvSpPr>
+          <p:cNvPr id="2" name="Title 1"/>
+          <p:cNvSpPr>
+            <a:spLocks noGrp="1"/>
+          </p:cNvSpPr>
+          <p:nvPr>
+            <p:ph type="title"/>
+          </p:nvPr>
+        </p:nvSpPr>
+        <p:spPr/>
+        <p:txBody>
+          <a:bodyPr>
+            <a:normAutofit/>
+          </a:bodyPr>
+          <a:lstStyle/>
+          <a:p>
+            <a:r>
+              <a:rPr lang="en-IN" sz="2400" dirty="0" smtClean="0"/>
+              <a:t>Insights from the new implementation</a:t>
+            </a:r>
+            <a:endParaRPr lang="en-IN" sz="2400" dirty="0"/>
+          </a:p>
+        </p:txBody>
+      </p:sp>
+      <p:sp>
+        <p:nvSpPr>
+          <p:cNvPr id="3" name="Content Placeholder 2"/>
+          <p:cNvSpPr>
+            <a:spLocks noGrp="1"/>
+          </p:cNvSpPr>
+          <p:nvPr>
+            <p:ph idx="1"/>
+          </p:nvPr>
+        </p:nvSpPr>
+        <p:spPr/>
+        <p:txBody>
+          <a:bodyPr>
+            <a:normAutofit/>
+          </a:bodyPr>
+          <a:lstStyle/>
+          <a:p>
+            <a:r>
+              <a:rPr lang="en-IN" sz="1800" dirty="0" smtClean="0"/>
+              <a:t>Cluster radius distribution</a:t>
+            </a:r>
+            <a:endParaRPr lang="en-IN" sz="1800" dirty="0"/>
+          </a:p>
+        </p:txBody>
+      </p:sp>
+      <p:pic>
+        <p:nvPicPr>
+          <p:cNvPr id="4" name="Picture 3"/>
+          <p:cNvPicPr>
+            <a:picLocks noChangeAspect="1" noChangeArrowheads="1"/>
+          </p:cNvPicPr>
+          <p:nvPr/>
+        </p:nvPicPr>
+        <p:blipFill>
+          <a:blip r:embed="rId3" cstate="print">
+            <a:extLst>
+              <a:ext uri="{28A0092B-C50C-407E-A947-70E740481C1C}">
+                <a14:useLocalDpi xmlns:a14="http://schemas.microsoft.com/office/drawing/2010/main" xmlns="" val="0"/>
+              </a:ext>
+            </a:extLst>
+          </a:blip>
+          <a:srcRect/>
+          <a:stretch>
+            <a:fillRect/>
+          </a:stretch>
+        </p:blipFill>
+        <p:spPr bwMode="auto">
+          <a:xfrm>
+            <a:off x="1857375" y="2119313"/>
+            <a:ext cx="5343525" cy="4000500"/>
+          </a:xfrm>
+          <a:prstGeom prst="rect">
+            <a:avLst/>
+          </a:prstGeom>
+          <a:noFill/>
+          <a:ln>
+            <a:noFill/>
+          </a:ln>
+          <a:effectLst/>
+          <a:extLst>
+            <a:ext uri="{909E8E84-426E-40DD-AFC4-6F175D3DCCD1}">
+              <a14:hiddenFill xmlns:a14="http://schemas.microsoft.com/office/drawing/2010/main" xmlns="">
+                <a:blipFill dpi="0" rotWithShape="0">
+                  <a:blip/>
+                  <a:srcRect/>
+                  <a:stretch>
+                    <a:fillRect/>
+                  </a:stretch>
+                </a:blipFill>
+              </a14:hiddenFill>
+            </a:ext>
+            <a:ext uri="{91240B29-F687-4F45-9708-019B960494DF}">
+              <a14:hiddenLine xmlns:a14="http://schemas.microsoft.com/office/drawing/2010/main" xmlns="" w="9525">
+                <a:solidFill>
+                  <a:srgbClr val="000000"/>
+                </a:solidFill>
+                <a:round/>
+                <a:headEnd/>
+                <a:tailEnd/>
+              </a14:hiddenLine>
+            </a:ext>
+            <a:ext uri="{AF507438-7753-43E0-B8FC-AC1667EBCBE1}">
+              <a14:hiddenEffects xmlns:a14="http://schemas.microsoft.com/office/drawing/2010/main" xmlns="">
+                <a:effectLst>
+                  <a:outerShdw dist="35921" dir="2700000" algn="ctr" rotWithShape="0">
+                    <a:srgbClr val="808080"/>
+                  </a:outerShdw>
+                </a:effectLst>
+              </a14:hiddenEffects>
+            </a:ext>
+          </a:extLst>
+        </p:spPr>
+      </p:pic>
+    </p:spTree>
+  </p:cSld>
+  <p:clrMapOvr>
+    <a:masterClrMapping/>
+  </p:clrMapOvr>
+  <p:timing>
+    <p:tnLst>
+      <p:par>
+        <p:cTn id="1" dur="indefinite" restart="never" nodeType="tmRoot"/>
+      </p:par>
+    </p:tnLst>
+  </p:timing>
+</p:sld>
+</file>
+
+<file path=ppt/slides/slide22.xml><?xml version="1.0" encoding="utf-8"?>
+<p:sld xmlns:a="http://schemas.openxmlformats.org/drawingml/2006/main" xmlns:r="http://schemas.openxmlformats.org/officeDocument/2006/relationships" xmlns:p="http://schemas.openxmlformats.org/presentationml/2006/main">
+  <p:cSld>
+    <p:spTree>
+      <p:nvGrpSpPr>
+        <p:cNvPr id="1" name=""/>
+        <p:cNvGrpSpPr/>
+        <p:nvPr/>
+      </p:nvGrpSpPr>
+      <p:grpSpPr>
+        <a:xfrm>
+          <a:off x="0" y="0"/>
+          <a:ext cx="0" cy="0"/>
+          <a:chOff x="0" y="0"/>
+          <a:chExt cx="0" cy="0"/>
+        </a:xfrm>
+      </p:grpSpPr>
+      <p:sp>
+        <p:nvSpPr>
+          <p:cNvPr id="2" name="Title 1"/>
+          <p:cNvSpPr>
+            <a:spLocks noGrp="1"/>
+          </p:cNvSpPr>
+          <p:nvPr>
+            <p:ph type="title"/>
+          </p:nvPr>
+        </p:nvSpPr>
+        <p:spPr/>
+        <p:txBody>
+          <a:bodyPr>
+            <a:normAutofit/>
+          </a:bodyPr>
+          <a:lstStyle/>
+          <a:p>
+            <a:r>
+              <a:rPr lang="en-IN" sz="2400" dirty="0" smtClean="0"/>
+              <a:t>Insights from the new implementation</a:t>
+            </a:r>
+            <a:endParaRPr lang="en-IN" sz="2400" dirty="0"/>
+          </a:p>
+        </p:txBody>
+      </p:sp>
+      <p:sp>
+        <p:nvSpPr>
+          <p:cNvPr id="3" name="Content Placeholder 2"/>
+          <p:cNvSpPr>
+            <a:spLocks noGrp="1"/>
+          </p:cNvSpPr>
+          <p:nvPr>
+            <p:ph idx="1"/>
+          </p:nvPr>
+        </p:nvSpPr>
+        <p:spPr/>
+        <p:txBody>
+          <a:bodyPr>
+            <a:normAutofit/>
+          </a:bodyPr>
+          <a:lstStyle/>
+          <a:p>
+            <a:r>
+              <a:rPr lang="en-IN" sz="1800" dirty="0" smtClean="0"/>
+              <a:t>Isolating the parameters and determining their effect on the simulation results</a:t>
+            </a:r>
+          </a:p>
+          <a:p>
+            <a:r>
+              <a:rPr lang="en-IN" sz="1800" dirty="0" smtClean="0"/>
+              <a:t>Effect of f and p</a:t>
+            </a:r>
+            <a:endParaRPr lang="en-IN" sz="1800" dirty="0"/>
+          </a:p>
+        </p:txBody>
+      </p:sp>
+    </p:spTree>
+  </p:cSld>
+  <p:clrMapOvr>
+    <a:masterClrMapping/>
+  </p:clrMapOvr>
+  <p:timing>
+    <p:tnLst>
+      <p:par>
+        <p:cTn id="1" dur="indefinite" restart="never" nodeType="tmRoot">
+          <p:childTnLst>
+            <p:seq concurrent="1" nextAc="seek">
+              <p:cTn id="2" dur="indefinite" nodeType="mainSeq">
+                <p:childTnLst>
+                  <p:par>
+                    <p:cTn id="3" fill="hold">
+                      <p:stCondLst>
+                        <p:cond delay="indefinite"/>
+                      </p:stCondLst>
+                      <p:childTnLst>
+                        <p:par>
+                          <p:cTn id="4" fill="hold">
+                            <p:stCondLst>
+                              <p:cond delay="0"/>
+                            </p:stCondLst>
+                            <p:childTnLst>
+                              <p:par>
+                                <p:cTn id="5" presetID="1" presetClass="entr" presetSubtype="0" fill="hold" grpId="0" nodeType="clickEffect">
+                                  <p:stCondLst>
+                                    <p:cond delay="0"/>
+                                  </p:stCondLst>
+                                  <p:childTnLst>
+                                    <p:set>
+                                      <p:cBhvr>
+                                        <p:cTn id="6" dur="1" fill="hold">
+                                          <p:stCondLst>
+                                            <p:cond delay="0"/>
+                                          </p:stCondLst>
+                                        </p:cTn>
+                                        <p:tgtEl>
+                                          <p:spTgt spid="3">
+                                            <p:txEl>
+                                              <p:pRg st="0" end="0"/>
+                                            </p:txEl>
+                                          </p:spTgt>
+                                        </p:tgtEl>
+                                        <p:attrNameLst>
+                                          <p:attrName>style.visibility</p:attrName>
+                                        </p:attrNameLst>
+                                      </p:cBhvr>
+                                      <p:to>
+                                        <p:strVal val="visible"/>
+                                      </p:to>
+                                    </p:set>
+                                  </p:childTnLst>
+                                </p:cTn>
+                              </p:par>
+                            </p:childTnLst>
+                          </p:cTn>
+                        </p:par>
+                      </p:childTnLst>
+                    </p:cTn>
+                  </p:par>
+                  <p:par>
+                    <p:cTn id="7" fill="hold">
+                      <p:stCondLst>
+                        <p:cond delay="indefinite"/>
+                      </p:stCondLst>
+                      <p:childTnLst>
+                        <p:par>
+                          <p:cTn id="8" fill="hold">
+                            <p:stCondLst>
+                              <p:cond delay="0"/>
+                            </p:stCondLst>
+                            <p:childTnLst>
+                              <p:par>
+                                <p:cTn id="9" presetID="1" presetClass="entr" presetSubtype="0" fill="hold" grpId="0" nodeType="clickEffect">
+                                  <p:stCondLst>
+                                    <p:cond delay="0"/>
+                                  </p:stCondLst>
+                                  <p:childTnLst>
+                                    <p:set>
+                                      <p:cBhvr>
+                                        <p:cTn id="10" dur="1" fill="hold">
+                                          <p:stCondLst>
+                                            <p:cond delay="0"/>
+                                          </p:stCondLst>
+                                        </p:cTn>
+                                        <p:tgtEl>
+                                          <p:spTgt spid="3">
+                                            <p:txEl>
+                                              <p:pRg st="1" end="1"/>
+                                            </p:txEl>
+                                          </p:spTgt>
+                                        </p:tgtEl>
+                                        <p:attrNameLst>
+                                          <p:attrName>style.visibility</p:attrName>
+                                        </p:attrNameLst>
+                                      </p:cBhvr>
+                                      <p:to>
+                                        <p:strVal val="visible"/>
+                                      </p:to>
+                                    </p:set>
+                                  </p:childTnLst>
+                                </p:cTn>
+                              </p:par>
+                            </p:childTnLst>
+                          </p:cTn>
+                        </p:par>
+                      </p:childTnLst>
+                    </p:cTn>
+                  </p:par>
+                </p:childTnLst>
+              </p:cTn>
+              <p:prevCondLst>
+                <p:cond evt="onPrev" delay="0">
+                  <p:tgtEl>
+                    <p:sldTgt/>
+                  </p:tgtEl>
+                </p:cond>
+              </p:prevCondLst>
+              <p:nextCondLst>
+                <p:cond evt="onNext" delay="0">
+                  <p:tgtEl>
+                    <p:sldTgt/>
+                  </p:tgtEl>
+                </p:cond>
+              </p:nextCondLst>
+            </p:seq>
+          </p:childTnLst>
+        </p:cTn>
+      </p:par>
+    </p:tnLst>
+    <p:bldLst>
+      <p:bldP spid="3" grpId="0" build="p"/>
+    </p:bldLst>
+  </p:timing>
+</p:sld>
+</file>
+
+<file path=ppt/slides/slide23.xml><?xml version="1.0" encoding="utf-8"?>
+<p:sld xmlns:a="http://schemas.openxmlformats.org/drawingml/2006/main" xmlns:r="http://schemas.openxmlformats.org/officeDocument/2006/relationships" xmlns:p="http://schemas.openxmlformats.org/presentationml/2006/main">
+  <p:cSld>
+    <p:spTree>
+      <p:nvGrpSpPr>
+        <p:cNvPr id="1" name=""/>
+        <p:cNvGrpSpPr/>
+        <p:nvPr/>
+      </p:nvGrpSpPr>
+      <p:grpSpPr>
+        <a:xfrm>
+          <a:off x="0" y="0"/>
+          <a:ext cx="0" cy="0"/>
+          <a:chOff x="0" y="0"/>
+          <a:chExt cx="0" cy="0"/>
+        </a:xfrm>
+      </p:grpSpPr>
+      <p:sp>
+        <p:nvSpPr>
+          <p:cNvPr id="2" name="Title 1"/>
+          <p:cNvSpPr>
+            <a:spLocks noGrp="1"/>
+          </p:cNvSpPr>
+          <p:nvPr>
+            <p:ph type="title"/>
+          </p:nvPr>
+        </p:nvSpPr>
+        <p:spPr/>
+        <p:txBody>
+          <a:bodyPr>
+            <a:normAutofit/>
+          </a:bodyPr>
+          <a:lstStyle/>
+          <a:p>
+            <a:endParaRPr lang="en-IN" sz="2400" dirty="0"/>
+          </a:p>
+        </p:txBody>
+      </p:sp>
+      <p:sp>
+        <p:nvSpPr>
+          <p:cNvPr id="3" name="Content Placeholder 2"/>
+          <p:cNvSpPr>
+            <a:spLocks noGrp="1"/>
+          </p:cNvSpPr>
+          <p:nvPr>
+            <p:ph idx="1"/>
+          </p:nvPr>
+        </p:nvSpPr>
+        <p:spPr/>
+        <p:txBody>
+          <a:bodyPr>
+            <a:normAutofit/>
+          </a:bodyPr>
+          <a:lstStyle/>
+          <a:p>
+            <a:endParaRPr lang="en-IN" sz="1800" dirty="0"/>
+          </a:p>
+        </p:txBody>
+      </p:sp>
+      <p:pic>
+        <p:nvPicPr>
+          <p:cNvPr id="4" name="Picture 3"/>
+          <p:cNvPicPr>
+            <a:picLocks noChangeAspect="1" noChangeArrowheads="1"/>
+          </p:cNvPicPr>
+          <p:nvPr/>
+        </p:nvPicPr>
+        <p:blipFill>
+          <a:blip r:embed="rId2" cstate="print">
+            <a:extLst>
+              <a:ext uri="{28A0092B-C50C-407E-A947-70E740481C1C}">
+                <a14:useLocalDpi xmlns:a14="http://schemas.microsoft.com/office/drawing/2010/main" xmlns="" val="0"/>
+              </a:ext>
+            </a:extLst>
+          </a:blip>
+          <a:srcRect/>
+          <a:stretch>
+            <a:fillRect/>
+          </a:stretch>
+        </p:blipFill>
+        <p:spPr bwMode="auto">
+          <a:xfrm>
+            <a:off x="900113" y="332656"/>
+            <a:ext cx="7321550" cy="5492750"/>
+          </a:xfrm>
+          <a:prstGeom prst="rect">
+            <a:avLst/>
+          </a:prstGeom>
+          <a:noFill/>
+          <a:ln>
+            <a:noFill/>
+          </a:ln>
+          <a:effectLst/>
+          <a:extLst>
+            <a:ext uri="{909E8E84-426E-40DD-AFC4-6F175D3DCCD1}">
+              <a14:hiddenFill xmlns:a14="http://schemas.microsoft.com/office/drawing/2010/main" xmlns="">
+                <a:blipFill dpi="0" rotWithShape="0">
+                  <a:blip/>
+                  <a:srcRect/>
+                  <a:stretch>
+                    <a:fillRect/>
+                  </a:stretch>
+                </a:blipFill>
+              </a14:hiddenFill>
+            </a:ext>
+            <a:ext uri="{91240B29-F687-4F45-9708-019B960494DF}">
+              <a14:hiddenLine xmlns:a14="http://schemas.microsoft.com/office/drawing/2010/main" xmlns="" w="9525">
+                <a:solidFill>
+                  <a:srgbClr val="000000"/>
+                </a:solidFill>
+                <a:round/>
+                <a:headEnd/>
+                <a:tailEnd/>
+              </a14:hiddenLine>
+            </a:ext>
+            <a:ext uri="{AF507438-7753-43E0-B8FC-AC1667EBCBE1}">
+              <a14:hiddenEffects xmlns:a14="http://schemas.microsoft.com/office/drawing/2010/main" xmlns="">
+                <a:effectLst>
+                  <a:outerShdw dist="35921" dir="2700000" algn="ctr" rotWithShape="0">
+                    <a:srgbClr val="808080"/>
+                  </a:outerShdw>
+                </a:effectLst>
+              </a14:hiddenEffects>
+            </a:ext>
+          </a:extLst>
+        </p:spPr>
+      </p:pic>
+      <p:sp>
+        <p:nvSpPr>
+          <p:cNvPr id="5" name="TextBox 4"/>
+          <p:cNvSpPr txBox="1"/>
+          <p:nvPr/>
+        </p:nvSpPr>
+        <p:spPr>
+          <a:xfrm>
+            <a:off x="1259632" y="5684329"/>
+            <a:ext cx="7067128" cy="349968"/>
+          </a:xfrm>
+          <a:prstGeom prst="rect">
+            <a:avLst/>
+          </a:prstGeom>
+          <a:ln>
+            <a:solidFill>
+              <a:schemeClr val="bg1"/>
+            </a:solidFill>
+          </a:ln>
+        </p:spPr>
+        <p:style>
+          <a:lnRef idx="2">
+            <a:schemeClr val="accent3"/>
+          </a:lnRef>
+          <a:fillRef idx="1">
+            <a:schemeClr val="lt1"/>
+          </a:fillRef>
+          <a:effectRef idx="0">
+            <a:schemeClr val="accent3"/>
+          </a:effectRef>
+          <a:fontRef idx="minor">
+            <a:schemeClr val="dk1"/>
+          </a:fontRef>
+        </p:style>
+        <p:txBody>
+          <a:bodyPr wrap="square" rtlCol="0">
+            <a:spAutoFit/>
+          </a:bodyPr>
+          <a:lstStyle/>
+          <a:p>
+            <a:pPr algn="ctr"/>
+            <a:r>
+              <a:rPr lang="de-CH" dirty="0" err="1" smtClean="0"/>
+              <a:t>No</a:t>
+            </a:r>
+            <a:r>
+              <a:rPr lang="de-CH" dirty="0" smtClean="0"/>
+              <a:t> </a:t>
+            </a:r>
+            <a:r>
+              <a:rPr lang="de-CH" dirty="0" err="1" smtClean="0"/>
+              <a:t>effect</a:t>
+            </a:r>
+            <a:r>
+              <a:rPr lang="de-CH" dirty="0" smtClean="0"/>
+              <a:t> </a:t>
+            </a:r>
+            <a:r>
+              <a:rPr lang="de-CH" dirty="0" err="1" smtClean="0"/>
+              <a:t>of</a:t>
+            </a:r>
+            <a:r>
+              <a:rPr lang="de-CH" dirty="0" smtClean="0"/>
+              <a:t> p on </a:t>
+            </a:r>
+            <a:r>
+              <a:rPr lang="de-CH" dirty="0" err="1" smtClean="0"/>
+              <a:t>the</a:t>
+            </a:r>
+            <a:r>
+              <a:rPr lang="de-CH" dirty="0" smtClean="0"/>
+              <a:t> </a:t>
+            </a:r>
+            <a:r>
+              <a:rPr lang="de-CH" dirty="0" err="1" smtClean="0"/>
+              <a:t>simulation</a:t>
+            </a:r>
+            <a:r>
+              <a:rPr lang="de-CH" dirty="0" smtClean="0"/>
+              <a:t> </a:t>
+            </a:r>
+            <a:r>
+              <a:rPr lang="de-CH" dirty="0" err="1" smtClean="0"/>
+              <a:t>results</a:t>
+            </a:r>
+            <a:r>
+              <a:rPr lang="de-CH" dirty="0" smtClean="0"/>
+              <a:t>!</a:t>
+            </a:r>
+            <a:endParaRPr lang="de-CH" dirty="0"/>
+          </a:p>
+        </p:txBody>
+      </p:sp>
+    </p:spTree>
+  </p:cSld>
+  <p:clrMapOvr>
+    <a:masterClrMapping/>
+  </p:clrMapOvr>
+  <p:timing>
+    <p:tnLst>
+      <p:par>
+        <p:cTn id="1" dur="indefinite" restart="never" nodeType="tmRoot"/>
+      </p:par>
+    </p:tnLst>
+  </p:timing>
+</p:sld>
+</file>
+
+<file path=ppt/slides/slide24.xml><?xml version="1.0" encoding="utf-8"?>
+<p:sld xmlns:a="http://schemas.openxmlformats.org/drawingml/2006/main" xmlns:r="http://schemas.openxmlformats.org/officeDocument/2006/relationships" xmlns:p="http://schemas.openxmlformats.org/presentationml/2006/main">
+  <p:cSld>
+    <p:spTree>
+      <p:nvGrpSpPr>
+        <p:cNvPr id="1" name=""/>
+        <p:cNvGrpSpPr/>
+        <p:nvPr/>
+      </p:nvGrpSpPr>
+      <p:grpSpPr>
+        <a:xfrm>
+          <a:off x="0" y="0"/>
+          <a:ext cx="0" cy="0"/>
+          <a:chOff x="0" y="0"/>
+          <a:chExt cx="0" cy="0"/>
+        </a:xfrm>
+      </p:grpSpPr>
+      <p:sp>
+        <p:nvSpPr>
+          <p:cNvPr id="2" name="Title 1"/>
+          <p:cNvSpPr>
+            <a:spLocks noGrp="1"/>
+          </p:cNvSpPr>
+          <p:nvPr>
+            <p:ph type="title"/>
+          </p:nvPr>
+        </p:nvSpPr>
+        <p:spPr/>
+        <p:txBody>
+          <a:bodyPr>
+            <a:normAutofit/>
+          </a:bodyPr>
+          <a:lstStyle/>
+          <a:p>
+            <a:r>
+              <a:rPr lang="en-IN" sz="2400" dirty="0" smtClean="0"/>
+              <a:t>Insights from the new implementation</a:t>
+            </a:r>
+            <a:endParaRPr lang="en-IN" sz="2400" dirty="0"/>
+          </a:p>
+        </p:txBody>
+      </p:sp>
+      <p:sp>
+        <p:nvSpPr>
+          <p:cNvPr id="3" name="Content Placeholder 2"/>
+          <p:cNvSpPr>
+            <a:spLocks noGrp="1"/>
+          </p:cNvSpPr>
+          <p:nvPr>
+            <p:ph idx="1"/>
+          </p:nvPr>
+        </p:nvSpPr>
+        <p:spPr/>
+        <p:txBody>
+          <a:bodyPr>
+            <a:normAutofit/>
+          </a:bodyPr>
+          <a:lstStyle/>
+          <a:p>
+            <a:r>
+              <a:rPr lang="en-IN" sz="1800" dirty="0" smtClean="0"/>
+              <a:t>Isolating the parameters and determining their effect on the simulation results</a:t>
+            </a:r>
+          </a:p>
+          <a:p>
+            <a:r>
+              <a:rPr lang="en-IN" sz="1800" dirty="0" smtClean="0"/>
+              <a:t>Effect of f and p</a:t>
+            </a:r>
+          </a:p>
+          <a:p>
+            <a:r>
+              <a:rPr lang="en-IN" sz="1800" dirty="0" smtClean="0"/>
+              <a:t>Effect of f/p-ratio</a:t>
+            </a:r>
+            <a:endParaRPr lang="en-IN" sz="1800" dirty="0"/>
+          </a:p>
+        </p:txBody>
+      </p:sp>
+    </p:spTree>
+    <p:extLst>
+      <p:ext uri="{BB962C8B-B14F-4D97-AF65-F5344CB8AC3E}">
+        <p14:creationId xmlns:p14="http://schemas.microsoft.com/office/powerpoint/2010/main" xmlns="" val="1342514792"/>
+      </p:ext>
+    </p:extLst>
+  </p:cSld>
+  <p:clrMapOvr>
+    <a:masterClrMapping/>
+  </p:clrMapOvr>
+  <p:timing>
+    <p:tnLst>
+      <p:par>
+        <p:cTn id="1" dur="indefinite" restart="never" nodeType="tmRoot">
+          <p:childTnLst>
+            <p:seq concurrent="1" nextAc="seek">
+              <p:cTn id="2" dur="indefinite" nodeType="mainSeq">
+                <p:childTnLst>
+                  <p:par>
+                    <p:cTn id="3" fill="hold">
+                      <p:stCondLst>
+                        <p:cond delay="indefinite"/>
+                      </p:stCondLst>
+                      <p:childTnLst>
+                        <p:par>
+                          <p:cTn id="4" fill="hold">
+                            <p:stCondLst>
+                              <p:cond delay="0"/>
+                            </p:stCondLst>
+                            <p:childTnLst>
+                              <p:par>
+                                <p:cTn id="5" presetID="1" presetClass="entr" presetSubtype="0" fill="hold" nodeType="clickEffect">
+                                  <p:stCondLst>
+                                    <p:cond delay="0"/>
+                                  </p:stCondLst>
+                                  <p:childTnLst>
+                                    <p:set>
+                                      <p:cBhvr>
+                                        <p:cTn id="6" dur="1" fill="hold">
+                                          <p:stCondLst>
+                                            <p:cond delay="0"/>
+                                          </p:stCondLst>
+                                        </p:cTn>
+                                        <p:tgtEl>
+                                          <p:spTgt spid="3">
+                                            <p:txEl>
+                                              <p:pRg st="2" end="2"/>
+                                            </p:txEl>
+                                          </p:spTgt>
+                                        </p:tgtEl>
+                                        <p:attrNameLst>
+                                          <p:attrName>style.visibility</p:attrName>
+                                        </p:attrNameLst>
+                                      </p:cBhvr>
+                                      <p:to>
+                                        <p:strVal val="visible"/>
+                                      </p:to>
+                                    </p:set>
+                                  </p:childTnLst>
+                                </p:cTn>
+                              </p:par>
+                            </p:childTnLst>
+                          </p:cTn>
+                        </p:par>
+                      </p:childTnLst>
+                    </p:cTn>
+                  </p:par>
+                </p:childTnLst>
+              </p:cTn>
+              <p:prevCondLst>
+                <p:cond evt="onPrev" delay="0">
+                  <p:tgtEl>
+                    <p:sldTgt/>
+                  </p:tgtEl>
+                </p:cond>
+              </p:prevCondLst>
+              <p:nextCondLst>
+                <p:cond evt="onNext" delay="0">
+                  <p:tgtEl>
+                    <p:sldTgt/>
+                  </p:tgtEl>
+                </p:cond>
+              </p:nextCondLst>
+            </p:seq>
+          </p:childTnLst>
+        </p:cTn>
+      </p:par>
+    </p:tnLst>
+  </p:timing>
+</p:sld>
+</file>
+
+<file path=ppt/slides/slide25.xml><?xml version="1.0" encoding="utf-8"?>
+<p:sld xmlns:a="http://schemas.openxmlformats.org/drawingml/2006/main" xmlns:r="http://schemas.openxmlformats.org/officeDocument/2006/relationships" xmlns:p="http://schemas.openxmlformats.org/presentationml/2006/main">
+  <p:cSld>
+    <p:spTree>
+      <p:nvGrpSpPr>
+        <p:cNvPr id="1" name=""/>
+        <p:cNvGrpSpPr/>
+        <p:nvPr/>
+      </p:nvGrpSpPr>
+      <p:grpSpPr>
+        <a:xfrm>
+          <a:off x="0" y="0"/>
+          <a:ext cx="0" cy="0"/>
+          <a:chOff x="0" y="0"/>
+          <a:chExt cx="0" cy="0"/>
+        </a:xfrm>
+      </p:grpSpPr>
+      <p:sp>
+        <p:nvSpPr>
+          <p:cNvPr id="2" name="Title 1"/>
+          <p:cNvSpPr>
+            <a:spLocks noGrp="1"/>
+          </p:cNvSpPr>
+          <p:nvPr>
+            <p:ph type="title"/>
+          </p:nvPr>
+        </p:nvSpPr>
+        <p:spPr/>
+        <p:txBody>
+          <a:bodyPr/>
+          <a:lstStyle/>
+          <a:p>
+            <a:endParaRPr lang="de-CH" dirty="0"/>
+          </a:p>
+        </p:txBody>
+      </p:sp>
+      <p:sp>
+        <p:nvSpPr>
+          <p:cNvPr id="3" name="Content Placeholder 2"/>
+          <p:cNvSpPr>
+            <a:spLocks noGrp="1"/>
+          </p:cNvSpPr>
+          <p:nvPr>
+            <p:ph idx="1"/>
+          </p:nvPr>
+        </p:nvSpPr>
+        <p:spPr/>
+        <p:txBody>
+          <a:bodyPr/>
+          <a:lstStyle/>
+          <a:p>
+            <a:endParaRPr lang="de-CH"/>
+          </a:p>
+        </p:txBody>
+      </p:sp>
+      <p:pic>
+        <p:nvPicPr>
+          <p:cNvPr id="4" name="Picture 3"/>
+          <p:cNvPicPr>
+            <a:picLocks noChangeAspect="1" noChangeArrowheads="1"/>
+          </p:cNvPicPr>
+          <p:nvPr/>
+        </p:nvPicPr>
+        <p:blipFill>
+          <a:blip r:embed="rId2" cstate="print">
+            <a:extLst>
+              <a:ext uri="{28A0092B-C50C-407E-A947-70E740481C1C}">
+                <a14:useLocalDpi xmlns:a14="http://schemas.microsoft.com/office/drawing/2010/main" xmlns="" val="0"/>
+              </a:ext>
+            </a:extLst>
+          </a:blip>
+          <a:srcRect/>
+          <a:stretch>
+            <a:fillRect/>
+          </a:stretch>
+        </p:blipFill>
+        <p:spPr bwMode="auto">
+          <a:xfrm>
+            <a:off x="923149" y="332656"/>
+            <a:ext cx="7321550" cy="5492750"/>
+          </a:xfrm>
+          <a:prstGeom prst="rect">
+            <a:avLst/>
+          </a:prstGeom>
+          <a:noFill/>
+          <a:ln>
+            <a:noFill/>
+          </a:ln>
+          <a:effectLst/>
+          <a:extLst>
+            <a:ext uri="{909E8E84-426E-40DD-AFC4-6F175D3DCCD1}">
+              <a14:hiddenFill xmlns:a14="http://schemas.microsoft.com/office/drawing/2010/main" xmlns="">
+                <a:blipFill dpi="0" rotWithShape="0">
+                  <a:blip/>
+                  <a:srcRect/>
+                  <a:stretch>
+                    <a:fillRect/>
+                  </a:stretch>
+                </a:blipFill>
+              </a14:hiddenFill>
+            </a:ext>
+            <a:ext uri="{91240B29-F687-4F45-9708-019B960494DF}">
+              <a14:hiddenLine xmlns:a14="http://schemas.microsoft.com/office/drawing/2010/main" xmlns="" w="9525">
+                <a:solidFill>
+                  <a:srgbClr val="000000"/>
+                </a:solidFill>
+                <a:round/>
+                <a:headEnd/>
+                <a:tailEnd/>
+              </a14:hiddenLine>
+            </a:ext>
+            <a:ext uri="{AF507438-7753-43E0-B8FC-AC1667EBCBE1}">
+              <a14:hiddenEffects xmlns:a14="http://schemas.microsoft.com/office/drawing/2010/main" xmlns="">
+                <a:effectLst>
+                  <a:outerShdw dist="35921" dir="2700000" algn="ctr" rotWithShape="0">
+                    <a:srgbClr val="808080"/>
+                  </a:outerShdw>
+                </a:effectLst>
+              </a14:hiddenEffects>
+            </a:ext>
+          </a:extLst>
+        </p:spPr>
+      </p:pic>
+      <p:sp>
+        <p:nvSpPr>
+          <p:cNvPr id="5" name="TextBox 4"/>
+          <p:cNvSpPr txBox="1"/>
+          <p:nvPr/>
+        </p:nvSpPr>
+        <p:spPr>
+          <a:xfrm>
+            <a:off x="1259632" y="5684329"/>
+            <a:ext cx="7067128" cy="369332"/>
+          </a:xfrm>
+          <a:prstGeom prst="rect">
+            <a:avLst/>
+          </a:prstGeom>
+          <a:ln>
+            <a:solidFill>
+              <a:schemeClr val="bg1"/>
+            </a:solidFill>
+          </a:ln>
+        </p:spPr>
+        <p:style>
+          <a:lnRef idx="2">
+            <a:schemeClr val="accent3"/>
+          </a:lnRef>
+          <a:fillRef idx="1">
+            <a:schemeClr val="lt1"/>
+          </a:fillRef>
+          <a:effectRef idx="0">
+            <a:schemeClr val="accent3"/>
+          </a:effectRef>
+          <a:fontRef idx="minor">
+            <a:schemeClr val="dk1"/>
+          </a:fontRef>
+        </p:style>
+        <p:txBody>
+          <a:bodyPr wrap="square" rtlCol="0">
+            <a:spAutoFit/>
+          </a:bodyPr>
+          <a:lstStyle/>
+          <a:p>
+            <a:pPr algn="ctr"/>
+            <a:r>
+              <a:rPr lang="de-CH" dirty="0" err="1" smtClean="0"/>
+              <a:t>Significant</a:t>
+            </a:r>
+            <a:r>
+              <a:rPr lang="de-CH" dirty="0" smtClean="0"/>
+              <a:t> </a:t>
+            </a:r>
+            <a:r>
+              <a:rPr lang="de-CH" dirty="0" err="1" smtClean="0"/>
+              <a:t>effect</a:t>
+            </a:r>
+            <a:r>
+              <a:rPr lang="de-CH" dirty="0" smtClean="0"/>
+              <a:t> </a:t>
+            </a:r>
+            <a:r>
+              <a:rPr lang="de-CH" dirty="0" err="1" smtClean="0"/>
+              <a:t>of</a:t>
+            </a:r>
+            <a:r>
+              <a:rPr lang="de-CH" dirty="0" smtClean="0"/>
+              <a:t> f/p-ratio on </a:t>
+            </a:r>
+            <a:r>
+              <a:rPr lang="de-CH" dirty="0" err="1" smtClean="0"/>
+              <a:t>the</a:t>
+            </a:r>
+            <a:r>
+              <a:rPr lang="de-CH" dirty="0" smtClean="0"/>
+              <a:t> </a:t>
+            </a:r>
+            <a:r>
+              <a:rPr lang="de-CH" dirty="0" err="1" smtClean="0"/>
+              <a:t>simulation</a:t>
+            </a:r>
+            <a:r>
+              <a:rPr lang="de-CH" dirty="0" smtClean="0"/>
+              <a:t> </a:t>
+            </a:r>
+            <a:r>
+              <a:rPr lang="de-CH" dirty="0" err="1" smtClean="0"/>
+              <a:t>results</a:t>
+            </a:r>
+            <a:r>
+              <a:rPr lang="de-CH" dirty="0" smtClean="0"/>
+              <a:t>!</a:t>
+            </a:r>
+            <a:endParaRPr lang="de-CH" dirty="0"/>
+          </a:p>
+        </p:txBody>
+      </p:sp>
+    </p:spTree>
+    <p:extLst>
+      <p:ext uri="{BB962C8B-B14F-4D97-AF65-F5344CB8AC3E}">
+        <p14:creationId xmlns:p14="http://schemas.microsoft.com/office/powerpoint/2010/main" xmlns="" val="1175843322"/>
+      </p:ext>
+    </p:extLst>
+  </p:cSld>
+  <p:clrMapOvr>
+    <a:masterClrMapping/>
+  </p:clrMapOvr>
+  <p:timing>
+    <p:tnLst>
+      <p:par>
+        <p:cTn id="1" dur="indefinite" restart="never" nodeType="tmRoot"/>
+      </p:par>
+    </p:tnLst>
+  </p:timing>
+</p:sld>
+</file>
+
+<file path=ppt/slides/slide26.xml><?xml version="1.0" encoding="utf-8"?>
+<p:sld xmlns:a="http://schemas.openxmlformats.org/drawingml/2006/main" xmlns:r="http://schemas.openxmlformats.org/officeDocument/2006/relationships" xmlns:p="http://schemas.openxmlformats.org/presentationml/2006/main">
+  <p:cSld>
+    <p:spTree>
+      <p:nvGrpSpPr>
+        <p:cNvPr id="1" name=""/>
+        <p:cNvGrpSpPr/>
+        <p:nvPr/>
+      </p:nvGrpSpPr>
+      <p:grpSpPr>
+        <a:xfrm>
+          <a:off x="0" y="0"/>
+          <a:ext cx="0" cy="0"/>
+          <a:chOff x="0" y="0"/>
+          <a:chExt cx="0" cy="0"/>
+        </a:xfrm>
+      </p:grpSpPr>
+      <p:sp>
+        <p:nvSpPr>
+          <p:cNvPr id="2" name="Title 1"/>
+          <p:cNvSpPr>
+            <a:spLocks noGrp="1"/>
+          </p:cNvSpPr>
+          <p:nvPr>
+            <p:ph type="title"/>
+          </p:nvPr>
+        </p:nvSpPr>
+        <p:spPr/>
+        <p:txBody>
+          <a:bodyPr>
+            <a:normAutofit/>
+          </a:bodyPr>
+          <a:lstStyle/>
+          <a:p>
+            <a:r>
+              <a:rPr lang="en-IN" sz="2400" dirty="0" smtClean="0"/>
+              <a:t>Insights from the new implementation</a:t>
+            </a:r>
+            <a:endParaRPr lang="en-IN" sz="2400" dirty="0"/>
+          </a:p>
+        </p:txBody>
+      </p:sp>
+      <p:sp>
+        <p:nvSpPr>
+          <p:cNvPr id="3" name="Content Placeholder 2"/>
+          <p:cNvSpPr>
+            <a:spLocks noGrp="1"/>
+          </p:cNvSpPr>
+          <p:nvPr>
+            <p:ph idx="1"/>
+          </p:nvPr>
+        </p:nvSpPr>
+        <p:spPr/>
+        <p:txBody>
+          <a:bodyPr>
+            <a:normAutofit/>
+          </a:bodyPr>
+          <a:lstStyle/>
+          <a:p>
+            <a:r>
+              <a:rPr lang="en-IN" sz="1800" dirty="0" smtClean="0"/>
+              <a:t>Isolating the parameters and determining their effect on the simulation results</a:t>
+            </a:r>
+          </a:p>
+          <a:p>
+            <a:r>
+              <a:rPr lang="en-IN" sz="1800" dirty="0" smtClean="0"/>
+              <a:t>Effect of f and p</a:t>
+            </a:r>
+          </a:p>
+          <a:p>
+            <a:r>
+              <a:rPr lang="en-IN" sz="1800" dirty="0" smtClean="0"/>
+              <a:t>Effect of f/p-ratio</a:t>
+            </a:r>
+          </a:p>
+          <a:p>
+            <a:r>
+              <a:rPr lang="en-IN" sz="1800" dirty="0" smtClean="0"/>
+              <a:t>Effect of the grid size</a:t>
+            </a:r>
+            <a:endParaRPr lang="en-IN" sz="1800" dirty="0"/>
+          </a:p>
+        </p:txBody>
+      </p:sp>
+    </p:spTree>
+    <p:extLst>
+      <p:ext uri="{BB962C8B-B14F-4D97-AF65-F5344CB8AC3E}">
+        <p14:creationId xmlns:p14="http://schemas.microsoft.com/office/powerpoint/2010/main" xmlns="" val="3048901788"/>
+      </p:ext>
+    </p:extLst>
+  </p:cSld>
+  <p:clrMapOvr>
+    <a:masterClrMapping/>
+  </p:clrMapOvr>
+  <p:timing>
+    <p:tnLst>
+      <p:par>
+        <p:cTn id="1" dur="indefinite" restart="never" nodeType="tmRoot">
+          <p:childTnLst>
+            <p:seq concurrent="1" nextAc="seek">
+              <p:cTn id="2" dur="indefinite" nodeType="mainSeq">
+                <p:childTnLst>
+                  <p:par>
+                    <p:cTn id="3" fill="hold">
+                      <p:stCondLst>
+                        <p:cond delay="indefinite"/>
+                      </p:stCondLst>
+                      <p:childTnLst>
+                        <p:par>
+                          <p:cTn id="4" fill="hold">
+                            <p:stCondLst>
+                              <p:cond delay="0"/>
+                            </p:stCondLst>
+                            <p:childTnLst>
+                              <p:par>
+                                <p:cTn id="5" presetID="1" presetClass="entr" presetSubtype="0" fill="hold" nodeType="clickEffect">
+                                  <p:stCondLst>
+                                    <p:cond delay="0"/>
+                                  </p:stCondLst>
+                                  <p:childTnLst>
+                                    <p:set>
+                                      <p:cBhvr>
+                                        <p:cTn id="6" dur="1" fill="hold">
+                                          <p:stCondLst>
+                                            <p:cond delay="0"/>
+                                          </p:stCondLst>
+                                        </p:cTn>
+                                        <p:tgtEl>
+                                          <p:spTgt spid="3">
+                                            <p:txEl>
+                                              <p:pRg st="3" end="3"/>
+                                            </p:txEl>
+                                          </p:spTgt>
+                                        </p:tgtEl>
+                                        <p:attrNameLst>
+                                          <p:attrName>style.visibility</p:attrName>
+                                        </p:attrNameLst>
+                                      </p:cBhvr>
+                                      <p:to>
+                                        <p:strVal val="visible"/>
+                                      </p:to>
+                                    </p:set>
+                                  </p:childTnLst>
+                                </p:cTn>
+                              </p:par>
+                            </p:childTnLst>
+                          </p:cTn>
+                        </p:par>
+                      </p:childTnLst>
+                    </p:cTn>
+                  </p:par>
+                </p:childTnLst>
+              </p:cTn>
+              <p:prevCondLst>
+                <p:cond evt="onPrev" delay="0">
+                  <p:tgtEl>
+                    <p:sldTgt/>
+                  </p:tgtEl>
+                </p:cond>
+              </p:prevCondLst>
+              <p:nextCondLst>
+                <p:cond evt="onNext" delay="0">
+                  <p:tgtEl>
+                    <p:sldTgt/>
+                  </p:tgtEl>
+                </p:cond>
+              </p:nextCondLst>
+            </p:seq>
+          </p:childTnLst>
+        </p:cTn>
+      </p:par>
+    </p:tnLst>
+  </p:timing>
+</p:sld>
+</file>
+
+<file path=ppt/slides/slide27.xml><?xml version="1.0" encoding="utf-8"?>
+<p:sld xmlns:a="http://schemas.openxmlformats.org/drawingml/2006/main" xmlns:r="http://schemas.openxmlformats.org/officeDocument/2006/relationships" xmlns:p="http://schemas.openxmlformats.org/presentationml/2006/main">
+  <p:cSld>
+    <p:spTree>
+      <p:nvGrpSpPr>
+        <p:cNvPr id="1" name=""/>
+        <p:cNvGrpSpPr/>
+        <p:nvPr/>
+      </p:nvGrpSpPr>
+      <p:grpSpPr>
+        <a:xfrm>
+          <a:off x="0" y="0"/>
+          <a:ext cx="0" cy="0"/>
+          <a:chOff x="0" y="0"/>
+          <a:chExt cx="0" cy="0"/>
+        </a:xfrm>
+      </p:grpSpPr>
+      <p:sp>
+        <p:nvSpPr>
+          <p:cNvPr id="2" name="Title 1"/>
+          <p:cNvSpPr>
+            <a:spLocks noGrp="1"/>
+          </p:cNvSpPr>
+          <p:nvPr>
+            <p:ph type="title"/>
+          </p:nvPr>
+        </p:nvSpPr>
+        <p:spPr/>
+        <p:txBody>
+          <a:bodyPr/>
+          <a:lstStyle/>
+          <a:p>
+            <a:endParaRPr lang="de-CH"/>
+          </a:p>
+        </p:txBody>
+      </p:sp>
+      <p:sp>
+        <p:nvSpPr>
+          <p:cNvPr id="3" name="Content Placeholder 2"/>
+          <p:cNvSpPr>
+            <a:spLocks noGrp="1"/>
+          </p:cNvSpPr>
+          <p:nvPr>
+            <p:ph idx="1"/>
+          </p:nvPr>
+        </p:nvSpPr>
+        <p:spPr/>
+        <p:txBody>
+          <a:bodyPr/>
+          <a:lstStyle/>
+          <a:p>
+            <a:endParaRPr lang="de-CH" dirty="0"/>
+          </a:p>
+        </p:txBody>
+      </p:sp>
+      <p:pic>
+        <p:nvPicPr>
+          <p:cNvPr id="4" name="Picture 3"/>
+          <p:cNvPicPr>
+            <a:picLocks noChangeAspect="1" noChangeArrowheads="1"/>
+          </p:cNvPicPr>
+          <p:nvPr/>
+        </p:nvPicPr>
+        <p:blipFill>
+          <a:blip r:embed="rId3" cstate="print">
+            <a:extLst>
+              <a:ext uri="{28A0092B-C50C-407E-A947-70E740481C1C}">
+                <a14:useLocalDpi xmlns:a14="http://schemas.microsoft.com/office/drawing/2010/main" xmlns="" val="0"/>
+              </a:ext>
+            </a:extLst>
+          </a:blip>
+          <a:srcRect/>
+          <a:stretch>
+            <a:fillRect/>
+          </a:stretch>
+        </p:blipFill>
+        <p:spPr bwMode="auto">
+          <a:xfrm>
+            <a:off x="973277" y="188640"/>
+            <a:ext cx="7181850" cy="5895975"/>
+          </a:xfrm>
+          <a:prstGeom prst="rect">
+            <a:avLst/>
+          </a:prstGeom>
+          <a:noFill/>
+          <a:ln>
+            <a:noFill/>
+          </a:ln>
+          <a:effectLst/>
+          <a:extLst>
+            <a:ext uri="{909E8E84-426E-40DD-AFC4-6F175D3DCCD1}">
+              <a14:hiddenFill xmlns:a14="http://schemas.microsoft.com/office/drawing/2010/main" xmlns="">
+                <a:blipFill dpi="0" rotWithShape="0">
+                  <a:blip/>
+                  <a:srcRect/>
+                  <a:stretch>
+                    <a:fillRect/>
+                  </a:stretch>
+                </a:blipFill>
+              </a14:hiddenFill>
+            </a:ext>
+            <a:ext uri="{91240B29-F687-4F45-9708-019B960494DF}">
+              <a14:hiddenLine xmlns:a14="http://schemas.microsoft.com/office/drawing/2010/main" xmlns="" w="9525">
+                <a:solidFill>
+                  <a:srgbClr val="000000"/>
+                </a:solidFill>
+                <a:round/>
+                <a:headEnd/>
+                <a:tailEnd/>
+              </a14:hiddenLine>
+            </a:ext>
+            <a:ext uri="{AF507438-7753-43E0-B8FC-AC1667EBCBE1}">
+              <a14:hiddenEffects xmlns:a14="http://schemas.microsoft.com/office/drawing/2010/main" xmlns="">
+                <a:effectLst>
+                  <a:outerShdw dist="35921" dir="2700000" algn="ctr" rotWithShape="0">
+                    <a:srgbClr val="808080"/>
+                  </a:outerShdw>
+                </a:effectLst>
+              </a14:hiddenEffects>
+            </a:ext>
+          </a:extLst>
+        </p:spPr>
+      </p:pic>
+      <p:sp>
+        <p:nvSpPr>
+          <p:cNvPr id="5" name="TextBox 4"/>
+          <p:cNvSpPr txBox="1"/>
+          <p:nvPr/>
+        </p:nvSpPr>
+        <p:spPr>
+          <a:xfrm>
+            <a:off x="1259632" y="6067289"/>
+            <a:ext cx="7067128" cy="369332"/>
+          </a:xfrm>
+          <a:prstGeom prst="rect">
+            <a:avLst/>
+          </a:prstGeom>
+          <a:ln>
+            <a:solidFill>
+              <a:schemeClr val="bg1"/>
+            </a:solidFill>
+          </a:ln>
+        </p:spPr>
+        <p:style>
+          <a:lnRef idx="2">
+            <a:schemeClr val="accent3"/>
+          </a:lnRef>
+          <a:fillRef idx="1">
+            <a:schemeClr val="lt1"/>
+          </a:fillRef>
+          <a:effectRef idx="0">
+            <a:schemeClr val="accent3"/>
+          </a:effectRef>
+          <a:fontRef idx="minor">
+            <a:schemeClr val="dk1"/>
+          </a:fontRef>
+        </p:style>
+        <p:txBody>
+          <a:bodyPr wrap="square" rtlCol="0">
+            <a:spAutoFit/>
+          </a:bodyPr>
+          <a:lstStyle/>
+          <a:p>
+            <a:pPr algn="ctr"/>
+            <a:r>
+              <a:rPr lang="de-CH" dirty="0" err="1" smtClean="0"/>
+              <a:t>No</a:t>
+            </a:r>
+            <a:r>
+              <a:rPr lang="de-CH" dirty="0" smtClean="0"/>
+              <a:t> </a:t>
+            </a:r>
+            <a:r>
+              <a:rPr lang="de-CH" dirty="0" err="1" smtClean="0"/>
+              <a:t>significant</a:t>
+            </a:r>
+            <a:r>
+              <a:rPr lang="de-CH" dirty="0" smtClean="0"/>
+              <a:t> </a:t>
+            </a:r>
+            <a:r>
+              <a:rPr lang="de-CH" dirty="0" err="1" smtClean="0"/>
+              <a:t>effect</a:t>
+            </a:r>
+            <a:r>
+              <a:rPr lang="de-CH" dirty="0" smtClean="0"/>
+              <a:t> </a:t>
+            </a:r>
+            <a:r>
+              <a:rPr lang="de-CH" dirty="0" err="1" smtClean="0"/>
+              <a:t>of</a:t>
+            </a:r>
+            <a:r>
+              <a:rPr lang="de-CH" dirty="0" smtClean="0"/>
+              <a:t> </a:t>
+            </a:r>
+            <a:r>
+              <a:rPr lang="de-CH" dirty="0" err="1" smtClean="0"/>
+              <a:t>the</a:t>
+            </a:r>
+            <a:r>
+              <a:rPr lang="de-CH" dirty="0" smtClean="0"/>
+              <a:t> </a:t>
+            </a:r>
+            <a:r>
+              <a:rPr lang="de-CH" dirty="0" err="1" smtClean="0"/>
+              <a:t>grid</a:t>
+            </a:r>
+            <a:r>
+              <a:rPr lang="de-CH" dirty="0" smtClean="0"/>
+              <a:t> </a:t>
+            </a:r>
+            <a:r>
+              <a:rPr lang="de-CH" dirty="0" err="1" smtClean="0"/>
+              <a:t>size</a:t>
+            </a:r>
+            <a:r>
+              <a:rPr lang="de-CH" dirty="0" smtClean="0"/>
+              <a:t> on </a:t>
+            </a:r>
+            <a:r>
+              <a:rPr lang="de-CH" dirty="0" err="1" smtClean="0"/>
+              <a:t>the</a:t>
+            </a:r>
+            <a:r>
+              <a:rPr lang="de-CH" dirty="0" smtClean="0"/>
+              <a:t> </a:t>
+            </a:r>
+            <a:r>
+              <a:rPr lang="de-CH" dirty="0" err="1" smtClean="0"/>
+              <a:t>results</a:t>
+            </a:r>
+            <a:r>
+              <a:rPr lang="de-CH" dirty="0" smtClean="0"/>
+              <a:t>.</a:t>
+            </a:r>
+            <a:endParaRPr lang="de-CH" dirty="0"/>
+          </a:p>
+        </p:txBody>
+      </p:sp>
+    </p:spTree>
+    <p:extLst>
+      <p:ext uri="{BB962C8B-B14F-4D97-AF65-F5344CB8AC3E}">
+        <p14:creationId xmlns:p14="http://schemas.microsoft.com/office/powerpoint/2010/main" xmlns="" val="552458090"/>
+      </p:ext>
+    </p:extLst>
+  </p:cSld>
+  <p:clrMapOvr>
+    <a:masterClrMapping/>
+  </p:clrMapOvr>
+  <p:timing>
+    <p:tnLst>
+      <p:par>
+        <p:cTn id="1" dur="indefinite" restart="never" nodeType="tmRoot"/>
+      </p:par>
+    </p:tnLst>
+  </p:timing>
+</p:sld>
+</file>
+
+<file path=ppt/slides/slide28.xml><?xml version="1.0" encoding="utf-8"?>
+<p:sld xmlns:a="http://schemas.openxmlformats.org/drawingml/2006/main" xmlns:r="http://schemas.openxmlformats.org/officeDocument/2006/relationships" xmlns:p="http://schemas.openxmlformats.org/presentationml/2006/main">
+  <p:cSld>
+    <p:spTree>
+      <p:nvGrpSpPr>
+        <p:cNvPr id="1" name=""/>
+        <p:cNvGrpSpPr/>
+        <p:nvPr/>
+      </p:nvGrpSpPr>
+      <p:grpSpPr>
+        <a:xfrm>
+          <a:off x="0" y="0"/>
+          <a:ext cx="0" cy="0"/>
+          <a:chOff x="0" y="0"/>
+          <a:chExt cx="0" cy="0"/>
+        </a:xfrm>
+      </p:grpSpPr>
+      <p:sp>
+        <p:nvSpPr>
+          <p:cNvPr id="2" name="Title 1"/>
+          <p:cNvSpPr>
+            <a:spLocks noGrp="1"/>
+          </p:cNvSpPr>
+          <p:nvPr>
+            <p:ph type="title"/>
+          </p:nvPr>
+        </p:nvSpPr>
+        <p:spPr/>
+        <p:txBody>
+          <a:bodyPr>
+            <a:normAutofit/>
+          </a:bodyPr>
+          <a:lstStyle/>
+          <a:p>
+            <a:r>
+              <a:rPr lang="de-CH" sz="3000" dirty="0" err="1" smtClean="0"/>
+              <a:t>Conclusions</a:t>
+            </a:r>
+            <a:endParaRPr lang="de-CH" sz="3000" dirty="0"/>
+          </a:p>
+        </p:txBody>
+      </p:sp>
+      <p:sp>
+        <p:nvSpPr>
+          <p:cNvPr id="3" name="Content Placeholder 2"/>
+          <p:cNvSpPr>
+            <a:spLocks noGrp="1"/>
+          </p:cNvSpPr>
+          <p:nvPr>
+            <p:ph idx="1"/>
+          </p:nvPr>
+        </p:nvSpPr>
+        <p:spPr/>
+        <p:txBody>
+          <a:bodyPr>
+            <a:noAutofit/>
+          </a:bodyPr>
+          <a:lstStyle/>
+          <a:p>
+            <a:r>
+              <a:rPr lang="en-US" sz="2000" dirty="0"/>
+              <a:t>What are the characteristics (quantitative) of a Self Organized Critical state? </a:t>
+            </a:r>
+            <a:endParaRPr lang="en-US" sz="2000" dirty="0" smtClean="0"/>
+          </a:p>
+          <a:p>
+            <a:r>
+              <a:rPr lang="en-US" sz="2000" dirty="0" smtClean="0"/>
+              <a:t>Does </a:t>
+            </a:r>
+            <a:r>
+              <a:rPr lang="en-US" sz="2000" dirty="0"/>
+              <a:t>the Forest Fire model manifest SOC behavior, under which circumstances and why? </a:t>
+            </a:r>
+            <a:endParaRPr lang="en-US" sz="2000" dirty="0" smtClean="0"/>
+          </a:p>
+          <a:p>
+            <a:r>
+              <a:rPr lang="en-US" sz="2000" dirty="0" smtClean="0"/>
+              <a:t>What </a:t>
+            </a:r>
+            <a:r>
+              <a:rPr lang="en-US" sz="2000" dirty="0"/>
+              <a:t>are the various phases seen in a Forest Fire model besides the Self Organized Critical phase? </a:t>
+            </a:r>
+            <a:endParaRPr lang="en-US" sz="2000" dirty="0" smtClean="0"/>
+          </a:p>
+          <a:p>
+            <a:r>
+              <a:rPr lang="en-US" sz="2000" dirty="0" smtClean="0"/>
+              <a:t>What </a:t>
+            </a:r>
+            <a:r>
+              <a:rPr lang="en-US" sz="2000" dirty="0"/>
+              <a:t>are the parameters characterizing the phase transition in the Forest Fire Model? </a:t>
+            </a:r>
+            <a:endParaRPr lang="en-US" sz="2000" dirty="0" smtClean="0"/>
+          </a:p>
+          <a:p>
+            <a:r>
+              <a:rPr lang="en-US" sz="2000" dirty="0" smtClean="0"/>
+              <a:t>How </a:t>
+            </a:r>
+            <a:r>
+              <a:rPr lang="en-US" sz="2000" dirty="0"/>
+              <a:t>does the SOC of the Forest Fire model depend on the dimensionality of the Lattice? </a:t>
+            </a:r>
+            <a:endParaRPr lang="en-US" sz="2000" dirty="0" smtClean="0"/>
+          </a:p>
+          <a:p>
+            <a:r>
+              <a:rPr lang="en-US" sz="2000" dirty="0" smtClean="0"/>
+              <a:t>How </a:t>
+            </a:r>
+            <a:r>
+              <a:rPr lang="en-US" sz="2000" dirty="0"/>
+              <a:t>does the SOC behavior of the model depend on the </a:t>
+            </a:r>
+            <a:r>
+              <a:rPr lang="en-US" sz="2000" dirty="0" err="1"/>
+              <a:t>neighbourhood</a:t>
+            </a:r>
+            <a:r>
+              <a:rPr lang="en-US" sz="2000" dirty="0"/>
+              <a:t> selection on the grid? </a:t>
+            </a:r>
+            <a:endParaRPr lang="en-US" sz="2000" dirty="0" smtClean="0"/>
+          </a:p>
+          <a:p>
+            <a:r>
+              <a:rPr lang="en-US" sz="2000" dirty="0" smtClean="0"/>
+              <a:t>Do </a:t>
+            </a:r>
+            <a:r>
+              <a:rPr lang="en-US" sz="2000" dirty="0"/>
+              <a:t>computational restrictions like finite size grids, periodic boundary conditions and cell updating procedures have a quantitative effect on the behavior of the model?</a:t>
+            </a:r>
+            <a:endParaRPr lang="de-CH" sz="2000" dirty="0"/>
+          </a:p>
+        </p:txBody>
+      </p:sp>
+    </p:spTree>
+    <p:extLst>
+      <p:ext uri="{BB962C8B-B14F-4D97-AF65-F5344CB8AC3E}">
+        <p14:creationId xmlns:p14="http://schemas.microsoft.com/office/powerpoint/2010/main" xmlns="" val="466837230"/>
+      </p:ext>
+    </p:extLst>
+  </p:cSld>
+  <p:clrMapOvr>
+    <a:masterClrMapping/>
+  </p:clrMapOvr>
+  <p:timing>
+    <p:tnLst>
+      <p:par>
+        <p:cTn id="1" dur="indefinite" restart="never" nodeType="tmRoot">
+          <p:childTnLst>
+            <p:seq concurrent="1" nextAc="seek">
+              <p:cTn id="2" dur="indefinite" nodeType="mainSeq">
+                <p:childTnLst>
+                  <p:par>
+                    <p:cTn id="3" fill="hold">
+                      <p:stCondLst>
+                        <p:cond delay="indefinite"/>
+                      </p:stCondLst>
+                      <p:childTnLst>
+                        <p:par>
+                          <p:cTn id="4" fill="hold">
+                            <p:stCondLst>
+                              <p:cond delay="0"/>
+                            </p:stCondLst>
+                            <p:childTnLst>
+                              <p:par>
+                                <p:cTn id="5" presetID="1" presetClass="entr" presetSubtype="0" fill="hold" grpId="0" nodeType="clickEffect">
+                                  <p:stCondLst>
+                                    <p:cond delay="0"/>
+                                  </p:stCondLst>
+                                  <p:childTnLst>
+                                    <p:set>
+                                      <p:cBhvr>
+                                        <p:cTn id="6" dur="1" fill="hold">
+                                          <p:stCondLst>
+                                            <p:cond delay="0"/>
+                                          </p:stCondLst>
+                                        </p:cTn>
+                                        <p:tgtEl>
+                                          <p:spTgt spid="3">
+                                            <p:txEl>
+                                              <p:pRg st="0" end="0"/>
+                                            </p:txEl>
+                                          </p:spTgt>
+                                        </p:tgtEl>
+                                        <p:attrNameLst>
+                                          <p:attrName>style.visibility</p:attrName>
+                                        </p:attrNameLst>
+                                      </p:cBhvr>
+                                      <p:to>
+                                        <p:strVal val="visible"/>
+                                      </p:to>
+                                    </p:set>
+                                  </p:childTnLst>
+                                </p:cTn>
+                              </p:par>
+                            </p:childTnLst>
+                          </p:cTn>
+                        </p:par>
+                      </p:childTnLst>
+                    </p:cTn>
+                  </p:par>
+                  <p:par>
+                    <p:cTn id="7" fill="hold">
+                      <p:stCondLst>
+                        <p:cond delay="indefinite"/>
+                      </p:stCondLst>
+                      <p:childTnLst>
+                        <p:par>
+                          <p:cTn id="8" fill="hold">
+                            <p:stCondLst>
+                              <p:cond delay="0"/>
+                            </p:stCondLst>
+                            <p:childTnLst>
+                              <p:par>
+                                <p:cTn id="9" presetID="1" presetClass="entr" presetSubtype="0" fill="hold" grpId="0" nodeType="clickEffect">
+                                  <p:stCondLst>
+                                    <p:cond delay="0"/>
+                                  </p:stCondLst>
+                                  <p:childTnLst>
+                                    <p:set>
+                                      <p:cBhvr>
+                                        <p:cTn id="10" dur="1" fill="hold">
+                                          <p:stCondLst>
+                                            <p:cond delay="0"/>
+                                          </p:stCondLst>
+                                        </p:cTn>
+                                        <p:tgtEl>
+                                          <p:spTgt spid="3">
+                                            <p:txEl>
+                                              <p:pRg st="1" end="1"/>
+                                            </p:txEl>
+                                          </p:spTgt>
+                                        </p:tgtEl>
+                                        <p:attrNameLst>
+                                          <p:attrName>style.visibility</p:attrName>
+                                        </p:attrNameLst>
+                                      </p:cBhvr>
+                                      <p:to>
+                                        <p:strVal val="visible"/>
+                                      </p:to>
+                                    </p:set>
+                                  </p:childTnLst>
+                                </p:cTn>
+                              </p:par>
+                            </p:childTnLst>
+                          </p:cTn>
+                        </p:par>
+                      </p:childTnLst>
+                    </p:cTn>
+                  </p:par>
+                  <p:par>
+                    <p:cTn id="11" fill="hold">
+                      <p:stCondLst>
+                        <p:cond delay="indefinite"/>
+                      </p:stCondLst>
+                      <p:childTnLst>
+                        <p:par>
+                          <p:cTn id="12" fill="hold">
+                            <p:stCondLst>
+                              <p:cond delay="0"/>
+                            </p:stCondLst>
+                            <p:childTnLst>
+                              <p:par>
+                                <p:cTn id="13" presetID="1" presetClass="entr" presetSubtype="0" fill="hold" grpId="0" nodeType="clickEffect">
+                                  <p:stCondLst>
+                                    <p:cond delay="0"/>
+                                  </p:stCondLst>
+                                  <p:childTnLst>
+                                    <p:set>
+                                      <p:cBhvr>
+                                        <p:cTn id="14" dur="1" fill="hold">
+                                          <p:stCondLst>
+                                            <p:cond delay="0"/>
+                                          </p:stCondLst>
+                                        </p:cTn>
+                                        <p:tgtEl>
+                                          <p:spTgt spid="3">
+                                            <p:txEl>
+                                              <p:pRg st="2" end="2"/>
+                                            </p:txEl>
+                                          </p:spTgt>
+                                        </p:tgtEl>
+                                        <p:attrNameLst>
+                                          <p:attrName>style.visibility</p:attrName>
+                                        </p:attrNameLst>
+                                      </p:cBhvr>
+                                      <p:to>
+                                        <p:strVal val="visible"/>
+                                      </p:to>
+                                    </p:set>
+                                  </p:childTnLst>
+                                </p:cTn>
+                              </p:par>
+                            </p:childTnLst>
+                          </p:cTn>
+                        </p:par>
+                      </p:childTnLst>
+                    </p:cTn>
+                  </p:par>
+                  <p:par>
+                    <p:cTn id="15" fill="hold">
+                      <p:stCondLst>
+                        <p:cond delay="indefinite"/>
+                      </p:stCondLst>
+                      <p:childTnLst>
+                        <p:par>
+                          <p:cTn id="16" fill="hold">
+                            <p:stCondLst>
+                              <p:cond delay="0"/>
+                            </p:stCondLst>
+                            <p:childTnLst>
+                              <p:par>
+                                <p:cTn id="17" presetID="1" presetClass="entr" presetSubtype="0" fill="hold" grpId="0" nodeType="clickEffect">
+                                  <p:stCondLst>
+                                    <p:cond delay="0"/>
+                                  </p:stCondLst>
+                                  <p:childTnLst>
+                                    <p:set>
+                                      <p:cBhvr>
+                                        <p:cTn id="18" dur="1" fill="hold">
+                                          <p:stCondLst>
+                                            <p:cond delay="0"/>
+                                          </p:stCondLst>
+                                        </p:cTn>
+                                        <p:tgtEl>
+                                          <p:spTgt spid="3">
+                                            <p:txEl>
+                                              <p:pRg st="3" end="3"/>
+                                            </p:txEl>
+                                          </p:spTgt>
+                                        </p:tgtEl>
+                                        <p:attrNameLst>
+                                          <p:attrName>style.visibility</p:attrName>
+                                        </p:attrNameLst>
+                                      </p:cBhvr>
+                                      <p:to>
+                                        <p:strVal val="visible"/>
+                                      </p:to>
+                                    </p:set>
+                                  </p:childTnLst>
+                                </p:cTn>
+                              </p:par>
+                            </p:childTnLst>
+                          </p:cTn>
+                        </p:par>
+                      </p:childTnLst>
+                    </p:cTn>
+                  </p:par>
+                  <p:par>
+                    <p:cTn id="19" fill="hold">
+                      <p:stCondLst>
+                        <p:cond delay="indefinite"/>
+                      </p:stCondLst>
+                      <p:childTnLst>
+                        <p:par>
+                          <p:cTn id="20" fill="hold">
+                            <p:stCondLst>
+                              <p:cond delay="0"/>
+                            </p:stCondLst>
+                            <p:childTnLst>
+                              <p:par>
+                                <p:cTn id="21" presetID="1" presetClass="entr" presetSubtype="0" fill="hold" grpId="0" nodeType="clickEffect">
+                                  <p:stCondLst>
+                                    <p:cond delay="0"/>
+                                  </p:stCondLst>
+                                  <p:childTnLst>
+                                    <p:set>
+                                      <p:cBhvr>
+                                        <p:cTn id="22" dur="1" fill="hold">
+                                          <p:stCondLst>
+                                            <p:cond delay="0"/>
+                                          </p:stCondLst>
+                                        </p:cTn>
+                                        <p:tgtEl>
+                                          <p:spTgt spid="3">
+                                            <p:txEl>
+                                              <p:pRg st="4" end="4"/>
+                                            </p:txEl>
+                                          </p:spTgt>
+                                        </p:tgtEl>
+                                        <p:attrNameLst>
+                                          <p:attrName>style.visibility</p:attrName>
+                                        </p:attrNameLst>
+                                      </p:cBhvr>
+                                      <p:to>
+                                        <p:strVal val="visible"/>
+                                      </p:to>
+                                    </p:set>
+                                  </p:childTnLst>
+                                </p:cTn>
+                              </p:par>
+                            </p:childTnLst>
+                          </p:cTn>
+                        </p:par>
+                      </p:childTnLst>
+                    </p:cTn>
+                  </p:par>
+                  <p:par>
+                    <p:cTn id="23" fill="hold">
+                      <p:stCondLst>
+                        <p:cond delay="indefinite"/>
+                      </p:stCondLst>
+                      <p:childTnLst>
+                        <p:par>
+                          <p:cTn id="24" fill="hold">
+                            <p:stCondLst>
+                              <p:cond delay="0"/>
+                            </p:stCondLst>
+                            <p:childTnLst>
+                              <p:par>
+                                <p:cTn id="25" presetID="1" presetClass="entr" presetSubtype="0" fill="hold" grpId="0" nodeType="clickEffect">
+                                  <p:stCondLst>
+                                    <p:cond delay="0"/>
+                                  </p:stCondLst>
+                                  <p:childTnLst>
+                                    <p:set>
+                                      <p:cBhvr>
+                                        <p:cTn id="26" dur="1" fill="hold">
+                                          <p:stCondLst>
+                                            <p:cond delay="0"/>
+                                          </p:stCondLst>
+                                        </p:cTn>
+                                        <p:tgtEl>
+                                          <p:spTgt spid="3">
+                                            <p:txEl>
+                                              <p:pRg st="5" end="5"/>
+                                            </p:txEl>
+                                          </p:spTgt>
+                                        </p:tgtEl>
+                                        <p:attrNameLst>
+                                          <p:attrName>style.visibility</p:attrName>
+                                        </p:attrNameLst>
+                                      </p:cBhvr>
+                                      <p:to>
+                                        <p:strVal val="visible"/>
+                                      </p:to>
+                                    </p:set>
+                                  </p:childTnLst>
+                                </p:cTn>
+                              </p:par>
+                            </p:childTnLst>
+                          </p:cTn>
+                        </p:par>
+                      </p:childTnLst>
+                    </p:cTn>
+                  </p:par>
+                  <p:par>
+                    <p:cTn id="27" fill="hold">
+                      <p:stCondLst>
+                        <p:cond delay="indefinite"/>
+                      </p:stCondLst>
+                      <p:childTnLst>
+                        <p:par>
+                          <p:cTn id="28" fill="hold">
+                            <p:stCondLst>
+                              <p:cond delay="0"/>
+                            </p:stCondLst>
+                            <p:childTnLst>
+                              <p:par>
+                                <p:cTn id="29" presetID="1" presetClass="entr" presetSubtype="0" fill="hold" grpId="0" nodeType="clickEffect">
+                                  <p:stCondLst>
+                                    <p:cond delay="0"/>
+                                  </p:stCondLst>
+                                  <p:childTnLst>
+                                    <p:set>
+                                      <p:cBhvr>
+                                        <p:cTn id="30" dur="1" fill="hold">
+                                          <p:stCondLst>
+                                            <p:cond delay="0"/>
+                                          </p:stCondLst>
+                                        </p:cTn>
+                                        <p:tgtEl>
+                                          <p:spTgt spid="3">
+                                            <p:txEl>
+                                              <p:pRg st="6" end="6"/>
+                                            </p:txEl>
+                                          </p:spTgt>
+                                        </p:tgtEl>
+                                        <p:attrNameLst>
+                                          <p:attrName>style.visibility</p:attrName>
+                                        </p:attrNameLst>
+                                      </p:cBhvr>
+                                      <p:to>
+                                        <p:strVal val="visible"/>
+                                      </p:to>
+                                    </p:set>
+                                  </p:childTnLst>
+                                </p:cTn>
+                              </p:par>
+                            </p:childTnLst>
+                          </p:cTn>
+                        </p:par>
+                      </p:childTnLst>
+                    </p:cTn>
+                  </p:par>
+                </p:childTnLst>
+              </p:cTn>
+              <p:prevCondLst>
+                <p:cond evt="onPrev" delay="0">
+                  <p:tgtEl>
+                    <p:sldTgt/>
+                  </p:tgtEl>
+                </p:cond>
+              </p:prevCondLst>
+              <p:nextCondLst>
+                <p:cond evt="onNext" delay="0">
+                  <p:tgtEl>
+                    <p:sldTgt/>
+                  </p:tgtEl>
+                </p:cond>
+              </p:nextCondLst>
+            </p:seq>
+          </p:childTnLst>
+        </p:cTn>
+      </p:par>
+    </p:tnLst>
+    <p:bldLst>
+      <p:bldP spid="3" grpId="0" uiExpand="1" build="p"/>
+    </p:bldLst>
+  </p:timing>
+</p:sld>
+</file>
+
+<file path=ppt/slides/slide29.xml><?xml version="1.0" encoding="utf-8"?>
+<p:sld xmlns:a="http://schemas.openxmlformats.org/drawingml/2006/main" xmlns:r="http://schemas.openxmlformats.org/officeDocument/2006/relationships" xmlns:p="http://schemas.openxmlformats.org/presentationml/2006/main">
+  <p:cSld>
+    <p:spTree>
+      <p:nvGrpSpPr>
+        <p:cNvPr id="1" name=""/>
+        <p:cNvGrpSpPr/>
+        <p:nvPr/>
+      </p:nvGrpSpPr>
+      <p:grpSpPr>
+        <a:xfrm>
+          <a:off x="0" y="0"/>
+          <a:ext cx="0" cy="0"/>
+          <a:chOff x="0" y="0"/>
+          <a:chExt cx="0" cy="0"/>
+        </a:xfrm>
+      </p:grpSpPr>
+      <p:sp>
+        <p:nvSpPr>
+          <p:cNvPr id="2" name="Title 1"/>
+          <p:cNvSpPr>
+            <a:spLocks noGrp="1"/>
+          </p:cNvSpPr>
+          <p:nvPr>
+            <p:ph type="title"/>
+          </p:nvPr>
+        </p:nvSpPr>
+        <p:spPr/>
+        <p:txBody>
+          <a:bodyPr>
+            <a:normAutofit/>
+          </a:bodyPr>
+          <a:lstStyle/>
+          <a:p>
+            <a:r>
+              <a:rPr lang="en-US" sz="2400" dirty="0" smtClean="0"/>
+              <a:t>References</a:t>
+            </a:r>
+            <a:endParaRPr lang="en-IN" sz="2400" dirty="0"/>
+          </a:p>
+        </p:txBody>
+      </p:sp>
+      <p:sp>
+        <p:nvSpPr>
+          <p:cNvPr id="3" name="Content Placeholder 2"/>
+          <p:cNvSpPr>
+            <a:spLocks noGrp="1"/>
+          </p:cNvSpPr>
+          <p:nvPr>
+            <p:ph idx="1"/>
+          </p:nvPr>
+        </p:nvSpPr>
+        <p:spPr>
+          <a:xfrm>
+            <a:off x="457200" y="1600200"/>
+            <a:ext cx="8435280" cy="5257800"/>
+          </a:xfrm>
+        </p:spPr>
+        <p:txBody>
+          <a:bodyPr>
+            <a:normAutofit/>
+          </a:bodyPr>
+          <a:lstStyle/>
+          <a:p>
+            <a:r>
+              <a:rPr lang="en-IN" sz="1800" dirty="0" smtClean="0"/>
+              <a:t>Per </a:t>
+            </a:r>
+            <a:r>
+              <a:rPr lang="en-IN" sz="1800" dirty="0" err="1"/>
+              <a:t>Bak</a:t>
+            </a:r>
+            <a:r>
+              <a:rPr lang="en-IN" sz="1800" dirty="0"/>
+              <a:t>, Chao Tang, and Kurt </a:t>
+            </a:r>
+            <a:r>
+              <a:rPr lang="en-IN" sz="1800" dirty="0" err="1"/>
+              <a:t>Wiesenfeld</a:t>
+            </a:r>
+            <a:r>
+              <a:rPr lang="en-IN" sz="1800" dirty="0"/>
+              <a:t>. Self-organized criticality. Phys. </a:t>
+            </a:r>
+            <a:r>
+              <a:rPr lang="en-IN" sz="1800" dirty="0" smtClean="0"/>
+              <a:t>Rev. A</a:t>
+            </a:r>
+            <a:r>
+              <a:rPr lang="en-IN" sz="1800" dirty="0"/>
+              <a:t>, </a:t>
+            </a:r>
+            <a:r>
+              <a:rPr lang="en-IN" sz="1800" dirty="0" smtClean="0"/>
+              <a:t>38:364-374</a:t>
+            </a:r>
+            <a:r>
+              <a:rPr lang="en-IN" sz="1800" dirty="0"/>
+              <a:t>, Jul </a:t>
+            </a:r>
+            <a:r>
+              <a:rPr lang="en-IN" sz="1800" dirty="0" smtClean="0"/>
+              <a:t>1988.</a:t>
+            </a:r>
+            <a:endParaRPr lang="en-IN" sz="1800" dirty="0"/>
+          </a:p>
+          <a:p>
+            <a:r>
+              <a:rPr lang="en-IN" sz="1800" dirty="0"/>
+              <a:t>Per </a:t>
+            </a:r>
+            <a:r>
+              <a:rPr lang="en-IN" sz="1800" dirty="0" err="1"/>
+              <a:t>Bak</a:t>
+            </a:r>
+            <a:r>
+              <a:rPr lang="en-IN" sz="1800" dirty="0"/>
+              <a:t>, Kan Chen, and Chao Tang. A </a:t>
+            </a:r>
+            <a:r>
+              <a:rPr lang="en-IN" sz="1800" dirty="0" smtClean="0"/>
+              <a:t>forest-fire </a:t>
+            </a:r>
+            <a:r>
+              <a:rPr lang="en-IN" sz="1800" dirty="0"/>
+              <a:t>model and some thoughts </a:t>
+            </a:r>
+            <a:r>
+              <a:rPr lang="en-IN" sz="1800" dirty="0" smtClean="0"/>
+              <a:t>on </a:t>
+            </a:r>
+            <a:r>
+              <a:rPr lang="fr-FR" sz="1800" dirty="0" smtClean="0"/>
+              <a:t>turbulence</a:t>
+            </a:r>
+            <a:r>
+              <a:rPr lang="fr-FR" sz="1800" dirty="0"/>
+              <a:t>. </a:t>
+            </a:r>
+            <a:r>
+              <a:rPr lang="fr-FR" sz="1800" dirty="0" err="1"/>
+              <a:t>Physics</a:t>
+            </a:r>
+            <a:r>
+              <a:rPr lang="fr-FR" sz="1800" dirty="0"/>
+              <a:t> </a:t>
+            </a:r>
+            <a:r>
+              <a:rPr lang="fr-FR" sz="1800" dirty="0" err="1"/>
+              <a:t>Letters</a:t>
+            </a:r>
+            <a:r>
+              <a:rPr lang="fr-FR" sz="1800" dirty="0"/>
+              <a:t> A, 147(56):297 -</a:t>
+            </a:r>
+            <a:r>
+              <a:rPr lang="fr-FR" sz="1800" dirty="0" smtClean="0"/>
+              <a:t>300</a:t>
+            </a:r>
+            <a:r>
+              <a:rPr lang="fr-FR" sz="1800" dirty="0"/>
+              <a:t>, 1990.</a:t>
+            </a:r>
+            <a:endParaRPr lang="en-IN" sz="1800" dirty="0" smtClean="0"/>
+          </a:p>
+          <a:p>
+            <a:r>
+              <a:rPr lang="en-IN" sz="1800" dirty="0" smtClean="0"/>
+              <a:t>Peter </a:t>
+            </a:r>
+            <a:r>
+              <a:rPr lang="en-IN" sz="1800" dirty="0" err="1"/>
+              <a:t>Grassberger</a:t>
+            </a:r>
+            <a:r>
+              <a:rPr lang="en-IN" sz="1800" dirty="0"/>
+              <a:t> and </a:t>
+            </a:r>
+            <a:r>
+              <a:rPr lang="en-IN" sz="1800" dirty="0" err="1"/>
+              <a:t>Holger</a:t>
+            </a:r>
+            <a:r>
+              <a:rPr lang="en-IN" sz="1800" dirty="0"/>
+              <a:t> </a:t>
+            </a:r>
+            <a:r>
+              <a:rPr lang="en-IN" sz="1800" dirty="0" err="1"/>
+              <a:t>Kantz</a:t>
+            </a:r>
+            <a:r>
+              <a:rPr lang="en-IN" sz="1800" dirty="0"/>
+              <a:t>. On a forest </a:t>
+            </a:r>
+            <a:r>
+              <a:rPr lang="en-IN" sz="1800" dirty="0" smtClean="0"/>
+              <a:t>fire </a:t>
+            </a:r>
+            <a:r>
+              <a:rPr lang="en-IN" sz="1800" dirty="0"/>
+              <a:t>model with supposed </a:t>
+            </a:r>
+            <a:r>
+              <a:rPr lang="en-IN" sz="1800" dirty="0" smtClean="0"/>
+              <a:t>self-organized </a:t>
+            </a:r>
+            <a:r>
+              <a:rPr lang="en-IN" sz="1800" dirty="0"/>
+              <a:t>criticality. Journal of Statistical Physics, </a:t>
+            </a:r>
+            <a:r>
+              <a:rPr lang="en-IN" sz="1800" dirty="0" smtClean="0"/>
+              <a:t>63:685-700</a:t>
+            </a:r>
+            <a:r>
+              <a:rPr lang="en-IN" sz="1800" dirty="0"/>
+              <a:t>, 1991.</a:t>
+            </a:r>
+          </a:p>
+          <a:p>
+            <a:r>
+              <a:rPr lang="en-IN" sz="1800" dirty="0" smtClean="0"/>
+              <a:t>W.K</a:t>
+            </a:r>
+            <a:r>
+              <a:rPr lang="en-IN" sz="1800" dirty="0"/>
+              <a:t>. </a:t>
+            </a:r>
+            <a:r>
+              <a:rPr lang="en-IN" sz="1800" dirty="0" err="1"/>
+              <a:t>Moner</a:t>
+            </a:r>
+            <a:r>
+              <a:rPr lang="en-IN" sz="1800" dirty="0"/>
+              <a:t>, B. </a:t>
+            </a:r>
+            <a:r>
+              <a:rPr lang="en-IN" sz="1800" dirty="0" err="1"/>
+              <a:t>Drossel</a:t>
+            </a:r>
+            <a:r>
+              <a:rPr lang="en-IN" sz="1800" dirty="0"/>
+              <a:t>, and F. </a:t>
+            </a:r>
+            <a:r>
+              <a:rPr lang="en-IN" sz="1800" dirty="0" err="1"/>
+              <a:t>Schwabl</a:t>
+            </a:r>
+            <a:r>
+              <a:rPr lang="en-IN" sz="1800" dirty="0"/>
+              <a:t>. Computer simulations of the </a:t>
+            </a:r>
+            <a:r>
+              <a:rPr lang="en-IN" sz="1800" dirty="0" smtClean="0"/>
+              <a:t>forest-fire model</a:t>
+            </a:r>
+            <a:r>
+              <a:rPr lang="en-IN" sz="1800" dirty="0"/>
+              <a:t>. </a:t>
+            </a:r>
+            <a:r>
+              <a:rPr lang="en-IN" sz="1800" dirty="0" err="1"/>
+              <a:t>Physica</a:t>
+            </a:r>
+            <a:r>
+              <a:rPr lang="en-IN" sz="1800" dirty="0"/>
+              <a:t> A: Statistical Mechanics and its Applications, 190(34):205 </a:t>
+            </a:r>
+            <a:r>
+              <a:rPr lang="en-IN" sz="1800" dirty="0" smtClean="0"/>
+              <a:t>- 217,1992</a:t>
+            </a:r>
+            <a:r>
+              <a:rPr lang="en-IN" sz="1800" dirty="0"/>
+              <a:t>.</a:t>
+            </a:r>
+          </a:p>
+          <a:p>
+            <a:r>
+              <a:rPr lang="en-IN" sz="1800" dirty="0" smtClean="0"/>
+              <a:t>B</a:t>
+            </a:r>
+            <a:r>
+              <a:rPr lang="en-IN" sz="1800" dirty="0"/>
+              <a:t>. </a:t>
+            </a:r>
+            <a:r>
+              <a:rPr lang="en-IN" sz="1800" dirty="0" err="1"/>
+              <a:t>Drossel</a:t>
+            </a:r>
+            <a:r>
+              <a:rPr lang="en-IN" sz="1800" dirty="0"/>
+              <a:t> and F. </a:t>
+            </a:r>
+            <a:r>
+              <a:rPr lang="en-IN" sz="1800" dirty="0" err="1"/>
+              <a:t>Schwabl</a:t>
+            </a:r>
+            <a:r>
+              <a:rPr lang="en-IN" sz="1800" dirty="0"/>
+              <a:t>. Self-organized critical </a:t>
+            </a:r>
+            <a:r>
+              <a:rPr lang="en-IN" sz="1800" dirty="0" smtClean="0"/>
+              <a:t>forest-fire </a:t>
+            </a:r>
+            <a:r>
+              <a:rPr lang="en-IN" sz="1800" dirty="0"/>
+              <a:t>model. Phys. </a:t>
+            </a:r>
+            <a:r>
+              <a:rPr lang="en-IN" sz="1800" dirty="0" smtClean="0"/>
+              <a:t>Rev. </a:t>
+            </a:r>
+            <a:r>
+              <a:rPr lang="en-IN" sz="1800" dirty="0" err="1" smtClean="0"/>
+              <a:t>Lett</a:t>
+            </a:r>
+            <a:r>
+              <a:rPr lang="en-IN" sz="1800" dirty="0"/>
+              <a:t>., </a:t>
+            </a:r>
+            <a:r>
+              <a:rPr lang="en-IN" sz="1800" dirty="0" smtClean="0"/>
+              <a:t>69:1629-1632</a:t>
+            </a:r>
+            <a:r>
+              <a:rPr lang="en-IN" sz="1800" dirty="0"/>
+              <a:t>, Sep 1992.</a:t>
+            </a:r>
+          </a:p>
+          <a:p>
+            <a:r>
+              <a:rPr lang="en-IN" sz="1800" dirty="0" smtClean="0"/>
+              <a:t>S</a:t>
+            </a:r>
+            <a:r>
+              <a:rPr lang="en-IN" sz="1800" dirty="0"/>
+              <a:t>. </a:t>
+            </a:r>
+            <a:r>
+              <a:rPr lang="en-IN" sz="1800" dirty="0" err="1"/>
+              <a:t>Clar</a:t>
+            </a:r>
+            <a:r>
+              <a:rPr lang="en-IN" sz="1800" dirty="0"/>
+              <a:t>, B. </a:t>
+            </a:r>
+            <a:r>
+              <a:rPr lang="en-IN" sz="1800" dirty="0" err="1"/>
+              <a:t>Drossel</a:t>
+            </a:r>
+            <a:r>
+              <a:rPr lang="en-IN" sz="1800" dirty="0"/>
+              <a:t>, and F. </a:t>
+            </a:r>
+            <a:r>
+              <a:rPr lang="en-IN" sz="1800" dirty="0" err="1"/>
+              <a:t>Schwabl</a:t>
+            </a:r>
+            <a:r>
+              <a:rPr lang="en-IN" sz="1800" dirty="0"/>
+              <a:t>. Scaling laws and simulation results for </a:t>
+            </a:r>
+            <a:r>
+              <a:rPr lang="en-IN" sz="1800" dirty="0" smtClean="0"/>
+              <a:t>the self-organized </a:t>
+            </a:r>
+            <a:r>
+              <a:rPr lang="en-IN" sz="1800" dirty="0"/>
+              <a:t>critical forest-re model. Phys. Rev. E, </a:t>
+            </a:r>
+            <a:r>
+              <a:rPr lang="en-IN" sz="1800" dirty="0" smtClean="0"/>
+              <a:t>50:1009-1018</a:t>
+            </a:r>
+            <a:r>
+              <a:rPr lang="en-IN" sz="1800" dirty="0"/>
+              <a:t>, Aug 1994.</a:t>
+            </a:r>
+          </a:p>
+          <a:p>
+            <a:r>
+              <a:rPr lang="en-IN" sz="1800" dirty="0" smtClean="0"/>
+              <a:t>Siegfried </a:t>
+            </a:r>
+            <a:r>
+              <a:rPr lang="en-IN" sz="1800" dirty="0" err="1"/>
+              <a:t>Clar</a:t>
+            </a:r>
+            <a:r>
+              <a:rPr lang="en-IN" sz="1800" dirty="0"/>
+              <a:t>, Barbara </a:t>
+            </a:r>
+            <a:r>
+              <a:rPr lang="en-IN" sz="1800" dirty="0" err="1"/>
+              <a:t>Drossel</a:t>
+            </a:r>
+            <a:r>
+              <a:rPr lang="en-IN" sz="1800" dirty="0"/>
+              <a:t>, and Franz </a:t>
+            </a:r>
+            <a:r>
+              <a:rPr lang="en-IN" sz="1800" dirty="0" err="1"/>
+              <a:t>Schwabl</a:t>
+            </a:r>
+            <a:r>
+              <a:rPr lang="en-IN" sz="1800" dirty="0"/>
+              <a:t>. Forest </a:t>
+            </a:r>
+            <a:r>
+              <a:rPr lang="en-IN" sz="1800" dirty="0" smtClean="0"/>
+              <a:t>fires </a:t>
+            </a:r>
+            <a:r>
+              <a:rPr lang="en-IN" sz="1800" dirty="0"/>
+              <a:t>and </a:t>
+            </a:r>
+            <a:r>
+              <a:rPr lang="en-IN" sz="1800" dirty="0" smtClean="0"/>
+              <a:t>other examples </a:t>
+            </a:r>
+            <a:r>
+              <a:rPr lang="en-IN" sz="1800" dirty="0"/>
+              <a:t>of self-organized criticality. Journal of Physics: Condensed </a:t>
+            </a:r>
+            <a:r>
+              <a:rPr lang="en-IN" sz="1800" dirty="0" smtClean="0"/>
+              <a:t>Matter, 8(37</a:t>
+            </a:r>
+            <a:r>
+              <a:rPr lang="en-IN" sz="1800" dirty="0"/>
+              <a:t>):6803, 1996</a:t>
+            </a:r>
+            <a:r>
+              <a:rPr lang="en-IN" sz="1800" dirty="0" smtClean="0"/>
+              <a:t>.</a:t>
+            </a:r>
+          </a:p>
+          <a:p>
+            <a:r>
+              <a:rPr lang="en-IN" sz="1800" dirty="0" smtClean="0"/>
+              <a:t>Gunnar </a:t>
+            </a:r>
+            <a:r>
+              <a:rPr lang="en-IN" sz="1800" dirty="0" err="1" smtClean="0"/>
+              <a:t>Pruessner</a:t>
+            </a:r>
+            <a:r>
+              <a:rPr lang="en-IN" sz="1800" dirty="0" smtClean="0"/>
+              <a:t> and </a:t>
+            </a:r>
+            <a:r>
+              <a:rPr lang="en-IN" sz="1800" dirty="0" err="1" smtClean="0"/>
+              <a:t>Henrik</a:t>
+            </a:r>
+            <a:r>
+              <a:rPr lang="en-IN" sz="1800" dirty="0" smtClean="0"/>
+              <a:t> </a:t>
+            </a:r>
+            <a:r>
+              <a:rPr lang="en-IN" sz="1800" dirty="0" err="1" smtClean="0"/>
+              <a:t>Jeldtoft</a:t>
+            </a:r>
+            <a:r>
+              <a:rPr lang="en-IN" sz="1800" dirty="0" smtClean="0"/>
+              <a:t> Jensen. </a:t>
+            </a:r>
+            <a:r>
+              <a:rPr lang="en-IN" sz="1800" dirty="0" smtClean="0"/>
+              <a:t>Efficient </a:t>
+            </a:r>
+            <a:r>
+              <a:rPr lang="en-IN" sz="1800" dirty="0" smtClean="0"/>
+              <a:t>algorithm for the </a:t>
+            </a:r>
+            <a:r>
+              <a:rPr lang="en-IN" sz="1800" dirty="0" smtClean="0"/>
+              <a:t>forest </a:t>
+            </a:r>
+            <a:r>
+              <a:rPr lang="it-IT" sz="1800" dirty="0" smtClean="0"/>
+              <a:t>fire </a:t>
+            </a:r>
+            <a:r>
+              <a:rPr lang="it-IT" sz="1800" dirty="0" smtClean="0"/>
+              <a:t>model. Phys. Rev. E, 70:066707, Dec 2004.</a:t>
+            </a:r>
+            <a:endParaRPr lang="en-IN" sz="1800" dirty="0"/>
+          </a:p>
+        </p:txBody>
+      </p:sp>
+    </p:spTree>
+  </p:cSld>
+  <p:clrMapOvr>
+    <a:masterClrMapping/>
+  </p:clrMapOvr>
+  <p:timing>
+    <p:tnLst>
+      <p:par>
+        <p:cTn id="1" dur="indefinite" restart="never" nodeType="tmRoot"/>
+      </p:par>
+    </p:tnLst>
+  </p:timing>
 </p:sld>
 </file>
 
@@ -5214,6 +9956,13 @@
   <p:clrMapOvr>
     <a:masterClrMapping/>
   </p:clrMapOvr>
+  <p:timing>
+    <p:tnLst>
+      <p:par>
+        <p:cTn id="1" dur="indefinite" restart="never" nodeType="tmRoot"/>
+      </p:par>
+    </p:tnLst>
+  </p:timing>
 </p:sld>
 </file>
 
@@ -5343,6 +10092,13 @@
   <p:clrMapOvr>
     <a:masterClrMapping/>
   </p:clrMapOvr>
+  <p:timing>
+    <p:tnLst>
+      <p:par>
+        <p:cTn id="1" dur="indefinite" restart="never" nodeType="tmRoot"/>
+      </p:par>
+    </p:tnLst>
+  </p:timing>
 </p:sld>
 </file>
 
@@ -5363,6 +10119,32 @@
           <a:chExt cx="0" cy="0"/>
         </a:xfrm>
       </p:grpSpPr>
+      <p:pic>
+        <p:nvPicPr>
+          <p:cNvPr id="5" name="Picture 4" descr="starling swarm The beautiful flocking behaviour of starlings"/>
+          <p:cNvPicPr>
+            <a:picLocks noChangeAspect="1" noChangeArrowheads="1"/>
+          </p:cNvPicPr>
+          <p:nvPr/>
+        </p:nvPicPr>
+        <p:blipFill>
+          <a:blip r:embed="rId3" cstate="print"/>
+          <a:srcRect/>
+          <a:stretch>
+            <a:fillRect/>
+          </a:stretch>
+        </p:blipFill>
+        <p:spPr bwMode="auto">
+          <a:xfrm>
+            <a:off x="5220072" y="548680"/>
+            <a:ext cx="3888432" cy="2550812"/>
+          </a:xfrm>
+          <a:prstGeom prst="rect">
+            <a:avLst/>
+          </a:prstGeom>
+          <a:noFill/>
+        </p:spPr>
+      </p:pic>
       <p:sp>
         <p:nvSpPr>
           <p:cNvPr id="2" name="Title 1"/>
@@ -5398,7 +10180,12 @@
             <p:ph idx="1"/>
           </p:nvPr>
         </p:nvSpPr>
-        <p:spPr/>
+        <p:spPr>
+          <a:xfrm>
+            <a:off x="457200" y="1600200"/>
+            <a:ext cx="8686800" cy="5257800"/>
+          </a:xfrm>
+        </p:spPr>
         <p:txBody>
           <a:bodyPr>
             <a:normAutofit/>
@@ -5432,6 +10219,9 @@
             </a:r>
           </a:p>
           <a:p>
+            <a:endParaRPr lang="en-US" sz="2000" dirty="0" smtClean="0"/>
+          </a:p>
+          <a:p>
             <a:r>
               <a:rPr lang="en-US" sz="2000" dirty="0" smtClean="0"/>
               <a:t>Critical Systems:</a:t>
@@ -5489,6 +10279,291 @@
               <a:t> model</a:t>
             </a:r>
             <a:endParaRPr lang="en-IN" sz="1600" dirty="0"/>
+          </a:p>
+        </p:txBody>
+      </p:sp>
+      <p:pic>
+        <p:nvPicPr>
+          <p:cNvPr id="36866" name="Picture 2" descr="https://encrypted-tbn0.gstatic.com/images?q=tbn:ANd9GcT0u9hF94xJLdLgn-WY1thawptumD9neIGXJLiXBejVxD6Zk9s3"/>
+          <p:cNvPicPr>
+            <a:picLocks noChangeAspect="1" noChangeArrowheads="1"/>
+          </p:cNvPicPr>
+          <p:nvPr/>
+        </p:nvPicPr>
+        <p:blipFill>
+          <a:blip r:embed="rId4" cstate="print"/>
+          <a:srcRect/>
+          <a:stretch>
+            <a:fillRect/>
+          </a:stretch>
+        </p:blipFill>
+        <p:spPr bwMode="auto">
+          <a:xfrm>
+            <a:off x="6156176" y="3284984"/>
+            <a:ext cx="2952328" cy="2761445"/>
+          </a:xfrm>
+          <a:prstGeom prst="rect">
+            <a:avLst/>
+          </a:prstGeom>
+          <a:noFill/>
+        </p:spPr>
+      </p:pic>
+      <p:sp>
+        <p:nvSpPr>
+          <p:cNvPr id="36868" name="AutoShape 4" descr="data:image/jpeg;base64,/9j/4AAQSkZJRgABAQAAAQABAAD/2wCEAAkGBhQPDw8UDxQQFBAQEA8QEBQPDw8PDw8QFBAVFBQQFBUXGyYeFxkkGRQUIC8gJScpLCwuFR8xNTAqNSYrLCkBCQoKDgwOFw8PGikcHBwpLCwsLCksLCwsLCksLCwpKSwpLCwpLCwsLCwsLCksLCwpLCwsLCwsLCkpLCwsLCwsKf/AABEIALcBEwMBIgACEQEDEQH/xAAcAAACAgMBAQAAAAAAAAAAAAAAAQIGAwQFBwj/xAA6EAACAQMDAgQFAgQEBgMAAAABAgMABBEFEiEGMRNBUWEUIjJxgQdCI4KRoTNDUmIVU3KSsfAWJOH/xAAXAQEBAQEAAAAAAAAAAAAAAAAAAQID/8QAGxEBAQEBAQADAAAAAAAAAAAAABEBITFBYXH/2gAMAwEAAhEDEQA/APZ6dRFOo6JU6jXC1fTb6WRjb3cUEageEnwizF2x/nO7cLnyUA4881NHfzTql9HfqfbagTHIVguRKYRHI/yzOAM+C5ADck/L9XbjmrpUQxTpU6qGKYpVIUQUCiuUNaWO6W2m+VpVL2zEYSYD64ge3iL3x5qQR54DrUUUVUFFaF/rEdtg3B8OMnHitxCp8g79o/u2AfXPFbqSBgCCCCAQQcgg9iD6UolRRRVBRRRQFFFLNA6KKKAooooCiiigKKKKAooooOHqnWdtaSiO5Z4skAO8MogJPl4mNv8Aeu0jhgCCCCAQQcgg9iDVe/UG+ii0648dS6yIYlRVLM0jghcAenLZ9FNV79OOvw8NtbX6NbXRAS2SSGeNbmBUAjkRnGCxAORny4rPnq++PRKKKK0jUFOlTqOh1IVEU6mjjdQdNpNYXFvCkaEpI8GxVQR3PLxyrjs3iYOe9dqInaN3DYG72OOR/WnTqIKdKnVRKjNKmKIdVP8AU4L/AMOc7JXmV4ja/DqzTpc7v4bpjkY5z7Va6dBT/wBPepbieN7fU1MWowfNIjKqeJCx+SZNvykc7TjsR5ZFXGubqeirM8UgOyeBi0UijkAjDRsP3Iw4K/kYIBrfjYkcjB8//wAoCWIMpDAFWBDBgCGB4IIPcV5Zp0d5YaxGsMUtvosl01sI3dHjMjxPtkiQkvEjOq4AwBnGOa9WrQ1ux8aEqMblaOWP2kicSL/dcfmmmN+ikpyPvTrSCioyE4O3GccZJAz74qj9Q9Z3umsjXVrBJavIEMlvM4ZMngsrrj+9Z3YuZV6rkdS6h8LHHOfoimi8X2hkbwmb+Xerfy11UfIB9QDVc/UTVFt9NuTJE8qPG0RWMAld6kByO+Acdskd+2SLvUWWivO+kOs7m2tYxrcFxDk/w7gQB4BDtUIs3hlmifg5LADkZIq/21ysqK8bK6MMqyMHRh6gjgilGWiiiqCiiigKKKKArDd2/iIy7nXI+qM7WH2NZqKm9FFXWp9N1BIL65R7KeJ3inuPDheJ0/y2cYVs+/qK7fU2gfGmyK7c295Dchs9lTJYD78D81yuq/00TVbjfeXE/gooWKCERxqnHzMWIJYlufLsBzip9Erc29xe2t1M9xHB4D20siqJDG6kFG2gA4Kj+tY3MzjeberhRTorow1KdQBpg1l0TzRmo06miWaeajRmgnmmDUM080SJ081DNPNCJZp1HNMGiRLNFKiqh06VAaqgAp0s06Aqm9f6Je3vhw2jQLbvgXBnCsQd+VdBjccY5GV7jHni5UUHmPQE9zpd7/wq6xMHWW6guEeQnwxgbXRs7RkYAB4985r0HWGkW3mNuAZljZo1P73UZCfnGPzUI9EjF3Jc8mZ4lgBPZIlO7ao925J9h6V0DWcxd1ztC1yK+gWWBsq3BB4eN8AmN1/awz2+x7EVtQ2SIWKKqljltihdx9TjufevJ+sdYj0XUnurN8M/F/auHSOdSNyyxtjbuye/kSfImvSOk+oBqFlBchDGJ1LBGYMVwxXuO/ar+jr0UUVUFFFFAUUVpWmsRSu0auvjJ9cTELMnuyHnHoex7gmlG7RRRQFQWEBiwA3NjJxycds1OigKKKKo0RRmoinWHVLNPNRxUsUDzTFICpYrIBToAp4qgFY4bpXaRVYFomCyAHlGKhgCPLIIP5rIzAYyQMnAyQCT6D1qra3qttY6paPNMkL3cE0DhztWQRsrwu57LtJkUEkfXiiLXTrT03WYLoMbaaCYKcMYJo5Qp9DtJxW7VZFOijNUFal1pUcmSwOT5pJJG39UYGtvNPNEeN61f6pa3E0tkb8aVbzp4zXLQ3MjRpIBK8Hi5laPGccngZz6ewW06yIjoQyuqsrL9LKRkMPYg0TRK6srAFWUqwPIZSMEH8VodOWJt7WOFjnwA0Sn1jViIz/2banyOpmjNRzTzVDzSozRmiOFqfRNpc3CXE0KPMqshLAMHQxsm1gfQMcehqj9NdOPa3F5ZC5u7bwAbqzaF9yNCx+fMLhkcA7TwoOWcZ4Feq5rSv8ASkmaJzlZYWLRSIQsiZ4Zc+asOCpyD9wCJuNYofQfXN7Pe/DajGUjkgke0lktJbSS6MbKWO1iRnY2SAB2NelVxepNK8ZYZE/xrSeO5ix3bacSRfzIWX7kV1o5QwBUgjyIORVRkopZpZoHVZ690KC5tHeaCWWWEZgNov8A92NywAMLDkc4J9gTg4qy5ozQebfpx1PffFvZ6ruVxbJLa+PGqzzKGIcsynDED88Enzr0qq51ZpJdrW5iUmaynWXC53vAflmRcdzsJIHngjzqwJICMggj1FCJ0Us0ZoQ80UqVUjTAqQqGahLNtGT9I5Y+g8zWXRnFMVjDVLNSCeaeahmnmkEw1PdWPNOiMGpaZFdRmO4jSSM/tcZwfUHup9xg15raXlhpurm2vpBIY13afPdyLKLON0JktnkdvlOfpJB4bGRmvUs1zB01a+JPJ8PAZLnHjs0SOZcADDbgeOAcdiee/NXiaimhWk0kV1Csfi4BSe2YIZE/0s8fEiH0ORXZzVd6U6f/AOH/ABUMfFqbgz2q5z4SyoDJCB5KsgYj2eu/mhE81gvLsRhCf3yxRj7u4X/xk/isuaqPU3V1tFf6fayMxkafxCsSNIVYRMIlYDnlnBwAT8o45oLhmjNadtes/aKRR5GXw0z77QxYfkCtrNBPNAqNFBLNGajmnmglmuL1TqPgwr/GeDe6p4qRxyFMnH7wVHJHJBrsZqsfqFewjT7pZWj3FAFUsN+4kEYXv2yfxSXh51Vv/nJ0nU/hru8kvILjwFRm+GElpK7c+LtCjZgg+wI4q7a1rfg3GnLkbLiaRCRzn+CQn43un9qquhXmnajpTYijncWzRuksMXxkzRJgFQCXOWX5SD5e1cXXrmLSrPRY533SWBSW4SMq8iEujlAMgcHIAz2Wmd5ibz1686hgQRkEYI9QfKvLrvVbHStXtzbylIrjdBPFA++FZ2bapYZwuD3xyMfevSNN1AXEMcqB1WRFcLKhjkUMMgMp7HBrkzdC2J8cm0t2afcZGeMSOxI5wzZI5GeMc89zmnPTqwK2RxyD6cg081WP080B7CwSGXORJO6qW3GONpCUT8Ljj3NWXNMXcSzSJpUZoh1XeoNEuMtNp04huO7xygSWdzgf5i90bAA3rg4GDnAIsOawXsavFIshxGyOrknaAhU7iT5DGaKpWh/qrGZUttQjaC9MghxEDPbyNx86OuSq85Oe3qavoNfP1ja2dupubKVGutO1JioMjCWSzyAq7WbDqRkZUdnOa9+V8gEdjyPcHtRGSlSzRRWiox2qVQBp5qtKhL1TFpd/HZzSDwbrDW3zDNm7EgwyZPEROCh/bkj6cEXPNc+40aCR5Hkhhd5Y/BkZ40dni/5ZJH089qx6TZtar4W5nhX/AAGdi0kaf8l2PLAftbvjAPbJg3p79I4zJK6RoO7SOqKOccknFcqLryweRY1vLUyMQqqJlO5jwAD2zUU1hYb9rWRwGuE+ItV/cQAwmj9sFN4z3Dn0qHWWhG9s5IUS2eRsbTdKxSPnl1KgkOB2plFjzTzXn36Y/EWr3tjeyPLLA6TROZJJIzA6KAqF+QAR29/Y1fs0RJs4OO+OOMj+lcLUOr0s3Avo5YUYhVuAplsyT23SLzEfZwPuRzXczXK6ot5pLOdLQRNMygKs4UxuMjch3AjkZxnjOO1IOvHIGUMpBVgCrKQVYHkEEcEVLNea/pXoE2n3Wo29w4ZlW1eMRNJ8OEYOW2K3bBK84FekZoYlmuLBp8MV+7GGHxp0aWOfwl8YldqTRGTGexQgZ7Mw7LXYzVc6ztLyQWZ00wrLHdB5GnwVWExujcH6gQxyBz2x6hBZc081y0trndlriHH+lbIqPwTMTXQTOOSCfYbf7ZNBkzRmo5ozQSDd/bv7U81p32nrOuGLqfJ4ZHhlX7OpB/Hb1FedzdU6lYXSCdXfTDcrEbq+gRJkjY7QzNCw+XIPzMnbBPfFB6hmq51L0Fa6jNDLcKxeLaMBtqSxhtxjkA+oH78eXnmwg06Cr6x+m1lcKpjhjt54yrRTWqLBLGy/ScoBnt50h+mOnsjCa2ikkkDeJI+8yM7fU6sWJUk85GOefM1aaKTtFF0HTLrRZhEWkudJc7YmOZJ7A+QcDkxeRIyF4PyjIN7BoooMN3fJCFMjBQ8iRKT23u21Fz5ZOB+az1Qf1X1ho7V7cosnxiFYFQzC4EkbIxZQEZWwcH6lPfGcV2OkeuYL9AqmSO4Q+HJFcIUmDqMHn6WJwTwc98gURZqKMU8UCrHcW6yIySKrI6lXV1DKykYKsDwR7VlooK7qnQVncJChghRYZFdfBijiOOd0eVA+VsnP3rt2FsY4o0ZixRQm492CjALf7sAZ96z5ozQGKKN1FBzs1zLHVx8RJbS8TIoljJ7T25OBIp/1KflYeR57Gt4PVU630y7uJLU6eIkmh8R1uZJlUxFhtaLZsYsrLyeCOMceeoq4hqearvTvUDS/wLpGivoo1MqOF2zAAAzwMvyyIT6fTnBA4rueJSDk6h0ZazztcSK/xJCBJlmlWWAoAFMPO1O3pzznOTXTs2dVVZiHcceIi7Fk/wBxX9jeoHHp6Vl3U81IOZpNkwub2dxgyyRxRZ7+BCgAb+ZzIfsBXXLVjzRmqlZA9S31hp1FrRt7UJe3Ev8AzYLZfyjyhv7GOuoJKw0A1YlbG6jNYd1LdUi1sZozWNWp76DJmnWPdUgaCVYru0SaN45VDxyKUdW5DKe4NZM0ZoNHQ7FreJYWYusQ2QufraEfQr/7lGFz57QfMgdGo5ozUgnRUM0ZqjJmjNY80ZoOD1P1dbWqyRzTyQuyECSKCSUwkjhshGUEe9VDofo+CbUJ73e93BGoW2mnAy87YaWUcDJByAccZ8zzV36rgeSyuUhR3kkjKIsbpGzFiFPzP8oGCSc+QNeY9OdWahpdvKs1vHLbQXqWYQTKs1sXc/KNqkSAs3B3HkehqdypuZcez7q1YdQ3zzRj/JSAk/7pN5x+FVT/ADVknYhX2/UFbbnkFsHHmPP3H3qmdPafqytdzTvYq9zMHEDrNIsSovhjbJGRwyqvcNwB2JIoq87qN1a1o0hUeMI1fz8J3dPwWVT/AGrLmgyZozWPNGaonmioZooOUGp7qgBUgtbEZbdX27gCVbch/cjYxuU+Rxx/asiLjzJ9zS9Pc4FSxQSqVRArR1mzmlixbS+DKCGRiodGI/a4/wBJ9qm6OiDSEo3bfPbu/GcVx+k9Zku7bfMgSZJZYJVU5QyREBivtz/5rD1RqJs3trgg+ErtBc/7YpMESfysmfz71nUWGnUR/wC47VIUBSxTp1SFWOXdzt2njgMSoJ/6gDj+hrLijFCOPZ9TI91JayK8VxGsbEMN0MgcEr4Uo4Y4B4IU8Hjg47FKSIMCG5B7j85H96aIQOTn38z96AzSkBKkAlSRgMoUlfcbgR/UGphae2goXX8ktlCkkWo3qTl/4UTiKWKfbguhSOJcDBzmuv8Ap91o2q20krxLEY5WhIWXfuKqpJKkBk+rgHP3q0DjscfnFVTofSwHvbtRtW9nZoRyMwK7bJcf78lh7Y9anBbN1G6liihRurU1a/NvBLLgkRASOAMnw1YGQgeoTeR9q26jLja2/G3B3bsbduOd3tjNNDhnV1VkIZGAZWU5VlIyGB9KyZry3prqqLTrxrMS+NZTSg2bxHxvDMpX+Ecd1yRkjgEsfPj1CoU3bAOBk4OBkAk47ZNebWegat409w0dhtkmFwtlcSswWcYKzCSNSA4xgZJHnwcY9IozVHK6Z6g+MhJkjaC4icxXEEhy0MgGcA/uUgghvMGuncMwVvDCs+PlDsUVj6FgDj74P2oCAEkAZOMnAycdsnzp5qNKrefqPFaypHqEF1aFztWSVI5LUn1E0bEY/Ax54q0Q3KyKGRldTggoyspHfgjiqf1p0XcahKoS58O1ZQJoijSZdclXCl9pJOB2GO/Ncn9FNPWC2u1x/GW5IkYbgHUoCny5wMfN5edEXbUNXe3BLwTyIOS9qqTED1aIsH/7Q1LSOqLW8A+HnicnPybwkykdw0TYdSPcVtalamaGSNZJImddokiwJY8/uQngH3rzkdCx6XqunXCtLMs8j20huPDZ45ZB8kiMqrg5P3xuoPUM0VEGirBohalinRirVa2pWzSROsTbZcbomPZZFO5M+2QAfYmsGgawLuBZAuxwzRzRk5MM6HDxn7HkexFdEivOtBsL2w1JJ9QdDHqO+B1t2Pgw3JKmJnXAXL7GAYD93PnUR6MBTx/6e1MU6Cm9OdAPCbpr25lma6cO0cEtzawK2DuOEcFiSx9BgDj01+q7b4C38CCG9uo7zdBsM81ytu/Gxl3hiMk8AsB8v3q9U6T5Pp5/+m2t3KyTWep7o541RrSOVEUm3VSCFkXiQgYyOSAPPnHoNcnqDp1LxUyWjmiYSQTR/wCJDIDkMPUZHat2xlkKgTqBIOGKcxuR+9fMA+h7duaeDZp4pVKgKdFFQFOlUTKAQCRuIJAJGTjuQKKnmnSoqjFdXSxgGQ4Vnjjye26R1jUH7swH5rMK5vUWn/EWdzEM7nibZg4IkX50IPl8yrWh0N1C1/ZJJJxMjNDN5ZkT9/tuUq33JqIsNGajTzQh1CWIOrK4DKwKsrAFWU9wQe4p0UI81666XS1jtzpNkRdQu9yssEabYgmXxKxOSM4Kr/sIA7Crb0vrk9zb27zwgeLDG5kgljeJmK/N8hIdOc8YYDHc13c1rWNgsAZY+ELs4UfShY7mC+gJJOPLJosbSt9/zRmlRQh5pZooqh5qu9HaWbcXwYEFr6crxjdHtQxsPbDf+asNFQFaOsad48aD98U0FxHnyeKQNj8jcv8ANW9RVBSp0UGrTqOaM1BMVranpy3MTxyZ2tjBH1IykMsi+jBgCPtWfNGaAg3bRvxvx8xX6WPmw9M98VkqGae6qJ5ozUN1Y57gRqWIYhRk7EeRvwqAk/gUGxmjNcKw6ztJ5hDHMvjnOInSWGU4GThZFUnsf6V2s0oyA0wax5p5oieaeax5p5oqear/AFvp/iWjyRsUntf48Lp9Ssv1D7Fc8V3c1yupNIlu4RFFOYFZv4xWJZHeLHKKSRtOcc8+mKTErc0a9M9tBISpaSKN32EFQ5QFgPsc1u5rzs9NXOixxtps8s1rHIHuLS4WFyyMQJJInVQVbzx6+vY+gI+QCPMA88d6K09bW5MWLJoUmLL89wGaNF/cdqgkn0rzROnbzRLuO7kZp7P5viksjImwtn+M8TcSAZJ8vuOM+pzXiocNkfysw/sDWK11WGYlYpYnYZ3Ksis6+u5O47+Y86n0k+We1u1ljSSJg0ciq6MvZlYZBFZc1padpaWwZYBtiZmcRj/DjZjlvDH7QTk7RxknAGTUdT1yG18P4iRYxI2xWfITd6Fuy/mn6roZpUgaKolmlmlRQPNFKjNA6KVFA6KVFA80UqdAUUs0UGpmnWuJKmJKQSlYjG0A885OMCslQDUwaQSzTzUc0FsUHPs9UJu7mB8ZRYZovLMLoAw+4kB/7xXSrzy760to9YRwzyrLbCANbr4oQ7wxdgDkoBkkgHt7VdNN12C53fDzRSFfqCMN6/8AUh+YfkUkTNqn/q503JdQJPEyL8JHO7lgd4XbuBQ+RyuP5wfKrjoEZS0tVYMGW3gVgzFmDCJQQWPJOanqVgtxH4b/AEF4mccYdUkWTYfYlQD7ZrazSKluqQatWW2Vjk5yPNWZT/Y1wtagvYpbd7FzJCGZrqGdkYtGMELC5XcHPzcFsZA7c1BZ8081himDKGXlWAYHtkEcVPNVE91PdWPNPNFSzTzWNuQe49x3HuKqFt1ILO+uLaa4muQLdbiNVtzPcQkM3iRsYl5G3YwyM89/ULpmq5ddMRpqEd+niG4aRYZS0hZPh3iMWxV7KA3ht+D612dO1KO4ijlhYNHIodGGRkH2PIPlg+lZ2AIwaCdcbrGMvp92qQmd3hdEiUAlmYbQQD6E7vX5a7GaM0RTtH6oubYWUGpWhjMsRRZbaQXCGSOPd4bRICyNsU8AtypxnysmmdQW90WFtNDKy/UqODIn/Un1L+RW28YbaSASp3LkA7WwRkehwT/WvLevulbq7kvbgNbobQgQskbrcMjRRvzKMHgN3JPO7AAqD1bNFcbpIAWFptaRgYIjmVzI+SgLZY8n5s1191VUs0VAtTzVRLNFRzRmglmjNRzSzQTzSzUc0ZqCWadY6dKOcKmKKK1ipClGmCTknPqeB9qKKoyZobkEHsRg+4oooNWw0uG3z8PFDFnv4MUcRPOedoGa2MhyGIBIzgkAsvrgnkUUVBOoxqRnJz6cYpUVKMtFOiiMNvCU3DPykkr6jPJH2rNRRUBTpUVQ6xpborM6qgdsb2CKHbHbcwGT286dFUEECxqFQBVBYgKMDJJYn+pJrJmlRWVJpQCB5ntU80UVAE1UrHoydIrlXv5zJdSyvIfCgkgw67NvhyKzY2gD5XXtxjFFFB1ulInSyt0lCB408JvDJKkoxQnkcHIPHP3rqmUZAzyRkDntSoqUieaM0UVUMn/31ri6T1VHcXE1vtkjuIAGdJAhyhOA6shKke3B9qKKmq7WaM0UVUGaM0UUCooooP/Z"/>
+          <p:cNvSpPr>
+            <a:spLocks noChangeAspect="1" noChangeArrowheads="1"/>
+          </p:cNvSpPr>
+          <p:nvPr/>
+        </p:nvSpPr>
+        <p:spPr bwMode="auto">
+          <a:xfrm>
+            <a:off x="155575" y="-830263"/>
+            <a:ext cx="2619375" cy="1743076"/>
+          </a:xfrm>
+          <a:prstGeom prst="rect">
+            <a:avLst/>
+          </a:prstGeom>
+          <a:noFill/>
+        </p:spPr>
+        <p:txBody>
+          <a:bodyPr vert="horz" wrap="square" lIns="91440" tIns="45720" rIns="91440" bIns="45720" numCol="1" anchor="t" anchorCtr="0" compatLnSpc="1">
+            <a:prstTxWarp prst="textNoShape">
+              <a:avLst/>
+            </a:prstTxWarp>
+          </a:bodyPr>
+          <a:lstStyle/>
+          <a:p>
+            <a:endParaRPr lang="en-IN"/>
+          </a:p>
+        </p:txBody>
+      </p:sp>
+      <p:sp>
+        <p:nvSpPr>
+          <p:cNvPr id="36870" name="AutoShape 6" descr="data:image/jpeg;base64,/9j/4AAQSkZJRgABAQAAAQABAAD/2wCEAAkGBhQPDw8UDxQQFBAQEA8QEBQPDw8PDw8QFBAVFBQQFBUXGyYeFxkkGRQUIC8gJScpLCwuFR8xNTAqNSYrLCkBCQoKDgwOFw8PGikcHBwpLCwsLCksLCwsLCksLCwpKSwpLCwpLCwsLCwsLCksLCwpLCwsLCwsLCkpLCwsLCwsKf/AABEIALcBEwMBIgACEQEDEQH/xAAcAAACAgMBAQAAAAAAAAAAAAAAAQIGAwQFBwj/xAA6EAACAQMDAgQFAgQEBgMAAAABAgMABBEFEiEGMRNBUWEUIjJxgQdCI4KRoTNDUmIVU3KSsfAWJOH/xAAXAQEBAQEAAAAAAAAAAAAAAAAAAQID/8QAGxEBAQEBAQADAAAAAAAAAAAAABEBITFBYXH/2gAMAwEAAhEDEQA/APZ6dRFOo6JU6jXC1fTb6WRjb3cUEageEnwizF2x/nO7cLnyUA4881NHfzTql9HfqfbagTHIVguRKYRHI/yzOAM+C5ADck/L9XbjmrpUQxTpU6qGKYpVIUQUCiuUNaWO6W2m+VpVL2zEYSYD64ge3iL3x5qQR54DrUUUVUFFaF/rEdtg3B8OMnHitxCp8g79o/u2AfXPFbqSBgCCCCAQQcgg9iD6UolRRRVBRRRQFFFLNA6KKKAooooCiiigKKKKAooooOHqnWdtaSiO5Z4skAO8MogJPl4mNv8Aeu0jhgCCCCAQQcgg9iDVe/UG+ii0648dS6yIYlRVLM0jghcAenLZ9FNV79OOvw8NtbX6NbXRAS2SSGeNbmBUAjkRnGCxAORny4rPnq++PRKKKK0jUFOlTqOh1IVEU6mjjdQdNpNYXFvCkaEpI8GxVQR3PLxyrjs3iYOe9dqInaN3DYG72OOR/WnTqIKdKnVRKjNKmKIdVP8AU4L/AMOc7JXmV4ja/DqzTpc7v4bpjkY5z7Va6dBT/wBPepbieN7fU1MWowfNIjKqeJCx+SZNvykc7TjsR5ZFXGubqeirM8UgOyeBi0UijkAjDRsP3Iw4K/kYIBrfjYkcjB8//wAoCWIMpDAFWBDBgCGB4IIPcV5Zp0d5YaxGsMUtvosl01sI3dHjMjxPtkiQkvEjOq4AwBnGOa9WrQ1ux8aEqMblaOWP2kicSL/dcfmmmN+ikpyPvTrSCioyE4O3GccZJAz74qj9Q9Z3umsjXVrBJavIEMlvM4ZMngsrrj+9Z3YuZV6rkdS6h8LHHOfoimi8X2hkbwmb+Xerfy11UfIB9QDVc/UTVFt9NuTJE8qPG0RWMAld6kByO+Acdskd+2SLvUWWivO+kOs7m2tYxrcFxDk/w7gQB4BDtUIs3hlmifg5LADkZIq/21ysqK8bK6MMqyMHRh6gjgilGWiiiqCiiigKKKKArDd2/iIy7nXI+qM7WH2NZqKm9FFXWp9N1BIL65R7KeJ3inuPDheJ0/y2cYVs+/qK7fU2gfGmyK7c295Dchs9lTJYD78D81yuq/00TVbjfeXE/gooWKCERxqnHzMWIJYlufLsBzip9Erc29xe2t1M9xHB4D20siqJDG6kFG2gA4Kj+tY3MzjeberhRTorow1KdQBpg1l0TzRmo06miWaeajRmgnmmDUM080SJ081DNPNCJZp1HNMGiRLNFKiqh06VAaqgAp0s06Aqm9f6Je3vhw2jQLbvgXBnCsQd+VdBjccY5GV7jHni5UUHmPQE9zpd7/wq6xMHWW6guEeQnwxgbXRs7RkYAB4985r0HWGkW3mNuAZljZo1P73UZCfnGPzUI9EjF3Jc8mZ4lgBPZIlO7ao925J9h6V0DWcxd1ztC1yK+gWWBsq3BB4eN8AmN1/awz2+x7EVtQ2SIWKKqljltihdx9TjufevJ+sdYj0XUnurN8M/F/auHSOdSNyyxtjbuye/kSfImvSOk+oBqFlBchDGJ1LBGYMVwxXuO/ar+jr0UUVUFFFFAUUVpWmsRSu0auvjJ9cTELMnuyHnHoex7gmlG7RRRQFQWEBiwA3NjJxycds1OigKKKKo0RRmoinWHVLNPNRxUsUDzTFICpYrIBToAp4qgFY4bpXaRVYFomCyAHlGKhgCPLIIP5rIzAYyQMnAyQCT6D1qra3qttY6paPNMkL3cE0DhztWQRsrwu57LtJkUEkfXiiLXTrT03WYLoMbaaCYKcMYJo5Qp9DtJxW7VZFOijNUFal1pUcmSwOT5pJJG39UYGtvNPNEeN61f6pa3E0tkb8aVbzp4zXLQ3MjRpIBK8Hi5laPGccngZz6ewW06yIjoQyuqsrL9LKRkMPYg0TRK6srAFWUqwPIZSMEH8VodOWJt7WOFjnwA0Sn1jViIz/2banyOpmjNRzTzVDzSozRmiOFqfRNpc3CXE0KPMqshLAMHQxsm1gfQMcehqj9NdOPa3F5ZC5u7bwAbqzaF9yNCx+fMLhkcA7TwoOWcZ4Feq5rSv8ASkmaJzlZYWLRSIQsiZ4Zc+asOCpyD9wCJuNYofQfXN7Pe/DajGUjkgke0lktJbSS6MbKWO1iRnY2SAB2NelVxepNK8ZYZE/xrSeO5ix3bacSRfzIWX7kV1o5QwBUgjyIORVRkopZpZoHVZ690KC5tHeaCWWWEZgNov8A92NywAMLDkc4J9gTg4qy5ozQebfpx1PffFvZ6ruVxbJLa+PGqzzKGIcsynDED88Enzr0qq51ZpJdrW5iUmaynWXC53vAflmRcdzsJIHngjzqwJICMggj1FCJ0Us0ZoQ80UqVUjTAqQqGahLNtGT9I5Y+g8zWXRnFMVjDVLNSCeaeahmnmkEw1PdWPNOiMGpaZFdRmO4jSSM/tcZwfUHup9xg15raXlhpurm2vpBIY13afPdyLKLON0JktnkdvlOfpJB4bGRmvUs1zB01a+JPJ8PAZLnHjs0SOZcADDbgeOAcdiee/NXiaimhWk0kV1Csfi4BSe2YIZE/0s8fEiH0ORXZzVd6U6f/AOH/ABUMfFqbgz2q5z4SyoDJCB5KsgYj2eu/mhE81gvLsRhCf3yxRj7u4X/xk/isuaqPU3V1tFf6fayMxkafxCsSNIVYRMIlYDnlnBwAT8o45oLhmjNadtes/aKRR5GXw0z77QxYfkCtrNBPNAqNFBLNGajmnmglmuL1TqPgwr/GeDe6p4qRxyFMnH7wVHJHJBrsZqsfqFewjT7pZWj3FAFUsN+4kEYXv2yfxSXh51Vv/nJ0nU/hru8kvILjwFRm+GElpK7c+LtCjZgg+wI4q7a1rfg3GnLkbLiaRCRzn+CQn43un9qquhXmnajpTYijncWzRuksMXxkzRJgFQCXOWX5SD5e1cXXrmLSrPRY533SWBSW4SMq8iEujlAMgcHIAz2Wmd5ibz1686hgQRkEYI9QfKvLrvVbHStXtzbylIrjdBPFA++FZ2bapYZwuD3xyMfevSNN1AXEMcqB1WRFcLKhjkUMMgMp7HBrkzdC2J8cm0t2afcZGeMSOxI5wzZI5GeMc89zmnPTqwK2RxyD6cg081WP080B7CwSGXORJO6qW3GONpCUT8Ljj3NWXNMXcSzSJpUZoh1XeoNEuMtNp04huO7xygSWdzgf5i90bAA3rg4GDnAIsOawXsavFIshxGyOrknaAhU7iT5DGaKpWh/qrGZUttQjaC9MghxEDPbyNx86OuSq85Oe3qavoNfP1ja2dupubKVGutO1JioMjCWSzyAq7WbDqRkZUdnOa9+V8gEdjyPcHtRGSlSzRRWiox2qVQBp5qtKhL1TFpd/HZzSDwbrDW3zDNm7EgwyZPEROCh/bkj6cEXPNc+40aCR5Hkhhd5Y/BkZ40dni/5ZJH089qx6TZtar4W5nhX/AAGdi0kaf8l2PLAftbvjAPbJg3p79I4zJK6RoO7SOqKOccknFcqLryweRY1vLUyMQqqJlO5jwAD2zUU1hYb9rWRwGuE+ItV/cQAwmj9sFN4z3Dn0qHWWhG9s5IUS2eRsbTdKxSPnl1KgkOB2plFjzTzXn36Y/EWr3tjeyPLLA6TROZJJIzA6KAqF+QAR29/Y1fs0RJs4OO+OOMj+lcLUOr0s3Avo5YUYhVuAplsyT23SLzEfZwPuRzXczXK6ot5pLOdLQRNMygKs4UxuMjch3AjkZxnjOO1IOvHIGUMpBVgCrKQVYHkEEcEVLNea/pXoE2n3Wo29w4ZlW1eMRNJ8OEYOW2K3bBK84FekZoYlmuLBp8MV+7GGHxp0aWOfwl8YldqTRGTGexQgZ7Mw7LXYzVc6ztLyQWZ00wrLHdB5GnwVWExujcH6gQxyBz2x6hBZc081y0trndlriHH+lbIqPwTMTXQTOOSCfYbf7ZNBkzRmo5ozQSDd/bv7U81p32nrOuGLqfJ4ZHhlX7OpB/Hb1FedzdU6lYXSCdXfTDcrEbq+gRJkjY7QzNCw+XIPzMnbBPfFB6hmq51L0Fa6jNDLcKxeLaMBtqSxhtxjkA+oH78eXnmwg06Cr6x+m1lcKpjhjt54yrRTWqLBLGy/ScoBnt50h+mOnsjCa2ikkkDeJI+8yM7fU6sWJUk85GOefM1aaKTtFF0HTLrRZhEWkudJc7YmOZJ7A+QcDkxeRIyF4PyjIN7BoooMN3fJCFMjBQ8iRKT23u21Fz5ZOB+az1Qf1X1ho7V7cosnxiFYFQzC4EkbIxZQEZWwcH6lPfGcV2OkeuYL9AqmSO4Q+HJFcIUmDqMHn6WJwTwc98gURZqKMU8UCrHcW6yIySKrI6lXV1DKykYKsDwR7VlooK7qnQVncJChghRYZFdfBijiOOd0eVA+VsnP3rt2FsY4o0ZixRQm492CjALf7sAZ96z5ozQGKKN1FBzs1zLHVx8RJbS8TIoljJ7T25OBIp/1KflYeR57Gt4PVU630y7uJLU6eIkmh8R1uZJlUxFhtaLZsYsrLyeCOMceeoq4hqearvTvUDS/wLpGivoo1MqOF2zAAAzwMvyyIT6fTnBA4rueJSDk6h0ZazztcSK/xJCBJlmlWWAoAFMPO1O3pzznOTXTs2dVVZiHcceIi7Fk/wBxX9jeoHHp6Vl3U81IOZpNkwub2dxgyyRxRZ7+BCgAb+ZzIfsBXXLVjzRmqlZA9S31hp1FrRt7UJe3Ev8AzYLZfyjyhv7GOuoJKw0A1YlbG6jNYd1LdUi1sZozWNWp76DJmnWPdUgaCVYru0SaN45VDxyKUdW5DKe4NZM0ZoNHQ7FreJYWYusQ2QufraEfQr/7lGFz57QfMgdGo5ozUgnRUM0ZqjJmjNY80ZoOD1P1dbWqyRzTyQuyECSKCSUwkjhshGUEe9VDofo+CbUJ73e93BGoW2mnAy87YaWUcDJByAccZ8zzV36rgeSyuUhR3kkjKIsbpGzFiFPzP8oGCSc+QNeY9OdWahpdvKs1vHLbQXqWYQTKs1sXc/KNqkSAs3B3HkehqdypuZcez7q1YdQ3zzRj/JSAk/7pN5x+FVT/ADVknYhX2/UFbbnkFsHHmPP3H3qmdPafqytdzTvYq9zMHEDrNIsSovhjbJGRwyqvcNwB2JIoq87qN1a1o0hUeMI1fz8J3dPwWVT/AGrLmgyZozWPNGaonmioZooOUGp7qgBUgtbEZbdX27gCVbch/cjYxuU+Rxx/asiLjzJ9zS9Pc4FSxQSqVRArR1mzmlixbS+DKCGRiodGI/a4/wBJ9qm6OiDSEo3bfPbu/GcVx+k9Zku7bfMgSZJZYJVU5QyREBivtz/5rD1RqJs3trgg+ErtBc/7YpMESfysmfz71nUWGnUR/wC47VIUBSxTp1SFWOXdzt2njgMSoJ/6gDj+hrLijFCOPZ9TI91JayK8VxGsbEMN0MgcEr4Uo4Y4B4IU8Hjg47FKSIMCG5B7j85H96aIQOTn38z96AzSkBKkAlSRgMoUlfcbgR/UGphae2goXX8ktlCkkWo3qTl/4UTiKWKfbguhSOJcDBzmuv8Ap91o2q20krxLEY5WhIWXfuKqpJKkBk+rgHP3q0DjscfnFVTofSwHvbtRtW9nZoRyMwK7bJcf78lh7Y9anBbN1G6liihRurU1a/NvBLLgkRASOAMnw1YGQgeoTeR9q26jLja2/G3B3bsbduOd3tjNNDhnV1VkIZGAZWU5VlIyGB9KyZry3prqqLTrxrMS+NZTSg2bxHxvDMpX+Ecd1yRkjgEsfPj1CoU3bAOBk4OBkAk47ZNebWegat409w0dhtkmFwtlcSswWcYKzCSNSA4xgZJHnwcY9IozVHK6Z6g+MhJkjaC4icxXEEhy0MgGcA/uUgghvMGuncMwVvDCs+PlDsUVj6FgDj74P2oCAEkAZOMnAycdsnzp5qNKrefqPFaypHqEF1aFztWSVI5LUn1E0bEY/Ax54q0Q3KyKGRldTggoyspHfgjiqf1p0XcahKoS58O1ZQJoijSZdclXCl9pJOB2GO/Ncn9FNPWC2u1x/GW5IkYbgHUoCny5wMfN5edEXbUNXe3BLwTyIOS9qqTED1aIsH/7Q1LSOqLW8A+HnicnPybwkykdw0TYdSPcVtalamaGSNZJImddokiwJY8/uQngH3rzkdCx6XqunXCtLMs8j20huPDZ45ZB8kiMqrg5P3xuoPUM0VEGirBohalinRirVa2pWzSROsTbZcbomPZZFO5M+2QAfYmsGgawLuBZAuxwzRzRk5MM6HDxn7HkexFdEivOtBsL2w1JJ9QdDHqO+B1t2Pgw3JKmJnXAXL7GAYD93PnUR6MBTx/6e1MU6Cm9OdAPCbpr25lma6cO0cEtzawK2DuOEcFiSx9BgDj01+q7b4C38CCG9uo7zdBsM81ytu/Gxl3hiMk8AsB8v3q9U6T5Pp5/+m2t3KyTWep7o541RrSOVEUm3VSCFkXiQgYyOSAPPnHoNcnqDp1LxUyWjmiYSQTR/wCJDIDkMPUZHat2xlkKgTqBIOGKcxuR+9fMA+h7duaeDZp4pVKgKdFFQFOlUTKAQCRuIJAJGTjuQKKnmnSoqjFdXSxgGQ4Vnjjye26R1jUH7swH5rMK5vUWn/EWdzEM7nibZg4IkX50IPl8yrWh0N1C1/ZJJJxMjNDN5ZkT9/tuUq33JqIsNGajTzQh1CWIOrK4DKwKsrAFWU9wQe4p0UI81666XS1jtzpNkRdQu9yssEabYgmXxKxOSM4Kr/sIA7Crb0vrk9zb27zwgeLDG5kgljeJmK/N8hIdOc8YYDHc13c1rWNgsAZY+ELs4UfShY7mC+gJJOPLJosbSt9/zRmlRQh5pZooqh5qu9HaWbcXwYEFr6crxjdHtQxsPbDf+asNFQFaOsad48aD98U0FxHnyeKQNj8jcv8ANW9RVBSp0UGrTqOaM1BMVranpy3MTxyZ2tjBH1IykMsi+jBgCPtWfNGaAg3bRvxvx8xX6WPmw9M98VkqGae6qJ5ozUN1Y57gRqWIYhRk7EeRvwqAk/gUGxmjNcKw6ztJ5hDHMvjnOInSWGU4GThZFUnsf6V2s0oyA0wax5p5oieaeax5p5oqear/AFvp/iWjyRsUntf48Lp9Ssv1D7Fc8V3c1yupNIlu4RFFOYFZv4xWJZHeLHKKSRtOcc8+mKTErc0a9M9tBISpaSKN32EFQ5QFgPsc1u5rzs9NXOixxtps8s1rHIHuLS4WFyyMQJJInVQVbzx6+vY+gI+QCPMA88d6K09bW5MWLJoUmLL89wGaNF/cdqgkn0rzROnbzRLuO7kZp7P5viksjImwtn+M8TcSAZJ8vuOM+pzXiocNkfysw/sDWK11WGYlYpYnYZ3Ksis6+u5O47+Y86n0k+We1u1ljSSJg0ciq6MvZlYZBFZc1padpaWwZYBtiZmcRj/DjZjlvDH7QTk7RxknAGTUdT1yG18P4iRYxI2xWfITd6Fuy/mn6roZpUgaKolmlmlRQPNFKjNA6KVFA6KVFA80UqdAUUs0UGpmnWuJKmJKQSlYjG0A885OMCslQDUwaQSzTzUc0FsUHPs9UJu7mB8ZRYZovLMLoAw+4kB/7xXSrzy760to9YRwzyrLbCANbr4oQ7wxdgDkoBkkgHt7VdNN12C53fDzRSFfqCMN6/8AUh+YfkUkTNqn/q503JdQJPEyL8JHO7lgd4XbuBQ+RyuP5wfKrjoEZS0tVYMGW3gVgzFmDCJQQWPJOanqVgtxH4b/AEF4mccYdUkWTYfYlQD7ZrazSKluqQatWW2Vjk5yPNWZT/Y1wtagvYpbd7FzJCGZrqGdkYtGMELC5XcHPzcFsZA7c1BZ8081himDKGXlWAYHtkEcVPNVE91PdWPNPNFSzTzWNuQe49x3HuKqFt1ILO+uLaa4muQLdbiNVtzPcQkM3iRsYl5G3YwyM89/ULpmq5ddMRpqEd+niG4aRYZS0hZPh3iMWxV7KA3ht+D612dO1KO4ijlhYNHIodGGRkH2PIPlg+lZ2AIwaCdcbrGMvp92qQmd3hdEiUAlmYbQQD6E7vX5a7GaM0RTtH6oubYWUGpWhjMsRRZbaQXCGSOPd4bRICyNsU8AtypxnysmmdQW90WFtNDKy/UqODIn/Un1L+RW28YbaSASp3LkA7WwRkehwT/WvLevulbq7kvbgNbobQgQskbrcMjRRvzKMHgN3JPO7AAqD1bNFcbpIAWFptaRgYIjmVzI+SgLZY8n5s1191VUs0VAtTzVRLNFRzRmglmjNRzSzQTzSzUc0ZqCWadY6dKOcKmKKK1ipClGmCTknPqeB9qKKoyZobkEHsRg+4oooNWw0uG3z8PFDFnv4MUcRPOedoGa2MhyGIBIzgkAsvrgnkUUVBOoxqRnJz6cYpUVKMtFOiiMNvCU3DPykkr6jPJH2rNRRUBTpUVQ6xpborM6qgdsb2CKHbHbcwGT286dFUEECxqFQBVBYgKMDJJYn+pJrJmlRWVJpQCB5ntU80UVAE1UrHoydIrlXv5zJdSyvIfCgkgw67NvhyKzY2gD5XXtxjFFFB1ulInSyt0lCB408JvDJKkoxQnkcHIPHP3rqmUZAzyRkDntSoqUieaM0UVUMn/31ri6T1VHcXE1vtkjuIAGdJAhyhOA6shKke3B9qKKmq7WaM0UVUGaM0UUCooooP/Z"/>
+          <p:cNvSpPr>
+            <a:spLocks noChangeAspect="1" noChangeArrowheads="1"/>
+          </p:cNvSpPr>
+          <p:nvPr/>
+        </p:nvSpPr>
+        <p:spPr bwMode="auto">
+          <a:xfrm>
+            <a:off x="155575" y="-830263"/>
+            <a:ext cx="2619375" cy="1743076"/>
+          </a:xfrm>
+          <a:prstGeom prst="rect">
+            <a:avLst/>
+          </a:prstGeom>
+          <a:noFill/>
+        </p:spPr>
+        <p:txBody>
+          <a:bodyPr vert="horz" wrap="square" lIns="91440" tIns="45720" rIns="91440" bIns="45720" numCol="1" anchor="t" anchorCtr="0" compatLnSpc="1">
+            <a:prstTxWarp prst="textNoShape">
+              <a:avLst/>
+            </a:prstTxWarp>
+          </a:bodyPr>
+          <a:lstStyle/>
+          <a:p>
+            <a:endParaRPr lang="en-IN"/>
+          </a:p>
+        </p:txBody>
+      </p:sp>
+      <p:sp>
+        <p:nvSpPr>
+          <p:cNvPr id="36872" name="AutoShape 8" descr="data:image/jpeg;base64,/9j/4AAQSkZJRgABAQAAAQABAAD/2wCEAAkGBhQPDw8UDxQQFBAQEA8QEBQPDw8PDw8QFBAVFBQQFBUXGyYeFxkkGRQUIC8gJScpLCwuFR8xNTAqNSYrLCkBCQoKDgwOFw8PGikcHBwpLCwsLCksLCwsLCksLCwpKSwpLCwpLCwsLCwsLCksLCwpLCwsLCwsLCkpLCwsLCwsKf/AABEIALcBEwMBIgACEQEDEQH/xAAcAAACAgMBAQAAAAAAAAAAAAAAAQIGAwQFBwj/xAA6EAACAQMDAgQFAgQEBgMAAAABAgMABBEFEiEGMRNBUWEUIjJxgQdCI4KRoTNDUmIVU3KSsfAWJOH/xAAXAQEBAQEAAAAAAAAAAAAAAAAAAQID/8QAGxEBAQEBAQADAAAAAAAAAAAAABEBITFBYXH/2gAMAwEAAhEDEQA/APZ6dRFOo6JU6jXC1fTb6WRjb3cUEageEnwizF2x/nO7cLnyUA4881NHfzTql9HfqfbagTHIVguRKYRHI/yzOAM+C5ADck/L9XbjmrpUQxTpU6qGKYpVIUQUCiuUNaWO6W2m+VpVL2zEYSYD64ge3iL3x5qQR54DrUUUVUFFaF/rEdtg3B8OMnHitxCp8g79o/u2AfXPFbqSBgCCCCAQQcgg9iD6UolRRRVBRRRQFFFLNA6KKKAooooCiiigKKKKAooooOHqnWdtaSiO5Z4skAO8MogJPl4mNv8Aeu0jhgCCCCAQQcgg9iDVe/UG+ii0648dS6yIYlRVLM0jghcAenLZ9FNV79OOvw8NtbX6NbXRAS2SSGeNbmBUAjkRnGCxAORny4rPnq++PRKKKK0jUFOlTqOh1IVEU6mjjdQdNpNYXFvCkaEpI8GxVQR3PLxyrjs3iYOe9dqInaN3DYG72OOR/WnTqIKdKnVRKjNKmKIdVP8AU4L/AMOc7JXmV4ja/DqzTpc7v4bpjkY5z7Va6dBT/wBPepbieN7fU1MWowfNIjKqeJCx+SZNvykc7TjsR5ZFXGubqeirM8UgOyeBi0UijkAjDRsP3Iw4K/kYIBrfjYkcjB8//wAoCWIMpDAFWBDBgCGB4IIPcV5Zp0d5YaxGsMUtvosl01sI3dHjMjxPtkiQkvEjOq4AwBnGOa9WrQ1ux8aEqMblaOWP2kicSL/dcfmmmN+ikpyPvTrSCioyE4O3GccZJAz74qj9Q9Z3umsjXVrBJavIEMlvM4ZMngsrrj+9Z3YuZV6rkdS6h8LHHOfoimi8X2hkbwmb+Xerfy11UfIB9QDVc/UTVFt9NuTJE8qPG0RWMAld6kByO+Acdskd+2SLvUWWivO+kOs7m2tYxrcFxDk/w7gQB4BDtUIs3hlmifg5LADkZIq/21ysqK8bK6MMqyMHRh6gjgilGWiiiqCiiigKKKKArDd2/iIy7nXI+qM7WH2NZqKm9FFXWp9N1BIL65R7KeJ3inuPDheJ0/y2cYVs+/qK7fU2gfGmyK7c295Dchs9lTJYD78D81yuq/00TVbjfeXE/gooWKCERxqnHzMWIJYlufLsBzip9Erc29xe2t1M9xHB4D20siqJDG6kFG2gA4Kj+tY3MzjeberhRTorow1KdQBpg1l0TzRmo06miWaeajRmgnmmDUM080SJ081DNPNCJZp1HNMGiRLNFKiqh06VAaqgAp0s06Aqm9f6Je3vhw2jQLbvgXBnCsQd+VdBjccY5GV7jHni5UUHmPQE9zpd7/wq6xMHWW6guEeQnwxgbXRs7RkYAB4985r0HWGkW3mNuAZljZo1P73UZCfnGPzUI9EjF3Jc8mZ4lgBPZIlO7ao925J9h6V0DWcxd1ztC1yK+gWWBsq3BB4eN8AmN1/awz2+x7EVtQ2SIWKKqljltihdx9TjufevJ+sdYj0XUnurN8M/F/auHSOdSNyyxtjbuye/kSfImvSOk+oBqFlBchDGJ1LBGYMVwxXuO/ar+jr0UUVUFFFFAUUVpWmsRSu0auvjJ9cTELMnuyHnHoex7gmlG7RRRQFQWEBiwA3NjJxycds1OigKKKKo0RRmoinWHVLNPNRxUsUDzTFICpYrIBToAp4qgFY4bpXaRVYFomCyAHlGKhgCPLIIP5rIzAYyQMnAyQCT6D1qra3qttY6paPNMkL3cE0DhztWQRsrwu57LtJkUEkfXiiLXTrT03WYLoMbaaCYKcMYJo5Qp9DtJxW7VZFOijNUFal1pUcmSwOT5pJJG39UYGtvNPNEeN61f6pa3E0tkb8aVbzp4zXLQ3MjRpIBK8Hi5laPGccngZz6ewW06yIjoQyuqsrL9LKRkMPYg0TRK6srAFWUqwPIZSMEH8VodOWJt7WOFjnwA0Sn1jViIz/2banyOpmjNRzTzVDzSozRmiOFqfRNpc3CXE0KPMqshLAMHQxsm1gfQMcehqj9NdOPa3F5ZC5u7bwAbqzaF9yNCx+fMLhkcA7TwoOWcZ4Feq5rSv8ASkmaJzlZYWLRSIQsiZ4Zc+asOCpyD9wCJuNYofQfXN7Pe/DajGUjkgke0lktJbSS6MbKWO1iRnY2SAB2NelVxepNK8ZYZE/xrSeO5ix3bacSRfzIWX7kV1o5QwBUgjyIORVRkopZpZoHVZ690KC5tHeaCWWWEZgNov8A92NywAMLDkc4J9gTg4qy5ozQebfpx1PffFvZ6ruVxbJLa+PGqzzKGIcsynDED88Enzr0qq51ZpJdrW5iUmaynWXC53vAflmRcdzsJIHngjzqwJICMggj1FCJ0Us0ZoQ80UqVUjTAqQqGahLNtGT9I5Y+g8zWXRnFMVjDVLNSCeaeahmnmkEw1PdWPNOiMGpaZFdRmO4jSSM/tcZwfUHup9xg15raXlhpurm2vpBIY13afPdyLKLON0JktnkdvlOfpJB4bGRmvUs1zB01a+JPJ8PAZLnHjs0SOZcADDbgeOAcdiee/NXiaimhWk0kV1Csfi4BSe2YIZE/0s8fEiH0ORXZzVd6U6f/AOH/ABUMfFqbgz2q5z4SyoDJCB5KsgYj2eu/mhE81gvLsRhCf3yxRj7u4X/xk/isuaqPU3V1tFf6fayMxkafxCsSNIVYRMIlYDnlnBwAT8o45oLhmjNadtes/aKRR5GXw0z77QxYfkCtrNBPNAqNFBLNGajmnmglmuL1TqPgwr/GeDe6p4qRxyFMnH7wVHJHJBrsZqsfqFewjT7pZWj3FAFUsN+4kEYXv2yfxSXh51Vv/nJ0nU/hru8kvILjwFRm+GElpK7c+LtCjZgg+wI4q7a1rfg3GnLkbLiaRCRzn+CQn43un9qquhXmnajpTYijncWzRuksMXxkzRJgFQCXOWX5SD5e1cXXrmLSrPRY533SWBSW4SMq8iEujlAMgcHIAz2Wmd5ibz1686hgQRkEYI9QfKvLrvVbHStXtzbylIrjdBPFA++FZ2bapYZwuD3xyMfevSNN1AXEMcqB1WRFcLKhjkUMMgMp7HBrkzdC2J8cm0t2afcZGeMSOxI5wzZI5GeMc89zmnPTqwK2RxyD6cg081WP080B7CwSGXORJO6qW3GONpCUT8Ljj3NWXNMXcSzSJpUZoh1XeoNEuMtNp04huO7xygSWdzgf5i90bAA3rg4GDnAIsOawXsavFIshxGyOrknaAhU7iT5DGaKpWh/qrGZUttQjaC9MghxEDPbyNx86OuSq85Oe3qavoNfP1ja2dupubKVGutO1JioMjCWSzyAq7WbDqRkZUdnOa9+V8gEdjyPcHtRGSlSzRRWiox2qVQBp5qtKhL1TFpd/HZzSDwbrDW3zDNm7EgwyZPEROCh/bkj6cEXPNc+40aCR5Hkhhd5Y/BkZ40dni/5ZJH089qx6TZtar4W5nhX/AAGdi0kaf8l2PLAftbvjAPbJg3p79I4zJK6RoO7SOqKOccknFcqLryweRY1vLUyMQqqJlO5jwAD2zUU1hYb9rWRwGuE+ItV/cQAwmj9sFN4z3Dn0qHWWhG9s5IUS2eRsbTdKxSPnl1KgkOB2plFjzTzXn36Y/EWr3tjeyPLLA6TROZJJIzA6KAqF+QAR29/Y1fs0RJs4OO+OOMj+lcLUOr0s3Avo5YUYhVuAplsyT23SLzEfZwPuRzXczXK6ot5pLOdLQRNMygKs4UxuMjch3AjkZxnjOO1IOvHIGUMpBVgCrKQVYHkEEcEVLNea/pXoE2n3Wo29w4ZlW1eMRNJ8OEYOW2K3bBK84FekZoYlmuLBp8MV+7GGHxp0aWOfwl8YldqTRGTGexQgZ7Mw7LXYzVc6ztLyQWZ00wrLHdB5GnwVWExujcH6gQxyBz2x6hBZc081y0trndlriHH+lbIqPwTMTXQTOOSCfYbf7ZNBkzRmo5ozQSDd/bv7U81p32nrOuGLqfJ4ZHhlX7OpB/Hb1FedzdU6lYXSCdXfTDcrEbq+gRJkjY7QzNCw+XIPzMnbBPfFB6hmq51L0Fa6jNDLcKxeLaMBtqSxhtxjkA+oH78eXnmwg06Cr6x+m1lcKpjhjt54yrRTWqLBLGy/ScoBnt50h+mOnsjCa2ikkkDeJI+8yM7fU6sWJUk85GOefM1aaKTtFF0HTLrRZhEWkudJc7YmOZJ7A+QcDkxeRIyF4PyjIN7BoooMN3fJCFMjBQ8iRKT23u21Fz5ZOB+az1Qf1X1ho7V7cosnxiFYFQzC4EkbIxZQEZWwcH6lPfGcV2OkeuYL9AqmSO4Q+HJFcIUmDqMHn6WJwTwc98gURZqKMU8UCrHcW6yIySKrI6lXV1DKykYKsDwR7VlooK7qnQVncJChghRYZFdfBijiOOd0eVA+VsnP3rt2FsY4o0ZixRQm492CjALf7sAZ96z5ozQGKKN1FBzs1zLHVx8RJbS8TIoljJ7T25OBIp/1KflYeR57Gt4PVU630y7uJLU6eIkmh8R1uZJlUxFhtaLZsYsrLyeCOMceeoq4hqearvTvUDS/wLpGivoo1MqOF2zAAAzwMvyyIT6fTnBA4rueJSDk6h0ZazztcSK/xJCBJlmlWWAoAFMPO1O3pzznOTXTs2dVVZiHcceIi7Fk/wBxX9jeoHHp6Vl3U81IOZpNkwub2dxgyyRxRZ7+BCgAb+ZzIfsBXXLVjzRmqlZA9S31hp1FrRt7UJe3Ev8AzYLZfyjyhv7GOuoJKw0A1YlbG6jNYd1LdUi1sZozWNWp76DJmnWPdUgaCVYru0SaN45VDxyKUdW5DKe4NZM0ZoNHQ7FreJYWYusQ2QufraEfQr/7lGFz57QfMgdGo5ozUgnRUM0ZqjJmjNY80ZoOD1P1dbWqyRzTyQuyECSKCSUwkjhshGUEe9VDofo+CbUJ73e93BGoW2mnAy87YaWUcDJByAccZ8zzV36rgeSyuUhR3kkjKIsbpGzFiFPzP8oGCSc+QNeY9OdWahpdvKs1vHLbQXqWYQTKs1sXc/KNqkSAs3B3HkehqdypuZcez7q1YdQ3zzRj/JSAk/7pN5x+FVT/ADVknYhX2/UFbbnkFsHHmPP3H3qmdPafqytdzTvYq9zMHEDrNIsSovhjbJGRwyqvcNwB2JIoq87qN1a1o0hUeMI1fz8J3dPwWVT/AGrLmgyZozWPNGaonmioZooOUGp7qgBUgtbEZbdX27gCVbch/cjYxuU+Rxx/asiLjzJ9zS9Pc4FSxQSqVRArR1mzmlixbS+DKCGRiodGI/a4/wBJ9qm6OiDSEo3bfPbu/GcVx+k9Zku7bfMgSZJZYJVU5QyREBivtz/5rD1RqJs3trgg+ErtBc/7YpMESfysmfz71nUWGnUR/wC47VIUBSxTp1SFWOXdzt2njgMSoJ/6gDj+hrLijFCOPZ9TI91JayK8VxGsbEMN0MgcEr4Uo4Y4B4IU8Hjg47FKSIMCG5B7j85H96aIQOTn38z96AzSkBKkAlSRgMoUlfcbgR/UGphae2goXX8ktlCkkWo3qTl/4UTiKWKfbguhSOJcDBzmuv8Ap91o2q20krxLEY5WhIWXfuKqpJKkBk+rgHP3q0DjscfnFVTofSwHvbtRtW9nZoRyMwK7bJcf78lh7Y9anBbN1G6liihRurU1a/NvBLLgkRASOAMnw1YGQgeoTeR9q26jLja2/G3B3bsbduOd3tjNNDhnV1VkIZGAZWU5VlIyGB9KyZry3prqqLTrxrMS+NZTSg2bxHxvDMpX+Ecd1yRkjgEsfPj1CoU3bAOBk4OBkAk47ZNebWegat409w0dhtkmFwtlcSswWcYKzCSNSA4xgZJHnwcY9IozVHK6Z6g+MhJkjaC4icxXEEhy0MgGcA/uUgghvMGuncMwVvDCs+PlDsUVj6FgDj74P2oCAEkAZOMnAycdsnzp5qNKrefqPFaypHqEF1aFztWSVI5LUn1E0bEY/Ax54q0Q3KyKGRldTggoyspHfgjiqf1p0XcahKoS58O1ZQJoijSZdclXCl9pJOB2GO/Ncn9FNPWC2u1x/GW5IkYbgHUoCny5wMfN5edEXbUNXe3BLwTyIOS9qqTED1aIsH/7Q1LSOqLW8A+HnicnPybwkykdw0TYdSPcVtalamaGSNZJImddokiwJY8/uQngH3rzkdCx6XqunXCtLMs8j20huPDZ45ZB8kiMqrg5P3xuoPUM0VEGirBohalinRirVa2pWzSROsTbZcbomPZZFO5M+2QAfYmsGgawLuBZAuxwzRzRk5MM6HDxn7HkexFdEivOtBsL2w1JJ9QdDHqO+B1t2Pgw3JKmJnXAXL7GAYD93PnUR6MBTx/6e1MU6Cm9OdAPCbpr25lma6cO0cEtzawK2DuOEcFiSx9BgDj01+q7b4C38CCG9uo7zdBsM81ytu/Gxl3hiMk8AsB8v3q9U6T5Pp5/+m2t3KyTWep7o541RrSOVEUm3VSCFkXiQgYyOSAPPnHoNcnqDp1LxUyWjmiYSQTR/wCJDIDkMPUZHat2xlkKgTqBIOGKcxuR+9fMA+h7duaeDZp4pVKgKdFFQFOlUTKAQCRuIJAJGTjuQKKnmnSoqjFdXSxgGQ4Vnjjye26R1jUH7swH5rMK5vUWn/EWdzEM7nibZg4IkX50IPl8yrWh0N1C1/ZJJJxMjNDN5ZkT9/tuUq33JqIsNGajTzQh1CWIOrK4DKwKsrAFWU9wQe4p0UI81666XS1jtzpNkRdQu9yssEabYgmXxKxOSM4Kr/sIA7Crb0vrk9zb27zwgeLDG5kgljeJmK/N8hIdOc8YYDHc13c1rWNgsAZY+ELs4UfShY7mC+gJJOPLJosbSt9/zRmlRQh5pZooqh5qu9HaWbcXwYEFr6crxjdHtQxsPbDf+asNFQFaOsad48aD98U0FxHnyeKQNj8jcv8ANW9RVBSp0UGrTqOaM1BMVranpy3MTxyZ2tjBH1IykMsi+jBgCPtWfNGaAg3bRvxvx8xX6WPmw9M98VkqGae6qJ5ozUN1Y57gRqWIYhRk7EeRvwqAk/gUGxmjNcKw6ztJ5hDHMvjnOInSWGU4GThZFUnsf6V2s0oyA0wax5p5oieaeax5p5oqear/AFvp/iWjyRsUntf48Lp9Ssv1D7Fc8V3c1yupNIlu4RFFOYFZv4xWJZHeLHKKSRtOcc8+mKTErc0a9M9tBISpaSKN32EFQ5QFgPsc1u5rzs9NXOixxtps8s1rHIHuLS4WFyyMQJJInVQVbzx6+vY+gI+QCPMA88d6K09bW5MWLJoUmLL89wGaNF/cdqgkn0rzROnbzRLuO7kZp7P5viksjImwtn+M8TcSAZJ8vuOM+pzXiocNkfysw/sDWK11WGYlYpYnYZ3Ksis6+u5O47+Y86n0k+We1u1ljSSJg0ciq6MvZlYZBFZc1padpaWwZYBtiZmcRj/DjZjlvDH7QTk7RxknAGTUdT1yG18P4iRYxI2xWfITd6Fuy/mn6roZpUgaKolmlmlRQPNFKjNA6KVFA6KVFA80UqdAUUs0UGpmnWuJKmJKQSlYjG0A885OMCslQDUwaQSzTzUc0FsUHPs9UJu7mB8ZRYZovLMLoAw+4kB/7xXSrzy760to9YRwzyrLbCANbr4oQ7wxdgDkoBkkgHt7VdNN12C53fDzRSFfqCMN6/8AUh+YfkUkTNqn/q503JdQJPEyL8JHO7lgd4XbuBQ+RyuP5wfKrjoEZS0tVYMGW3gVgzFmDCJQQWPJOanqVgtxH4b/AEF4mccYdUkWTYfYlQD7ZrazSKluqQatWW2Vjk5yPNWZT/Y1wtagvYpbd7FzJCGZrqGdkYtGMELC5XcHPzcFsZA7c1BZ8081himDKGXlWAYHtkEcVPNVE91PdWPNPNFSzTzWNuQe49x3HuKqFt1ILO+uLaa4muQLdbiNVtzPcQkM3iRsYl5G3YwyM89/ULpmq5ddMRpqEd+niG4aRYZS0hZPh3iMWxV7KA3ht+D612dO1KO4ijlhYNHIodGGRkH2PIPlg+lZ2AIwaCdcbrGMvp92qQmd3hdEiUAlmYbQQD6E7vX5a7GaM0RTtH6oubYWUGpWhjMsRRZbaQXCGSOPd4bRICyNsU8AtypxnysmmdQW90WFtNDKy/UqODIn/Un1L+RW28YbaSASp3LkA7WwRkehwT/WvLevulbq7kvbgNbobQgQskbrcMjRRvzKMHgN3JPO7AAqD1bNFcbpIAWFptaRgYIjmVzI+SgLZY8n5s1191VUs0VAtTzVRLNFRzRmglmjNRzSzQTzSzUc0ZqCWadY6dKOcKmKKK1ipClGmCTknPqeB9qKKoyZobkEHsRg+4oooNWw0uG3z8PFDFnv4MUcRPOedoGa2MhyGIBIzgkAsvrgnkUUVBOoxqRnJz6cYpUVKMtFOiiMNvCU3DPykkr6jPJH2rNRRUBTpUVQ6xpborM6qgdsb2CKHbHbcwGT286dFUEECxqFQBVBYgKMDJJYn+pJrJmlRWVJpQCB5ntU80UVAE1UrHoydIrlXv5zJdSyvIfCgkgw67NvhyKzY2gD5XXtxjFFFB1ulInSyt0lCB408JvDJKkoxQnkcHIPHP3rqmUZAzyRkDntSoqUieaM0UVUMn/31ri6T1VHcXE1vtkjuIAGdJAhyhOA6shKke3B9qKKmq7WaM0UVUGaM0UUCooooP/Z"/>
+          <p:cNvSpPr>
+            <a:spLocks noChangeAspect="1" noChangeArrowheads="1"/>
+          </p:cNvSpPr>
+          <p:nvPr/>
+        </p:nvSpPr>
+        <p:spPr bwMode="auto">
+          <a:xfrm>
+            <a:off x="155575" y="-830263"/>
+            <a:ext cx="2619375" cy="1743076"/>
+          </a:xfrm>
+          <a:prstGeom prst="rect">
+            <a:avLst/>
+          </a:prstGeom>
+          <a:noFill/>
+        </p:spPr>
+        <p:txBody>
+          <a:bodyPr vert="horz" wrap="square" lIns="91440" tIns="45720" rIns="91440" bIns="45720" numCol="1" anchor="t" anchorCtr="0" compatLnSpc="1">
+            <a:prstTxWarp prst="textNoShape">
+              <a:avLst/>
+            </a:prstTxWarp>
+          </a:bodyPr>
+          <a:lstStyle/>
+          <a:p>
+            <a:endParaRPr lang="en-IN"/>
+          </a:p>
+        </p:txBody>
+      </p:sp>
+      <p:sp>
+        <p:nvSpPr>
+          <p:cNvPr id="36874" name="AutoShape 10" descr="data:image/jpeg;base64,/9j/4AAQSkZJRgABAQAAAQABAAD/2wCEAAkGBhQPDw8UDxQQFBAQEA8QEBQPDw8PDw8QFBAVFBQQFBUXGyYeFxkkGRQUIC8gJScpLCwuFR8xNTAqNSYrLCkBCQoKDgwOFw8PGikcHBwpLCwsLCksLCwsLCksLCwpKSwpLCwpLCwsLCwsLCksLCwpLCwsLCwsLCkpLCwsLCwsKf/AABEIALcBEwMBIgACEQEDEQH/xAAcAAACAgMBAQAAAAAAAAAAAAAAAQIGAwQFBwj/xAA6EAACAQMDAgQFAgQEBgMAAAABAgMABBEFEiEGMRNBUWEUIjJxgQdCI4KRoTNDUmIVU3KSsfAWJOH/xAAXAQEBAQEAAAAAAAAAAAAAAAAAAQID/8QAGxEBAQEBAQADAAAAAAAAAAAAABEBITFBYXH/2gAMAwEAAhEDEQA/APZ6dRFOo6JU6jXC1fTb6WRjb3cUEageEnwizF2x/nO7cLnyUA4881NHfzTql9HfqfbagTHIVguRKYRHI/yzOAM+C5ADck/L9XbjmrpUQxTpU6qGKYpVIUQUCiuUNaWO6W2m+VpVL2zEYSYD64ge3iL3x5qQR54DrUUUVUFFaF/rEdtg3B8OMnHitxCp8g79o/u2AfXPFbqSBgCCCCAQQcgg9iD6UolRRRVBRRRQFFFLNA6KKKAooooCiiigKKKKAooooOHqnWdtaSiO5Z4skAO8MogJPl4mNv8Aeu0jhgCCCCAQQcgg9iDVe/UG+ii0648dS6yIYlRVLM0jghcAenLZ9FNV79OOvw8NtbX6NbXRAS2SSGeNbmBUAjkRnGCxAORny4rPnq++PRKKKK0jUFOlTqOh1IVEU6mjjdQdNpNYXFvCkaEpI8GxVQR3PLxyrjs3iYOe9dqInaN3DYG72OOR/WnTqIKdKnVRKjNKmKIdVP8AU4L/AMOc7JXmV4ja/DqzTpc7v4bpjkY5z7Va6dBT/wBPepbieN7fU1MWowfNIjKqeJCx+SZNvykc7TjsR5ZFXGubqeirM8UgOyeBi0UijkAjDRsP3Iw4K/kYIBrfjYkcjB8//wAoCWIMpDAFWBDBgCGB4IIPcV5Zp0d5YaxGsMUtvosl01sI3dHjMjxPtkiQkvEjOq4AwBnGOa9WrQ1ux8aEqMblaOWP2kicSL/dcfmmmN+ikpyPvTrSCioyE4O3GccZJAz74qj9Q9Z3umsjXVrBJavIEMlvM4ZMngsrrj+9Z3YuZV6rkdS6h8LHHOfoimi8X2hkbwmb+Xerfy11UfIB9QDVc/UTVFt9NuTJE8qPG0RWMAld6kByO+Acdskd+2SLvUWWivO+kOs7m2tYxrcFxDk/w7gQB4BDtUIs3hlmifg5LADkZIq/21ysqK8bK6MMqyMHRh6gjgilGWiiiqCiiigKKKKArDd2/iIy7nXI+qM7WH2NZqKm9FFXWp9N1BIL65R7KeJ3inuPDheJ0/y2cYVs+/qK7fU2gfGmyK7c295Dchs9lTJYD78D81yuq/00TVbjfeXE/gooWKCERxqnHzMWIJYlufLsBzip9Erc29xe2t1M9xHB4D20siqJDG6kFG2gA4Kj+tY3MzjeberhRTorow1KdQBpg1l0TzRmo06miWaeajRmgnmmDUM080SJ081DNPNCJZp1HNMGiRLNFKiqh06VAaqgAp0s06Aqm9f6Je3vhw2jQLbvgXBnCsQd+VdBjccY5GV7jHni5UUHmPQE9zpd7/wq6xMHWW6guEeQnwxgbXRs7RkYAB4985r0HWGkW3mNuAZljZo1P73UZCfnGPzUI9EjF3Jc8mZ4lgBPZIlO7ao925J9h6V0DWcxd1ztC1yK+gWWBsq3BB4eN8AmN1/awz2+x7EVtQ2SIWKKqljltihdx9TjufevJ+sdYj0XUnurN8M/F/auHSOdSNyyxtjbuye/kSfImvSOk+oBqFlBchDGJ1LBGYMVwxXuO/ar+jr0UUVUFFFFAUUVpWmsRSu0auvjJ9cTELMnuyHnHoex7gmlG7RRRQFQWEBiwA3NjJxycds1OigKKKKo0RRmoinWHVLNPNRxUsUDzTFICpYrIBToAp4qgFY4bpXaRVYFomCyAHlGKhgCPLIIP5rIzAYyQMnAyQCT6D1qra3qttY6paPNMkL3cE0DhztWQRsrwu57LtJkUEkfXiiLXTrT03WYLoMbaaCYKcMYJo5Qp9DtJxW7VZFOijNUFal1pUcmSwOT5pJJG39UYGtvNPNEeN61f6pa3E0tkb8aVbzp4zXLQ3MjRpIBK8Hi5laPGccngZz6ewW06yIjoQyuqsrL9LKRkMPYg0TRK6srAFWUqwPIZSMEH8VodOWJt7WOFjnwA0Sn1jViIz/2banyOpmjNRzTzVDzSozRmiOFqfRNpc3CXE0KPMqshLAMHQxsm1gfQMcehqj9NdOPa3F5ZC5u7bwAbqzaF9yNCx+fMLhkcA7TwoOWcZ4Feq5rSv8ASkmaJzlZYWLRSIQsiZ4Zc+asOCpyD9wCJuNYofQfXN7Pe/DajGUjkgke0lktJbSS6MbKWO1iRnY2SAB2NelVxepNK8ZYZE/xrSeO5ix3bacSRfzIWX7kV1o5QwBUgjyIORVRkopZpZoHVZ690KC5tHeaCWWWEZgNov8A92NywAMLDkc4J9gTg4qy5ozQebfpx1PffFvZ6ruVxbJLa+PGqzzKGIcsynDED88Enzr0qq51ZpJdrW5iUmaynWXC53vAflmRcdzsJIHngjzqwJICMggj1FCJ0Us0ZoQ80UqVUjTAqQqGahLNtGT9I5Y+g8zWXRnFMVjDVLNSCeaeahmnmkEw1PdWPNOiMGpaZFdRmO4jSSM/tcZwfUHup9xg15raXlhpurm2vpBIY13afPdyLKLON0JktnkdvlOfpJB4bGRmvUs1zB01a+JPJ8PAZLnHjs0SOZcADDbgeOAcdiee/NXiaimhWk0kV1Csfi4BSe2YIZE/0s8fEiH0ORXZzVd6U6f/AOH/ABUMfFqbgz2q5z4SyoDJCB5KsgYj2eu/mhE81gvLsRhCf3yxRj7u4X/xk/isuaqPU3V1tFf6fayMxkafxCsSNIVYRMIlYDnlnBwAT8o45oLhmjNadtes/aKRR5GXw0z77QxYfkCtrNBPNAqNFBLNGajmnmglmuL1TqPgwr/GeDe6p4qRxyFMnH7wVHJHJBrsZqsfqFewjT7pZWj3FAFUsN+4kEYXv2yfxSXh51Vv/nJ0nU/hru8kvILjwFRm+GElpK7c+LtCjZgg+wI4q7a1rfg3GnLkbLiaRCRzn+CQn43un9qquhXmnajpTYijncWzRuksMXxkzRJgFQCXOWX5SD5e1cXXrmLSrPRY533SWBSW4SMq8iEujlAMgcHIAz2Wmd5ibz1686hgQRkEYI9QfKvLrvVbHStXtzbylIrjdBPFA++FZ2bapYZwuD3xyMfevSNN1AXEMcqB1WRFcLKhjkUMMgMp7HBrkzdC2J8cm0t2afcZGeMSOxI5wzZI5GeMc89zmnPTqwK2RxyD6cg081WP080B7CwSGXORJO6qW3GONpCUT8Ljj3NWXNMXcSzSJpUZoh1XeoNEuMtNp04huO7xygSWdzgf5i90bAA3rg4GDnAIsOawXsavFIshxGyOrknaAhU7iT5DGaKpWh/qrGZUttQjaC9MghxEDPbyNx86OuSq85Oe3qavoNfP1ja2dupubKVGutO1JioMjCWSzyAq7WbDqRkZUdnOa9+V8gEdjyPcHtRGSlSzRRWiox2qVQBp5qtKhL1TFpd/HZzSDwbrDW3zDNm7EgwyZPEROCh/bkj6cEXPNc+40aCR5Hkhhd5Y/BkZ40dni/5ZJH089qx6TZtar4W5nhX/AAGdi0kaf8l2PLAftbvjAPbJg3p79I4zJK6RoO7SOqKOccknFcqLryweRY1vLUyMQqqJlO5jwAD2zUU1hYb9rWRwGuE+ItV/cQAwmj9sFN4z3Dn0qHWWhG9s5IUS2eRsbTdKxSPnl1KgkOB2plFjzTzXn36Y/EWr3tjeyPLLA6TROZJJIzA6KAqF+QAR29/Y1fs0RJs4OO+OOMj+lcLUOr0s3Avo5YUYhVuAplsyT23SLzEfZwPuRzXczXK6ot5pLOdLQRNMygKs4UxuMjch3AjkZxnjOO1IOvHIGUMpBVgCrKQVYHkEEcEVLNea/pXoE2n3Wo29w4ZlW1eMRNJ8OEYOW2K3bBK84FekZoYlmuLBp8MV+7GGHxp0aWOfwl8YldqTRGTGexQgZ7Mw7LXYzVc6ztLyQWZ00wrLHdB5GnwVWExujcH6gQxyBz2x6hBZc081y0trndlriHH+lbIqPwTMTXQTOOSCfYbf7ZNBkzRmo5ozQSDd/bv7U81p32nrOuGLqfJ4ZHhlX7OpB/Hb1FedzdU6lYXSCdXfTDcrEbq+gRJkjY7QzNCw+XIPzMnbBPfFB6hmq51L0Fa6jNDLcKxeLaMBtqSxhtxjkA+oH78eXnmwg06Cr6x+m1lcKpjhjt54yrRTWqLBLGy/ScoBnt50h+mOnsjCa2ikkkDeJI+8yM7fU6sWJUk85GOefM1aaKTtFF0HTLrRZhEWkudJc7YmOZJ7A+QcDkxeRIyF4PyjIN7BoooMN3fJCFMjBQ8iRKT23u21Fz5ZOB+az1Qf1X1ho7V7cosnxiFYFQzC4EkbIxZQEZWwcH6lPfGcV2OkeuYL9AqmSO4Q+HJFcIUmDqMHn6WJwTwc98gURZqKMU8UCrHcW6yIySKrI6lXV1DKykYKsDwR7VlooK7qnQVncJChghRYZFdfBijiOOd0eVA+VsnP3rt2FsY4o0ZixRQm492CjALf7sAZ96z5ozQGKKN1FBzs1zLHVx8RJbS8TIoljJ7T25OBIp/1KflYeR57Gt4PVU630y7uJLU6eIkmh8R1uZJlUxFhtaLZsYsrLyeCOMceeoq4hqearvTvUDS/wLpGivoo1MqOF2zAAAzwMvyyIT6fTnBA4rueJSDk6h0ZazztcSK/xJCBJlmlWWAoAFMPO1O3pzznOTXTs2dVVZiHcceIi7Fk/wBxX9jeoHHp6Vl3U81IOZpNkwub2dxgyyRxRZ7+BCgAb+ZzIfsBXXLVjzRmqlZA9S31hp1FrRt7UJe3Ev8AzYLZfyjyhv7GOuoJKw0A1YlbG6jNYd1LdUi1sZozWNWp76DJmnWPdUgaCVYru0SaN45VDxyKUdW5DKe4NZM0ZoNHQ7FreJYWYusQ2QufraEfQr/7lGFz57QfMgdGo5ozUgnRUM0ZqjJmjNY80ZoOD1P1dbWqyRzTyQuyECSKCSUwkjhshGUEe9VDofo+CbUJ73e93BGoW2mnAy87YaWUcDJByAccZ8zzV36rgeSyuUhR3kkjKIsbpGzFiFPzP8oGCSc+QNeY9OdWahpdvKs1vHLbQXqWYQTKs1sXc/KNqkSAs3B3HkehqdypuZcez7q1YdQ3zzRj/JSAk/7pN5x+FVT/ADVknYhX2/UFbbnkFsHHmPP3H3qmdPafqytdzTvYq9zMHEDrNIsSovhjbJGRwyqvcNwB2JIoq87qN1a1o0hUeMI1fz8J3dPwWVT/AGrLmgyZozWPNGaonmioZooOUGp7qgBUgtbEZbdX27gCVbch/cjYxuU+Rxx/asiLjzJ9zS9Pc4FSxQSqVRArR1mzmlixbS+DKCGRiodGI/a4/wBJ9qm6OiDSEo3bfPbu/GcVx+k9Zku7bfMgSZJZYJVU5QyREBivtz/5rD1RqJs3trgg+ErtBc/7YpMESfysmfz71nUWGnUR/wC47VIUBSxTp1SFWOXdzt2njgMSoJ/6gDj+hrLijFCOPZ9TI91JayK8VxGsbEMN0MgcEr4Uo4Y4B4IU8Hjg47FKSIMCG5B7j85H96aIQOTn38z96AzSkBKkAlSRgMoUlfcbgR/UGphae2goXX8ktlCkkWo3qTl/4UTiKWKfbguhSOJcDBzmuv8Ap91o2q20krxLEY5WhIWXfuKqpJKkBk+rgHP3q0DjscfnFVTofSwHvbtRtW9nZoRyMwK7bJcf78lh7Y9anBbN1G6liihRurU1a/NvBLLgkRASOAMnw1YGQgeoTeR9q26jLja2/G3B3bsbduOd3tjNNDhnV1VkIZGAZWU5VlIyGB9KyZry3prqqLTrxrMS+NZTSg2bxHxvDMpX+Ecd1yRkjgEsfPj1CoU3bAOBk4OBkAk47ZNebWegat409w0dhtkmFwtlcSswWcYKzCSNSA4xgZJHnwcY9IozVHK6Z6g+MhJkjaC4icxXEEhy0MgGcA/uUgghvMGuncMwVvDCs+PlDsUVj6FgDj74P2oCAEkAZOMnAycdsnzp5qNKrefqPFaypHqEF1aFztWSVI5LUn1E0bEY/Ax54q0Q3KyKGRldTggoyspHfgjiqf1p0XcahKoS58O1ZQJoijSZdclXCl9pJOB2GO/Ncn9FNPWC2u1x/GW5IkYbgHUoCny5wMfN5edEXbUNXe3BLwTyIOS9qqTED1aIsH/7Q1LSOqLW8A+HnicnPybwkykdw0TYdSPcVtalamaGSNZJImddokiwJY8/uQngH3rzkdCx6XqunXCtLMs8j20huPDZ45ZB8kiMqrg5P3xuoPUM0VEGirBohalinRirVa2pWzSROsTbZcbomPZZFO5M+2QAfYmsGgawLuBZAuxwzRzRk5MM6HDxn7HkexFdEivOtBsL2w1JJ9QdDHqO+B1t2Pgw3JKmJnXAXL7GAYD93PnUR6MBTx/6e1MU6Cm9OdAPCbpr25lma6cO0cEtzawK2DuOEcFiSx9BgDj01+q7b4C38CCG9uo7zdBsM81ytu/Gxl3hiMk8AsB8v3q9U6T5Pp5/+m2t3KyTWep7o541RrSOVEUm3VSCFkXiQgYyOSAPPnHoNcnqDp1LxUyWjmiYSQTR/wCJDIDkMPUZHat2xlkKgTqBIOGKcxuR+9fMA+h7duaeDZp4pVKgKdFFQFOlUTKAQCRuIJAJGTjuQKKnmnSoqjFdXSxgGQ4Vnjjye26R1jUH7swH5rMK5vUWn/EWdzEM7nibZg4IkX50IPl8yrWh0N1C1/ZJJJxMjNDN5ZkT9/tuUq33JqIsNGajTzQh1CWIOrK4DKwKsrAFWU9wQe4p0UI81666XS1jtzpNkRdQu9yssEabYgmXxKxOSM4Kr/sIA7Crb0vrk9zb27zwgeLDG5kgljeJmK/N8hIdOc8YYDHc13c1rWNgsAZY+ELs4UfShY7mC+gJJOPLJosbSt9/zRmlRQh5pZooqh5qu9HaWbcXwYEFr6crxjdHtQxsPbDf+asNFQFaOsad48aD98U0FxHnyeKQNj8jcv8ANW9RVBSp0UGrTqOaM1BMVranpy3MTxyZ2tjBH1IykMsi+jBgCPtWfNGaAg3bRvxvx8xX6WPmw9M98VkqGae6qJ5ozUN1Y57gRqWIYhRk7EeRvwqAk/gUGxmjNcKw6ztJ5hDHMvjnOInSWGU4GThZFUnsf6V2s0oyA0wax5p5oieaeax5p5oqear/AFvp/iWjyRsUntf48Lp9Ssv1D7Fc8V3c1yupNIlu4RFFOYFZv4xWJZHeLHKKSRtOcc8+mKTErc0a9M9tBISpaSKN32EFQ5QFgPsc1u5rzs9NXOixxtps8s1rHIHuLS4WFyyMQJJInVQVbzx6+vY+gI+QCPMA88d6K09bW5MWLJoUmLL89wGaNF/cdqgkn0rzROnbzRLuO7kZp7P5viksjImwtn+M8TcSAZJ8vuOM+pzXiocNkfysw/sDWK11WGYlYpYnYZ3Ksis6+u5O47+Y86n0k+We1u1ljSSJg0ciq6MvZlYZBFZc1padpaWwZYBtiZmcRj/DjZjlvDH7QTk7RxknAGTUdT1yG18P4iRYxI2xWfITd6Fuy/mn6roZpUgaKolmlmlRQPNFKjNA6KVFA6KVFA80UqdAUUs0UGpmnWuJKmJKQSlYjG0A885OMCslQDUwaQSzTzUc0FsUHPs9UJu7mB8ZRYZovLMLoAw+4kB/7xXSrzy760to9YRwzyrLbCANbr4oQ7wxdgDkoBkkgHt7VdNN12C53fDzRSFfqCMN6/8AUh+YfkUkTNqn/q503JdQJPEyL8JHO7lgd4XbuBQ+RyuP5wfKrjoEZS0tVYMGW3gVgzFmDCJQQWPJOanqVgtxH4b/AEF4mccYdUkWTYfYlQD7ZrazSKluqQatWW2Vjk5yPNWZT/Y1wtagvYpbd7FzJCGZrqGdkYtGMELC5XcHPzcFsZA7c1BZ8081himDKGXlWAYHtkEcVPNVE91PdWPNPNFSzTzWNuQe49x3HuKqFt1ILO+uLaa4muQLdbiNVtzPcQkM3iRsYl5G3YwyM89/ULpmq5ddMRpqEd+niG4aRYZS0hZPh3iMWxV7KA3ht+D612dO1KO4ijlhYNHIodGGRkH2PIPlg+lZ2AIwaCdcbrGMvp92qQmd3hdEiUAlmYbQQD6E7vX5a7GaM0RTtH6oubYWUGpWhjMsRRZbaQXCGSOPd4bRICyNsU8AtypxnysmmdQW90WFtNDKy/UqODIn/Un1L+RW28YbaSASp3LkA7WwRkehwT/WvLevulbq7kvbgNbobQgQskbrcMjRRvzKMHgN3JPO7AAqD1bNFcbpIAWFptaRgYIjmVzI+SgLZY8n5s1191VUs0VAtTzVRLNFRzRmglmjNRzSzQTzSzUc0ZqCWadY6dKOcKmKKK1ipClGmCTknPqeB9qKKoyZobkEHsRg+4oooNWw0uG3z8PFDFnv4MUcRPOedoGa2MhyGIBIzgkAsvrgnkUUVBOoxqRnJz6cYpUVKMtFOiiMNvCU3DPykkr6jPJH2rNRRUBTpUVQ6xpborM6qgdsb2CKHbHbcwGT286dFUEECxqFQBVBYgKMDJJYn+pJrJmlRWVJpQCB5ntU80UVAE1UrHoydIrlXv5zJdSyvIfCgkgw67NvhyKzY2gD5XXtxjFFFB1ulInSyt0lCB408JvDJKkoxQnkcHIPHP3rqmUZAzyRkDntSoqUieaM0UVUMn/31ri6T1VHcXE1vtkjuIAGdJAhyhOA6shKke3B9qKKmq7WaM0UVUGaM0UUCooooP/Z"/>
+          <p:cNvSpPr>
+            <a:spLocks noChangeAspect="1" noChangeArrowheads="1"/>
+          </p:cNvSpPr>
+          <p:nvPr/>
+        </p:nvSpPr>
+        <p:spPr bwMode="auto">
+          <a:xfrm>
+            <a:off x="155575" y="-830263"/>
+            <a:ext cx="2619375" cy="1743076"/>
+          </a:xfrm>
+          <a:prstGeom prst="rect">
+            <a:avLst/>
+          </a:prstGeom>
+          <a:noFill/>
+        </p:spPr>
+        <p:txBody>
+          <a:bodyPr vert="horz" wrap="square" lIns="91440" tIns="45720" rIns="91440" bIns="45720" numCol="1" anchor="t" anchorCtr="0" compatLnSpc="1">
+            <a:prstTxWarp prst="textNoShape">
+              <a:avLst/>
+            </a:prstTxWarp>
+          </a:bodyPr>
+          <a:lstStyle/>
+          <a:p>
+            <a:endParaRPr lang="en-IN"/>
+          </a:p>
+        </p:txBody>
+      </p:sp>
+      <p:sp>
+        <p:nvSpPr>
+          <p:cNvPr id="36876" name="AutoShape 12" descr="data:image/jpeg;base64,/9j/4AAQSkZJRgABAQAAAQABAAD/2wCEAAkGBg8NDQ8PDxAPDw8NDg8QDw8PDw4PDxAPFBAVFRQQFBQXHCYeFxklGRQUHy8gIycpLCwtFR8xNTAqNSYrLCkBCQoKDgwOGg8PFywkHCQsLCwsLCkpLCwsLCwsKSwsLCkpLCwpKSwsKSwsKSwpLCwsKSwsKSwpLCksLCksKSwsKf/AABEIALcBEwMBIgACEQEDEQH/xAAbAAADAAMBAQAAAAAAAAAAAAAAAQIDBQYEB//EADkQAAICAQMCBAUDAwIEBwAAAAECAAMRBBIhBTEGE0FhIjJRcYEUkaEjUrFCwTOS0eEHFSRicvDx/8QAGAEBAQEBAQAAAAAAAAAAAAAAAAECAwX/xAAeEQEBAQEBAQEBAAMAAAAAAAAAARECITFBEgMiUf/aAAwDAQACEQMRAD8A8YE83UNcKFXjc9jrXWvbc7H/AAO5+0z03K43Iyuv1Uhh/E5vxeLtqXBQtenYMr7/AOpuJH+nt3A+s963I83mbcrqQJQE8PR6GWlWexrWsAsLN2G4A7VHoJ7wIl1mzDAjAgJQEIAI8QAjxA5zxD1A6fW6J2yKR5gduduWwvP4wZ0gnN+MtE76ZrGsASrDeTsBVmzgHd3zz9p7PC+i26aq02Wu1tSEq9jMiD+1V7CZ310sl5leTxjonbTPabWC1bT5OB5ZO7GT65579vaevwx0xK6a7gXay6mssWcsBxnCj0H/AEm3v062IyOAyuCrA9iDMXTdANPUtSsWVN20t3CliQPxnEue6n9f649MceIYlcyjxHiGICjjxDEBYhHiEKnEMSsRYgKKVFAUUqKBMUqIwJilRQJMkyojCpMkyjEYEwjhAw00qg2oqqo7BQFH7CF+mS1CjqGVhgqRkGOmvaqqTuKqBk9zgd5lAkg8nT+nDTgqjua/9KOd2z2U98exntAhGBBQBKAgBGBAeIwIAR4hGLU6Vbq2rcZR1KsPYzz9F6e2moFLNvCMwRvXyycqD784nvxHiF3zCAjjAjAhCxHiOS5IHAyfQZwPyfSB4OkdWXVG/aBtpvaoHPLBQPi9uc/tPZqtQtVb2PwtaszfYDM4vQ16mrqttdfk1WXobLFG56AncHAwd37fNN/4tqc9OuG5Q21Sx+UMAwJUDPc47SS66dcyWNpo9R5tVdmMeYivjvjcAcTNiaPw716h9Pp62dFuKCvyifiygx2+mBn8zfRKz1MqcQxKhiVlOIsSsQxAmLEqKAsRSooVMUqKBMkyojAxX2hEZ24VFLE+wGTMWj1QuqSwDAdQ2D3GfQzJq6i9bKNhLKR8YJTkeoHce05vw7RZXdZQ97AUvla1ChX45PxDO3kcCTfW5NldKZJlmSZWUwjxCB4uj6prtPVa2N1i7jjt3ntE5Dwr1/bXVp2R3PmFQ6jKqp5Gf5nYgTPN2Nd85QBKxACPE0wBKAgBKAkABHiAEYEAxHiPEeICAjxHiPEBYjxHiPEDTr0cp1H9UmCt1Jrtz3Vhjaw9iBgw8RdMqt09tliGx6qrGr5IKkKT8OOPQftNxiY9S+1G+E2HacIoBLcdueB+ZF2uY8C9NqOkS5kRrTZYRYQC6jsAD6cf5nVYnC+HtTqqNTbpKq0TcTaKry39JM+hXvwQPxO7A/f2mefjf+T7pQxKxMd1mxGb0RWb9hn/AGmnNWIsTydF6h+q01V2ADYuWA7Bux/me2NLM8RiGJWIsSicRYlRYgSRFKxMGttNdVjrtLKjFQx2qSBwCfQRouIic/4O6l59DvbZuue1i4ZgMAAbQq+i4/3nQyS7611zlxJmJ6FLBiqll+ViBkfYzMREZUYzNX0/qhu1OqqOMUOgXHf5fiz+ZtLGCjJOBPnej6w1XU7rK0Z/OssTyeVdsnjj0OR/mZvWWOnHO6+gxzX6PW3vWrPpyjHOULjI5I+kJtn+Wt8CVbdK45Dee+8dsEADE6UTDRpUrLlVANjb2x6tgDP8TOBMTw6u3QBKAgBGBKyYjAgBKAgAEYgBMHUNcmmpe5/lrXJA7k9go9ycCDHoxHiJGyAfqAf3EsCTQgI8RgR4hCxHiPEeICxDErEMQrndf09qep06xQWS1RRbjJKE8K327CdDiViGJFt1GJh1bItbmw4Ta24+xHP3noxEV/jt7So+e+F+uvpjbpqqrNUu8tQF+FwmcEsD2GMGd+P2nMarTHT9aqvI/p6qvygwHAs242n3OAfz7TqcTPLp37lTNFV1ll6nbpXOUZK3q9jsGV+xwZviJw3jC1aOpaXUKQWUDzVU5YKrdyPThj+0tqcSW5XbYimu6d4h0+qsdK2JKEAZB+If3D2+82Uus2WfUzX9Y6fXdS/mVm7YrOqbiPiCnG3HYzYmIwjkfAfTUOmN7qjWNa21ioLIq4GBntzn951Rmt02rqr1baStApNZ1DEdt7NyMfbBmzknxvrbdSZJlmSZWUMQOTgY9TxifOrL6q+rG2pbLF3Fgm0qzWMCCFB9MnifRmE5bxZSV1Oi1H+iu0Kx+hLAjP8AMz1+V0/x/W302sudAzadkJz8LWJkc+sJ7oTprGrAlCICUJlABKAgBGIABKAgJQEgAJo/GflnRWI5bc2CgRSx3KcjdjsvuZvcSLqtyOoO0urLn6EjGZSeVo/CnXX1NdaNVYSleHvwPKZlwMA/XBE3t2oWsAuQNzKi59WY4Cj6nM0vgrTmnSNSwK2U32K4P93ByPYgieTqmtJ6zpKbMipF3V/RrWBw344EzPI6WS9OqxKAgBHiVyEeIYjxIpYjjhAWIYlSLWIHwruOOBkAfk+n8wPG/V6BcKA4a71rQF2UfVsfKPc4nsnzrWHV1dXrfZTTqL8KiIS9Tqcrucjk5wTk4PE73py3isfqDW1mTk1BguM8d/aTW+uckrLbSrgBlDYYMMjOGByCPeOXiKVhjdSRwce+M/tOF8f9HpoqS6pdlllxWxssS+VLZOT3yO873E0fjHpjanROqDc6MjoAMkkHBA/BMX2NcXK9HRum001h6kCedXWWxnn4RPeZGjpNdVaHuiIp+4UAzIZU6u3UxNxKihHCeJdVZpuoV6quqxOAjM/yX8Y2jHy8fXnjOJ1vTrbnrzfWtT7j8CvvG30OZ4/FXRm1mnCof6lTixAezED5T+JsNDaz01s6lHZAWU8ENjkfvMzx0t3mMpkGZDOY1XUTT1hFYkJfp0RfoW3MR/PH5ltxnnnXRGYNXpUuQo43KcZH2OQZ6DJM0iMQjxCBYlCIRiQMTzdT6kmlqNtgYopUHaMkZOM4+k9QmHW0tZWyKK8suM2rvT8r6wRk0upS5FsrYMjDIYHImYTgegaDU1ay7RpqPK2AWuUUOhOVOFVvl4b+J3yiZla65xQjiEoSsJdTzt2gn1Pb2OB3nz3xboL6dTRZdebmtbbW4TyvKAYdscA5OfrxPoA1K+b5Wfj8vzMf+3dtz+8nX9Oq1NZrtUMp/cH0YH0MN83+a8vROjvpfM3ai3UeYwObPTj8/wCZtBPP0/TNTWtbObNnCswwxX0DfU+89MjN9ojhGIQRwjgKEeIQNF13w559teppYVaqjGxiMo4H+lx+Tz7zcVklVLDDEDcAcgHHIB9ZkhC6mLEqIwJkmWZMImIyopRMUZiMKkxGUZJgQx445/icR47ovArvc1+XW+KxXuFisRnJY9/l9MTuDNL4s6YdTpHVRl6yLFH1K9x+xMnXxrm5V9F0+oVS99/neaqMo2BdmRyJsTMPTmJopJGCakOPp8ImczR19RCOEMrEYiEYkVQmOvWI1j1Bv6lYUsvrhhwfcTIJy/i7/wBPbVqqXK6kDZsCllsqByd+OwGf/uJFk3xtbeika+vV1kDKlL1P+pdvwsPfOJuBNT4e6u+sqNrVitSxCEOHDAcH7EETbCTd9LvyqEYnk6lrv09D27Hs8tc7EALH/t6x9O6jXqKksrZSHUNgHkeh478HIlTHPeIOp/ouo037lZWp8q6oEGxU3Fg+Puf4M6Xp2tGoqWwI6Bs4WxdrffH0nl6v0OrVUWVkKrOuBZtUupyDnPf0ldDFyVCq9cPSFQWKcpaoGAw9QeOQZK1csbIShJEqGGg8QdVbQ6jT3NuOmsDVXYyQjZyr4/f9pvq7VYZVgcgHgg8EZBmv650yzVUtSti1q3zZrFm4fTn5efUczVf+H2mRdI1gH9VrHS05PZGIUYPYAHtDfljqYQjhgQhCAopUUCSwGORz294pqfFPT7btODQcXUWJdVzjJXORn3BM83RfGFGpWtXPl6h22GrDE7h6ggfL7w1nmt9EYzEYZKTKMmUIyTKnk13Uq6KWuc5rUgErg93C/wCT/Emrj0GSZWc8iSZQjJMoyTAkyTKMkyqnEI4QhiUJIlCQUIBRz79/eAjEitR0LpNmiZ6lIfTMWesniytj3U/Ue83YkiUILdefXaBdQhR2cK3cIxQn7kcke3aaHwn0oaW/UI9TLZvbybCCQ2n4wA44JyPvOnEoQsueGJQmo8N9YOrpZmwHrtsrcDtw3B/bE2d961oztwqKWY/QAZMiWZ4yiUJjptDqrKcqwDKR2IIyDC+9a0Z3YKiDLMxwAPqYQLqkNhqDDzFUOUz8QUnAP8R6fSpWXKKF8xt74GNzEAFvvxPm2l8QrR1a7Uq5votLBnC4baQCAoP0IA+wnddA68murZ0SxAjlcOO/vnt+IbvONrCKOGBHFCQEIRSjDqtKlylLFDowwUPyn7j1nLdF0Q0XVtRVs2V6isNp/UYXlgCe3c8Tr5xuv8ZEUX3JWreVrPIpcqWCJtG6xvvhv+YSa3zL+OvMU1fW+tCjQ2amshv6Yao9wS5AU/bJz+J79Jf5lVb/AN6K3HuAZdZy/WQxGMyTCPD1u2xNLe1Q/qLU5X2OO/47/ic4a/1nQglPLLUvw5Gd1bAsD78E/mdL1HpialDXYX2H/SjlP3x3+x4nM0eDGptdQzeVafhuqYJqKhj5CDwVPqRzI3zmPd4T68l+jTeyq9OK3DMB2+U8/UTfZzPn/hvo1LdQ1WnuUXLpwwTcMchwMkD2n0ADAwOAOwEsvi9z0jJMoyTKw57xX1izS+S1TLkPl6iGJsX6buyievo/Wv1alhVbWoAIdwAr577SO+CJ7NfpfNptrB2+YjLnHYkYzNf4Zpsq0wpsQo1DMnswzkMD6g5ifW/MbWEUJWFCeDxB1A6bSW2r8yqAnr8TEAH+f4mwE0/iq2r9Jalgdtw4FaliHHKk4+UZA7yT6s+ttpLfMrR/70Vv3GZmE4/wh1601V6fybLfLbY1qkbUQ5xuz9J2ImYvUymJQiEoSsmIMwHJ4gJQgcHoeoPo+pXLVRaa9Y/wU2f0nLjkuu7jGS34M7PU0NfprEYbGtqdcbg20spHce5mHqvQ6tVsZtyWUtuqtQgOh9vQj2M9ltDMmzey5XBdcB+3dfQH8R+61brmvBHWB5D6a8iu3RsVYOwHwZx6/Q8ftOpalWOSAcds8ge4HafPH8OVJ1dNNaXtqtQ2FnJDsxDd2Hf4hPotVYRQo4CgKB7AYEnyr3/18/8AF+kFHVNJbsVKWaskooAZlsy24D15E+hqB6TkvHuitu0+8V1CvT5sNjNi4Y7hR2wePXJxNz4dfUWUJbfZW/mojqqV7doKg4JzyYpfeY2scUcMCEIQCKa/q/VP0506gAtqNQlQB/tzlz+3+ZsZFxh1GoFaljk4BIVQWdseiqOSZ8kLuDq6a1uWly1xox8YVMkeYD6cgn7DvPsE5J9EaeueY4LV62hkQnkBgg3Vn8L/ADDfHjR9L6bR/wCWm+39RY1yPX5NO5wFVzsbaPlAIzknHMzeEOvapKhp66DqRS43MGwa62PynP5xOv6L0f8ARixEbNLWb60PevPzLn1Ge00Xg7TNp9Z1Cmz/AIrWLYDjG6ssxDj/AJpWt3XVj9vaBlGIw4oMRlYihWhu6GydQr1dWALAU1C9s/CcOPryBmboyiIiJTUGSZZEREDGZJmQiSRKIxCPEIFCJ3CjJ4H+fwO8oRgSD5z4f6vZornXy2YWXsHq27bTn5Nqn19vefQtDqTbWHauyonPwWABhz3wCZz/AIg6LZ+so1tSeaKSvmVDAc7ScMP7jz29p1CyX631ZWFtdUtnlF1Dis2FScEVg4LH6CZaLVsRXU5V1DKfqpGQZyXj3QM9YuzTWKwVzki988bARwRz2+89Hg/xGLKqtO62NanwbkQtWEA+FmYcDjj8RfE/nzXVCVEJUjIEcBHA1fWOi+e9NyELdp3DIx7MmRuQzbRRxqpsqV1KsAysMFSAQR9CJGj0ddCCupQiLnCjOBk5OMzMI41BCOEgUcIQOL/8QLsrS1Yu8zTv5i2qh8hR6gt9eBN74e6xbrK/Meg1IQprbeGFgI5IA7cibHWaRb6nqfOy1CjYODtI+s1fh/pl+iH6cstunXJps+WxOc7HX179xK3+Y3MhqwcZAO05GQDg47j6HkzJFIyhmA5JAHvxMTaVDYLdo8xVKBvXaSCV9xkCLqGiTUUvVZ8lilT6Ee49wefxOO0HiqzSWNpX3a0J8NNlalbHYf6CG+b7j6esLJrtoiIVWblVsFdwB2tjcMjsfeUZWUYkkS4sQIIiIl4iIhUESSJZkkSiCJJEsiIiBjxCVCUAEYEAJQmQCUICMQJNSnOVBz3yAcj6TTdM6I+j1Fr0lHo1Lguh+F62BPykcEcnjibbW3Gumx1G5krdlA5ywUkD95qfBWvW7QoNxNlZZbc/NvLFsn75j8anxvK7VYsFIJRtrYOdrYzg+/ImScf1XXWdL1rXApZRrGVrKdwFqMq4LqPpx/tOh6P1ldYrOldqoCNr2KFD+688yFjYzBqNalTVKx5us8tP/ltLf7TIblDBCwDMCVUkZIGMkD1xkfvOZ8ca5aDpLA482jUCwVerV4wx9vp+Y+pJ66uOePpnVKtVX5lJLJkjJVl5HpzPZIYcIQlDhCEgI4oQHFCEAijigJlB78icV47tFOp0moDhmpYbdPhsnDZLhhwPQcztpisoVlKkDDA54HqME/eFly61nRvEdetJ8uu9QFzuevCH0IDZwSDNrND4d6fboGbSkF9OWZ6Lhztycmuz6H37Gb6Usn4URjihCMkxmIwEZJlGSYCMmMxEyhRQzCBQEYEcJA8SgIoQMOt072IUSxqSw/4iAFx9s8D7/wD7OK6T4eSnqTUancQR5mnKuQLSrZy+32zwfeEJZ8rXNdT1voNeoouxVW1zVMEscDcGx8Pxdx/iR4O1Is0FIGc0r5Tg+jLx/wBIQk/CfHh8dqtaUagWvVqKXYUbFDBmYDKtnsOP+xmtr8a3NQW/S1u1Sk227l2g44YIeYQms+NSeOy0OkqAFlS+WLVDFVyqncM5K9s++J7cQhOe6xfoxHiEIQR4hCUGIsRwgKEISAihCAooQgEWIQlCkwhClJMIQEZJhCUSZJhCBMIQgf/Z"/>
+          <p:cNvSpPr>
+            <a:spLocks noChangeAspect="1" noChangeArrowheads="1"/>
+          </p:cNvSpPr>
+          <p:nvPr/>
+        </p:nvSpPr>
+        <p:spPr bwMode="auto">
+          <a:xfrm>
+            <a:off x="155575" y="-830263"/>
+            <a:ext cx="2619375" cy="1743076"/>
+          </a:xfrm>
+          <a:prstGeom prst="rect">
+            <a:avLst/>
+          </a:prstGeom>
+          <a:noFill/>
+        </p:spPr>
+        <p:txBody>
+          <a:bodyPr vert="horz" wrap="square" lIns="91440" tIns="45720" rIns="91440" bIns="45720" numCol="1" anchor="t" anchorCtr="0" compatLnSpc="1">
+            <a:prstTxWarp prst="textNoShape">
+              <a:avLst/>
+            </a:prstTxWarp>
+          </a:bodyPr>
+          <a:lstStyle/>
+          <a:p>
+            <a:endParaRPr lang="en-IN"/>
+          </a:p>
+        </p:txBody>
+      </p:sp>
+      <p:sp>
+        <p:nvSpPr>
+          <p:cNvPr id="36878" name="AutoShape 14" descr="data:image/jpeg;base64,/9j/4AAQSkZJRgABAQAAAQABAAD/2wCEAAkGBg8NDQ8PDxAPDw8NDg8QDw8PDw4PDxAPFBAVFRQQFBQXHCYeFxklGRQUHy8gIycpLCwtFR8xNTAqNSYrLCkBCQoKDgwOGg8PFywkHCQsLCwsLCkpLCwsLCwsKSwsLCkpLCwpKSwsKSwsKSwpLCwsKSwsKSwpLCksLCksKSwsKf/AABEIALcBEwMBIgACEQEDEQH/xAAbAAADAAMBAQAAAAAAAAAAAAAAAQIDBQYEB//EADkQAAICAQMCBAUDAwIEBwAAAAECAAMRBBIhBTEGE0FhIjJRcYEUkaEjUrFCwTOS0eEHFSRicvDx/8QAGAEBAQEBAQAAAAAAAAAAAAAAAAECAwX/xAAeEQEBAQEBAQEBAAMAAAAAAAAAARECITFBEgMiUf/aAAwDAQACEQMRAD8A8YE83UNcKFXjc9jrXWvbc7H/AAO5+0z03K43Iyuv1Uhh/E5vxeLtqXBQtenYMr7/AOpuJH+nt3A+s963I83mbcrqQJQE8PR6GWlWexrWsAsLN2G4A7VHoJ7wIl1mzDAjAgJQEIAI8QAjxA5zxD1A6fW6J2yKR5gduduWwvP4wZ0gnN+MtE76ZrGsASrDeTsBVmzgHd3zz9p7PC+i26aq02Wu1tSEq9jMiD+1V7CZ310sl5leTxjonbTPabWC1bT5OB5ZO7GT65579vaevwx0xK6a7gXay6mssWcsBxnCj0H/AEm3v062IyOAyuCrA9iDMXTdANPUtSsWVN20t3CliQPxnEue6n9f649MceIYlcyjxHiGICjjxDEBYhHiEKnEMSsRYgKKVFAUUqKBMUqIwJilRQJMkyojCpMkyjEYEwjhAw00qg2oqqo7BQFH7CF+mS1CjqGVhgqRkGOmvaqqTuKqBk9zgd5lAkg8nT+nDTgqjua/9KOd2z2U98exntAhGBBQBKAgBGBAeIwIAR4hGLU6Vbq2rcZR1KsPYzz9F6e2moFLNvCMwRvXyycqD784nvxHiF3zCAjjAjAhCxHiOS5IHAyfQZwPyfSB4OkdWXVG/aBtpvaoHPLBQPi9uc/tPZqtQtVb2PwtaszfYDM4vQ16mrqttdfk1WXobLFG56AncHAwd37fNN/4tqc9OuG5Q21Sx+UMAwJUDPc47SS66dcyWNpo9R5tVdmMeYivjvjcAcTNiaPw716h9Pp62dFuKCvyifiygx2+mBn8zfRKz1MqcQxKhiVlOIsSsQxAmLEqKAsRSooVMUqKBMkyojAxX2hEZ24VFLE+wGTMWj1QuqSwDAdQ2D3GfQzJq6i9bKNhLKR8YJTkeoHce05vw7RZXdZQ97AUvla1ChX45PxDO3kcCTfW5NldKZJlmSZWUwjxCB4uj6prtPVa2N1i7jjt3ntE5Dwr1/bXVp2R3PmFQ6jKqp5Gf5nYgTPN2Nd85QBKxACPE0wBKAgBKAkABHiAEYEAxHiPEeICAjxHiPEBYjxHiPEDTr0cp1H9UmCt1Jrtz3Vhjaw9iBgw8RdMqt09tliGx6qrGr5IKkKT8OOPQftNxiY9S+1G+E2HacIoBLcdueB+ZF2uY8C9NqOkS5kRrTZYRYQC6jsAD6cf5nVYnC+HtTqqNTbpKq0TcTaKry39JM+hXvwQPxO7A/f2mefjf+T7pQxKxMd1mxGb0RWb9hn/AGmnNWIsTydF6h+q01V2ADYuWA7Bux/me2NLM8RiGJWIsSicRYlRYgSRFKxMGttNdVjrtLKjFQx2qSBwCfQRouIic/4O6l59DvbZuue1i4ZgMAAbQq+i4/3nQyS7611zlxJmJ6FLBiqll+ViBkfYzMREZUYzNX0/qhu1OqqOMUOgXHf5fiz+ZtLGCjJOBPnej6w1XU7rK0Z/OssTyeVdsnjj0OR/mZvWWOnHO6+gxzX6PW3vWrPpyjHOULjI5I+kJtn+Wt8CVbdK45Dee+8dsEADE6UTDRpUrLlVANjb2x6tgDP8TOBMTw6u3QBKAgBGBKyYjAgBKAgAEYgBMHUNcmmpe5/lrXJA7k9go9ycCDHoxHiJGyAfqAf3EsCTQgI8RgR4hCxHiPEeICxDErEMQrndf09qep06xQWS1RRbjJKE8K327CdDiViGJFt1GJh1bItbmw4Ta24+xHP3noxEV/jt7So+e+F+uvpjbpqqrNUu8tQF+FwmcEsD2GMGd+P2nMarTHT9aqvI/p6qvygwHAs242n3OAfz7TqcTPLp37lTNFV1ll6nbpXOUZK3q9jsGV+xwZviJw3jC1aOpaXUKQWUDzVU5YKrdyPThj+0tqcSW5XbYimu6d4h0+qsdK2JKEAZB+If3D2+82Uus2WfUzX9Y6fXdS/mVm7YrOqbiPiCnG3HYzYmIwjkfAfTUOmN7qjWNa21ioLIq4GBntzn951Rmt02rqr1baStApNZ1DEdt7NyMfbBmzknxvrbdSZJlmSZWUMQOTgY9TxifOrL6q+rG2pbLF3Fgm0qzWMCCFB9MnifRmE5bxZSV1Oi1H+iu0Kx+hLAjP8AMz1+V0/x/W302sudAzadkJz8LWJkc+sJ7oTprGrAlCICUJlABKAgBGIABKAgJQEgAJo/GflnRWI5bc2CgRSx3KcjdjsvuZvcSLqtyOoO0urLn6EjGZSeVo/CnXX1NdaNVYSleHvwPKZlwMA/XBE3t2oWsAuQNzKi59WY4Cj6nM0vgrTmnSNSwK2U32K4P93ByPYgieTqmtJ6zpKbMipF3V/RrWBw344EzPI6WS9OqxKAgBHiVyEeIYjxIpYjjhAWIYlSLWIHwruOOBkAfk+n8wPG/V6BcKA4a71rQF2UfVsfKPc4nsnzrWHV1dXrfZTTqL8KiIS9Tqcrucjk5wTk4PE73py3isfqDW1mTk1BguM8d/aTW+uckrLbSrgBlDYYMMjOGByCPeOXiKVhjdSRwce+M/tOF8f9HpoqS6pdlllxWxssS+VLZOT3yO873E0fjHpjanROqDc6MjoAMkkHBA/BMX2NcXK9HRum001h6kCedXWWxnn4RPeZGjpNdVaHuiIp+4UAzIZU6u3UxNxKihHCeJdVZpuoV6quqxOAjM/yX8Y2jHy8fXnjOJ1vTrbnrzfWtT7j8CvvG30OZ4/FXRm1mnCof6lTixAezED5T+JsNDaz01s6lHZAWU8ENjkfvMzx0t3mMpkGZDOY1XUTT1hFYkJfp0RfoW3MR/PH5ltxnnnXRGYNXpUuQo43KcZH2OQZ6DJM0iMQjxCBYlCIRiQMTzdT6kmlqNtgYopUHaMkZOM4+k9QmHW0tZWyKK8suM2rvT8r6wRk0upS5FsrYMjDIYHImYTgegaDU1ay7RpqPK2AWuUUOhOVOFVvl4b+J3yiZla65xQjiEoSsJdTzt2gn1Pb2OB3nz3xboL6dTRZdebmtbbW4TyvKAYdscA5OfrxPoA1K+b5Wfj8vzMf+3dtz+8nX9Oq1NZrtUMp/cH0YH0MN83+a8vROjvpfM3ai3UeYwObPTj8/wCZtBPP0/TNTWtbObNnCswwxX0DfU+89MjN9ojhGIQRwjgKEeIQNF13w559teppYVaqjGxiMo4H+lx+Tz7zcVklVLDDEDcAcgHHIB9ZkhC6mLEqIwJkmWZMImIyopRMUZiMKkxGUZJgQx445/icR47ovArvc1+XW+KxXuFisRnJY9/l9MTuDNL4s6YdTpHVRl6yLFH1K9x+xMnXxrm5V9F0+oVS99/neaqMo2BdmRyJsTMPTmJopJGCakOPp8ImczR19RCOEMrEYiEYkVQmOvWI1j1Bv6lYUsvrhhwfcTIJy/i7/wBPbVqqXK6kDZsCllsqByd+OwGf/uJFk3xtbeika+vV1kDKlL1P+pdvwsPfOJuBNT4e6u+sqNrVitSxCEOHDAcH7EETbCTd9LvyqEYnk6lrv09D27Hs8tc7EALH/t6x9O6jXqKksrZSHUNgHkeh478HIlTHPeIOp/ouo037lZWp8q6oEGxU3Fg+Puf4M6Xp2tGoqWwI6Bs4WxdrffH0nl6v0OrVUWVkKrOuBZtUupyDnPf0ldDFyVCq9cPSFQWKcpaoGAw9QeOQZK1csbIShJEqGGg8QdVbQ6jT3NuOmsDVXYyQjZyr4/f9pvq7VYZVgcgHgg8EZBmv650yzVUtSti1q3zZrFm4fTn5efUczVf+H2mRdI1gH9VrHS05PZGIUYPYAHtDfljqYQjhgQhCAopUUCSwGORz294pqfFPT7btODQcXUWJdVzjJXORn3BM83RfGFGpWtXPl6h22GrDE7h6ggfL7w1nmt9EYzEYZKTKMmUIyTKnk13Uq6KWuc5rUgErg93C/wCT/Emrj0GSZWc8iSZQjJMoyTAkyTKMkyqnEI4QhiUJIlCQUIBRz79/eAjEitR0LpNmiZ6lIfTMWesniytj3U/Ue83YkiUILdefXaBdQhR2cK3cIxQn7kcke3aaHwn0oaW/UI9TLZvbybCCQ2n4wA44JyPvOnEoQsueGJQmo8N9YOrpZmwHrtsrcDtw3B/bE2d961oztwqKWY/QAZMiWZ4yiUJjptDqrKcqwDKR2IIyDC+9a0Z3YKiDLMxwAPqYQLqkNhqDDzFUOUz8QUnAP8R6fSpWXKKF8xt74GNzEAFvvxPm2l8QrR1a7Uq5votLBnC4baQCAoP0IA+wnddA68murZ0SxAjlcOO/vnt+IbvONrCKOGBHFCQEIRSjDqtKlylLFDowwUPyn7j1nLdF0Q0XVtRVs2V6isNp/UYXlgCe3c8Tr5xuv8ZEUX3JWreVrPIpcqWCJtG6xvvhv+YSa3zL+OvMU1fW+tCjQ2amshv6Yao9wS5AU/bJz+J79Jf5lVb/AN6K3HuAZdZy/WQxGMyTCPD1u2xNLe1Q/qLU5X2OO/47/ic4a/1nQglPLLUvw5Gd1bAsD78E/mdL1HpialDXYX2H/SjlP3x3+x4nM0eDGptdQzeVafhuqYJqKhj5CDwVPqRzI3zmPd4T68l+jTeyq9OK3DMB2+U8/UTfZzPn/hvo1LdQ1WnuUXLpwwTcMchwMkD2n0ADAwOAOwEsvi9z0jJMoyTKw57xX1izS+S1TLkPl6iGJsX6buyievo/Wv1alhVbWoAIdwAr577SO+CJ7NfpfNptrB2+YjLnHYkYzNf4Zpsq0wpsQo1DMnswzkMD6g5ifW/MbWEUJWFCeDxB1A6bSW2r8yqAnr8TEAH+f4mwE0/iq2r9Jalgdtw4FaliHHKk4+UZA7yT6s+ttpLfMrR/70Vv3GZmE4/wh1601V6fybLfLbY1qkbUQ5xuz9J2ImYvUymJQiEoSsmIMwHJ4gJQgcHoeoPo+pXLVRaa9Y/wU2f0nLjkuu7jGS34M7PU0NfprEYbGtqdcbg20spHce5mHqvQ6tVsZtyWUtuqtQgOh9vQj2M9ltDMmzey5XBdcB+3dfQH8R+61brmvBHWB5D6a8iu3RsVYOwHwZx6/Q8ftOpalWOSAcds8ge4HafPH8OVJ1dNNaXtqtQ2FnJDsxDd2Hf4hPotVYRQo4CgKB7AYEnyr3/18/8AF+kFHVNJbsVKWaskooAZlsy24D15E+hqB6TkvHuitu0+8V1CvT5sNjNi4Y7hR2wePXJxNz4dfUWUJbfZW/mojqqV7doKg4JzyYpfeY2scUcMCEIQCKa/q/VP0506gAtqNQlQB/tzlz+3+ZsZFxh1GoFaljk4BIVQWdseiqOSZ8kLuDq6a1uWly1xox8YVMkeYD6cgn7DvPsE5J9EaeueY4LV62hkQnkBgg3Vn8L/ADDfHjR9L6bR/wCWm+39RY1yPX5NO5wFVzsbaPlAIzknHMzeEOvapKhp66DqRS43MGwa62PynP5xOv6L0f8ARixEbNLWb60PevPzLn1Ge00Xg7TNp9Z1Cmz/AIrWLYDjG6ssxDj/AJpWt3XVj9vaBlGIw4oMRlYihWhu6GydQr1dWALAU1C9s/CcOPryBmboyiIiJTUGSZZEREDGZJmQiSRKIxCPEIFCJ3CjJ4H+fwO8oRgSD5z4f6vZornXy2YWXsHq27bTn5Nqn19vefQtDqTbWHauyonPwWABhz3wCZz/AIg6LZ+so1tSeaKSvmVDAc7ScMP7jz29p1CyX631ZWFtdUtnlF1Dis2FScEVg4LH6CZaLVsRXU5V1DKfqpGQZyXj3QM9YuzTWKwVzki988bARwRz2+89Hg/xGLKqtO62NanwbkQtWEA+FmYcDjj8RfE/nzXVCVEJUjIEcBHA1fWOi+e9NyELdp3DIx7MmRuQzbRRxqpsqV1KsAysMFSAQR9CJGj0ddCCupQiLnCjOBk5OMzMI41BCOEgUcIQOL/8QLsrS1Yu8zTv5i2qh8hR6gt9eBN74e6xbrK/Meg1IQprbeGFgI5IA7cibHWaRb6nqfOy1CjYODtI+s1fh/pl+iH6cstunXJps+WxOc7HX179xK3+Y3MhqwcZAO05GQDg47j6HkzJFIyhmA5JAHvxMTaVDYLdo8xVKBvXaSCV9xkCLqGiTUUvVZ8lilT6Ee49wefxOO0HiqzSWNpX3a0J8NNlalbHYf6CG+b7j6esLJrtoiIVWblVsFdwB2tjcMjsfeUZWUYkkS4sQIIiIl4iIhUESSJZkkSiCJJEsiIiBjxCVCUAEYEAJQmQCUICMQJNSnOVBz3yAcj6TTdM6I+j1Fr0lHo1Lguh+F62BPykcEcnjibbW3Gumx1G5krdlA5ywUkD95qfBWvW7QoNxNlZZbc/NvLFsn75j8anxvK7VYsFIJRtrYOdrYzg+/ImScf1XXWdL1rXApZRrGVrKdwFqMq4LqPpx/tOh6P1ldYrOldqoCNr2KFD+688yFjYzBqNalTVKx5us8tP/ltLf7TIblDBCwDMCVUkZIGMkD1xkfvOZ8ca5aDpLA482jUCwVerV4wx9vp+Y+pJ66uOePpnVKtVX5lJLJkjJVl5HpzPZIYcIQlDhCEgI4oQHFCEAijigJlB78icV47tFOp0moDhmpYbdPhsnDZLhhwPQcztpisoVlKkDDA54HqME/eFly61nRvEdetJ8uu9QFzuevCH0IDZwSDNrND4d6fboGbSkF9OWZ6Lhztycmuz6H37Gb6Usn4URjihCMkxmIwEZJlGSYCMmMxEyhRQzCBQEYEcJA8SgIoQMOt072IUSxqSw/4iAFx9s8D7/wD7OK6T4eSnqTUancQR5mnKuQLSrZy+32zwfeEJZ8rXNdT1voNeoouxVW1zVMEscDcGx8Pxdx/iR4O1Is0FIGc0r5Tg+jLx/wBIQk/CfHh8dqtaUagWvVqKXYUbFDBmYDKtnsOP+xmtr8a3NQW/S1u1Sk227l2g44YIeYQms+NSeOy0OkqAFlS+WLVDFVyqncM5K9s++J7cQhOe6xfoxHiEIQR4hCUGIsRwgKEISAihCAooQgEWIQlCkwhClJMIQEZJhCUSZJhCBMIQgf/Z"/>
+          <p:cNvSpPr>
+            <a:spLocks noChangeAspect="1" noChangeArrowheads="1"/>
+          </p:cNvSpPr>
+          <p:nvPr/>
+        </p:nvSpPr>
+        <p:spPr bwMode="auto">
+          <a:xfrm>
+            <a:off x="155575" y="-830263"/>
+            <a:ext cx="2619375" cy="1743076"/>
+          </a:xfrm>
+          <a:prstGeom prst="rect">
+            <a:avLst/>
+          </a:prstGeom>
+          <a:noFill/>
+        </p:spPr>
+        <p:txBody>
+          <a:bodyPr vert="horz" wrap="square" lIns="91440" tIns="45720" rIns="91440" bIns="45720" numCol="1" anchor="t" anchorCtr="0" compatLnSpc="1">
+            <a:prstTxWarp prst="textNoShape">
+              <a:avLst/>
+            </a:prstTxWarp>
+          </a:bodyPr>
+          <a:lstStyle/>
+          <a:p>
+            <a:endParaRPr lang="en-IN"/>
+          </a:p>
+        </p:txBody>
+      </p:sp>
+      <p:sp>
+        <p:nvSpPr>
+          <p:cNvPr id="4" name="AutoShape 2" descr="data:image/jpeg;base64,/9j/4AAQSkZJRgABAQAAAQABAAD/2wCEAAkGBhQSERUSEhQVFRUVFxYXFBgUGBgYExcXGBoWGBYZFxoYGyYfGBojGhgXHy8gIycpLCwsFSAxNTAqNSYrLCkBCQoKDgwOGA8PFywkHyQsLCwsLCwsLCwsLCwsLCwsLCwsKSwsLCwsLCwpLCksLCwsLCwsLCwpLCwsLCwsLCwsKf/AABEIAMIBAwMBIgACEQEDEQH/xAAcAAEAAgMBAQEAAAAAAAAAAAAAAwQCBQYBBwj/xAA+EAABAgMEBwUGBQQCAwEAAAABAAIDESEEEjFBBVFhcYGRoQYiscHwEzJCUtHhByNygvFikqKyFNIzU8Ik/8QAGQEBAQEBAQEAAAAAAAAAAAAAAAECBQQD/8QAHxEBAQACAgIDAQAAAAAAAAAAAAECERIhBDETQWED/9oADAMBAAIRAxEAPwD7iiIgIiICIiAiIgIiICIiAiIgIiICIiAiIgIiICIiAiIgIiICIiAiIgIiICIiAiIgIiICIiAiIgIiICIiAiIgIiICIiAiIgIiICIiAiIgIiICIiAiIgIiICIiAiIgIixiRA0EuIAGJNAEGSLn7d2saJiCLx+Z1GcBi7pvWjtOkosT34hI+Ud1vIY8ZoOxtOloUP34jQdU5u5Cq18XtZCGDXu4ADqZ9Fyoh6gvfZqbRvonbA/DCHF30CqRO1sbIQxwJ/8Apay4F4WhTYsx+1loHxAftHmq7O1tqr+YDsuM8gqlpFVCGyWpRu4XbSPMAiGf2mfRyvw+2p+KEODiOhHmuWbjgpypsdfA7YQT7we3eAR0M+i2ll0nCie49p2TryNV86LdxWNxNq+oovn1l0zGhe68y1HvN5HAblvLD2yBkIrZf1MqOINRwmqOlRRWe0tiC8xwcNY9UUqAiIgIiICIiAiIgIiICIiAiIgIi0enu0Ihflw5GJnmGDbrOoeiFrS2nGQBL3n5MGO9x+ELlLbpCJGIMQ0yaKNHDM76qo51SSSSameJOZK9a2tVEZDZgsmABeg6qD168dSyBl69etSg9mvCVgTw9dF4YktiDMhYOVG26ZYyYJrqGPHUlhje1YHkkAk0FBQyrKvVb+PLjy10x8mPLjL2yjmvBRTUtoikUBkNioRHnWVJGtrIVhrqYrUF5GCzh6SIxSw22mCEqtC0i12PT6Yq22tRUaxVYrTEDgvbozpqIXrmyxXqDKzWp8N19jiDrbnvGBC6fRXa1rpNjSacLzfcO/5fDcuXDli5mbeWtWUfS2unUL1cPofTzoNDNzM25t/SfLA7F2dltTYjQ9hmD6rqK0JUREBERAREQEREBERARFjEiBoLnGQAJJOAAqUGr7R6Y9hDk0/mPozZrdw8SFxIOJJmcSTiSc9pKl0hpAx4rors6MGpgNBx8yqznV1fXMoiVta/zLAS8lJ6MugHHrVQB0t/mR5N6lS3wKYYcyPJqgkL/WVPLxK8v/ZQueeevp0WF/V6GX1UEz40q1n66rX6btL4QaMC8GvyilBtqrVgjh8a78gvHnIdZ8lF2uh92G7USOYB8l6PGxl/pNx5/Jys/llca5PM7/ILqdCH8hu93+xXLgVO8S5Bd92d7Lx3QWXm+zxPfoZEk+7jzkuj5uvjk/XN8GW/0t/GttOCoueu6Z2HaffiuP6QB4zXkX8PYB+OKOLf+q5W3Z0+exHqFzl21p/DGfuWgj9bAeocPBc3pzslaLKC9wD4YxeydP1DFu/Daiaaqat2W3lpqZbTh+7Zty2jDXtiTWc1KbdPZrUHg0IIxGY9fQhSSl69clz1htUiRgWNvCWbJ1H7TOWyi6CFEDgDPfLX6qs2NSs7q88R6p9F4MMPWzqeeteltBJZUug1FCPPyKt6K0q6C68MCe+3I/fUeCqtOr0cwsXCocOO0eqclYj6JZLU2IwPYZg4fQ7VMuK0Dpb2Lqn8t8p7CcHbNRXarSiIiAiIgIiICIiAuf7a2sts9wYxHBv7R3neAHFdAuG7cxp2iG3JjCeLp/8AUIladplw8qBYQ6niJ+J6KJ8STeA9eK8ZFrxPRrlBMYs5bZf5O+gWL7TSexx5m74Ku2L3huh+BkoHRjdriWHo6qC7EjS/yI4Tl5KN1oxrmByE1TjRSTTOfWYCxuzrlR3DAqCv2O0nft8RpOLKf3ud4By7PSehn2kNhwwL14GZoAKgk818vsrnWTSLHnCZI2ibr0v2PcBtX37QlnAhh9DfAMx8vw9K8V9ccrjZlGM8JnLjVLs92Og2XvSvxc4jhUfoHwjrtW+RFMsrld2tY4Y4TWMERFloXhC9RB887Z9hQ0OtNlEgKxIQwlm6GMtZby1HiYcSYX3lfI+2+gP+LabzBKFGm5mprvjburMbDLJVmxz0S03Hw3Yd4jgQSf8AVbrQsctLofylzf7DNu/ukLk9MRu9Ch5uc4jgLo/yiNW40Ha70eK4Ye0jS1SZch0/c3ol9I615Prm1A7Xgajx9blXZFw/bLksy4T6cJu9cFhpIz1v9eKyYeVTLxHrWoRF4YT3Cnkspidcjjs1c0glYcQJ6+Bx5rsOzFvMSFdcZuYZT1t+E8qcFxsWYk7UQOU/5Wz0FbfZ2hvyv7kv1VaedFR26IiqiIiAiIgIiIC+c9sn/wD7HDMMbLdKfmvoy+cdvGXbaD80Jtds3jyCJWlik3TrN36LARe8Dle/2afNR357yCJ7W1VcvnSZkWyGuYqOkkRn7UyBzuy4sMvBBvznX5HjyXoaK7ZvEteDh9thWUNgGODW12sPmD5KKzZDywl3eIlLy6q3BhCWH8HEcD4hYsbdlWcgJnWMnev4nhkj1TeoNbprQgjtp3YjKwnZHYdmXFdH+G/aq6P+JH7snShXsjiYZOqc7vLUqb5SlLlltCqW/RzYwmKOGDhiN6so+uouJ7OdsHQ2iFbJ0oIoqJZX5YUz56z2cGM14DmkOBwIMwqrNERAREQFoO3OixGscSneh/mM3tqebbw4rdx47WNLnENaMSaALhe1GlzaiYLZts8u9Q34p1AZMlrxnkArEr5zZbEXPdanA3WgMgf1kzkQDSbnGY13Ya3mjNCmGyuJAGJkGtqamuPMALbwNFhxa947sMflN+Fs6E7XkGV7IEgYkm17Os5bz4AKWpGqNHDVjXoFI2Jlu5iZPirESzynn9cpbB6wVR7NuMx9VFThxwOqsuJUhdr2eKrMiYDbXZv8OKmD+OQ6fRQTRTeB3DfUL2/QH5QHCVatNOCijOFcKGm4D7rK/dYP0mmycgtI+l2eLea13zAHmJqRVNEGcCF+hngFbRoREQEREBERAXD/AIm2Q3IUZvwlzHHUHCYPNp5ruFQ07osWmzxIJpfaQDqcKtPAgFEr4651aZycNmR6eCOhbakzb4/bgFDDhkEsNHw3EEHIto4Hj5q4GBzRLX3TqPynj1ARErB1q0/1D3m8ZYL1h70xnO7PI/Exy9YPenhS9lI6xyUkqkSnTvN+YfM3aoqWzuEhLcJ/D/S7wUzW5CY1idR9R63wT+JpmMp4HY7Udv8AKyvTHxUOXvt1j+oetqgsAZHD1gvWw8TMbxnvCjDqZEbMPsfVFmBIfX7KK8a4Hdry+33UljtL4RJgks/SZg5+7ORUbZ+uOBzRpE5nqJ9QFUb2z9sozaPEN/Atd4yV9vbduDoTgdQcJLlmmYphvI/2CxiyEjMTwlNqo6l3bgZQubwPJQxO2URw7jGDfN3LALmxErUy4t8lmx14yPjM8KIL8XScSI4GI4uGU5ADc0Z7VlDgid4daBUDBcyRlJu8AHYro1ip2UA2EmZSiRz8RjrUbnTGrb9NfrehFBhLk37rx0QHyGZ3KCKI3A5SoqceDWQ1chqWwc6Wv6BQGGHVOE+f2VGteCDv6D7+sFm2MQdw60+3VSxDWXlifX0VeUqGtO99PW1VEheDIeiXY9FLaYpuyym0eDj4EKs2JN1cqn1u8Vc0XBMeO2GDiRf3ULt0m+KshX0jR0K7ChtOTGjkArCIo0IiICIiAiIgIiIPnn4gdn7kZlqhikRzWRdj8GO44HcNa1doscCD3HGJWpIAug7BjL1kV9L0xo0WiBEgupfbIHNrsWuG0OAPBfN9C2qLEc+z2qGb0OYcSCKgymCaGeII6zVZRwNFPewvaMDgJm+KCY1/ZYWOA491oJkchVmPRXrEZWaKGkkNdQtnMCbchliZKSzscbKbvvXpvI+ITr0l1moKMSE9h7wDXH+1/wBCs3aPf8jhdqRgW7QcxjTZgrttpZWg+9M3Q7MV14CXkpNORSX3Jm7dqJkYk5jHcVFULNZXuBcGk63NFTrm3M7ljeBqK5d3ZrGtbu2Pa10N8nuAAuyIFNuui09viXojvhmQbr5tNZHEYqKuWPR3tIZcD3gZCRkDQGs9+tYQIILIhdNpYJ1G/GS9hRXMgOdM0iAiYvAUGYyV0BphxIzaX2i8AT7wxxwx80RrbOxzxNrbwzldksLQwt7pbLZL7rYWwO9hDuEy+KQvV28ZrzSzfy4c/fu96YrljXXPqnStZDhF/utnLGgWLXCWrVWh5KTRsOIA4Q8QKyaMOJqsGWaJiA+QwAbd8QtI3uj7RCLWjvzkASAA29mK65rCDYG+0LGmYbQkmciKmQlqIVOzMDGmK8AEd1gJnU0Jlh/BVjs9ElEIM+8DKYAE8Za9aCwYDHB1wuvN+aRmBOoAwUUGzAsMR16QpJvvZa8BVWdHw7ntHEYCtJTO/P7qOyvLYV5omSZECoAE8fWaggtdnDQ1wmQ4GTTKm88f5UsSwMDwx14lwxEru4UwS3MvCG6RaXGRbsnjXAdK5qY2hwieyuEtEhernib3HZhkqNZC0eC583UhzvXchWUtVAdyrWiyMfDMSDe7p7wdKuFRsw5K2wGFEe1jb7K3hUkjLDACcvuV7EeIdne677O9RoJJNaTr6ptRGtiQWQYLXRi4l5Aa1sgXE1xOybjsXVdiNDNY0xxeN+YbflOU+8aUqegWt0fY32h1nMI3WhpvukC5oF0FtRQkgj9u9d0xgAAFAMFfrRpkiIo0IiICIiAiIgIiIC4L8UtGRRCFqgucAykdraTYcH0rTA7DPJd6sYkMOBa4Agggg1BBoQdiD4VoXTb2nuukQJED4gMKYGVVurNa4gm6GSJnvA5zxqOc/uVpu2fZZ9gtHdDvYPM4L8hn7Mn5m5TxFakOlRsWkqycSD8wOe36+K17Y9OtdaC93ecXSyOIGz7U2LOJaC8yJvZVNSMaazuWrhxwZX5a7wMjPaM94VhsWYxEQbPe46xvHFZsXa7Z7e5nda8gajl9OiRo0zNxO3Np5qu8z26r2PAnLiFIGkjNpG8jgZiaipmxjItaRI17pumeuRojY5kWguAON4Tad+tV4UScwSx3LzAWcJssiDji6XmE0bSWe0Ph+6WgbC4DfKUl64l7iSSZ498/VRuiVneO4yl4rJpc7McgZINlomKReDCdwOvftHUraxLK1wkajUSZH6rRaJtn5hF6d5pAwxHe8F0MN0wCMCJoI22dt0Nl3RgFWtVhk28zFpmJzOE6AYK+7BeGiDRPtD3HFzhlP3RunntqsWxCD3C79pk3osrTAuOc4kynQk92ta188lVdEFDO8TgB4+gqiaPHJPevOOqZ8fovH2h8g286QwDZjhiq8WJdE3uujUMTvJMz6oqsa3OugQgZHBzhIE7J1PLcrJfpNrNqtvsQHXiDg0A56pDHwoobJZYtpiC+XEmoGIbOlThM7OGtSaO0K5zr8TGkziSNTflE/Wa7vQWjQ0XyJfL9VfR7WdB6HbZoQY3HFx1lbBEWWxERAREQEREBERAREQEREFbSOjYceG6FGaHscJEHoRqIxBFQvifa3sbEsESdXwHGTImYng2JqdtwPQfdVDa7IyKx0OI0PY4Sc1wmCDkQg/PNltha6YO8HBbSDpYtM7oM8cjv1TFOS3Han8MYtmJi2S9Gg1JZjGYNn/saP7sMalcgIkzLMU3HdkcsluMWOkg6TvCbgHCRrOTtmc6y2TmFadbmiUnEYbecjT7LnJzFZcc/vTarVltMpmRriJkjiHYbpJqU7dBDtIM7roZOcpdSJa16AQZhvFrueI81pXRQ/JpAyLSOsz4K0Il33DzkZbBQeKmp9L22bnEfNyB8CFlDjg/MJaxVatukCBUOnlImWGdTLep4VtdnQVwM/GqnGm1+z29rXtNaOE5DLPotzD0zDa0Dvu4T3Zrl/wDllwuiYJnXvSlvAosjb3gXRJ224CZ73K8U26V2nRjcPEhQRu0Pe94BuQlWW01WgeTISxpjSWvZNetY91SW02bOqsxNt1H0myLDdIFxbWVRhtdKea0z48eIbrLsNsxWRe4joG7zPFWbl7OQE6AyFdYGKkgQhIASEsT/ABtnSavUTtBZtDtce+XOLc35mtQJyAGzFbKyWFuJq7KeHATkApLLZi6TWtJOQAqT6/ldVozQIbJ0SrtWQ36ylyWRBojRE5PeKZD5tp2Lfoi+bYiIgIiICIiAiIgIiICIiAiIgIiIC0Wn+xdltdYjJPyiQ+7E4nB37gVvUQfKdL/hXaGTNne2M35XdyJur3XcZblzNr0fFs5lHhvh/qabpOqfuu4L74sXww4EOAIOIImCrtNPgMOLXUNk6cjs1K17S7KZptu15y9BfVbb2CscQz9kGHXDJZLc0d3otVE/CyFW7HjCfzXT4ALW4mnDti7Cp2Vr9l1UT8MXZWgH9UOo3d7yUUP8NIooYsPfdr4SU6HNlkh3cdsz5rJrN0ty6mF+Gz5zNoaN0P7j0Fcg/h4B70dx3NA8yrv9NOPIJl9ZeAUjIdNe/wC67yz9irO3EPf+pxH+sltbLouFD9yG1u0AT54pyOLhLJoaM8SZDcdpo3maLfWHsgR/5X8GT8T9F06LO10gsliZCF1jQB1O85qdEUUREQEREBERAREQEREBERAREQEREBERAREQEREBERAREQEREBERAREQEREBERAREQEREBERAREQf//Z"/>
+          <p:cNvSpPr>
+            <a:spLocks noChangeAspect="1" noChangeArrowheads="1"/>
+          </p:cNvSpPr>
+          <p:nvPr/>
+        </p:nvSpPr>
+        <p:spPr bwMode="auto">
+          <a:xfrm>
+            <a:off x="155575" y="-884238"/>
+            <a:ext cx="2466975" cy="1847851"/>
+          </a:xfrm>
+          <a:prstGeom prst="rect">
+            <a:avLst/>
+          </a:prstGeom>
+          <a:noFill/>
+        </p:spPr>
+        <p:txBody>
+          <a:bodyPr vert="horz" wrap="square" lIns="91440" tIns="45720" rIns="91440" bIns="45720" numCol="1" anchor="t" anchorCtr="0" compatLnSpc="1">
+            <a:prstTxWarp prst="textNoShape">
+              <a:avLst/>
+            </a:prstTxWarp>
+          </a:bodyPr>
+          <a:lstStyle/>
+          <a:p>
+            <a:endParaRPr lang="en-IN"/>
+          </a:p>
+        </p:txBody>
+      </p:sp>
+      <p:sp>
+        <p:nvSpPr>
+          <p:cNvPr id="12" name="TextBox 11"/>
+          <p:cNvSpPr txBox="1"/>
+          <p:nvPr/>
+        </p:nvSpPr>
+        <p:spPr>
+          <a:xfrm>
+            <a:off x="2123728" y="6381328"/>
+            <a:ext cx="7416824" cy="523220"/>
+          </a:xfrm>
+          <a:prstGeom prst="rect">
+            <a:avLst/>
+          </a:prstGeom>
+          <a:noFill/>
+        </p:spPr>
+        <p:txBody>
+          <a:bodyPr wrap="square" rtlCol="0">
+            <a:spAutoFit/>
+          </a:bodyPr>
+          <a:lstStyle/>
+          <a:p>
+            <a:r>
+              <a:rPr lang="en-IN" sz="1400" dirty="0" smtClean="0"/>
+              <a:t>The top image is taken from: </a:t>
+            </a:r>
+            <a:r>
+              <a:rPr lang="en-IN" sz="1400" dirty="0" smtClean="0">
+                <a:hlinkClick r:id="rId5"/>
+              </a:rPr>
+              <a:t>http://mudfooted.com/starling-flocks-shapes/</a:t>
+            </a:r>
+            <a:endParaRPr lang="en-IN" sz="1400" dirty="0" smtClean="0"/>
+          </a:p>
+          <a:p>
+            <a:r>
+              <a:rPr lang="en-IN" sz="1400" dirty="0" smtClean="0"/>
+              <a:t>The image is taken from: </a:t>
+            </a:r>
+            <a:r>
+              <a:rPr lang="en-IN" sz="1400" dirty="0" smtClean="0">
+                <a:hlinkClick r:id="rId6"/>
+              </a:rPr>
+              <a:t>http://www.shutterstock.com</a:t>
+            </a:r>
+            <a:endParaRPr lang="en-IN" sz="1400" dirty="0" smtClean="0"/>
           </a:p>
         </p:txBody>
       </p:sp>
@@ -5497,6 +10572,13 @@
   <p:clrMapOvr>
     <a:masterClrMapping/>
   </p:clrMapOvr>
+  <p:timing>
+    <p:tnLst>
+      <p:par>
+        <p:cTn id="1" dur="indefinite" restart="never" nodeType="tmRoot"/>
+      </p:par>
+    </p:tnLst>
+  </p:timing>
 </p:sld>
 </file>
 
@@ -5579,7 +10661,129 @@
               <a:rPr lang="en-US" sz="1800" dirty="0" smtClean="0"/>
               <a:t> of fires in real forests </a:t>
             </a:r>
+          </a:p>
+          <a:p>
             <a:endParaRPr lang="en-IN" sz="1800" dirty="0"/>
+          </a:p>
+        </p:txBody>
+      </p:sp>
+      <p:sp>
+        <p:nvSpPr>
+          <p:cNvPr id="34818" name="AutoShape 2" descr="data:image/jpeg;base64,/9j/4AAQSkZJRgABAQAAAQABAAD/2wCEAAkGBg8NDQ8PDxAPDw8NDg8QDw8PDw4PDxAPFBAVFRQQFBQXHCYeFxklGRQUHy8gIycpLCwtFR8xNTAqNSYrLCkBCQoKDgwOGg8PFywkHCQsLCwsLCkpLCwsLCwsKSwsLCkpLCwpKSwsKSwsKSwpLCwsKSwsKSwpLCksLCksKSwsKf/AABEIALcBEwMBIgACEQEDEQH/xAAbAAADAAMBAQAAAAAAAAAAAAAAAQIDBQYEB//EADkQAAICAQMCBAUDAwIEBwAAAAECAAMRBBIhBTEGE0FhIjJRcYEUkaEjUrFCwTOS0eEHFSRicvDx/8QAGAEBAQEBAQAAAAAAAAAAAAAAAAECAwX/xAAeEQEBAQEBAQEBAAMAAAAAAAAAARECITFBEgMiUf/aAAwDAQACEQMRAD8A8YE83UNcKFXjc9jrXWvbc7H/AAO5+0z03K43Iyuv1Uhh/E5vxeLtqXBQtenYMr7/AOpuJH+nt3A+s963I83mbcrqQJQE8PR6GWlWexrWsAsLN2G4A7VHoJ7wIl1mzDAjAgJQEIAI8QAjxA5zxD1A6fW6J2yKR5gduduWwvP4wZ0gnN+MtE76ZrGsASrDeTsBVmzgHd3zz9p7PC+i26aq02Wu1tSEq9jMiD+1V7CZ310sl5leTxjonbTPabWC1bT5OB5ZO7GT65579vaevwx0xK6a7gXay6mssWcsBxnCj0H/AEm3v062IyOAyuCrA9iDMXTdANPUtSsWVN20t3CliQPxnEue6n9f649MceIYlcyjxHiGICjjxDEBYhHiEKnEMSsRYgKKVFAUUqKBMUqIwJilRQJMkyojCpMkyjEYEwjhAw00qg2oqqo7BQFH7CF+mS1CjqGVhgqRkGOmvaqqTuKqBk9zgd5lAkg8nT+nDTgqjua/9KOd2z2U98exntAhGBBQBKAgBGBAeIwIAR4hGLU6Vbq2rcZR1KsPYzz9F6e2moFLNvCMwRvXyycqD784nvxHiF3zCAjjAjAhCxHiOS5IHAyfQZwPyfSB4OkdWXVG/aBtpvaoHPLBQPi9uc/tPZqtQtVb2PwtaszfYDM4vQ16mrqttdfk1WXobLFG56AncHAwd37fNN/4tqc9OuG5Q21Sx+UMAwJUDPc47SS66dcyWNpo9R5tVdmMeYivjvjcAcTNiaPw716h9Pp62dFuKCvyifiygx2+mBn8zfRKz1MqcQxKhiVlOIsSsQxAmLEqKAsRSooVMUqKBMkyojAxX2hEZ24VFLE+wGTMWj1QuqSwDAdQ2D3GfQzJq6i9bKNhLKR8YJTkeoHce05vw7RZXdZQ97AUvla1ChX45PxDO3kcCTfW5NldKZJlmSZWUwjxCB4uj6prtPVa2N1i7jjt3ntE5Dwr1/bXVp2R3PmFQ6jKqp5Gf5nYgTPN2Nd85QBKxACPE0wBKAgBKAkABHiAEYEAxHiPEeICAjxHiPEBYjxHiPEDTr0cp1H9UmCt1Jrtz3Vhjaw9iBgw8RdMqt09tliGx6qrGr5IKkKT8OOPQftNxiY9S+1G+E2HacIoBLcdueB+ZF2uY8C9NqOkS5kRrTZYRYQC6jsAD6cf5nVYnC+HtTqqNTbpKq0TcTaKry39JM+hXvwQPxO7A/f2mefjf+T7pQxKxMd1mxGb0RWb9hn/AGmnNWIsTydF6h+q01V2ADYuWA7Bux/me2NLM8RiGJWIsSicRYlRYgSRFKxMGttNdVjrtLKjFQx2qSBwCfQRouIic/4O6l59DvbZuue1i4ZgMAAbQq+i4/3nQyS7611zlxJmJ6FLBiqll+ViBkfYzMREZUYzNX0/qhu1OqqOMUOgXHf5fiz+ZtLGCjJOBPnej6w1XU7rK0Z/OssTyeVdsnjj0OR/mZvWWOnHO6+gxzX6PW3vWrPpyjHOULjI5I+kJtn+Wt8CVbdK45Dee+8dsEADE6UTDRpUrLlVANjb2x6tgDP8TOBMTw6u3QBKAgBGBKyYjAgBKAgAEYgBMHUNcmmpe5/lrXJA7k9go9ycCDHoxHiJGyAfqAf3EsCTQgI8RgR4hCxHiPEeICxDErEMQrndf09qep06xQWS1RRbjJKE8K327CdDiViGJFt1GJh1bItbmw4Ta24+xHP3noxEV/jt7So+e+F+uvpjbpqqrNUu8tQF+FwmcEsD2GMGd+P2nMarTHT9aqvI/p6qvygwHAs242n3OAfz7TqcTPLp37lTNFV1ll6nbpXOUZK3q9jsGV+xwZviJw3jC1aOpaXUKQWUDzVU5YKrdyPThj+0tqcSW5XbYimu6d4h0+qsdK2JKEAZB+If3D2+82Uus2WfUzX9Y6fXdS/mVm7YrOqbiPiCnG3HYzYmIwjkfAfTUOmN7qjWNa21ioLIq4GBntzn951Rmt02rqr1baStApNZ1DEdt7NyMfbBmzknxvrbdSZJlmSZWUMQOTgY9TxifOrL6q+rG2pbLF3Fgm0qzWMCCFB9MnifRmE5bxZSV1Oi1H+iu0Kx+hLAjP8AMz1+V0/x/W302sudAzadkJz8LWJkc+sJ7oTprGrAlCICUJlABKAgBGIABKAgJQEgAJo/GflnRWI5bc2CgRSx3KcjdjsvuZvcSLqtyOoO0urLn6EjGZSeVo/CnXX1NdaNVYSleHvwPKZlwMA/XBE3t2oWsAuQNzKi59WY4Cj6nM0vgrTmnSNSwK2U32K4P93ByPYgieTqmtJ6zpKbMipF3V/RrWBw344EzPI6WS9OqxKAgBHiVyEeIYjxIpYjjhAWIYlSLWIHwruOOBkAfk+n8wPG/V6BcKA4a71rQF2UfVsfKPc4nsnzrWHV1dXrfZTTqL8KiIS9Tqcrucjk5wTk4PE73py3isfqDW1mTk1BguM8d/aTW+uckrLbSrgBlDYYMMjOGByCPeOXiKVhjdSRwce+M/tOF8f9HpoqS6pdlllxWxssS+VLZOT3yO873E0fjHpjanROqDc6MjoAMkkHBA/BMX2NcXK9HRum001h6kCedXWWxnn4RPeZGjpNdVaHuiIp+4UAzIZU6u3UxNxKihHCeJdVZpuoV6quqxOAjM/yX8Y2jHy8fXnjOJ1vTrbnrzfWtT7j8CvvG30OZ4/FXRm1mnCof6lTixAezED5T+JsNDaz01s6lHZAWU8ENjkfvMzx0t3mMpkGZDOY1XUTT1hFYkJfp0RfoW3MR/PH5ltxnnnXRGYNXpUuQo43KcZH2OQZ6DJM0iMQjxCBYlCIRiQMTzdT6kmlqNtgYopUHaMkZOM4+k9QmHW0tZWyKK8suM2rvT8r6wRk0upS5FsrYMjDIYHImYTgegaDU1ay7RpqPK2AWuUUOhOVOFVvl4b+J3yiZla65xQjiEoSsJdTzt2gn1Pb2OB3nz3xboL6dTRZdebmtbbW4TyvKAYdscA5OfrxPoA1K+b5Wfj8vzMf+3dtz+8nX9Oq1NZrtUMp/cH0YH0MN83+a8vROjvpfM3ai3UeYwObPTj8/wCZtBPP0/TNTWtbObNnCswwxX0DfU+89MjN9ojhGIQRwjgKEeIQNF13w559teppYVaqjGxiMo4H+lx+Tz7zcVklVLDDEDcAcgHHIB9ZkhC6mLEqIwJkmWZMImIyopRMUZiMKkxGUZJgQx445/icR47ovArvc1+XW+KxXuFisRnJY9/l9MTuDNL4s6YdTpHVRl6yLFH1K9x+xMnXxrm5V9F0+oVS99/neaqMo2BdmRyJsTMPTmJopJGCakOPp8ImczR19RCOEMrEYiEYkVQmOvWI1j1Bv6lYUsvrhhwfcTIJy/i7/wBPbVqqXK6kDZsCllsqByd+OwGf/uJFk3xtbeika+vV1kDKlL1P+pdvwsPfOJuBNT4e6u+sqNrVitSxCEOHDAcH7EETbCTd9LvyqEYnk6lrv09D27Hs8tc7EALH/t6x9O6jXqKksrZSHUNgHkeh478HIlTHPeIOp/ouo037lZWp8q6oEGxU3Fg+Puf4M6Xp2tGoqWwI6Bs4WxdrffH0nl6v0OrVUWVkKrOuBZtUupyDnPf0ldDFyVCq9cPSFQWKcpaoGAw9QeOQZK1csbIShJEqGGg8QdVbQ6jT3NuOmsDVXYyQjZyr4/f9pvq7VYZVgcgHgg8EZBmv650yzVUtSti1q3zZrFm4fTn5efUczVf+H2mRdI1gH9VrHS05PZGIUYPYAHtDfljqYQjhgQhCAopUUCSwGORz294pqfFPT7btODQcXUWJdVzjJXORn3BM83RfGFGpWtXPl6h22GrDE7h6ggfL7w1nmt9EYzEYZKTKMmUIyTKnk13Uq6KWuc5rUgErg93C/wCT/Emrj0GSZWc8iSZQjJMoyTAkyTKMkyqnEI4QhiUJIlCQUIBRz79/eAjEitR0LpNmiZ6lIfTMWesniytj3U/Ue83YkiUILdefXaBdQhR2cK3cIxQn7kcke3aaHwn0oaW/UI9TLZvbybCCQ2n4wA44JyPvOnEoQsueGJQmo8N9YOrpZmwHrtsrcDtw3B/bE2d961oztwqKWY/QAZMiWZ4yiUJjptDqrKcqwDKR2IIyDC+9a0Z3YKiDLMxwAPqYQLqkNhqDDzFUOUz8QUnAP8R6fSpWXKKF8xt74GNzEAFvvxPm2l8QrR1a7Uq5votLBnC4baQCAoP0IA+wnddA68murZ0SxAjlcOO/vnt+IbvONrCKOGBHFCQEIRSjDqtKlylLFDowwUPyn7j1nLdF0Q0XVtRVs2V6isNp/UYXlgCe3c8Tr5xuv8ZEUX3JWreVrPIpcqWCJtG6xvvhv+YSa3zL+OvMU1fW+tCjQ2amshv6Yao9wS5AU/bJz+J79Jf5lVb/AN6K3HuAZdZy/WQxGMyTCPD1u2xNLe1Q/qLU5X2OO/47/ic4a/1nQglPLLUvw5Gd1bAsD78E/mdL1HpialDXYX2H/SjlP3x3+x4nM0eDGptdQzeVafhuqYJqKhj5CDwVPqRzI3zmPd4T68l+jTeyq9OK3DMB2+U8/UTfZzPn/hvo1LdQ1WnuUXLpwwTcMchwMkD2n0ADAwOAOwEsvi9z0jJMoyTKw57xX1izS+S1TLkPl6iGJsX6buyievo/Wv1alhVbWoAIdwAr577SO+CJ7NfpfNptrB2+YjLnHYkYzNf4Zpsq0wpsQo1DMnswzkMD6g5ifW/MbWEUJWFCeDxB1A6bSW2r8yqAnr8TEAH+f4mwE0/iq2r9Jalgdtw4FaliHHKk4+UZA7yT6s+ttpLfMrR/70Vv3GZmE4/wh1601V6fybLfLbY1qkbUQ5xuz9J2ImYvUymJQiEoSsmIMwHJ4gJQgcHoeoPo+pXLVRaa9Y/wU2f0nLjkuu7jGS34M7PU0NfprEYbGtqdcbg20spHce5mHqvQ6tVsZtyWUtuqtQgOh9vQj2M9ltDMmzey5XBdcB+3dfQH8R+61brmvBHWB5D6a8iu3RsVYOwHwZx6/Q8ftOpalWOSAcds8ge4HafPH8OVJ1dNNaXtqtQ2FnJDsxDd2Hf4hPotVYRQo4CgKB7AYEnyr3/18/8AF+kFHVNJbsVKWaskooAZlsy24D15E+hqB6TkvHuitu0+8V1CvT5sNjNi4Y7hR2wePXJxNz4dfUWUJbfZW/mojqqV7doKg4JzyYpfeY2scUcMCEIQCKa/q/VP0506gAtqNQlQB/tzlz+3+ZsZFxh1GoFaljk4BIVQWdseiqOSZ8kLuDq6a1uWly1xox8YVMkeYD6cgn7DvPsE5J9EaeueY4LV62hkQnkBgg3Vn8L/ADDfHjR9L6bR/wCWm+39RY1yPX5NO5wFVzsbaPlAIzknHMzeEOvapKhp66DqRS43MGwa62PynP5xOv6L0f8ARixEbNLWb60PevPzLn1Ge00Xg7TNp9Z1Cmz/AIrWLYDjG6ssxDj/AJpWt3XVj9vaBlGIw4oMRlYihWhu6GydQr1dWALAU1C9s/CcOPryBmboyiIiJTUGSZZEREDGZJmQiSRKIxCPEIFCJ3CjJ4H+fwO8oRgSD5z4f6vZornXy2YWXsHq27bTn5Nqn19vefQtDqTbWHauyonPwWABhz3wCZz/AIg6LZ+so1tSeaKSvmVDAc7ScMP7jz29p1CyX631ZWFtdUtnlF1Dis2FScEVg4LH6CZaLVsRXU5V1DKfqpGQZyXj3QM9YuzTWKwVzki988bARwRz2+89Hg/xGLKqtO62NanwbkQtWEA+FmYcDjj8RfE/nzXVCVEJUjIEcBHA1fWOi+e9NyELdp3DIx7MmRuQzbRRxqpsqV1KsAysMFSAQR9CJGj0ddCCupQiLnCjOBk5OMzMI41BCOEgUcIQOL/8QLsrS1Yu8zTv5i2qh8hR6gt9eBN74e6xbrK/Meg1IQprbeGFgI5IA7cibHWaRb6nqfOy1CjYODtI+s1fh/pl+iH6cstunXJps+WxOc7HX179xK3+Y3MhqwcZAO05GQDg47j6HkzJFIyhmA5JAHvxMTaVDYLdo8xVKBvXaSCV9xkCLqGiTUUvVZ8lilT6Ee49wefxOO0HiqzSWNpX3a0J8NNlalbHYf6CG+b7j6esLJrtoiIVWblVsFdwB2tjcMjsfeUZWUYkkS4sQIIiIl4iIhUESSJZkkSiCJJEsiIiBjxCVCUAEYEAJQmQCUICMQJNSnOVBz3yAcj6TTdM6I+j1Fr0lHo1Lguh+F62BPykcEcnjibbW3Gumx1G5krdlA5ywUkD95qfBWvW7QoNxNlZZbc/NvLFsn75j8anxvK7VYsFIJRtrYOdrYzg+/ImScf1XXWdL1rXApZRrGVrKdwFqMq4LqPpx/tOh6P1ldYrOldqoCNr2KFD+688yFjYzBqNalTVKx5us8tP/ltLf7TIblDBCwDMCVUkZIGMkD1xkfvOZ8ca5aDpLA482jUCwVerV4wx9vp+Y+pJ66uOePpnVKtVX5lJLJkjJVl5HpzPZIYcIQlDhCEgI4oQHFCEAijigJlB78icV47tFOp0moDhmpYbdPhsnDZLhhwPQcztpisoVlKkDDA54HqME/eFly61nRvEdetJ8uu9QFzuevCH0IDZwSDNrND4d6fboGbSkF9OWZ6Lhztycmuz6H37Gb6Usn4URjihCMkxmIwEZJlGSYCMmMxEyhRQzCBQEYEcJA8SgIoQMOt072IUSxqSw/4iAFx9s8D7/wD7OK6T4eSnqTUancQR5mnKuQLSrZy+32zwfeEJZ8rXNdT1voNeoouxVW1zVMEscDcGx8Pxdx/iR4O1Is0FIGc0r5Tg+jLx/wBIQk/CfHh8dqtaUagWvVqKXYUbFDBmYDKtnsOP+xmtr8a3NQW/S1u1Sk227l2g44YIeYQms+NSeOy0OkqAFlS+WLVDFVyqncM5K9s++J7cQhOe6xfoxHiEIQR4hCUGIsRwgKEISAihCAooQgEWIQlCkwhClJMIQEZJhCUSZJhCBMIQgf/Z"/>
+          <p:cNvSpPr>
+            <a:spLocks noChangeAspect="1" noChangeArrowheads="1"/>
+          </p:cNvSpPr>
+          <p:nvPr/>
+        </p:nvSpPr>
+        <p:spPr bwMode="auto">
+          <a:xfrm>
+            <a:off x="155575" y="-830263"/>
+            <a:ext cx="2619375" cy="1743076"/>
+          </a:xfrm>
+          <a:prstGeom prst="rect">
+            <a:avLst/>
+          </a:prstGeom>
+          <a:noFill/>
+        </p:spPr>
+        <p:txBody>
+          <a:bodyPr vert="horz" wrap="square" lIns="91440" tIns="45720" rIns="91440" bIns="45720" numCol="1" anchor="t" anchorCtr="0" compatLnSpc="1">
+            <a:prstTxWarp prst="textNoShape">
+              <a:avLst/>
+            </a:prstTxWarp>
+          </a:bodyPr>
+          <a:lstStyle/>
+          <a:p>
+            <a:endParaRPr lang="en-IN"/>
+          </a:p>
+        </p:txBody>
+      </p:sp>
+      <p:sp>
+        <p:nvSpPr>
+          <p:cNvPr id="34820" name="AutoShape 4" descr="data:image/jpeg;base64,/9j/4AAQSkZJRgABAQAAAQABAAD/2wCEAAkGBg8NDQ8PDxAPDw8NDg8QDw8PDw4PDxAPFBAVFRQQFBQXHCYeFxklGRQUHy8gIycpLCwtFR8xNTAqNSYrLCkBCQoKDgwOGg8PFywkHCQsLCwsLCkpLCwsLCwsKSwsLCkpLCwpKSwsKSwsKSwpLCwsKSwsKSwpLCksLCksKSwsKf/AABEIALcBEwMBIgACEQEDEQH/xAAbAAADAAMBAQAAAAAAAAAAAAAAAQIDBQYEB//EADkQAAICAQMCBAUDAwIEBwAAAAECAAMRBBIhBTEGE0FhIjJRcYEUkaEjUrFCwTOS0eEHFSRicvDx/8QAGAEBAQEBAQAAAAAAAAAAAAAAAAECAwX/xAAeEQEBAQEBAQEBAAMAAAAAAAAAARECITFBEgMiUf/aAAwDAQACEQMRAD8A8YE83UNcKFXjc9jrXWvbc7H/AAO5+0z03K43Iyuv1Uhh/E5vxeLtqXBQtenYMr7/AOpuJH+nt3A+s963I83mbcrqQJQE8PR6GWlWexrWsAsLN2G4A7VHoJ7wIl1mzDAjAgJQEIAI8QAjxA5zxD1A6fW6J2yKR5gduduWwvP4wZ0gnN+MtE76ZrGsASrDeTsBVmzgHd3zz9p7PC+i26aq02Wu1tSEq9jMiD+1V7CZ310sl5leTxjonbTPabWC1bT5OB5ZO7GT65579vaevwx0xK6a7gXay6mssWcsBxnCj0H/AEm3v062IyOAyuCrA9iDMXTdANPUtSsWVN20t3CliQPxnEue6n9f649MceIYlcyjxHiGICjjxDEBYhHiEKnEMSsRYgKKVFAUUqKBMUqIwJilRQJMkyojCpMkyjEYEwjhAw00qg2oqqo7BQFH7CF+mS1CjqGVhgqRkGOmvaqqTuKqBk9zgd5lAkg8nT+nDTgqjua/9KOd2z2U98exntAhGBBQBKAgBGBAeIwIAR4hGLU6Vbq2rcZR1KsPYzz9F6e2moFLNvCMwRvXyycqD784nvxHiF3zCAjjAjAhCxHiOS5IHAyfQZwPyfSB4OkdWXVG/aBtpvaoHPLBQPi9uc/tPZqtQtVb2PwtaszfYDM4vQ16mrqttdfk1WXobLFG56AncHAwd37fNN/4tqc9OuG5Q21Sx+UMAwJUDPc47SS66dcyWNpo9R5tVdmMeYivjvjcAcTNiaPw716h9Pp62dFuKCvyifiygx2+mBn8zfRKz1MqcQxKhiVlOIsSsQxAmLEqKAsRSooVMUqKBMkyojAxX2hEZ24VFLE+wGTMWj1QuqSwDAdQ2D3GfQzJq6i9bKNhLKR8YJTkeoHce05vw7RZXdZQ97AUvla1ChX45PxDO3kcCTfW5NldKZJlmSZWUwjxCB4uj6prtPVa2N1i7jjt3ntE5Dwr1/bXVp2R3PmFQ6jKqp5Gf5nYgTPN2Nd85QBKxACPE0wBKAgBKAkABHiAEYEAxHiPEeICAjxHiPEBYjxHiPEDTr0cp1H9UmCt1Jrtz3Vhjaw9iBgw8RdMqt09tliGx6qrGr5IKkKT8OOPQftNxiY9S+1G+E2HacIoBLcdueB+ZF2uY8C9NqOkS5kRrTZYRYQC6jsAD6cf5nVYnC+HtTqqNTbpKq0TcTaKry39JM+hXvwQPxO7A/f2mefjf+T7pQxKxMd1mxGb0RWb9hn/AGmnNWIsTydF6h+q01V2ADYuWA7Bux/me2NLM8RiGJWIsSicRYlRYgSRFKxMGttNdVjrtLKjFQx2qSBwCfQRouIic/4O6l59DvbZuue1i4ZgMAAbQq+i4/3nQyS7611zlxJmJ6FLBiqll+ViBkfYzMREZUYzNX0/qhu1OqqOMUOgXHf5fiz+ZtLGCjJOBPnej6w1XU7rK0Z/OssTyeVdsnjj0OR/mZvWWOnHO6+gxzX6PW3vWrPpyjHOULjI5I+kJtn+Wt8CVbdK45Dee+8dsEADE6UTDRpUrLlVANjb2x6tgDP8TOBMTw6u3QBKAgBGBKyYjAgBKAgAEYgBMHUNcmmpe5/lrXJA7k9go9ycCDHoxHiJGyAfqAf3EsCTQgI8RgR4hCxHiPEeICxDErEMQrndf09qep06xQWS1RRbjJKE8K327CdDiViGJFt1GJh1bItbmw4Ta24+xHP3noxEV/jt7So+e+F+uvpjbpqqrNUu8tQF+FwmcEsD2GMGd+P2nMarTHT9aqvI/p6qvygwHAs242n3OAfz7TqcTPLp37lTNFV1ll6nbpXOUZK3q9jsGV+xwZviJw3jC1aOpaXUKQWUDzVU5YKrdyPThj+0tqcSW5XbYimu6d4h0+qsdK2JKEAZB+If3D2+82Uus2WfUzX9Y6fXdS/mVm7YrOqbiPiCnG3HYzYmIwjkfAfTUOmN7qjWNa21ioLIq4GBntzn951Rmt02rqr1baStApNZ1DEdt7NyMfbBmzknxvrbdSZJlmSZWUMQOTgY9TxifOrL6q+rG2pbLF3Fgm0qzWMCCFB9MnifRmE5bxZSV1Oi1H+iu0Kx+hLAjP8AMz1+V0/x/W302sudAzadkJz8LWJkc+sJ7oTprGrAlCICUJlABKAgBGIABKAgJQEgAJo/GflnRWI5bc2CgRSx3KcjdjsvuZvcSLqtyOoO0urLn6EjGZSeVo/CnXX1NdaNVYSleHvwPKZlwMA/XBE3t2oWsAuQNzKi59WY4Cj6nM0vgrTmnSNSwK2U32K4P93ByPYgieTqmtJ6zpKbMipF3V/RrWBw344EzPI6WS9OqxKAgBHiVyEeIYjxIpYjjhAWIYlSLWIHwruOOBkAfk+n8wPG/V6BcKA4a71rQF2UfVsfKPc4nsnzrWHV1dXrfZTTqL8KiIS9Tqcrucjk5wTk4PE73py3isfqDW1mTk1BguM8d/aTW+uckrLbSrgBlDYYMMjOGByCPeOXiKVhjdSRwce+M/tOF8f9HpoqS6pdlllxWxssS+VLZOT3yO873E0fjHpjanROqDc6MjoAMkkHBA/BMX2NcXK9HRum001h6kCedXWWxnn4RPeZGjpNdVaHuiIp+4UAzIZU6u3UxNxKihHCeJdVZpuoV6quqxOAjM/yX8Y2jHy8fXnjOJ1vTrbnrzfWtT7j8CvvG30OZ4/FXRm1mnCof6lTixAezED5T+JsNDaz01s6lHZAWU8ENjkfvMzx0t3mMpkGZDOY1XUTT1hFYkJfp0RfoW3MR/PH5ltxnnnXRGYNXpUuQo43KcZH2OQZ6DJM0iMQjxCBYlCIRiQMTzdT6kmlqNtgYopUHaMkZOM4+k9QmHW0tZWyKK8suM2rvT8r6wRk0upS5FsrYMjDIYHImYTgegaDU1ay7RpqPK2AWuUUOhOVOFVvl4b+J3yiZla65xQjiEoSsJdTzt2gn1Pb2OB3nz3xboL6dTRZdebmtbbW4TyvKAYdscA5OfrxPoA1K+b5Wfj8vzMf+3dtz+8nX9Oq1NZrtUMp/cH0YH0MN83+a8vROjvpfM3ai3UeYwObPTj8/wCZtBPP0/TNTWtbObNnCswwxX0DfU+89MjN9ojhGIQRwjgKEeIQNF13w559teppYVaqjGxiMo4H+lx+Tz7zcVklVLDDEDcAcgHHIB9ZkhC6mLEqIwJkmWZMImIyopRMUZiMKkxGUZJgQx445/icR47ovArvc1+XW+KxXuFisRnJY9/l9MTuDNL4s6YdTpHVRl6yLFH1K9x+xMnXxrm5V9F0+oVS99/neaqMo2BdmRyJsTMPTmJopJGCakOPp8ImczR19RCOEMrEYiEYkVQmOvWI1j1Bv6lYUsvrhhwfcTIJy/i7/wBPbVqqXK6kDZsCllsqByd+OwGf/uJFk3xtbeika+vV1kDKlL1P+pdvwsPfOJuBNT4e6u+sqNrVitSxCEOHDAcH7EETbCTd9LvyqEYnk6lrv09D27Hs8tc7EALH/t6x9O6jXqKksrZSHUNgHkeh478HIlTHPeIOp/ouo037lZWp8q6oEGxU3Fg+Puf4M6Xp2tGoqWwI6Bs4WxdrffH0nl6v0OrVUWVkKrOuBZtUupyDnPf0ldDFyVCq9cPSFQWKcpaoGAw9QeOQZK1csbIShJEqGGg8QdVbQ6jT3NuOmsDVXYyQjZyr4/f9pvq7VYZVgcgHgg8EZBmv650yzVUtSti1q3zZrFm4fTn5efUczVf+H2mRdI1gH9VrHS05PZGIUYPYAHtDfljqYQjhgQhCAopUUCSwGORz294pqfFPT7btODQcXUWJdVzjJXORn3BM83RfGFGpWtXPl6h22GrDE7h6ggfL7w1nmt9EYzEYZKTKMmUIyTKnk13Uq6KWuc5rUgErg93C/wCT/Emrj0GSZWc8iSZQjJMoyTAkyTKMkyqnEI4QhiUJIlCQUIBRz79/eAjEitR0LpNmiZ6lIfTMWesniytj3U/Ue83YkiUILdefXaBdQhR2cK3cIxQn7kcke3aaHwn0oaW/UI9TLZvbybCCQ2n4wA44JyPvOnEoQsueGJQmo8N9YOrpZmwHrtsrcDtw3B/bE2d961oztwqKWY/QAZMiWZ4yiUJjptDqrKcqwDKR2IIyDC+9a0Z3YKiDLMxwAPqYQLqkNhqDDzFUOUz8QUnAP8R6fSpWXKKF8xt74GNzEAFvvxPm2l8QrR1a7Uq5votLBnC4baQCAoP0IA+wnddA68murZ0SxAjlcOO/vnt+IbvONrCKOGBHFCQEIRSjDqtKlylLFDowwUPyn7j1nLdF0Q0XVtRVs2V6isNp/UYXlgCe3c8Tr5xuv8ZEUX3JWreVrPIpcqWCJtG6xvvhv+YSa3zL+OvMU1fW+tCjQ2amshv6Yao9wS5AU/bJz+J79Jf5lVb/AN6K3HuAZdZy/WQxGMyTCPD1u2xNLe1Q/qLU5X2OO/47/ic4a/1nQglPLLUvw5Gd1bAsD78E/mdL1HpialDXYX2H/SjlP3x3+x4nM0eDGptdQzeVafhuqYJqKhj5CDwVPqRzI3zmPd4T68l+jTeyq9OK3DMB2+U8/UTfZzPn/hvo1LdQ1WnuUXLpwwTcMchwMkD2n0ADAwOAOwEsvi9z0jJMoyTKw57xX1izS+S1TLkPl6iGJsX6buyievo/Wv1alhVbWoAIdwAr577SO+CJ7NfpfNptrB2+YjLnHYkYzNf4Zpsq0wpsQo1DMnswzkMD6g5ifW/MbWEUJWFCeDxB1A6bSW2r8yqAnr8TEAH+f4mwE0/iq2r9Jalgdtw4FaliHHKk4+UZA7yT6s+ttpLfMrR/70Vv3GZmE4/wh1601V6fybLfLbY1qkbUQ5xuz9J2ImYvUymJQiEoSsmIMwHJ4gJQgcHoeoPo+pXLVRaa9Y/wU2f0nLjkuu7jGS34M7PU0NfprEYbGtqdcbg20spHce5mHqvQ6tVsZtyWUtuqtQgOh9vQj2M9ltDMmzey5XBdcB+3dfQH8R+61brmvBHWB5D6a8iu3RsVYOwHwZx6/Q8ftOpalWOSAcds8ge4HafPH8OVJ1dNNaXtqtQ2FnJDsxDd2Hf4hPotVYRQo4CgKB7AYEnyr3/18/8AF+kFHVNJbsVKWaskooAZlsy24D15E+hqB6TkvHuitu0+8V1CvT5sNjNi4Y7hR2wePXJxNz4dfUWUJbfZW/mojqqV7doKg4JzyYpfeY2scUcMCEIQCKa/q/VP0506gAtqNQlQB/tzlz+3+ZsZFxh1GoFaljk4BIVQWdseiqOSZ8kLuDq6a1uWly1xox8YVMkeYD6cgn7DvPsE5J9EaeueY4LV62hkQnkBgg3Vn8L/ADDfHjR9L6bR/wCWm+39RY1yPX5NO5wFVzsbaPlAIzknHMzeEOvapKhp66DqRS43MGwa62PynP5xOv6L0f8ARixEbNLWb60PevPzLn1Ge00Xg7TNp9Z1Cmz/AIrWLYDjG6ssxDj/AJpWt3XVj9vaBlGIw4oMRlYihWhu6GydQr1dWALAU1C9s/CcOPryBmboyiIiJTUGSZZEREDGZJmQiSRKIxCPEIFCJ3CjJ4H+fwO8oRgSD5z4f6vZornXy2YWXsHq27bTn5Nqn19vefQtDqTbWHauyonPwWABhz3wCZz/AIg6LZ+so1tSeaKSvmVDAc7ScMP7jz29p1CyX631ZWFtdUtnlF1Dis2FScEVg4LH6CZaLVsRXU5V1DKfqpGQZyXj3QM9YuzTWKwVzki988bARwRz2+89Hg/xGLKqtO62NanwbkQtWEA+FmYcDjj8RfE/nzXVCVEJUjIEcBHA1fWOi+e9NyELdp3DIx7MmRuQzbRRxqpsqV1KsAysMFSAQR9CJGj0ddCCupQiLnCjOBk5OMzMI41BCOEgUcIQOL/8QLsrS1Yu8zTv5i2qh8hR6gt9eBN74e6xbrK/Meg1IQprbeGFgI5IA7cibHWaRb6nqfOy1CjYODtI+s1fh/pl+iH6cstunXJps+WxOc7HX179xK3+Y3MhqwcZAO05GQDg47j6HkzJFIyhmA5JAHvxMTaVDYLdo8xVKBvXaSCV9xkCLqGiTUUvVZ8lilT6Ee49wefxOO0HiqzSWNpX3a0J8NNlalbHYf6CG+b7j6esLJrtoiIVWblVsFdwB2tjcMjsfeUZWUYkkS4sQIIiIl4iIhUESSJZkkSiCJJEsiIiBjxCVCUAEYEAJQmQCUICMQJNSnOVBz3yAcj6TTdM6I+j1Fr0lHo1Lguh+F62BPykcEcnjibbW3Gumx1G5krdlA5ywUkD95qfBWvW7QoNxNlZZbc/NvLFsn75j8anxvK7VYsFIJRtrYOdrYzg+/ImScf1XXWdL1rXApZRrGVrKdwFqMq4LqPpx/tOh6P1ldYrOldqoCNr2KFD+688yFjYzBqNalTVKx5us8tP/ltLf7TIblDBCwDMCVUkZIGMkD1xkfvOZ8ca5aDpLA482jUCwVerV4wx9vp+Y+pJ66uOePpnVKtVX5lJLJkjJVl5HpzPZIYcIQlDhCEgI4oQHFCEAijigJlB78icV47tFOp0moDhmpYbdPhsnDZLhhwPQcztpisoVlKkDDA54HqME/eFly61nRvEdetJ8uu9QFzuevCH0IDZwSDNrND4d6fboGbSkF9OWZ6Lhztycmuz6H37Gb6Usn4URjihCMkxmIwEZJlGSYCMmMxEyhRQzCBQEYEcJA8SgIoQMOt072IUSxqSw/4iAFx9s8D7/wD7OK6T4eSnqTUancQR5mnKuQLSrZy+32zwfeEJZ8rXNdT1voNeoouxVW1zVMEscDcGx8Pxdx/iR4O1Is0FIGc0r5Tg+jLx/wBIQk/CfHh8dqtaUagWvVqKXYUbFDBmYDKtnsOP+xmtr8a3NQW/S1u1Sk227l2g44YIeYQms+NSeOy0OkqAFlS+WLVDFVyqncM5K9s++J7cQhOe6xfoxHiEIQR4hCUGIsRwgKEISAihCAooQgEWIQlCkwhClJMIQEZJhCUSZJhCBMIQgf/Z"/>
+          <p:cNvSpPr>
+            <a:spLocks noChangeAspect="1" noChangeArrowheads="1"/>
+          </p:cNvSpPr>
+          <p:nvPr/>
+        </p:nvSpPr>
+        <p:spPr bwMode="auto">
+          <a:xfrm>
+            <a:off x="155575" y="-830263"/>
+            <a:ext cx="2619375" cy="1743076"/>
+          </a:xfrm>
+          <a:prstGeom prst="rect">
+            <a:avLst/>
+          </a:prstGeom>
+          <a:noFill/>
+        </p:spPr>
+        <p:txBody>
+          <a:bodyPr vert="horz" wrap="square" lIns="91440" tIns="45720" rIns="91440" bIns="45720" numCol="1" anchor="t" anchorCtr="0" compatLnSpc="1">
+            <a:prstTxWarp prst="textNoShape">
+              <a:avLst/>
+            </a:prstTxWarp>
+          </a:bodyPr>
+          <a:lstStyle/>
+          <a:p>
+            <a:endParaRPr lang="en-IN"/>
+          </a:p>
+        </p:txBody>
+      </p:sp>
+      <p:sp>
+        <p:nvSpPr>
+          <p:cNvPr id="34822" name="AutoShape 6" descr="data:image/jpeg;base64,/9j/4AAQSkZJRgABAQAAAQABAAD/2wCEAAkGBg8NDQ8PDxAPDw8NDg8QDw8PDw4PDxAPFBAVFRQQFBQXHCYeFxklGRQUHy8gIycpLCwtFR8xNTAqNSYrLCkBCQoKDgwOGg8PFywkHCQsLCwsLCkpLCwsLCwsKSwsLCkpLCwpKSwsKSwsKSwpLCwsKSwsKSwpLCksLCksKSwsKf/AABEIALcBEwMBIgACEQEDEQH/xAAbAAADAAMBAQAAAAAAAAAAAAAAAQIDBQYEB//EADkQAAICAQMCBAUDAwIEBwAAAAECAAMRBBIhBTEGE0FhIjJRcYEUkaEjUrFCwTOS0eEHFSRicvDx/8QAGAEBAQEBAQAAAAAAAAAAAAAAAAECAwX/xAAeEQEBAQEBAQEBAAMAAAAAAAAAARECITFBEgMiUf/aAAwDAQACEQMRAD8A8YE83UNcKFXjc9jrXWvbc7H/AAO5+0z03K43Iyuv1Uhh/E5vxeLtqXBQtenYMr7/AOpuJH+nt3A+s963I83mbcrqQJQE8PR6GWlWexrWsAsLN2G4A7VHoJ7wIl1mzDAjAgJQEIAI8QAjxA5zxD1A6fW6J2yKR5gduduWwvP4wZ0gnN+MtE76ZrGsASrDeTsBVmzgHd3zz9p7PC+i26aq02Wu1tSEq9jMiD+1V7CZ310sl5leTxjonbTPabWC1bT5OB5ZO7GT65579vaevwx0xK6a7gXay6mssWcsBxnCj0H/AEm3v062IyOAyuCrA9iDMXTdANPUtSsWVN20t3CliQPxnEue6n9f649MceIYlcyjxHiGICjjxDEBYhHiEKnEMSsRYgKKVFAUUqKBMUqIwJilRQJMkyojCpMkyjEYEwjhAw00qg2oqqo7BQFH7CF+mS1CjqGVhgqRkGOmvaqqTuKqBk9zgd5lAkg8nT+nDTgqjua/9KOd2z2U98exntAhGBBQBKAgBGBAeIwIAR4hGLU6Vbq2rcZR1KsPYzz9F6e2moFLNvCMwRvXyycqD784nvxHiF3zCAjjAjAhCxHiOS5IHAyfQZwPyfSB4OkdWXVG/aBtpvaoHPLBQPi9uc/tPZqtQtVb2PwtaszfYDM4vQ16mrqttdfk1WXobLFG56AncHAwd37fNN/4tqc9OuG5Q21Sx+UMAwJUDPc47SS66dcyWNpo9R5tVdmMeYivjvjcAcTNiaPw716h9Pp62dFuKCvyifiygx2+mBn8zfRKz1MqcQxKhiVlOIsSsQxAmLEqKAsRSooVMUqKBMkyojAxX2hEZ24VFLE+wGTMWj1QuqSwDAdQ2D3GfQzJq6i9bKNhLKR8YJTkeoHce05vw7RZXdZQ97AUvla1ChX45PxDO3kcCTfW5NldKZJlmSZWUwjxCB4uj6prtPVa2N1i7jjt3ntE5Dwr1/bXVp2R3PmFQ6jKqp5Gf5nYgTPN2Nd85QBKxACPE0wBKAgBKAkABHiAEYEAxHiPEeICAjxHiPEBYjxHiPEDTr0cp1H9UmCt1Jrtz3Vhjaw9iBgw8RdMqt09tliGx6qrGr5IKkKT8OOPQftNxiY9S+1G+E2HacIoBLcdueB+ZF2uY8C9NqOkS5kRrTZYRYQC6jsAD6cf5nVYnC+HtTqqNTbpKq0TcTaKry39JM+hXvwQPxO7A/f2mefjf+T7pQxKxMd1mxGb0RWb9hn/AGmnNWIsTydF6h+q01V2ADYuWA7Bux/me2NLM8RiGJWIsSicRYlRYgSRFKxMGttNdVjrtLKjFQx2qSBwCfQRouIic/4O6l59DvbZuue1i4ZgMAAbQq+i4/3nQyS7611zlxJmJ6FLBiqll+ViBkfYzMREZUYzNX0/qhu1OqqOMUOgXHf5fiz+ZtLGCjJOBPnej6w1XU7rK0Z/OssTyeVdsnjj0OR/mZvWWOnHO6+gxzX6PW3vWrPpyjHOULjI5I+kJtn+Wt8CVbdK45Dee+8dsEADE6UTDRpUrLlVANjb2x6tgDP8TOBMTw6u3QBKAgBGBKyYjAgBKAgAEYgBMHUNcmmpe5/lrXJA7k9go9ycCDHoxHiJGyAfqAf3EsCTQgI8RgR4hCxHiPEeICxDErEMQrndf09qep06xQWS1RRbjJKE8K327CdDiViGJFt1GJh1bItbmw4Ta24+xHP3noxEV/jt7So+e+F+uvpjbpqqrNUu8tQF+FwmcEsD2GMGd+P2nMarTHT9aqvI/p6qvygwHAs242n3OAfz7TqcTPLp37lTNFV1ll6nbpXOUZK3q9jsGV+xwZviJw3jC1aOpaXUKQWUDzVU5YKrdyPThj+0tqcSW5XbYimu6d4h0+qsdK2JKEAZB+If3D2+82Uus2WfUzX9Y6fXdS/mVm7YrOqbiPiCnG3HYzYmIwjkfAfTUOmN7qjWNa21ioLIq4GBntzn951Rmt02rqr1baStApNZ1DEdt7NyMfbBmzknxvrbdSZJlmSZWUMQOTgY9TxifOrL6q+rG2pbLF3Fgm0qzWMCCFB9MnifRmE5bxZSV1Oi1H+iu0Kx+hLAjP8AMz1+V0/x/W302sudAzadkJz8LWJkc+sJ7oTprGrAlCICUJlABKAgBGIABKAgJQEgAJo/GflnRWI5bc2CgRSx3KcjdjsvuZvcSLqtyOoO0urLn6EjGZSeVo/CnXX1NdaNVYSleHvwPKZlwMA/XBE3t2oWsAuQNzKi59WY4Cj6nM0vgrTmnSNSwK2U32K4P93ByPYgieTqmtJ6zpKbMipF3V/RrWBw344EzPI6WS9OqxKAgBHiVyEeIYjxIpYjjhAWIYlSLWIHwruOOBkAfk+n8wPG/V6BcKA4a71rQF2UfVsfKPc4nsnzrWHV1dXrfZTTqL8KiIS9Tqcrucjk5wTk4PE73py3isfqDW1mTk1BguM8d/aTW+uckrLbSrgBlDYYMMjOGByCPeOXiKVhjdSRwce+M/tOF8f9HpoqS6pdlllxWxssS+VLZOT3yO873E0fjHpjanROqDc6MjoAMkkHBA/BMX2NcXK9HRum001h6kCedXWWxnn4RPeZGjpNdVaHuiIp+4UAzIZU6u3UxNxKihHCeJdVZpuoV6quqxOAjM/yX8Y2jHy8fXnjOJ1vTrbnrzfWtT7j8CvvG30OZ4/FXRm1mnCof6lTixAezED5T+JsNDaz01s6lHZAWU8ENjkfvMzx0t3mMpkGZDOY1XUTT1hFYkJfp0RfoW3MR/PH5ltxnnnXRGYNXpUuQo43KcZH2OQZ6DJM0iMQjxCBYlCIRiQMTzdT6kmlqNtgYopUHaMkZOM4+k9QmHW0tZWyKK8suM2rvT8r6wRk0upS5FsrYMjDIYHImYTgegaDU1ay7RpqPK2AWuUUOhOVOFVvl4b+J3yiZla65xQjiEoSsJdTzt2gn1Pb2OB3nz3xboL6dTRZdebmtbbW4TyvKAYdscA5OfrxPoA1K+b5Wfj8vzMf+3dtz+8nX9Oq1NZrtUMp/cH0YH0MN83+a8vROjvpfM3ai3UeYwObPTj8/wCZtBPP0/TNTWtbObNnCswwxX0DfU+89MjN9ojhGIQRwjgKEeIQNF13w559teppYVaqjGxiMo4H+lx+Tz7zcVklVLDDEDcAcgHHIB9ZkhC6mLEqIwJkmWZMImIyopRMUZiMKkxGUZJgQx445/icR47ovArvc1+XW+KxXuFisRnJY9/l9MTuDNL4s6YdTpHVRl6yLFH1K9x+xMnXxrm5V9F0+oVS99/neaqMo2BdmRyJsTMPTmJopJGCakOPp8ImczR19RCOEMrEYiEYkVQmOvWI1j1Bv6lYUsvrhhwfcTIJy/i7/wBPbVqqXK6kDZsCllsqByd+OwGf/uJFk3xtbeika+vV1kDKlL1P+pdvwsPfOJuBNT4e6u+sqNrVitSxCEOHDAcH7EETbCTd9LvyqEYnk6lrv09D27Hs8tc7EALH/t6x9O6jXqKksrZSHUNgHkeh478HIlTHPeIOp/ouo037lZWp8q6oEGxU3Fg+Puf4M6Xp2tGoqWwI6Bs4WxdrffH0nl6v0OrVUWVkKrOuBZtUupyDnPf0ldDFyVCq9cPSFQWKcpaoGAw9QeOQZK1csbIShJEqGGg8QdVbQ6jT3NuOmsDVXYyQjZyr4/f9pvq7VYZVgcgHgg8EZBmv650yzVUtSti1q3zZrFm4fTn5efUczVf+H2mRdI1gH9VrHS05PZGIUYPYAHtDfljqYQjhgQhCAopUUCSwGORz294pqfFPT7btODQcXUWJdVzjJXORn3BM83RfGFGpWtXPl6h22GrDE7h6ggfL7w1nmt9EYzEYZKTKMmUIyTKnk13Uq6KWuc5rUgErg93C/wCT/Emrj0GSZWc8iSZQjJMoyTAkyTKMkyqnEI4QhiUJIlCQUIBRz79/eAjEitR0LpNmiZ6lIfTMWesniytj3U/Ue83YkiUILdefXaBdQhR2cK3cIxQn7kcke3aaHwn0oaW/UI9TLZvbybCCQ2n4wA44JyPvOnEoQsueGJQmo8N9YOrpZmwHrtsrcDtw3B/bE2d961oztwqKWY/QAZMiWZ4yiUJjptDqrKcqwDKR2IIyDC+9a0Z3YKiDLMxwAPqYQLqkNhqDDzFUOUz8QUnAP8R6fSpWXKKF8xt74GNzEAFvvxPm2l8QrR1a7Uq5votLBnC4baQCAoP0IA+wnddA68murZ0SxAjlcOO/vnt+IbvONrCKOGBHFCQEIRSjDqtKlylLFDowwUPyn7j1nLdF0Q0XVtRVs2V6isNp/UYXlgCe3c8Tr5xuv8ZEUX3JWreVrPIpcqWCJtG6xvvhv+YSa3zL+OvMU1fW+tCjQ2amshv6Yao9wS5AU/bJz+J79Jf5lVb/AN6K3HuAZdZy/WQxGMyTCPD1u2xNLe1Q/qLU5X2OO/47/ic4a/1nQglPLLUvw5Gd1bAsD78E/mdL1HpialDXYX2H/SjlP3x3+x4nM0eDGptdQzeVafhuqYJqKhj5CDwVPqRzI3zmPd4T68l+jTeyq9OK3DMB2+U8/UTfZzPn/hvo1LdQ1WnuUXLpwwTcMchwMkD2n0ADAwOAOwEsvi9z0jJMoyTKw57xX1izS+S1TLkPl6iGJsX6buyievo/Wv1alhVbWoAIdwAr577SO+CJ7NfpfNptrB2+YjLnHYkYzNf4Zpsq0wpsQo1DMnswzkMD6g5ifW/MbWEUJWFCeDxB1A6bSW2r8yqAnr8TEAH+f4mwE0/iq2r9Jalgdtw4FaliHHKk4+UZA7yT6s+ttpLfMrR/70Vv3GZmE4/wh1601V6fybLfLbY1qkbUQ5xuz9J2ImYvUymJQiEoSsmIMwHJ4gJQgcHoeoPo+pXLVRaa9Y/wU2f0nLjkuu7jGS34M7PU0NfprEYbGtqdcbg20spHce5mHqvQ6tVsZtyWUtuqtQgOh9vQj2M9ltDMmzey5XBdcB+3dfQH8R+61brmvBHWB5D6a8iu3RsVYOwHwZx6/Q8ftOpalWOSAcds8ge4HafPH8OVJ1dNNaXtqtQ2FnJDsxDd2Hf4hPotVYRQo4CgKB7AYEnyr3/18/8AF+kFHVNJbsVKWaskooAZlsy24D15E+hqB6TkvHuitu0+8V1CvT5sNjNi4Y7hR2wePXJxNz4dfUWUJbfZW/mojqqV7doKg4JzyYpfeY2scUcMCEIQCKa/q/VP0506gAtqNQlQB/tzlz+3+ZsZFxh1GoFaljk4BIVQWdseiqOSZ8kLuDq6a1uWly1xox8YVMkeYD6cgn7DvPsE5J9EaeueY4LV62hkQnkBgg3Vn8L/ADDfHjR9L6bR/wCWm+39RY1yPX5NO5wFVzsbaPlAIzknHMzeEOvapKhp66DqRS43MGwa62PynP5xOv6L0f8ARixEbNLWb60PevPzLn1Ge00Xg7TNp9Z1Cmz/AIrWLYDjG6ssxDj/AJpWt3XVj9vaBlGIw4oMRlYihWhu6GydQr1dWALAU1C9s/CcOPryBmboyiIiJTUGSZZEREDGZJmQiSRKIxCPEIFCJ3CjJ4H+fwO8oRgSD5z4f6vZornXy2YWXsHq27bTn5Nqn19vefQtDqTbWHauyonPwWABhz3wCZz/AIg6LZ+so1tSeaKSvmVDAc7ScMP7jz29p1CyX631ZWFtdUtnlF1Dis2FScEVg4LH6CZaLVsRXU5V1DKfqpGQZyXj3QM9YuzTWKwVzki988bARwRz2+89Hg/xGLKqtO62NanwbkQtWEA+FmYcDjj8RfE/nzXVCVEJUjIEcBHA1fWOi+e9NyELdp3DIx7MmRuQzbRRxqpsqV1KsAysMFSAQR9CJGj0ddCCupQiLnCjOBk5OMzMI41BCOEgUcIQOL/8QLsrS1Yu8zTv5i2qh8hR6gt9eBN74e6xbrK/Meg1IQprbeGFgI5IA7cibHWaRb6nqfOy1CjYODtI+s1fh/pl+iH6cstunXJps+WxOc7HX179xK3+Y3MhqwcZAO05GQDg47j6HkzJFIyhmA5JAHvxMTaVDYLdo8xVKBvXaSCV9xkCLqGiTUUvVZ8lilT6Ee49wefxOO0HiqzSWNpX3a0J8NNlalbHYf6CG+b7j6esLJrtoiIVWblVsFdwB2tjcMjsfeUZWUYkkS4sQIIiIl4iIhUESSJZkkSiCJJEsiIiBjxCVCUAEYEAJQmQCUICMQJNSnOVBz3yAcj6TTdM6I+j1Fr0lHo1Lguh+F62BPykcEcnjibbW3Gumx1G5krdlA5ywUkD95qfBWvW7QoNxNlZZbc/NvLFsn75j8anxvK7VYsFIJRtrYOdrYzg+/ImScf1XXWdL1rXApZRrGVrKdwFqMq4LqPpx/tOh6P1ldYrOldqoCNr2KFD+688yFjYzBqNalTVKx5us8tP/ltLf7TIblDBCwDMCVUkZIGMkD1xkfvOZ8ca5aDpLA482jUCwVerV4wx9vp+Y+pJ66uOePpnVKtVX5lJLJkjJVl5HpzPZIYcIQlDhCEgI4oQHFCEAijigJlB78icV47tFOp0moDhmpYbdPhsnDZLhhwPQcztpisoVlKkDDA54HqME/eFly61nRvEdetJ8uu9QFzuevCH0IDZwSDNrND4d6fboGbSkF9OWZ6Lhztycmuz6H37Gb6Usn4URjihCMkxmIwEZJlGSYCMmMxEyhRQzCBQEYEcJA8SgIoQMOt072IUSxqSw/4iAFx9s8D7/wD7OK6T4eSnqTUancQR5mnKuQLSrZy+32zwfeEJZ8rXNdT1voNeoouxVW1zVMEscDcGx8Pxdx/iR4O1Is0FIGc0r5Tg+jLx/wBIQk/CfHh8dqtaUagWvVqKXYUbFDBmYDKtnsOP+xmtr8a3NQW/S1u1Sk227l2g44YIeYQms+NSeOy0OkqAFlS+WLVDFVyqncM5K9s++J7cQhOe6xfoxHiEIQR4hCUGIsRwgKEISAihCAooQgEWIQlCkwhClJMIQEZJhCUSZJhCBMIQgf/Z"/>
+          <p:cNvSpPr>
+            <a:spLocks noChangeAspect="1" noChangeArrowheads="1"/>
+          </p:cNvSpPr>
+          <p:nvPr/>
+        </p:nvSpPr>
+        <p:spPr bwMode="auto">
+          <a:xfrm>
+            <a:off x="155575" y="-830263"/>
+            <a:ext cx="2619375" cy="1743076"/>
+          </a:xfrm>
+          <a:prstGeom prst="rect">
+            <a:avLst/>
+          </a:prstGeom>
+          <a:noFill/>
+        </p:spPr>
+        <p:txBody>
+          <a:bodyPr vert="horz" wrap="square" lIns="91440" tIns="45720" rIns="91440" bIns="45720" numCol="1" anchor="t" anchorCtr="0" compatLnSpc="1">
+            <a:prstTxWarp prst="textNoShape">
+              <a:avLst/>
+            </a:prstTxWarp>
+          </a:bodyPr>
+          <a:lstStyle/>
+          <a:p>
+            <a:endParaRPr lang="en-IN"/>
+          </a:p>
+        </p:txBody>
+      </p:sp>
+      <p:sp>
+        <p:nvSpPr>
+          <p:cNvPr id="34824" name="AutoShape 8" descr="data:image/jpeg;base64,/9j/4AAQSkZJRgABAQAAAQABAAD/2wCEAAkGBhQSERUSEhQVFRUVFxYXFBgUGBgYExcXGBoWGBYZFxoYGyYfGBojGhgXHy8gIycpLCwsFSAxNTAqNSYrLCkBCQoKDgwOGA8PFywkHyQsLCwsLCwsLCwsLCwsLCwsLCwsKSwsLCwsLCwpLCksLCwsLCwsLCwpLCwsLCwsLCwsKf/AABEIAMIBAwMBIgACEQEDEQH/xAAcAAEAAgMBAQEAAAAAAAAAAAAAAwQCBQYBBwj/xAA+EAABAgMEBwUGBQQCAwEAAAABAAIDESEEEjFBBVFhcYGRoQYiscHwEzJCUtHhByNygvFikqKyFNIzU8Ik/8QAGQEBAQEBAQEAAAAAAAAAAAAAAAECBQQD/8QAHxEBAQACAgIDAQAAAAAAAAAAAAECERIhBDETQWED/9oADAMBAAIRAxEAPwD7iiIgIiICIiAiIgIiICIiAiIgIiICIiAiIgIiICIiAiIgIiICIiAiIgIiICIiAiIgIiICIiAiIgIiICIiAiIgIiICIiAiIgIiICIiAiIgIiICIiAiIgIiICIiAiIgIixiRA0EuIAGJNAEGSLn7d2saJiCLx+Z1GcBi7pvWjtOkosT34hI+Ud1vIY8ZoOxtOloUP34jQdU5u5Cq18XtZCGDXu4ADqZ9Fyoh6gvfZqbRvonbA/DCHF30CqRO1sbIQxwJ/8Apay4F4WhTYsx+1loHxAftHmq7O1tqr+YDsuM8gqlpFVCGyWpRu4XbSPMAiGf2mfRyvw+2p+KEODiOhHmuWbjgpypsdfA7YQT7we3eAR0M+i2ll0nCie49p2TryNV86LdxWNxNq+oovn1l0zGhe68y1HvN5HAblvLD2yBkIrZf1MqOINRwmqOlRRWe0tiC8xwcNY9UUqAiIgIiICIiAiIgIiICIiAiIgIi0enu0Ihflw5GJnmGDbrOoeiFrS2nGQBL3n5MGO9x+ELlLbpCJGIMQ0yaKNHDM76qo51SSSSameJOZK9a2tVEZDZgsmABeg6qD168dSyBl69etSg9mvCVgTw9dF4YktiDMhYOVG26ZYyYJrqGPHUlhje1YHkkAk0FBQyrKvVb+PLjy10x8mPLjL2yjmvBRTUtoikUBkNioRHnWVJGtrIVhrqYrUF5GCzh6SIxSw22mCEqtC0i12PT6Yq22tRUaxVYrTEDgvbozpqIXrmyxXqDKzWp8N19jiDrbnvGBC6fRXa1rpNjSacLzfcO/5fDcuXDli5mbeWtWUfS2unUL1cPofTzoNDNzM25t/SfLA7F2dltTYjQ9hmD6rqK0JUREBERAREQEREBERARFjEiBoLnGQAJJOAAqUGr7R6Y9hDk0/mPozZrdw8SFxIOJJmcSTiSc9pKl0hpAx4rors6MGpgNBx8yqznV1fXMoiVta/zLAS8lJ6MugHHrVQB0t/mR5N6lS3wKYYcyPJqgkL/WVPLxK8v/ZQueeevp0WF/V6GX1UEz40q1n66rX6btL4QaMC8GvyilBtqrVgjh8a78gvHnIdZ8lF2uh92G7USOYB8l6PGxl/pNx5/Jys/llca5PM7/ILqdCH8hu93+xXLgVO8S5Bd92d7Lx3QWXm+zxPfoZEk+7jzkuj5uvjk/XN8GW/0t/GttOCoueu6Z2HaffiuP6QB4zXkX8PYB+OKOLf+q5W3Z0+exHqFzl21p/DGfuWgj9bAeocPBc3pzslaLKC9wD4YxeydP1DFu/Daiaaqat2W3lpqZbTh+7Zty2jDXtiTWc1KbdPZrUHg0IIxGY9fQhSSl69clz1htUiRgWNvCWbJ1H7TOWyi6CFEDgDPfLX6qs2NSs7q88R6p9F4MMPWzqeeteltBJZUug1FCPPyKt6K0q6C68MCe+3I/fUeCqtOr0cwsXCocOO0eqclYj6JZLU2IwPYZg4fQ7VMuK0Dpb2Lqn8t8p7CcHbNRXarSiIiAiIgIiICIiAuf7a2sts9wYxHBv7R3neAHFdAuG7cxp2iG3JjCeLp/8AUIladplw8qBYQ6niJ+J6KJ8STeA9eK8ZFrxPRrlBMYs5bZf5O+gWL7TSexx5m74Ku2L3huh+BkoHRjdriWHo6qC7EjS/yI4Tl5KN1oxrmByE1TjRSTTOfWYCxuzrlR3DAqCv2O0nft8RpOLKf3ud4By7PSehn2kNhwwL14GZoAKgk818vsrnWTSLHnCZI2ibr0v2PcBtX37QlnAhh9DfAMx8vw9K8V9ccrjZlGM8JnLjVLs92Og2XvSvxc4jhUfoHwjrtW+RFMsrld2tY4Y4TWMERFloXhC9RB887Z9hQ0OtNlEgKxIQwlm6GMtZby1HiYcSYX3lfI+2+gP+LabzBKFGm5mprvjburMbDLJVmxz0S03Hw3Yd4jgQSf8AVbrQsctLofylzf7DNu/ukLk9MRu9Ch5uc4jgLo/yiNW40Ha70eK4Ye0jS1SZch0/c3ol9I615Prm1A7Xgajx9blXZFw/bLksy4T6cJu9cFhpIz1v9eKyYeVTLxHrWoRF4YT3Cnkspidcjjs1c0glYcQJ6+Bx5rsOzFvMSFdcZuYZT1t+E8qcFxsWYk7UQOU/5Wz0FbfZ2hvyv7kv1VaedFR26IiqiIiAiIgIiIC+c9sn/wD7HDMMbLdKfmvoy+cdvGXbaD80Jtds3jyCJWlik3TrN36LARe8Dle/2afNR357yCJ7W1VcvnSZkWyGuYqOkkRn7UyBzuy4sMvBBvznX5HjyXoaK7ZvEteDh9thWUNgGODW12sPmD5KKzZDywl3eIlLy6q3BhCWH8HEcD4hYsbdlWcgJnWMnev4nhkj1TeoNbprQgjtp3YjKwnZHYdmXFdH+G/aq6P+JH7snShXsjiYZOqc7vLUqb5SlLlltCqW/RzYwmKOGDhiN6so+uouJ7OdsHQ2iFbJ0oIoqJZX5YUz56z2cGM14DmkOBwIMwqrNERAREQFoO3OixGscSneh/mM3tqebbw4rdx47WNLnENaMSaALhe1GlzaiYLZts8u9Q34p1AZMlrxnkArEr5zZbEXPdanA3WgMgf1kzkQDSbnGY13Ya3mjNCmGyuJAGJkGtqamuPMALbwNFhxa947sMflN+Fs6E7XkGV7IEgYkm17Os5bz4AKWpGqNHDVjXoFI2Jlu5iZPirESzynn9cpbB6wVR7NuMx9VFThxwOqsuJUhdr2eKrMiYDbXZv8OKmD+OQ6fRQTRTeB3DfUL2/QH5QHCVatNOCijOFcKGm4D7rK/dYP0mmycgtI+l2eLea13zAHmJqRVNEGcCF+hngFbRoREQEREBERAXD/AIm2Q3IUZvwlzHHUHCYPNp5ruFQ07osWmzxIJpfaQDqcKtPAgFEr4651aZycNmR6eCOhbakzb4/bgFDDhkEsNHw3EEHIto4Hj5q4GBzRLX3TqPynj1ARErB1q0/1D3m8ZYL1h70xnO7PI/Exy9YPenhS9lI6xyUkqkSnTvN+YfM3aoqWzuEhLcJ/D/S7wUzW5CY1idR9R63wT+JpmMp4HY7Udv8AKyvTHxUOXvt1j+oetqgsAZHD1gvWw8TMbxnvCjDqZEbMPsfVFmBIfX7KK8a4Hdry+33UljtL4RJgks/SZg5+7ORUbZ+uOBzRpE5nqJ9QFUb2z9sozaPEN/Atd4yV9vbduDoTgdQcJLlmmYphvI/2CxiyEjMTwlNqo6l3bgZQubwPJQxO2URw7jGDfN3LALmxErUy4t8lmx14yPjM8KIL8XScSI4GI4uGU5ADc0Z7VlDgid4daBUDBcyRlJu8AHYro1ip2UA2EmZSiRz8RjrUbnTGrb9NfrehFBhLk37rx0QHyGZ3KCKI3A5SoqceDWQ1chqWwc6Wv6BQGGHVOE+f2VGteCDv6D7+sFm2MQdw60+3VSxDWXlifX0VeUqGtO99PW1VEheDIeiXY9FLaYpuyym0eDj4EKs2JN1cqn1u8Vc0XBMeO2GDiRf3ULt0m+KshX0jR0K7ChtOTGjkArCIo0IiICIiAiIgIiIPnn4gdn7kZlqhikRzWRdj8GO44HcNa1doscCD3HGJWpIAug7BjL1kV9L0xo0WiBEgupfbIHNrsWuG0OAPBfN9C2qLEc+z2qGb0OYcSCKgymCaGeII6zVZRwNFPewvaMDgJm+KCY1/ZYWOA491oJkchVmPRXrEZWaKGkkNdQtnMCbchliZKSzscbKbvvXpvI+ITr0l1moKMSE9h7wDXH+1/wBCs3aPf8jhdqRgW7QcxjTZgrttpZWg+9M3Q7MV14CXkpNORSX3Jm7dqJkYk5jHcVFULNZXuBcGk63NFTrm3M7ljeBqK5d3ZrGtbu2Pa10N8nuAAuyIFNuui09viXojvhmQbr5tNZHEYqKuWPR3tIZcD3gZCRkDQGs9+tYQIILIhdNpYJ1G/GS9hRXMgOdM0iAiYvAUGYyV0BphxIzaX2i8AT7wxxwx80RrbOxzxNrbwzldksLQwt7pbLZL7rYWwO9hDuEy+KQvV28ZrzSzfy4c/fu96YrljXXPqnStZDhF/utnLGgWLXCWrVWh5KTRsOIA4Q8QKyaMOJqsGWaJiA+QwAbd8QtI3uj7RCLWjvzkASAA29mK65rCDYG+0LGmYbQkmciKmQlqIVOzMDGmK8AEd1gJnU0Jlh/BVjs9ElEIM+8DKYAE8Za9aCwYDHB1wuvN+aRmBOoAwUUGzAsMR16QpJvvZa8BVWdHw7ntHEYCtJTO/P7qOyvLYV5omSZECoAE8fWaggtdnDQ1wmQ4GTTKm88f5UsSwMDwx14lwxEru4UwS3MvCG6RaXGRbsnjXAdK5qY2hwieyuEtEhernib3HZhkqNZC0eC583UhzvXchWUtVAdyrWiyMfDMSDe7p7wdKuFRsw5K2wGFEe1jb7K3hUkjLDACcvuV7EeIdne677O9RoJJNaTr6ptRGtiQWQYLXRi4l5Aa1sgXE1xOybjsXVdiNDNY0xxeN+YbflOU+8aUqegWt0fY32h1nMI3WhpvukC5oF0FtRQkgj9u9d0xgAAFAMFfrRpkiIo0IiICIiAiIgIiIC4L8UtGRRCFqgucAykdraTYcH0rTA7DPJd6sYkMOBa4Agggg1BBoQdiD4VoXTb2nuukQJED4gMKYGVVurNa4gm6GSJnvA5zxqOc/uVpu2fZZ9gtHdDvYPM4L8hn7Mn5m5TxFakOlRsWkqycSD8wOe36+K17Y9OtdaC93ecXSyOIGz7U2LOJaC8yJvZVNSMaazuWrhxwZX5a7wMjPaM94VhsWYxEQbPe46xvHFZsXa7Z7e5nda8gajl9OiRo0zNxO3Np5qu8z26r2PAnLiFIGkjNpG8jgZiaipmxjItaRI17pumeuRojY5kWguAON4Tad+tV4UScwSx3LzAWcJssiDji6XmE0bSWe0Ph+6WgbC4DfKUl64l7iSSZ498/VRuiVneO4yl4rJpc7McgZINlomKReDCdwOvftHUraxLK1wkajUSZH6rRaJtn5hF6d5pAwxHe8F0MN0wCMCJoI22dt0Nl3RgFWtVhk28zFpmJzOE6AYK+7BeGiDRPtD3HFzhlP3RunntqsWxCD3C79pk3osrTAuOc4kynQk92ta188lVdEFDO8TgB4+gqiaPHJPevOOqZ8fovH2h8g286QwDZjhiq8WJdE3uujUMTvJMz6oqsa3OugQgZHBzhIE7J1PLcrJfpNrNqtvsQHXiDg0A56pDHwoobJZYtpiC+XEmoGIbOlThM7OGtSaO0K5zr8TGkziSNTflE/Wa7vQWjQ0XyJfL9VfR7WdB6HbZoQY3HFx1lbBEWWxERAREQEREBERAREQEREFbSOjYceG6FGaHscJEHoRqIxBFQvifa3sbEsESdXwHGTImYng2JqdtwPQfdVDa7IyKx0OI0PY4Sc1wmCDkQg/PNltha6YO8HBbSDpYtM7oM8cjv1TFOS3Han8MYtmJi2S9Gg1JZjGYNn/saP7sMalcgIkzLMU3HdkcsluMWOkg6TvCbgHCRrOTtmc6y2TmFadbmiUnEYbecjT7LnJzFZcc/vTarVltMpmRriJkjiHYbpJqU7dBDtIM7roZOcpdSJa16AQZhvFrueI81pXRQ/JpAyLSOsz4K0Il33DzkZbBQeKmp9L22bnEfNyB8CFlDjg/MJaxVatukCBUOnlImWGdTLep4VtdnQVwM/GqnGm1+z29rXtNaOE5DLPotzD0zDa0Dvu4T3Zrl/wDllwuiYJnXvSlvAosjb3gXRJ224CZ73K8U26V2nRjcPEhQRu0Pe94BuQlWW01WgeTISxpjSWvZNetY91SW02bOqsxNt1H0myLDdIFxbWVRhtdKea0z48eIbrLsNsxWRe4joG7zPFWbl7OQE6AyFdYGKkgQhIASEsT/ABtnSavUTtBZtDtce+XOLc35mtQJyAGzFbKyWFuJq7KeHATkApLLZi6TWtJOQAqT6/ldVozQIbJ0SrtWQ36ylyWRBojRE5PeKZD5tp2Lfoi+bYiIgIiICIiAiIgIiICIiAiIgIiIC0Wn+xdltdYjJPyiQ+7E4nB37gVvUQfKdL/hXaGTNne2M35XdyJur3XcZblzNr0fFs5lHhvh/qabpOqfuu4L74sXww4EOAIOIImCrtNPgMOLXUNk6cjs1K17S7KZptu15y9BfVbb2CscQz9kGHXDJZLc0d3otVE/CyFW7HjCfzXT4ALW4mnDti7Cp2Vr9l1UT8MXZWgH9UOo3d7yUUP8NIooYsPfdr4SU6HNlkh3cdsz5rJrN0ty6mF+Gz5zNoaN0P7j0Fcg/h4B70dx3NA8yrv9NOPIJl9ZeAUjIdNe/wC67yz9irO3EPf+pxH+sltbLouFD9yG1u0AT54pyOLhLJoaM8SZDcdpo3maLfWHsgR/5X8GT8T9F06LO10gsliZCF1jQB1O85qdEUUREQEREBERAREQEREBERAREQEREBERAREQEREBERAREQEREBERAREQEREBERAREQEREBERAREQf//Z"/>
+          <p:cNvSpPr>
+            <a:spLocks noChangeAspect="1" noChangeArrowheads="1"/>
+          </p:cNvSpPr>
+          <p:nvPr/>
+        </p:nvSpPr>
+        <p:spPr bwMode="auto">
+          <a:xfrm>
+            <a:off x="155575" y="-884238"/>
+            <a:ext cx="2466975" cy="1847851"/>
+          </a:xfrm>
+          <a:prstGeom prst="rect">
+            <a:avLst/>
+          </a:prstGeom>
+          <a:noFill/>
+        </p:spPr>
+        <p:txBody>
+          <a:bodyPr vert="horz" wrap="square" lIns="91440" tIns="45720" rIns="91440" bIns="45720" numCol="1" anchor="t" anchorCtr="0" compatLnSpc="1">
+            <a:prstTxWarp prst="textNoShape">
+              <a:avLst/>
+            </a:prstTxWarp>
+          </a:bodyPr>
+          <a:lstStyle/>
+          <a:p>
+            <a:endParaRPr lang="en-IN"/>
           </a:p>
         </p:txBody>
       </p:sp>
@@ -5588,6 +10792,13 @@
   <p:clrMapOvr>
     <a:masterClrMapping/>
   </p:clrMapOvr>
+  <p:timing>
+    <p:tnLst>
+      <p:par>
+        <p:cTn id="1" dur="indefinite" restart="never" nodeType="tmRoot"/>
+      </p:par>
+    </p:tnLst>
+  </p:timing>
 </p:sld>
 </file>
 
@@ -5724,6 +10935,13 @@
   <p:clrMapOvr>
     <a:masterClrMapping/>
   </p:clrMapOvr>
+  <p:timing>
+    <p:tnLst>
+      <p:par>
+        <p:cTn id="1" dur="indefinite" restart="never" nodeType="tmRoot"/>
+      </p:par>
+    </p:tnLst>
+  </p:timing>
 </p:sld>
 </file>
 
@@ -5847,6 +11065,13 @@
   <p:clrMapOvr>
     <a:masterClrMapping/>
   </p:clrMapOvr>
+  <p:timing>
+    <p:tnLst>
+      <p:par>
+        <p:cTn id="1" dur="indefinite" restart="never" nodeType="tmRoot"/>
+      </p:par>
+    </p:tnLst>
+  </p:timing>
 </p:sld>
 </file>
 
@@ -5886,7 +11111,7 @@
           <a:p>
             <a:r>
               <a:rPr lang="en-US" sz="2400" dirty="0" smtClean="0"/>
-              <a:t>Key Parameters in SOC of Forest-Fire Model</a:t>
+              <a:t> SOC in the Forest-Fire Model</a:t>
             </a:r>
             <a:endParaRPr lang="en-IN" sz="2400" dirty="0"/>
           </a:p>
@@ -5911,35 +11136,135 @@
           <a:p>
             <a:r>
               <a:rPr lang="en-US" sz="1800" dirty="0" smtClean="0"/>
-              <a:t>Burning time of a Cluster</a:t>
-            </a:r>
-          </a:p>
-          <a:p>
+              <a:t>The basic condition:</a:t>
+            </a:r>
+          </a:p>
+          <a:p>
+            <a:pPr>
+              <a:buNone/>
+            </a:pPr>
             <a:r>
               <a:rPr lang="en-US" sz="1800" dirty="0" smtClean="0"/>
+              <a:t>			</a:t>
+            </a:r>
+            <a:r>
+              <a:rPr lang="en-US" sz="1800" dirty="0" err="1" smtClean="0"/>
+              <a:t>T</a:t>
+            </a:r>
+            <a:r>
+              <a:rPr lang="en-US" sz="1800" baseline="-25000" dirty="0" err="1" smtClean="0"/>
+              <a:t>burn</a:t>
+            </a:r>
+            <a:r>
+              <a:rPr lang="en-US" sz="1800" baseline="-25000" dirty="0" smtClean="0"/>
+              <a:t> </a:t>
+            </a:r>
+            <a:r>
+              <a:rPr lang="en-US" sz="1800" dirty="0" smtClean="0"/>
+              <a:t>(</a:t>
+            </a:r>
+            <a:r>
+              <a:rPr lang="en-US" sz="1800" dirty="0" err="1" smtClean="0"/>
+              <a:t>Cluster</a:t>
+            </a:r>
+            <a:r>
+              <a:rPr lang="en-US" sz="1800" baseline="-25000" dirty="0" err="1" smtClean="0"/>
+              <a:t>max</a:t>
+            </a:r>
+            <a:r>
+              <a:rPr lang="en-US" sz="1800" dirty="0" smtClean="0"/>
+              <a:t>) &lt;&lt;       p</a:t>
+            </a:r>
+            <a:r>
+              <a:rPr lang="en-US" sz="1800" baseline="30000" dirty="0" smtClean="0"/>
+              <a:t>-1         </a:t>
+            </a:r>
+            <a:r>
+              <a:rPr lang="en-US" sz="1800" dirty="0" smtClean="0"/>
+              <a:t>&lt;&lt;  f</a:t>
+            </a:r>
+            <a:r>
+              <a:rPr lang="en-US" sz="1800" baseline="30000" dirty="0" smtClean="0"/>
+              <a:t>-1</a:t>
+            </a:r>
+          </a:p>
+          <a:p>
+            <a:endParaRPr lang="en-US" sz="1800" dirty="0" smtClean="0"/>
+          </a:p>
+          <a:p>
+            <a:r>
+              <a:rPr lang="en-US" sz="1800" dirty="0" smtClean="0"/>
+              <a:t>Key Parameters in SOC:</a:t>
+            </a:r>
+          </a:p>
+          <a:p>
+            <a:pPr lvl="1"/>
+            <a:r>
+              <a:rPr lang="en-US" sz="1600" dirty="0" smtClean="0"/>
+              <a:t>Burning time of a Cluster </a:t>
+            </a:r>
+          </a:p>
+          <a:p>
+            <a:pPr lvl="1"/>
+            <a:r>
+              <a:rPr lang="en-US" sz="1600" dirty="0" smtClean="0"/>
               <a:t>Number Distribution of the size of clusters</a:t>
             </a:r>
           </a:p>
           <a:p>
-            <a:r>
-              <a:rPr lang="en-US" sz="1800" dirty="0" smtClean="0"/>
+            <a:pPr lvl="1"/>
+            <a:r>
+              <a:rPr lang="en-US" sz="1600" dirty="0" smtClean="0"/>
               <a:t>Radius of a cluster</a:t>
             </a:r>
           </a:p>
-          <a:p>
-            <a:r>
-              <a:rPr lang="en-US" sz="1800" dirty="0" smtClean="0"/>
-              <a:t>Correlation Length</a:t>
-            </a:r>
-            <a:endParaRPr lang="en-IN" sz="1800" dirty="0"/>
-          </a:p>
-        </p:txBody>
-      </p:sp>
+        </p:txBody>
+      </p:sp>
+      <p:pic>
+        <p:nvPicPr>
+          <p:cNvPr id="3074" name="Picture 2"/>
+          <p:cNvPicPr>
+            <a:picLocks noChangeAspect="1" noChangeArrowheads="1"/>
+          </p:cNvPicPr>
+          <p:nvPr/>
+        </p:nvPicPr>
+        <p:blipFill>
+          <a:blip r:embed="rId3" cstate="print"/>
+          <a:srcRect/>
+          <a:stretch>
+            <a:fillRect/>
+          </a:stretch>
+        </p:blipFill>
+        <p:spPr bwMode="auto">
+          <a:xfrm>
+            <a:off x="3347864" y="3573016"/>
+            <a:ext cx="4877802" cy="3096344"/>
+          </a:xfrm>
+          <a:prstGeom prst="rect">
+            <a:avLst/>
+          </a:prstGeom>
+          <a:noFill/>
+          <a:ln w="9525">
+            <a:noFill/>
+            <a:miter lim="800000"/>
+            <a:headEnd/>
+            <a:tailEnd/>
+          </a:ln>
+        </p:spPr>
+      </p:pic>
     </p:spTree>
   </p:cSld>
   <p:clrMapOvr>
     <a:masterClrMapping/>
   </p:clrMapOvr>
+  <p:transition spd="slow"/>
+  <p:timing>
+    <p:tnLst>
+      <p:par>
+        <p:cTn id="1" dur="indefinite" restart="never" nodeType="tmRoot"/>
+      </p:par>
+    </p:tnLst>
+  </p:timing>
 </p:sld>
 </file>
 
@@ -6224,4 +11549,289 @@
   <a:objectDefaults/>
   <a:extraClrSchemeLst/>
 </a:theme>
+</file>
+
+<file path=ppt/theme/theme2.xml><?xml version="1.0" encoding="utf-8"?>
+<a:theme xmlns:a="http://schemas.openxmlformats.org/drawingml/2006/main" name="Office Theme">
+  <a:themeElements>
+    <a:clrScheme name="Office">
+      <a:dk1>
+        <a:sysClr val="windowText" lastClr="000000"/>
+      </a:dk1>
+      <a:lt1>
+        <a:sysClr val="window" lastClr="FFFFFF"/>
+      </a:lt1>
+      <a:dk2>
+        <a:srgbClr val="1F497D"/>
+      </a:dk2>
+      <a:lt2>
+        <a:srgbClr val="EEECE1"/>
+      </a:lt2>
+      <a:accent1>
+        <a:srgbClr val="4F81BD"/>
+      </a:accent1>
+      <a:accent2>
+        <a:srgbClr val="C0504D"/>
+      </a:accent2>
+      <a:accent3>
+        <a:srgbClr val="9BBB59"/>
+      </a:accent3>
+      <a:accent4>
+        <a:srgbClr val="8064A2"/>
+      </a:accent4>
+      <a:accent5>
+        <a:srgbClr val="4BACC6"/>
+      </a:accent5>
+      <a:accent6>
+        <a:srgbClr val="F79646"/>
+      </a:accent6>
+      <a:hlink>
+        <a:srgbClr val="0000FF"/>
+      </a:hlink>
+      <a:folHlink>
+        <a:srgbClr val="800080"/>
+      </a:folHlink>
+    </a:clrScheme>
+    <a:fontScheme name="Office">
+      <a:majorFont>
+        <a:latin typeface="Calibri"/>
+        <a:ea typeface=""/>
+        <a:cs typeface=""/>
+        <a:font script="Jpan" typeface="ＭＳ Ｐゴシック"/>
+        <a:font script="Hang" typeface="맑은 고딕"/>
+        <a:font script="Hans" typeface="宋体"/>
+        <a:font script="Hant" typeface="新細明體"/>
+        <a:font script="Arab" typeface="Times New Roman"/>
+        <a:font script="Hebr" typeface="Times New Roman"/>
+        <a:font script="Thai" typeface="Angsana New"/>
+        <a:font script="Ethi" typeface="Nyala"/>
+        <a:font script="Beng" typeface="Vrinda"/>
+        <a:font script="Gujr" typeface="Shruti"/>
+        <a:font script="Khmr" typeface="MoolBoran"/>
+        <a:font script="Knda" typeface="Tunga"/>
+        <a:font script="Guru" typeface="Raavi"/>
+        <a:font script="Cans" typeface="Euphemia"/>
+        <a:font script="Cher" typeface="Plantagenet Cherokee"/>
+        <a:font script="Yiii" typeface="Microsoft Yi Baiti"/>
+        <a:font script="Tibt" typeface="Microsoft Himalaya"/>
+        <a:font script="Thaa" typeface="MV Boli"/>
+        <a:font script="Deva" typeface="Mangal"/>
+        <a:font script="Telu" typeface="Gautami"/>
+        <a:font script="Taml" typeface="Latha"/>
+        <a:font script="Syrc" typeface="Estrangelo Edessa"/>
+        <a:font script="Orya" typeface="Kalinga"/>
+        <a:font script="Mlym" typeface="Kartika"/>
+        <a:font script="Laoo" typeface="DokChampa"/>
+        <a:font script="Sinh" typeface="Iskoola Pota"/>
+        <a:font script="Mong" typeface="Mongolian Baiti"/>
+        <a:font script="Viet" typeface="Times New Roman"/>
+        <a:font script="Uigh" typeface="Microsoft Uighur"/>
+        <a:font script="Geor" typeface="Sylfaen"/>
+      </a:majorFont>
+      <a:minorFont>
+        <a:latin typeface="Calibri"/>
+        <a:ea typeface=""/>
+        <a:cs typeface=""/>
+        <a:font script="Jpan" typeface="ＭＳ Ｐゴシック"/>
+        <a:font script="Hang" typeface="맑은 고딕"/>
+        <a:font script="Hans" typeface="宋体"/>
+        <a:font script="Hant" typeface="新細明體"/>
+        <a:font script="Arab" typeface="Arial"/>
+        <a:font script="Hebr" typeface="Arial"/>
+        <a:font script="Thai" typeface="Cordia New"/>
+        <a:font script="Ethi" typeface="Nyala"/>
+        <a:font script="Beng" typeface="Vrinda"/>
+        <a:font script="Gujr" typeface="Shruti"/>
+        <a:font script="Khmr" typeface="DaunPenh"/>
+        <a:font script="Knda" typeface="Tunga"/>
+        <a:font script="Guru" typeface="Raavi"/>
+        <a:font script="Cans" typeface="Euphemia"/>
+        <a:font script="Cher" typeface="Plantagenet Cherokee"/>
+        <a:font script="Yiii" typeface="Microsoft Yi Baiti"/>
+        <a:font script="Tibt" typeface="Microsoft Himalaya"/>
+        <a:font script="Thaa" typeface="MV Boli"/>
+        <a:font script="Deva" typeface="Mangal"/>
+        <a:font script="Telu" typeface="Gautami"/>
+        <a:font script="Taml" typeface="Latha"/>
+        <a:font script="Syrc" typeface="Estrangelo Edessa"/>
+        <a:font script="Orya" typeface="Kalinga"/>
+        <a:font script="Mlym" typeface="Kartika"/>
+        <a:font script="Laoo" typeface="DokChampa"/>
+        <a:font script="Sinh" typeface="Iskoola Pota"/>
+        <a:font script="Mong" typeface="Mongolian Baiti"/>
+        <a:font script="Viet" typeface="Arial"/>
+        <a:font script="Uigh" typeface="Microsoft Uighur"/>
+        <a:font script="Geor" typeface="Sylfaen"/>
+      </a:minorFont>
+    </a:fontScheme>
+    <a:fmtScheme name="Office">
+      <a:fillStyleLst>
+        <a:solidFill>
+          <a:schemeClr val="phClr"/>
+        </a:solidFill>
+        <a:gradFill rotWithShape="1">
+          <a:gsLst>
+            <a:gs pos="0">
+              <a:schemeClr val="phClr">
+                <a:tint val="50000"/>
+                <a:satMod val="300000"/>
+              </a:schemeClr>
+            </a:gs>
+            <a:gs pos="35000">
+              <a:schemeClr val="phClr">
+                <a:tint val="37000"/>
+                <a:satMod val="300000"/>
+              </a:schemeClr>
+            </a:gs>
+            <a:gs pos="100000">
+              <a:schemeClr val="phClr">
+                <a:tint val="15000"/>
+                <a:satMod val="350000"/>
+              </a:schemeClr>
+            </a:gs>
+          </a:gsLst>
+          <a:lin ang="16200000" scaled="1"/>
+        </a:gradFill>
+        <a:gradFill rotWithShape="1">
+          <a:gsLst>
+            <a:gs pos="0">
+              <a:schemeClr val="phClr">
+                <a:shade val="51000"/>
+                <a:satMod val="130000"/>
+              </a:schemeClr>
+            </a:gs>
+            <a:gs pos="80000">
+              <a:schemeClr val="phClr">
+                <a:shade val="93000"/>
+                <a:satMod val="130000"/>
+              </a:schemeClr>
+            </a:gs>
+            <a:gs pos="100000">
+              <a:schemeClr val="phClr">
+                <a:shade val="94000"/>
+                <a:satMod val="135000"/>
+              </a:schemeClr>
+            </a:gs>
+          </a:gsLst>
+          <a:lin ang="16200000" scaled="0"/>
+        </a:gradFill>
+      </a:fillStyleLst>
+      <a:lnStyleLst>
+        <a:ln w="9525" cap="flat" cmpd="sng" algn="ctr">
+          <a:solidFill>
+            <a:schemeClr val="phClr">
+              <a:shade val="95000"/>
+              <a:satMod val="105000"/>
+            </a:schemeClr>
+          </a:solidFill>
+          <a:prstDash val="solid"/>
+        </a:ln>
+        <a:ln w="25400" cap="flat" cmpd="sng" algn="ctr">
+          <a:solidFill>
+            <a:schemeClr val="phClr"/>
+          </a:solidFill>
+          <a:prstDash val="solid"/>
+        </a:ln>
+        <a:ln w="38100" cap="flat" cmpd="sng" algn="ctr">
+          <a:solidFill>
+            <a:schemeClr val="phClr"/>
+          </a:solidFill>
+          <a:prstDash val="solid"/>
+        </a:ln>
+      </a:lnStyleLst>
+      <a:effectStyleLst>
+        <a:effectStyle>
+          <a:effectLst>
+            <a:outerShdw blurRad="40000" dist="20000" dir="5400000" rotWithShape="0">
+              <a:srgbClr val="000000">
+                <a:alpha val="38000"/>
+              </a:srgbClr>
+            </a:outerShdw>
+          </a:effectLst>
+        </a:effectStyle>
+        <a:effectStyle>
+          <a:effectLst>
+            <a:outerShdw blurRad="40000" dist="23000" dir="5400000" rotWithShape="0">
+              <a:srgbClr val="000000">
+                <a:alpha val="35000"/>
+              </a:srgbClr>
+            </a:outerShdw>
+          </a:effectLst>
+        </a:effectStyle>
+        <a:effectStyle>
+          <a:effectLst>
+            <a:outerShdw blurRad="40000" dist="23000" dir="5400000" rotWithShape="0">
+              <a:srgbClr val="000000">
+                <a:alpha val="35000"/>
+              </a:srgbClr>
+            </a:outerShdw>
+          </a:effectLst>
+          <a:scene3d>
+            <a:camera prst="orthographicFront">
+              <a:rot lat="0" lon="0" rev="0"/>
+            </a:camera>
+            <a:lightRig rig="threePt" dir="t">
+              <a:rot lat="0" lon="0" rev="1200000"/>
+            </a:lightRig>
+          </a:scene3d>
+          <a:sp3d>
+            <a:bevelT w="63500" h="25400"/>
+          </a:sp3d>
+        </a:effectStyle>
+      </a:effectStyleLst>
+      <a:bgFillStyleLst>
+        <a:solidFill>
+          <a:schemeClr val="phClr"/>
+        </a:solidFill>
+        <a:gradFill rotWithShape="1">
+          <a:gsLst>
+            <a:gs pos="0">
+              <a:schemeClr val="phClr">
+                <a:tint val="40000"/>
+                <a:satMod val="350000"/>
+              </a:schemeClr>
+            </a:gs>
+            <a:gs pos="40000">
+              <a:schemeClr val="phClr">
+                <a:tint val="45000"/>
+                <a:shade val="99000"/>
+                <a:satMod val="350000"/>
+              </a:schemeClr>
+            </a:gs>
+            <a:gs pos="100000">
+              <a:schemeClr val="phClr">
+                <a:shade val="20000"/>
+                <a:satMod val="255000"/>
+              </a:schemeClr>
+            </a:gs>
+          </a:gsLst>
+          <a:path path="circle">
+            <a:fillToRect l="50000" t="-80000" r="50000" b="180000"/>
+          </a:path>
+        </a:gradFill>
+        <a:gradFill rotWithShape="1">
+          <a:gsLst>
+            <a:gs pos="0">
+              <a:schemeClr val="phClr">
+                <a:tint val="80000"/>
+                <a:satMod val="300000"/>
+              </a:schemeClr>
+            </a:gs>
+            <a:gs pos="100000">
+              <a:schemeClr val="phClr">
+                <a:shade val="30000"/>
+                <a:satMod val="200000"/>
+              </a:schemeClr>
+            </a:gs>
+          </a:gsLst>
+          <a:path path="circle">
+            <a:fillToRect l="50000" t="50000" r="50000" b="50000"/>
+          </a:path>
+        </a:gradFill>
+      </a:bgFillStyleLst>
+    </a:fmtScheme>
+  </a:themeElements>
+  <a:objectDefaults/>
+  <a:extraClrSchemeLst/>
+</a:theme>
 </file>